--- a/Getting Pushy with SignalR and Rx.pptx
+++ b/Getting Pushy with SignalR and Rx.pptx
@@ -5,13 +5,13 @@
     <p:sldMasterId id="2147483648" r:id="rId1"/>
   </p:sldMasterIdLst>
   <p:notesMasterIdLst>
-    <p:notesMasterId r:id="rId25"/>
+    <p:notesMasterId r:id="rId26"/>
   </p:notesMasterIdLst>
   <p:sldIdLst>
     <p:sldId id="256" r:id="rId2"/>
     <p:sldId id="258" r:id="rId3"/>
-    <p:sldId id="268" r:id="rId4"/>
-    <p:sldId id="272" r:id="rId5"/>
+    <p:sldId id="272" r:id="rId4"/>
+    <p:sldId id="268" r:id="rId5"/>
     <p:sldId id="259" r:id="rId6"/>
     <p:sldId id="262" r:id="rId7"/>
     <p:sldId id="260" r:id="rId8"/>
@@ -19,18 +19,19 @@
     <p:sldId id="270" r:id="rId10"/>
     <p:sldId id="271" r:id="rId11"/>
     <p:sldId id="276" r:id="rId12"/>
-    <p:sldId id="275" r:id="rId13"/>
+    <p:sldId id="280" r:id="rId13"/>
     <p:sldId id="279" r:id="rId14"/>
-    <p:sldId id="274" r:id="rId15"/>
-    <p:sldId id="257" r:id="rId16"/>
-    <p:sldId id="273" r:id="rId17"/>
-    <p:sldId id="263" r:id="rId18"/>
-    <p:sldId id="264" r:id="rId19"/>
-    <p:sldId id="265" r:id="rId20"/>
-    <p:sldId id="277" r:id="rId21"/>
-    <p:sldId id="266" r:id="rId22"/>
-    <p:sldId id="269" r:id="rId23"/>
-    <p:sldId id="267" r:id="rId24"/>
+    <p:sldId id="257" r:id="rId15"/>
+    <p:sldId id="274" r:id="rId16"/>
+    <p:sldId id="275" r:id="rId17"/>
+    <p:sldId id="273" r:id="rId18"/>
+    <p:sldId id="263" r:id="rId19"/>
+    <p:sldId id="264" r:id="rId20"/>
+    <p:sldId id="265" r:id="rId21"/>
+    <p:sldId id="277" r:id="rId22"/>
+    <p:sldId id="266" r:id="rId23"/>
+    <p:sldId id="269" r:id="rId24"/>
+    <p:sldId id="267" r:id="rId25"/>
   </p:sldIdLst>
   <p:sldSz cx="12192000" cy="6858000"/>
   <p:notesSz cx="6858000" cy="9144000"/>
@@ -6491,7 +6492,7 @@
           <a:p>
             <a:fld id="{33CE4371-0E50-4EEC-AC15-0ABAB1E82AE7}" type="datetimeFigureOut">
               <a:rPr lang="en-US" smtClean="0"/>
-              <a:t>9/22/2017</a:t>
+              <a:t>10/14/2017</a:t>
             </a:fld>
             <a:endParaRPr lang="en-US"/>
           </a:p>
@@ -6950,7 +6951,7 @@
             <a:fld id="{B61BEF0D-F0BB-DE4B-95CE-6DB70DBA9567}" type="datetimeFigureOut">
               <a:rPr lang="en-US" dirty="0"/>
               <a:pPr/>
-              <a:t>9/22/2017</a:t>
+              <a:t>10/14/2017</a:t>
             </a:fld>
             <a:endParaRPr lang="en-US" dirty="0"/>
           </a:p>
@@ -7383,7 +7384,7 @@
             <a:fld id="{B61BEF0D-F0BB-DE4B-95CE-6DB70DBA9567}" type="datetimeFigureOut">
               <a:rPr lang="en-US" dirty="0"/>
               <a:pPr/>
-              <a:t>9/22/2017</a:t>
+              <a:t>10/14/2017</a:t>
             </a:fld>
             <a:endParaRPr lang="en-US" dirty="0"/>
           </a:p>
@@ -7630,7 +7631,7 @@
             <a:fld id="{B61BEF0D-F0BB-DE4B-95CE-6DB70DBA9567}" type="datetimeFigureOut">
               <a:rPr lang="en-US" dirty="0"/>
               <a:pPr/>
-              <a:t>9/22/2017</a:t>
+              <a:t>10/14/2017</a:t>
             </a:fld>
             <a:endParaRPr lang="en-US" dirty="0"/>
           </a:p>
@@ -7935,7 +7936,7 @@
             <a:fld id="{B61BEF0D-F0BB-DE4B-95CE-6DB70DBA9567}" type="datetimeFigureOut">
               <a:rPr lang="en-US" dirty="0"/>
               <a:pPr/>
-              <a:t>9/22/2017</a:t>
+              <a:t>10/14/2017</a:t>
             </a:fld>
             <a:endParaRPr lang="en-US" dirty="0"/>
           </a:p>
@@ -8250,7 +8251,7 @@
             <a:fld id="{B61BEF0D-F0BB-DE4B-95CE-6DB70DBA9567}" type="datetimeFigureOut">
               <a:rPr lang="en-US" dirty="0"/>
               <a:pPr/>
-              <a:t>9/22/2017</a:t>
+              <a:t>10/14/2017</a:t>
             </a:fld>
             <a:endParaRPr lang="en-US" dirty="0"/>
           </a:p>
@@ -8549,7 +8550,7 @@
             <a:fld id="{B61BEF0D-F0BB-DE4B-95CE-6DB70DBA9567}" type="datetimeFigureOut">
               <a:rPr lang="en-US" dirty="0"/>
               <a:pPr/>
-              <a:t>9/22/2017</a:t>
+              <a:t>10/14/2017</a:t>
             </a:fld>
             <a:endParaRPr lang="en-US" dirty="0"/>
           </a:p>
@@ -8913,7 +8914,7 @@
             <a:fld id="{B61BEF0D-F0BB-DE4B-95CE-6DB70DBA9567}" type="datetimeFigureOut">
               <a:rPr lang="en-US" dirty="0"/>
               <a:pPr/>
-              <a:t>9/22/2017</a:t>
+              <a:t>10/14/2017</a:t>
             </a:fld>
             <a:endParaRPr lang="en-US" dirty="0"/>
           </a:p>
@@ -9084,7 +9085,7 @@
             <a:fld id="{B61BEF0D-F0BB-DE4B-95CE-6DB70DBA9567}" type="datetimeFigureOut">
               <a:rPr lang="en-US" dirty="0"/>
               <a:pPr/>
-              <a:t>9/22/2017</a:t>
+              <a:t>10/14/2017</a:t>
             </a:fld>
             <a:endParaRPr lang="en-US" dirty="0"/>
           </a:p>
@@ -9261,7 +9262,7 @@
             <a:fld id="{B61BEF0D-F0BB-DE4B-95CE-6DB70DBA9567}" type="datetimeFigureOut">
               <a:rPr lang="en-US" dirty="0"/>
               <a:pPr/>
-              <a:t>9/22/2017</a:t>
+              <a:t>10/14/2017</a:t>
             </a:fld>
             <a:endParaRPr lang="en-US" dirty="0"/>
           </a:p>
@@ -9671,7 +9672,7 @@
             <a:fld id="{B61BEF0D-F0BB-DE4B-95CE-6DB70DBA9567}" type="datetimeFigureOut">
               <a:rPr lang="en-US" dirty="0"/>
               <a:pPr/>
-              <a:t>9/22/2017</a:t>
+              <a:t>10/14/2017</a:t>
             </a:fld>
             <a:endParaRPr lang="en-US" dirty="0"/>
           </a:p>
@@ -9918,7 +9919,7 @@
             <a:fld id="{B61BEF0D-F0BB-DE4B-95CE-6DB70DBA9567}" type="datetimeFigureOut">
               <a:rPr lang="en-US" dirty="0"/>
               <a:pPr/>
-              <a:t>9/22/2017</a:t>
+              <a:t>10/14/2017</a:t>
             </a:fld>
             <a:endParaRPr lang="en-US" dirty="0"/>
           </a:p>
@@ -10151,7 +10152,7 @@
             <a:fld id="{B61BEF0D-F0BB-DE4B-95CE-6DB70DBA9567}" type="datetimeFigureOut">
               <a:rPr lang="en-US" dirty="0"/>
               <a:pPr/>
-              <a:t>9/22/2017</a:t>
+              <a:t>10/14/2017</a:t>
             </a:fld>
             <a:endParaRPr lang="en-US" dirty="0"/>
           </a:p>
@@ -10530,7 +10531,7 @@
             <a:fld id="{B61BEF0D-F0BB-DE4B-95CE-6DB70DBA9567}" type="datetimeFigureOut">
               <a:rPr lang="en-US" dirty="0"/>
               <a:pPr/>
-              <a:t>9/22/2017</a:t>
+              <a:t>10/14/2017</a:t>
             </a:fld>
             <a:endParaRPr lang="en-US" dirty="0"/>
           </a:p>
@@ -10645,7 +10646,7 @@
             <a:fld id="{B61BEF0D-F0BB-DE4B-95CE-6DB70DBA9567}" type="datetimeFigureOut">
               <a:rPr lang="en-US" dirty="0"/>
               <a:pPr/>
-              <a:t>9/22/2017</a:t>
+              <a:t>10/14/2017</a:t>
             </a:fld>
             <a:endParaRPr lang="en-US" dirty="0"/>
           </a:p>
@@ -10737,7 +10738,7 @@
             <a:fld id="{B61BEF0D-F0BB-DE4B-95CE-6DB70DBA9567}" type="datetimeFigureOut">
               <a:rPr lang="en-US" dirty="0"/>
               <a:pPr/>
-              <a:t>9/22/2017</a:t>
+              <a:t>10/14/2017</a:t>
             </a:fld>
             <a:endParaRPr lang="en-US" dirty="0"/>
           </a:p>
@@ -10989,7 +10990,7 @@
             <a:fld id="{B61BEF0D-F0BB-DE4B-95CE-6DB70DBA9567}" type="datetimeFigureOut">
               <a:rPr lang="en-US" dirty="0"/>
               <a:pPr/>
-              <a:t>9/22/2017</a:t>
+              <a:t>10/14/2017</a:t>
             </a:fld>
             <a:endParaRPr lang="en-US" dirty="0"/>
           </a:p>
@@ -11269,7 +11270,7 @@
             <a:fld id="{B61BEF0D-F0BB-DE4B-95CE-6DB70DBA9567}" type="datetimeFigureOut">
               <a:rPr lang="en-US" dirty="0"/>
               <a:pPr/>
-              <a:t>9/22/2017</a:t>
+              <a:t>10/14/2017</a:t>
             </a:fld>
             <a:endParaRPr lang="en-US" dirty="0"/>
           </a:p>
@@ -11672,7 +11673,7 @@
             <a:fld id="{B61BEF0D-F0BB-DE4B-95CE-6DB70DBA9567}" type="datetimeFigureOut">
               <a:rPr lang="en-US" dirty="0"/>
               <a:pPr/>
-              <a:t>9/22/2017</a:t>
+              <a:t>10/14/2017</a:t>
             </a:fld>
             <a:endParaRPr lang="en-US" dirty="0"/>
           </a:p>
@@ -16922,14 +16923,33 @@
             <p:ph idx="1"/>
           </p:nvPr>
         </p:nvSpPr>
-        <p:spPr/>
+        <p:spPr>
+          <a:xfrm>
+            <a:off x="684212" y="685800"/>
+            <a:ext cx="10232604" cy="3615267"/>
+          </a:xfrm>
+        </p:spPr>
         <p:txBody>
-          <a:bodyPr/>
+          <a:bodyPr>
+            <a:normAutofit/>
+          </a:bodyPr>
           <a:lstStyle/>
           <a:p>
             <a:r>
-              <a:rPr lang="en-US" dirty="0"/>
-              <a:t>Preview not shipping until after Core 2.0</a:t>
+              <a:rPr lang="en-US" strike="sngStrike" dirty="0">
+                <a:solidFill>
+                  <a:srgbClr val="002060"/>
+                </a:solidFill>
+              </a:rPr>
+              <a:t>Preview not shipping until after Core 2.0  </a:t>
+            </a:r>
+            <a:r>
+              <a:rPr lang="en-US" dirty="0">
+                <a:solidFill>
+                  <a:srgbClr val="002060"/>
+                </a:solidFill>
+              </a:rPr>
+              <a:t>Currently 1.0.0-alpha1-final </a:t>
             </a:r>
           </a:p>
           <a:p>
@@ -17037,6 +17057,1686 @@
 </file>
 
 <file path=ppt/slides/slide12.xml><?xml version="1.0" encoding="utf-8"?>
+<p:sld xmlns:a="http://schemas.openxmlformats.org/drawingml/2006/main" xmlns:r="http://schemas.openxmlformats.org/officeDocument/2006/relationships" xmlns:p="http://schemas.openxmlformats.org/presentationml/2006/main">
+  <p:cSld>
+    <p:spTree>
+      <p:nvGrpSpPr>
+        <p:cNvPr id="1" name=""/>
+        <p:cNvGrpSpPr/>
+        <p:nvPr/>
+      </p:nvGrpSpPr>
+      <p:grpSpPr>
+        <a:xfrm>
+          <a:off x="0" y="0"/>
+          <a:ext cx="0" cy="0"/>
+          <a:chOff x="0" y="0"/>
+          <a:chExt cx="0" cy="0"/>
+        </a:xfrm>
+      </p:grpSpPr>
+      <p:sp>
+        <p:nvSpPr>
+          <p:cNvPr id="2" name="Title 1"/>
+          <p:cNvSpPr>
+            <a:spLocks noGrp="1"/>
+          </p:cNvSpPr>
+          <p:nvPr>
+            <p:ph type="title"/>
+          </p:nvPr>
+        </p:nvSpPr>
+        <p:spPr/>
+        <p:txBody>
+          <a:bodyPr/>
+          <a:lstStyle/>
+          <a:p>
+            <a:r>
+              <a:rPr lang="en-US" dirty="0"/>
+              <a:t>SignalR Core Demo</a:t>
+            </a:r>
+          </a:p>
+        </p:txBody>
+      </p:sp>
+      <p:sp>
+        <p:nvSpPr>
+          <p:cNvPr id="3" name="Text Placeholder 2"/>
+          <p:cNvSpPr>
+            <a:spLocks noGrp="1"/>
+          </p:cNvSpPr>
+          <p:nvPr>
+            <p:ph type="body" idx="1"/>
+          </p:nvPr>
+        </p:nvSpPr>
+        <p:spPr/>
+        <p:txBody>
+          <a:bodyPr/>
+          <a:lstStyle/>
+          <a:p>
+            <a:endParaRPr lang="en-US"/>
+          </a:p>
+        </p:txBody>
+      </p:sp>
+    </p:spTree>
+    <p:extLst>
+      <p:ext uri="{BB962C8B-B14F-4D97-AF65-F5344CB8AC3E}">
+        <p14:creationId xmlns:p14="http://schemas.microsoft.com/office/powerpoint/2010/main" val="2975242036"/>
+      </p:ext>
+    </p:extLst>
+  </p:cSld>
+  <p:clrMapOvr>
+    <a:masterClrMapping/>
+  </p:clrMapOvr>
+</p:sld>
+</file>
+
+<file path=ppt/slides/slide13.xml><?xml version="1.0" encoding="utf-8"?>
+<p:sld xmlns:a="http://schemas.openxmlformats.org/drawingml/2006/main" xmlns:r="http://schemas.openxmlformats.org/officeDocument/2006/relationships" xmlns:p="http://schemas.openxmlformats.org/presentationml/2006/main">
+  <p:cSld>
+    <p:spTree>
+      <p:nvGrpSpPr>
+        <p:cNvPr id="1" name=""/>
+        <p:cNvGrpSpPr/>
+        <p:nvPr/>
+      </p:nvGrpSpPr>
+      <p:grpSpPr>
+        <a:xfrm>
+          <a:off x="0" y="0"/>
+          <a:ext cx="0" cy="0"/>
+          <a:chOff x="0" y="0"/>
+          <a:chExt cx="0" cy="0"/>
+        </a:xfrm>
+      </p:grpSpPr>
+      <p:sp>
+        <p:nvSpPr>
+          <p:cNvPr id="2" name="Title 1">
+            <a:extLst>
+              <a:ext uri="{FF2B5EF4-FFF2-40B4-BE49-F238E27FC236}">
+                <a16:creationId xmlns:a16="http://schemas.microsoft.com/office/drawing/2014/main" id="{C812A686-35C1-418D-B4DA-A91776E0F0DF}"/>
+              </a:ext>
+            </a:extLst>
+          </p:cNvPr>
+          <p:cNvSpPr>
+            <a:spLocks noGrp="1"/>
+          </p:cNvSpPr>
+          <p:nvPr>
+            <p:ph type="title"/>
+          </p:nvPr>
+        </p:nvSpPr>
+        <p:spPr>
+          <a:xfrm>
+            <a:off x="3345132" y="0"/>
+            <a:ext cx="8534400" cy="750595"/>
+          </a:xfrm>
+        </p:spPr>
+        <p:txBody>
+          <a:bodyPr>
+            <a:normAutofit/>
+          </a:bodyPr>
+          <a:lstStyle/>
+          <a:p>
+            <a:r>
+              <a:rPr lang="en-US" dirty="0"/>
+              <a:t>Programming options</a:t>
+            </a:r>
+          </a:p>
+        </p:txBody>
+      </p:sp>
+      <p:graphicFrame>
+        <p:nvGraphicFramePr>
+          <p:cNvPr id="4" name="Diagram 3">
+            <a:extLst>
+              <a:ext uri="{FF2B5EF4-FFF2-40B4-BE49-F238E27FC236}">
+                <a16:creationId xmlns:a16="http://schemas.microsoft.com/office/drawing/2014/main" id="{97941FCE-3C61-48D3-8EA1-2F17EE6E9030}"/>
+              </a:ext>
+            </a:extLst>
+          </p:cNvPr>
+          <p:cNvGraphicFramePr/>
+          <p:nvPr>
+            <p:extLst>
+              <p:ext uri="{D42A27DB-BD31-4B8C-83A1-F6EECF244321}">
+                <p14:modId xmlns:p14="http://schemas.microsoft.com/office/powerpoint/2010/main" val="1298159223"/>
+              </p:ext>
+            </p:extLst>
+          </p:nvPr>
+        </p:nvGraphicFramePr>
+        <p:xfrm>
+          <a:off x="2032000" y="719666"/>
+          <a:ext cx="8128000" cy="5418667"/>
+        </p:xfrm>
+        <a:graphic>
+          <a:graphicData uri="http://schemas.openxmlformats.org/drawingml/2006/diagram">
+            <dgm:relIds xmlns:dgm="http://schemas.openxmlformats.org/drawingml/2006/diagram" xmlns:r="http://schemas.openxmlformats.org/officeDocument/2006/relationships" r:dm="rId2" r:lo="rId3" r:qs="rId4" r:cs="rId5"/>
+          </a:graphicData>
+        </a:graphic>
+      </p:graphicFrame>
+      <p:sp>
+        <p:nvSpPr>
+          <p:cNvPr id="6" name="Content Placeholder 5">
+            <a:extLst>
+              <a:ext uri="{FF2B5EF4-FFF2-40B4-BE49-F238E27FC236}">
+                <a16:creationId xmlns:a16="http://schemas.microsoft.com/office/drawing/2014/main" id="{E13D5546-DAF2-41EE-82C0-98E1A846E009}"/>
+              </a:ext>
+            </a:extLst>
+          </p:cNvPr>
+          <p:cNvSpPr>
+            <a:spLocks noGrp="1"/>
+          </p:cNvSpPr>
+          <p:nvPr>
+            <p:ph idx="1"/>
+          </p:nvPr>
+        </p:nvSpPr>
+        <p:spPr/>
+        <p:txBody>
+          <a:bodyPr/>
+          <a:lstStyle/>
+          <a:p>
+            <a:endParaRPr lang="en-US"/>
+          </a:p>
+        </p:txBody>
+      </p:sp>
+    </p:spTree>
+    <p:extLst>
+      <p:ext uri="{BB962C8B-B14F-4D97-AF65-F5344CB8AC3E}">
+        <p14:creationId xmlns:p14="http://schemas.microsoft.com/office/powerpoint/2010/main" val="1018919552"/>
+      </p:ext>
+    </p:extLst>
+  </p:cSld>
+  <p:clrMapOvr>
+    <a:masterClrMapping/>
+  </p:clrMapOvr>
+  <p:timing>
+    <p:tnLst>
+      <p:par>
+        <p:cTn id="1" dur="indefinite" restart="never" nodeType="tmRoot">
+          <p:childTnLst>
+            <p:seq concurrent="1" nextAc="seek">
+              <p:cTn id="2" dur="indefinite" nodeType="mainSeq">
+                <p:childTnLst>
+                  <p:par>
+                    <p:cTn id="3" fill="hold">
+                      <p:stCondLst>
+                        <p:cond delay="indefinite"/>
+                      </p:stCondLst>
+                      <p:childTnLst>
+                        <p:par>
+                          <p:cTn id="4" fill="hold">
+                            <p:stCondLst>
+                              <p:cond delay="0"/>
+                            </p:stCondLst>
+                            <p:childTnLst>
+                              <p:par>
+                                <p:cTn id="5" presetID="1" presetClass="entr" presetSubtype="0" fill="hold" grpId="0" nodeType="clickEffect">
+                                  <p:stCondLst>
+                                    <p:cond delay="0"/>
+                                  </p:stCondLst>
+                                  <p:childTnLst>
+                                    <p:set>
+                                      <p:cBhvr>
+                                        <p:cTn id="6" dur="1" fill="hold">
+                                          <p:stCondLst>
+                                            <p:cond delay="0"/>
+                                          </p:stCondLst>
+                                        </p:cTn>
+                                        <p:tgtEl>
+                                          <p:spTgt spid="4">
+                                            <p:graphicEl>
+                                              <a:dgm id="{8E9A8DD0-2C5D-4BA5-9333-EF4993453B63}"/>
+                                            </p:graphicEl>
+                                          </p:spTgt>
+                                        </p:tgtEl>
+                                        <p:attrNameLst>
+                                          <p:attrName>style.visibility</p:attrName>
+                                        </p:attrNameLst>
+                                      </p:cBhvr>
+                                      <p:to>
+                                        <p:strVal val="visible"/>
+                                      </p:to>
+                                    </p:set>
+                                  </p:childTnLst>
+                                </p:cTn>
+                              </p:par>
+                            </p:childTnLst>
+                          </p:cTn>
+                        </p:par>
+                      </p:childTnLst>
+                    </p:cTn>
+                  </p:par>
+                  <p:par>
+                    <p:cTn id="7" fill="hold">
+                      <p:stCondLst>
+                        <p:cond delay="indefinite"/>
+                      </p:stCondLst>
+                      <p:childTnLst>
+                        <p:par>
+                          <p:cTn id="8" fill="hold">
+                            <p:stCondLst>
+                              <p:cond delay="0"/>
+                            </p:stCondLst>
+                            <p:childTnLst>
+                              <p:par>
+                                <p:cTn id="9" presetID="1" presetClass="entr" presetSubtype="0" fill="hold" grpId="0" nodeType="clickEffect">
+                                  <p:stCondLst>
+                                    <p:cond delay="0"/>
+                                  </p:stCondLst>
+                                  <p:childTnLst>
+                                    <p:set>
+                                      <p:cBhvr>
+                                        <p:cTn id="10" dur="1" fill="hold">
+                                          <p:stCondLst>
+                                            <p:cond delay="0"/>
+                                          </p:stCondLst>
+                                        </p:cTn>
+                                        <p:tgtEl>
+                                          <p:spTgt spid="4">
+                                            <p:graphicEl>
+                                              <a:dgm id="{7DBB93A1-7794-4833-A569-B5F0DA6337DF}"/>
+                                            </p:graphicEl>
+                                          </p:spTgt>
+                                        </p:tgtEl>
+                                        <p:attrNameLst>
+                                          <p:attrName>style.visibility</p:attrName>
+                                        </p:attrNameLst>
+                                      </p:cBhvr>
+                                      <p:to>
+                                        <p:strVal val="visible"/>
+                                      </p:to>
+                                    </p:set>
+                                  </p:childTnLst>
+                                </p:cTn>
+                              </p:par>
+                            </p:childTnLst>
+                          </p:cTn>
+                        </p:par>
+                      </p:childTnLst>
+                    </p:cTn>
+                  </p:par>
+                </p:childTnLst>
+              </p:cTn>
+              <p:prevCondLst>
+                <p:cond evt="onPrev" delay="0">
+                  <p:tgtEl>
+                    <p:sldTgt/>
+                  </p:tgtEl>
+                </p:cond>
+              </p:prevCondLst>
+              <p:nextCondLst>
+                <p:cond evt="onNext" delay="0">
+                  <p:tgtEl>
+                    <p:sldTgt/>
+                  </p:tgtEl>
+                </p:cond>
+              </p:nextCondLst>
+            </p:seq>
+          </p:childTnLst>
+        </p:cTn>
+      </p:par>
+    </p:tnLst>
+    <p:bldLst>
+      <p:bldGraphic spid="4" grpId="0" uiExpand="1">
+        <p:bldSub>
+          <a:bldDgm bld="one"/>
+        </p:bldSub>
+      </p:bldGraphic>
+    </p:bldLst>
+  </p:timing>
+</p:sld>
+</file>
+
+<file path=ppt/slides/slide14.xml><?xml version="1.0" encoding="utf-8"?>
+<p:sld xmlns:a="http://schemas.openxmlformats.org/drawingml/2006/main" xmlns:r="http://schemas.openxmlformats.org/officeDocument/2006/relationships" xmlns:p="http://schemas.openxmlformats.org/presentationml/2006/main">
+  <p:cSld>
+    <p:spTree>
+      <p:nvGrpSpPr>
+        <p:cNvPr id="1" name=""/>
+        <p:cNvGrpSpPr/>
+        <p:nvPr/>
+      </p:nvGrpSpPr>
+      <p:grpSpPr>
+        <a:xfrm>
+          <a:off x="0" y="0"/>
+          <a:ext cx="0" cy="0"/>
+          <a:chOff x="0" y="0"/>
+          <a:chExt cx="0" cy="0"/>
+        </a:xfrm>
+      </p:grpSpPr>
+      <p:sp>
+        <p:nvSpPr>
+          <p:cNvPr id="9" name="Text Placeholder 2"/>
+          <p:cNvSpPr txBox="1">
+            <a:spLocks/>
+          </p:cNvSpPr>
+          <p:nvPr/>
+        </p:nvSpPr>
+        <p:spPr>
+          <a:xfrm>
+            <a:off x="329084" y="2094291"/>
+            <a:ext cx="5647173" cy="2231571"/>
+          </a:xfrm>
+          <a:prstGeom prst="rect">
+            <a:avLst/>
+          </a:prstGeom>
+          <a:solidFill>
+            <a:schemeClr val="tx1">
+              <a:lumMod val="65000"/>
+            </a:schemeClr>
+          </a:solidFill>
+        </p:spPr>
+        <p:txBody>
+          <a:bodyPr vert="horz" lIns="91440" tIns="45720" rIns="91440" bIns="45720" rtlCol="0" anchor="t">
+            <a:normAutofit fontScale="92500" lnSpcReduction="20000"/>
+          </a:bodyPr>
+          <a:lstStyle>
+            <a:defPPr>
+              <a:defRPr lang="en-US"/>
+            </a:defPPr>
+            <a:lvl1pPr marL="0" algn="r" defTabSz="457200" rtl="0" eaLnBrk="1" latinLnBrk="0" hangingPunct="1">
+              <a:defRPr sz="1000" b="0" i="0" kern="1200">
+                <a:solidFill>
+                  <a:schemeClr val="bg2">
+                    <a:lumMod val="50000"/>
+                  </a:schemeClr>
+                </a:solidFill>
+                <a:effectLst/>
+                <a:latin typeface="+mn-lt"/>
+                <a:ea typeface="+mn-ea"/>
+                <a:cs typeface="+mn-cs"/>
+              </a:defRPr>
+            </a:lvl1pPr>
+            <a:lvl2pPr marL="457200" algn="l" defTabSz="457200" rtl="0" eaLnBrk="1" latinLnBrk="0" hangingPunct="1">
+              <a:defRPr sz="1800" kern="1200">
+                <a:solidFill>
+                  <a:schemeClr val="tx1"/>
+                </a:solidFill>
+                <a:latin typeface="+mn-lt"/>
+                <a:ea typeface="+mn-ea"/>
+                <a:cs typeface="+mn-cs"/>
+              </a:defRPr>
+            </a:lvl2pPr>
+            <a:lvl3pPr marL="914400" algn="l" defTabSz="457200" rtl="0" eaLnBrk="1" latinLnBrk="0" hangingPunct="1">
+              <a:defRPr sz="1800" kern="1200">
+                <a:solidFill>
+                  <a:schemeClr val="tx1"/>
+                </a:solidFill>
+                <a:latin typeface="+mn-lt"/>
+                <a:ea typeface="+mn-ea"/>
+                <a:cs typeface="+mn-cs"/>
+              </a:defRPr>
+            </a:lvl3pPr>
+            <a:lvl4pPr marL="1371600" algn="l" defTabSz="457200" rtl="0" eaLnBrk="1" latinLnBrk="0" hangingPunct="1">
+              <a:defRPr sz="1800" kern="1200">
+                <a:solidFill>
+                  <a:schemeClr val="tx1"/>
+                </a:solidFill>
+                <a:latin typeface="+mn-lt"/>
+                <a:ea typeface="+mn-ea"/>
+                <a:cs typeface="+mn-cs"/>
+              </a:defRPr>
+            </a:lvl4pPr>
+            <a:lvl5pPr marL="1828800" algn="l" defTabSz="457200" rtl="0" eaLnBrk="1" latinLnBrk="0" hangingPunct="1">
+              <a:defRPr sz="1800" kern="1200">
+                <a:solidFill>
+                  <a:schemeClr val="tx1"/>
+                </a:solidFill>
+                <a:latin typeface="+mn-lt"/>
+                <a:ea typeface="+mn-ea"/>
+                <a:cs typeface="+mn-cs"/>
+              </a:defRPr>
+            </a:lvl5pPr>
+            <a:lvl6pPr marL="2286000" algn="l" defTabSz="457200" rtl="0" eaLnBrk="1" latinLnBrk="0" hangingPunct="1">
+              <a:defRPr sz="1800" kern="1200">
+                <a:solidFill>
+                  <a:schemeClr val="tx1"/>
+                </a:solidFill>
+                <a:latin typeface="+mn-lt"/>
+                <a:ea typeface="+mn-ea"/>
+                <a:cs typeface="+mn-cs"/>
+              </a:defRPr>
+            </a:lvl6pPr>
+            <a:lvl7pPr marL="2743200" algn="l" defTabSz="457200" rtl="0" eaLnBrk="1" latinLnBrk="0" hangingPunct="1">
+              <a:defRPr sz="1800" kern="1200">
+                <a:solidFill>
+                  <a:schemeClr val="tx1"/>
+                </a:solidFill>
+                <a:latin typeface="+mn-lt"/>
+                <a:ea typeface="+mn-ea"/>
+                <a:cs typeface="+mn-cs"/>
+              </a:defRPr>
+            </a:lvl7pPr>
+            <a:lvl8pPr marL="3200400" algn="l" defTabSz="457200" rtl="0" eaLnBrk="1" latinLnBrk="0" hangingPunct="1">
+              <a:defRPr sz="1800" kern="1200">
+                <a:solidFill>
+                  <a:schemeClr val="tx1"/>
+                </a:solidFill>
+                <a:latin typeface="+mn-lt"/>
+                <a:ea typeface="+mn-ea"/>
+                <a:cs typeface="+mn-cs"/>
+              </a:defRPr>
+            </a:lvl8pPr>
+            <a:lvl9pPr marL="3657600" algn="l" defTabSz="457200" rtl="0" eaLnBrk="1" latinLnBrk="0" hangingPunct="1">
+              <a:defRPr sz="1800" kern="1200">
+                <a:solidFill>
+                  <a:schemeClr val="tx1"/>
+                </a:solidFill>
+                <a:latin typeface="+mn-lt"/>
+                <a:ea typeface="+mn-ea"/>
+                <a:cs typeface="+mn-cs"/>
+              </a:defRPr>
+            </a:lvl9pPr>
+          </a:lstStyle>
+          <a:p>
+            <a:pPr algn="l">
+              <a:spcBef>
+                <a:spcPts val="600"/>
+              </a:spcBef>
+              <a:spcAft>
+                <a:spcPts val="600"/>
+              </a:spcAft>
+            </a:pPr>
+            <a:r>
+              <a:rPr lang="en-US" sz="1800" dirty="0">
+                <a:solidFill>
+                  <a:srgbClr val="400080"/>
+                </a:solidFill>
+                <a:latin typeface="Consolas" panose="020B0609020204030204" pitchFamily="49" charset="0"/>
+                <a:cs typeface="Consolas" panose="020B0609020204030204" pitchFamily="49" charset="0"/>
+              </a:rPr>
+              <a:t>public</a:t>
+            </a:r>
+            <a:r>
+              <a:rPr lang="en-US" sz="1800" dirty="0">
+                <a:latin typeface="Consolas" panose="020B0609020204030204" pitchFamily="49" charset="0"/>
+                <a:cs typeface="Consolas" panose="020B0609020204030204" pitchFamily="49" charset="0"/>
+              </a:rPr>
+              <a:t> </a:t>
+            </a:r>
+            <a:r>
+              <a:rPr lang="en-US" sz="1800" dirty="0">
+                <a:solidFill>
+                  <a:srgbClr val="400080"/>
+                </a:solidFill>
+                <a:latin typeface="Consolas" panose="020B0609020204030204" pitchFamily="49" charset="0"/>
+                <a:cs typeface="Consolas" panose="020B0609020204030204" pitchFamily="49" charset="0"/>
+              </a:rPr>
+              <a:t>interface</a:t>
+            </a:r>
+            <a:r>
+              <a:rPr lang="en-US" sz="1800" dirty="0">
+                <a:latin typeface="Consolas" panose="020B0609020204030204" pitchFamily="49" charset="0"/>
+                <a:cs typeface="Consolas" panose="020B0609020204030204" pitchFamily="49" charset="0"/>
+              </a:rPr>
+              <a:t> </a:t>
+            </a:r>
+            <a:r>
+              <a:rPr lang="en-US" sz="1800" dirty="0" err="1">
+                <a:solidFill>
+                  <a:srgbClr val="2B91AF"/>
+                </a:solidFill>
+                <a:latin typeface="Consolas" panose="020B0609020204030204" pitchFamily="49" charset="0"/>
+                <a:cs typeface="Consolas" panose="020B0609020204030204" pitchFamily="49" charset="0"/>
+              </a:rPr>
+              <a:t>IEnumerator</a:t>
+            </a:r>
+            <a:r>
+              <a:rPr lang="en-US" sz="1800" dirty="0">
+                <a:solidFill>
+                  <a:srgbClr val="2B91AF"/>
+                </a:solidFill>
+                <a:latin typeface="Consolas" panose="020B0609020204030204" pitchFamily="49" charset="0"/>
+                <a:cs typeface="Consolas" panose="020B0609020204030204" pitchFamily="49" charset="0"/>
+              </a:rPr>
+              <a:t>&lt;</a:t>
+            </a:r>
+            <a:r>
+              <a:rPr lang="en-US" sz="1900" dirty="0">
+                <a:solidFill>
+                  <a:srgbClr val="010001"/>
+                </a:solidFill>
+                <a:latin typeface="Consolas" pitchFamily="49" charset="0"/>
+              </a:rPr>
+              <a:t>T</a:t>
+            </a:r>
+            <a:r>
+              <a:rPr lang="en-US" sz="1800" dirty="0">
+                <a:solidFill>
+                  <a:srgbClr val="2B91AF"/>
+                </a:solidFill>
+                <a:latin typeface="Consolas" panose="020B0609020204030204" pitchFamily="49" charset="0"/>
+                <a:cs typeface="Consolas" panose="020B0609020204030204" pitchFamily="49" charset="0"/>
+              </a:rPr>
+              <a:t>&gt;</a:t>
+            </a:r>
+          </a:p>
+          <a:p>
+            <a:pPr algn="l">
+              <a:spcBef>
+                <a:spcPts val="600"/>
+              </a:spcBef>
+              <a:spcAft>
+                <a:spcPts val="600"/>
+              </a:spcAft>
+            </a:pPr>
+            <a:r>
+              <a:rPr lang="en-US" sz="1800" dirty="0">
+                <a:latin typeface="Consolas" panose="020B0609020204030204" pitchFamily="49" charset="0"/>
+                <a:cs typeface="Consolas" panose="020B0609020204030204" pitchFamily="49" charset="0"/>
+              </a:rPr>
+              <a:t>{</a:t>
+            </a:r>
+          </a:p>
+          <a:p>
+            <a:pPr algn="l">
+              <a:spcBef>
+                <a:spcPts val="600"/>
+              </a:spcBef>
+              <a:spcAft>
+                <a:spcPts val="600"/>
+              </a:spcAft>
+            </a:pPr>
+            <a:r>
+              <a:rPr lang="en-US" sz="1800" dirty="0">
+                <a:latin typeface="Consolas" panose="020B0609020204030204" pitchFamily="49" charset="0"/>
+                <a:cs typeface="Consolas" panose="020B0609020204030204" pitchFamily="49" charset="0"/>
+              </a:rPr>
+              <a:t>   </a:t>
+            </a:r>
+            <a:r>
+              <a:rPr lang="en-US" sz="1800" dirty="0">
+                <a:solidFill>
+                  <a:srgbClr val="400080"/>
+                </a:solidFill>
+                <a:latin typeface="Consolas" panose="020B0609020204030204" pitchFamily="49" charset="0"/>
+                <a:cs typeface="Consolas" panose="020B0609020204030204" pitchFamily="49" charset="0"/>
+              </a:rPr>
+              <a:t>T</a:t>
+            </a:r>
+            <a:r>
+              <a:rPr lang="en-US" sz="1800" dirty="0">
+                <a:latin typeface="Consolas" panose="020B0609020204030204" pitchFamily="49" charset="0"/>
+                <a:cs typeface="Consolas" panose="020B0609020204030204" pitchFamily="49" charset="0"/>
+              </a:rPr>
+              <a:t> </a:t>
+            </a:r>
+            <a:r>
+              <a:rPr lang="en-US" sz="1800" dirty="0">
+                <a:solidFill>
+                  <a:srgbClr val="010001"/>
+                </a:solidFill>
+                <a:latin typeface="Consolas" panose="020B0609020204030204" pitchFamily="49" charset="0"/>
+                <a:cs typeface="Consolas" panose="020B0609020204030204" pitchFamily="49" charset="0"/>
+              </a:rPr>
+              <a:t>Current</a:t>
+            </a:r>
+            <a:r>
+              <a:rPr lang="en-US" sz="1800" dirty="0">
+                <a:latin typeface="Consolas" panose="020B0609020204030204" pitchFamily="49" charset="0"/>
+                <a:cs typeface="Consolas" panose="020B0609020204030204" pitchFamily="49" charset="0"/>
+              </a:rPr>
+              <a:t> { </a:t>
+            </a:r>
+            <a:r>
+              <a:rPr lang="en-US" sz="1800" dirty="0">
+                <a:solidFill>
+                  <a:srgbClr val="400080"/>
+                </a:solidFill>
+                <a:latin typeface="Consolas" panose="020B0609020204030204" pitchFamily="49" charset="0"/>
+                <a:cs typeface="Consolas" panose="020B0609020204030204" pitchFamily="49" charset="0"/>
+              </a:rPr>
+              <a:t>get</a:t>
+            </a:r>
+            <a:r>
+              <a:rPr lang="en-US" sz="1800" dirty="0">
+                <a:latin typeface="Consolas" panose="020B0609020204030204" pitchFamily="49" charset="0"/>
+                <a:cs typeface="Consolas" panose="020B0609020204030204" pitchFamily="49" charset="0"/>
+              </a:rPr>
+              <a:t>; }</a:t>
+            </a:r>
+          </a:p>
+          <a:p>
+            <a:pPr algn="l">
+              <a:spcBef>
+                <a:spcPts val="600"/>
+              </a:spcBef>
+              <a:spcAft>
+                <a:spcPts val="600"/>
+              </a:spcAft>
+            </a:pPr>
+            <a:r>
+              <a:rPr lang="en-US" sz="1800" dirty="0">
+                <a:latin typeface="Consolas" panose="020B0609020204030204" pitchFamily="49" charset="0"/>
+                <a:cs typeface="Consolas" panose="020B0609020204030204" pitchFamily="49" charset="0"/>
+              </a:rPr>
+              <a:t>   </a:t>
+            </a:r>
+            <a:r>
+              <a:rPr lang="en-US" sz="1800" dirty="0" err="1">
+                <a:solidFill>
+                  <a:srgbClr val="400080"/>
+                </a:solidFill>
+                <a:latin typeface="Consolas" panose="020B0609020204030204" pitchFamily="49" charset="0"/>
+                <a:cs typeface="Consolas" panose="020B0609020204030204" pitchFamily="49" charset="0"/>
+              </a:rPr>
+              <a:t>bool</a:t>
+            </a:r>
+            <a:r>
+              <a:rPr lang="en-US" sz="1800" dirty="0">
+                <a:latin typeface="Consolas" panose="020B0609020204030204" pitchFamily="49" charset="0"/>
+                <a:cs typeface="Consolas" panose="020B0609020204030204" pitchFamily="49" charset="0"/>
+              </a:rPr>
+              <a:t> </a:t>
+            </a:r>
+            <a:r>
+              <a:rPr lang="en-US" sz="1800" dirty="0" err="1">
+                <a:solidFill>
+                  <a:srgbClr val="010001"/>
+                </a:solidFill>
+                <a:latin typeface="Consolas" panose="020B0609020204030204" pitchFamily="49" charset="0"/>
+                <a:cs typeface="Consolas" panose="020B0609020204030204" pitchFamily="49" charset="0"/>
+              </a:rPr>
+              <a:t>MoveNext</a:t>
+            </a:r>
+            <a:r>
+              <a:rPr lang="en-US" sz="1800" dirty="0">
+                <a:latin typeface="Consolas" panose="020B0609020204030204" pitchFamily="49" charset="0"/>
+                <a:cs typeface="Consolas" panose="020B0609020204030204" pitchFamily="49" charset="0"/>
+              </a:rPr>
+              <a:t>();</a:t>
+            </a:r>
+          </a:p>
+          <a:p>
+            <a:pPr algn="l">
+              <a:spcBef>
+                <a:spcPts val="600"/>
+              </a:spcBef>
+              <a:spcAft>
+                <a:spcPts val="600"/>
+              </a:spcAft>
+            </a:pPr>
+            <a:r>
+              <a:rPr lang="en-US" sz="1800" dirty="0">
+                <a:latin typeface="Consolas" panose="020B0609020204030204" pitchFamily="49" charset="0"/>
+                <a:cs typeface="Consolas" panose="020B0609020204030204" pitchFamily="49" charset="0"/>
+              </a:rPr>
+              <a:t>   </a:t>
+            </a:r>
+            <a:r>
+              <a:rPr lang="en-US" sz="1800" dirty="0">
+                <a:solidFill>
+                  <a:srgbClr val="400080"/>
+                </a:solidFill>
+                <a:latin typeface="Consolas" panose="020B0609020204030204" pitchFamily="49" charset="0"/>
+                <a:cs typeface="Consolas" panose="020B0609020204030204" pitchFamily="49" charset="0"/>
+              </a:rPr>
+              <a:t>void</a:t>
+            </a:r>
+            <a:r>
+              <a:rPr lang="en-US" sz="1800" dirty="0">
+                <a:latin typeface="Consolas" panose="020B0609020204030204" pitchFamily="49" charset="0"/>
+                <a:cs typeface="Consolas" panose="020B0609020204030204" pitchFamily="49" charset="0"/>
+              </a:rPr>
+              <a:t> </a:t>
+            </a:r>
+            <a:r>
+              <a:rPr lang="en-US" sz="1800" dirty="0">
+                <a:solidFill>
+                  <a:srgbClr val="010001"/>
+                </a:solidFill>
+                <a:latin typeface="Consolas" panose="020B0609020204030204" pitchFamily="49" charset="0"/>
+                <a:cs typeface="Consolas" panose="020B0609020204030204" pitchFamily="49" charset="0"/>
+              </a:rPr>
+              <a:t>Reset</a:t>
+            </a:r>
+            <a:r>
+              <a:rPr lang="en-US" sz="1800" dirty="0">
+                <a:latin typeface="Consolas" panose="020B0609020204030204" pitchFamily="49" charset="0"/>
+                <a:cs typeface="Consolas" panose="020B0609020204030204" pitchFamily="49" charset="0"/>
+              </a:rPr>
+              <a:t>();</a:t>
+            </a:r>
+          </a:p>
+          <a:p>
+            <a:pPr algn="l">
+              <a:spcBef>
+                <a:spcPts val="600"/>
+              </a:spcBef>
+              <a:spcAft>
+                <a:spcPts val="600"/>
+              </a:spcAft>
+            </a:pPr>
+            <a:r>
+              <a:rPr lang="en-US" sz="1800" dirty="0">
+                <a:latin typeface="Consolas" panose="020B0609020204030204" pitchFamily="49" charset="0"/>
+                <a:cs typeface="Consolas" panose="020B0609020204030204" pitchFamily="49" charset="0"/>
+              </a:rPr>
+              <a:t>}</a:t>
+            </a:r>
+          </a:p>
+        </p:txBody>
+      </p:sp>
+      <p:sp>
+        <p:nvSpPr>
+          <p:cNvPr id="4" name="Title 3"/>
+          <p:cNvSpPr>
+            <a:spLocks noGrp="1"/>
+          </p:cNvSpPr>
+          <p:nvPr>
+            <p:ph type="title"/>
+          </p:nvPr>
+        </p:nvSpPr>
+        <p:spPr/>
+        <p:txBody>
+          <a:bodyPr/>
+          <a:lstStyle/>
+          <a:p>
+            <a:r>
+              <a:rPr lang="en-US" dirty="0"/>
+              <a:t>Problems with Pull - LINQ</a:t>
+            </a:r>
+          </a:p>
+        </p:txBody>
+      </p:sp>
+      <p:sp>
+        <p:nvSpPr>
+          <p:cNvPr id="7" name="Left Arrow 6"/>
+          <p:cNvSpPr/>
+          <p:nvPr/>
+        </p:nvSpPr>
+        <p:spPr bwMode="auto">
+          <a:xfrm>
+            <a:off x="3586537" y="2714776"/>
+            <a:ext cx="2458090" cy="990600"/>
+          </a:xfrm>
+          <a:prstGeom prst="leftArrow">
+            <a:avLst/>
+          </a:prstGeom>
+          <a:ln>
+            <a:headEnd type="none" w="med" len="med"/>
+            <a:tailEnd type="none" w="med" len="med"/>
+          </a:ln>
+        </p:spPr>
+        <p:style>
+          <a:lnRef idx="1">
+            <a:schemeClr val="accent2"/>
+          </a:lnRef>
+          <a:fillRef idx="3">
+            <a:schemeClr val="accent2"/>
+          </a:fillRef>
+          <a:effectRef idx="2">
+            <a:schemeClr val="accent2"/>
+          </a:effectRef>
+          <a:fontRef idx="minor">
+            <a:schemeClr val="lt1"/>
+          </a:fontRef>
+        </p:style>
+        <p:txBody>
+          <a:bodyPr vert="horz" wrap="square" lIns="91436" tIns="45718" rIns="91436" bIns="45718" numCol="1" rtlCol="0" anchor="ctr" anchorCtr="0" compatLnSpc="1">
+            <a:prstTxWarp prst="textNoShape">
+              <a:avLst/>
+            </a:prstTxWarp>
+          </a:bodyPr>
+          <a:lstStyle/>
+          <a:p>
+            <a:pPr algn="ctr" defTabSz="914099" fontAlgn="base">
+              <a:spcBef>
+                <a:spcPct val="0"/>
+              </a:spcBef>
+              <a:spcAft>
+                <a:spcPct val="0"/>
+              </a:spcAft>
+            </a:pPr>
+            <a:r>
+              <a:rPr lang="en-US" sz="2200" dirty="0">
+                <a:gradFill>
+                  <a:gsLst>
+                    <a:gs pos="0">
+                      <a:srgbClr val="FFFFFF"/>
+                    </a:gs>
+                    <a:gs pos="100000">
+                      <a:srgbClr val="FFFFFF"/>
+                    </a:gs>
+                  </a:gsLst>
+                  <a:lin ang="5400000" scaled="0"/>
+                </a:gradFill>
+              </a:rPr>
+              <a:t>Blocking</a:t>
+            </a:r>
+          </a:p>
+        </p:txBody>
+      </p:sp>
+      <p:sp>
+        <p:nvSpPr>
+          <p:cNvPr id="8" name="Text Placeholder 2"/>
+          <p:cNvSpPr txBox="1">
+            <a:spLocks noGrp="1"/>
+          </p:cNvSpPr>
+          <p:nvPr>
+            <p:ph idx="1"/>
+          </p:nvPr>
+        </p:nvSpPr>
+        <p:spPr>
+          <a:xfrm>
+            <a:off x="6112996" y="2158571"/>
+            <a:ext cx="5542417" cy="2103012"/>
+          </a:xfrm>
+          <a:prstGeom prst="rect">
+            <a:avLst/>
+          </a:prstGeom>
+          <a:solidFill>
+            <a:schemeClr val="tx1">
+              <a:lumMod val="65000"/>
+            </a:schemeClr>
+          </a:solidFill>
+          <a:ln w="9525">
+            <a:solidFill>
+              <a:schemeClr val="tx1"/>
+            </a:solidFill>
+          </a:ln>
+        </p:spPr>
+        <p:txBody>
+          <a:bodyPr vert="horz" wrap="square" lIns="0" tIns="0" rIns="0" bIns="0" rtlCol="0">
+            <a:spAutoFit/>
+          </a:bodyPr>
+          <a:lstStyle>
+            <a:lvl1pPr marL="460375" indent="-460375" algn="l" defTabSz="914363" rtl="0" eaLnBrk="1" latinLnBrk="0" hangingPunct="1">
+              <a:lnSpc>
+                <a:spcPct val="90000"/>
+              </a:lnSpc>
+              <a:spcBef>
+                <a:spcPct val="20000"/>
+              </a:spcBef>
+              <a:buSzPct val="90000"/>
+              <a:buFontTx/>
+              <a:buNone/>
+              <a:defRPr sz="1800" b="0" kern="1200">
+                <a:gradFill>
+                  <a:gsLst>
+                    <a:gs pos="0">
+                      <a:schemeClr val="tx1"/>
+                    </a:gs>
+                    <a:gs pos="86000">
+                      <a:schemeClr val="tx1"/>
+                    </a:gs>
+                  </a:gsLst>
+                  <a:lin ang="5400000" scaled="0"/>
+                </a:gradFill>
+                <a:latin typeface="Consolas" pitchFamily="49" charset="0"/>
+                <a:ea typeface="+mn-ea"/>
+                <a:cs typeface="+mn-cs"/>
+              </a:defRPr>
+            </a:lvl1pPr>
+            <a:lvl2pPr marL="855663" indent="-395288" algn="l" defTabSz="914363" rtl="0" eaLnBrk="1" latinLnBrk="0" hangingPunct="1">
+              <a:lnSpc>
+                <a:spcPct val="90000"/>
+              </a:lnSpc>
+              <a:spcBef>
+                <a:spcPct val="20000"/>
+              </a:spcBef>
+              <a:buSzPct val="90000"/>
+              <a:buFontTx/>
+              <a:buBlip>
+                <a:blip r:embed="rId2"/>
+              </a:buBlip>
+              <a:defRPr sz="2800" kern="1200">
+                <a:gradFill>
+                  <a:gsLst>
+                    <a:gs pos="0">
+                      <a:schemeClr val="tx1"/>
+                    </a:gs>
+                    <a:gs pos="86000">
+                      <a:schemeClr val="tx1"/>
+                    </a:gs>
+                  </a:gsLst>
+                  <a:lin ang="5400000" scaled="0"/>
+                </a:gradFill>
+                <a:latin typeface="+mn-lt"/>
+                <a:ea typeface="+mn-ea"/>
+                <a:cs typeface="+mn-cs"/>
+              </a:defRPr>
+            </a:lvl2pPr>
+            <a:lvl3pPr marL="1258888" indent="-403225" algn="l" defTabSz="914363" rtl="0" eaLnBrk="1" latinLnBrk="0" hangingPunct="1">
+              <a:lnSpc>
+                <a:spcPct val="90000"/>
+              </a:lnSpc>
+              <a:spcBef>
+                <a:spcPct val="20000"/>
+              </a:spcBef>
+              <a:buSzPct val="90000"/>
+              <a:buFontTx/>
+              <a:buBlip>
+                <a:blip r:embed="rId2"/>
+              </a:buBlip>
+              <a:defRPr sz="2400" kern="1200">
+                <a:gradFill>
+                  <a:gsLst>
+                    <a:gs pos="0">
+                      <a:schemeClr val="tx1"/>
+                    </a:gs>
+                    <a:gs pos="86000">
+                      <a:schemeClr val="tx1"/>
+                    </a:gs>
+                  </a:gsLst>
+                  <a:lin ang="5400000" scaled="0"/>
+                </a:gradFill>
+                <a:latin typeface="+mn-lt"/>
+                <a:ea typeface="+mn-ea"/>
+                <a:cs typeface="+mn-cs"/>
+              </a:defRPr>
+            </a:lvl3pPr>
+            <a:lvl4pPr marL="1604963" indent="-346075" algn="l" defTabSz="914363" rtl="0" eaLnBrk="1" latinLnBrk="0" hangingPunct="1">
+              <a:lnSpc>
+                <a:spcPct val="90000"/>
+              </a:lnSpc>
+              <a:spcBef>
+                <a:spcPct val="20000"/>
+              </a:spcBef>
+              <a:buSzPct val="90000"/>
+              <a:buFontTx/>
+              <a:buBlip>
+                <a:blip r:embed="rId2"/>
+              </a:buBlip>
+              <a:defRPr sz="2000" kern="1200">
+                <a:gradFill>
+                  <a:gsLst>
+                    <a:gs pos="0">
+                      <a:schemeClr val="tx1"/>
+                    </a:gs>
+                    <a:gs pos="86000">
+                      <a:schemeClr val="tx1"/>
+                    </a:gs>
+                  </a:gsLst>
+                  <a:lin ang="5400000" scaled="0"/>
+                </a:gradFill>
+                <a:latin typeface="+mn-lt"/>
+                <a:ea typeface="+mn-ea"/>
+                <a:cs typeface="+mn-cs"/>
+              </a:defRPr>
+            </a:lvl4pPr>
+            <a:lvl5pPr marL="1941513" indent="-336550" algn="l" defTabSz="914363" rtl="0" eaLnBrk="1" latinLnBrk="0" hangingPunct="1">
+              <a:lnSpc>
+                <a:spcPct val="90000"/>
+              </a:lnSpc>
+              <a:spcBef>
+                <a:spcPct val="20000"/>
+              </a:spcBef>
+              <a:buSzPct val="90000"/>
+              <a:buFontTx/>
+              <a:buBlip>
+                <a:blip r:embed="rId2"/>
+              </a:buBlip>
+              <a:defRPr sz="2000" kern="1200">
+                <a:gradFill>
+                  <a:gsLst>
+                    <a:gs pos="0">
+                      <a:schemeClr val="tx1"/>
+                    </a:gs>
+                    <a:gs pos="86000">
+                      <a:schemeClr val="tx1"/>
+                    </a:gs>
+                  </a:gsLst>
+                  <a:lin ang="5400000" scaled="0"/>
+                </a:gradFill>
+                <a:latin typeface="+mn-lt"/>
+                <a:ea typeface="+mn-ea"/>
+                <a:cs typeface="+mn-cs"/>
+              </a:defRPr>
+            </a:lvl5pPr>
+            <a:lvl6pPr marL="2514499" indent="-228591" algn="l" defTabSz="914363" rtl="0" eaLnBrk="1" latinLnBrk="0" hangingPunct="1">
+              <a:spcBef>
+                <a:spcPct val="20000"/>
+              </a:spcBef>
+              <a:buFont typeface="Arial" pitchFamily="34" charset="0"/>
+              <a:buChar char="•"/>
+              <a:defRPr sz="2000" kern="1200">
+                <a:solidFill>
+                  <a:schemeClr val="tx1"/>
+                </a:solidFill>
+                <a:latin typeface="+mn-lt"/>
+                <a:ea typeface="+mn-ea"/>
+                <a:cs typeface="+mn-cs"/>
+              </a:defRPr>
+            </a:lvl6pPr>
+            <a:lvl7pPr marL="2971681" indent="-228591" algn="l" defTabSz="914363" rtl="0" eaLnBrk="1" latinLnBrk="0" hangingPunct="1">
+              <a:spcBef>
+                <a:spcPct val="20000"/>
+              </a:spcBef>
+              <a:buFont typeface="Arial" pitchFamily="34" charset="0"/>
+              <a:buChar char="•"/>
+              <a:defRPr sz="2000" kern="1200">
+                <a:solidFill>
+                  <a:schemeClr val="tx1"/>
+                </a:solidFill>
+                <a:latin typeface="+mn-lt"/>
+                <a:ea typeface="+mn-ea"/>
+                <a:cs typeface="+mn-cs"/>
+              </a:defRPr>
+            </a:lvl7pPr>
+            <a:lvl8pPr marL="3428863" indent="-228591" algn="l" defTabSz="914363" rtl="0" eaLnBrk="1" latinLnBrk="0" hangingPunct="1">
+              <a:spcBef>
+                <a:spcPct val="20000"/>
+              </a:spcBef>
+              <a:buFont typeface="Arial" pitchFamily="34" charset="0"/>
+              <a:buChar char="•"/>
+              <a:defRPr sz="2000" kern="1200">
+                <a:solidFill>
+                  <a:schemeClr val="tx1"/>
+                </a:solidFill>
+                <a:latin typeface="+mn-lt"/>
+                <a:ea typeface="+mn-ea"/>
+                <a:cs typeface="+mn-cs"/>
+              </a:defRPr>
+            </a:lvl8pPr>
+            <a:lvl9pPr marL="3886045" indent="-228591" algn="l" defTabSz="914363" rtl="0" eaLnBrk="1" latinLnBrk="0" hangingPunct="1">
+              <a:spcBef>
+                <a:spcPct val="20000"/>
+              </a:spcBef>
+              <a:buFont typeface="Arial" pitchFamily="34" charset="0"/>
+              <a:buChar char="•"/>
+              <a:defRPr sz="2000" kern="1200">
+                <a:solidFill>
+                  <a:schemeClr val="tx1"/>
+                </a:solidFill>
+                <a:latin typeface="+mn-lt"/>
+                <a:ea typeface="+mn-ea"/>
+                <a:cs typeface="+mn-cs"/>
+              </a:defRPr>
+            </a:lvl9pPr>
+          </a:lstStyle>
+          <a:p>
+            <a:pPr>
+              <a:lnSpc>
+                <a:spcPct val="80000"/>
+              </a:lnSpc>
+              <a:spcBef>
+                <a:spcPts val="600"/>
+              </a:spcBef>
+            </a:pPr>
+            <a:r>
+              <a:rPr lang="en-US" dirty="0">
+                <a:solidFill>
+                  <a:srgbClr val="400080"/>
+                </a:solidFill>
+              </a:rPr>
+              <a:t>public</a:t>
+            </a:r>
+            <a:r>
+              <a:rPr lang="en-US" dirty="0"/>
+              <a:t> </a:t>
+            </a:r>
+            <a:r>
+              <a:rPr lang="en-US" dirty="0">
+                <a:solidFill>
+                  <a:srgbClr val="400080"/>
+                </a:solidFill>
+              </a:rPr>
+              <a:t>interface</a:t>
+            </a:r>
+            <a:r>
+              <a:rPr lang="en-US" dirty="0"/>
+              <a:t> </a:t>
+            </a:r>
+            <a:r>
+              <a:rPr lang="en-US" dirty="0" err="1">
+                <a:solidFill>
+                  <a:srgbClr val="2B91AF"/>
+                </a:solidFill>
+              </a:rPr>
+              <a:t>IObserver</a:t>
+            </a:r>
+            <a:r>
+              <a:rPr lang="en-US" dirty="0">
+                <a:solidFill>
+                  <a:srgbClr val="2E53D1"/>
+                </a:solidFill>
+              </a:rPr>
+              <a:t>&lt;</a:t>
+            </a:r>
+            <a:r>
+              <a:rPr lang="en-US" dirty="0">
+                <a:solidFill>
+                  <a:srgbClr val="010001"/>
+                </a:solidFill>
+              </a:rPr>
+              <a:t>T</a:t>
+            </a:r>
+            <a:r>
+              <a:rPr lang="en-US" dirty="0">
+                <a:solidFill>
+                  <a:srgbClr val="2E53D1"/>
+                </a:solidFill>
+              </a:rPr>
+              <a:t>&gt;</a:t>
+            </a:r>
+          </a:p>
+          <a:p>
+            <a:pPr>
+              <a:lnSpc>
+                <a:spcPct val="80000"/>
+              </a:lnSpc>
+              <a:spcBef>
+                <a:spcPts val="600"/>
+              </a:spcBef>
+            </a:pPr>
+            <a:r>
+              <a:rPr lang="en-US" dirty="0"/>
+              <a:t>{</a:t>
+            </a:r>
+          </a:p>
+          <a:p>
+            <a:pPr>
+              <a:lnSpc>
+                <a:spcPct val="80000"/>
+              </a:lnSpc>
+              <a:spcBef>
+                <a:spcPts val="600"/>
+              </a:spcBef>
+            </a:pPr>
+            <a:r>
+              <a:rPr lang="en-US" dirty="0"/>
+              <a:t>    </a:t>
+            </a:r>
+            <a:r>
+              <a:rPr lang="en-US" dirty="0">
+                <a:solidFill>
+                  <a:srgbClr val="400080"/>
+                </a:solidFill>
+              </a:rPr>
+              <a:t>void</a:t>
+            </a:r>
+            <a:r>
+              <a:rPr lang="en-US" dirty="0"/>
+              <a:t> </a:t>
+            </a:r>
+            <a:r>
+              <a:rPr lang="en-US" dirty="0" err="1">
+                <a:solidFill>
+                  <a:srgbClr val="010001"/>
+                </a:solidFill>
+              </a:rPr>
+              <a:t>OnCompleted</a:t>
+            </a:r>
+            <a:r>
+              <a:rPr lang="en-US" dirty="0"/>
+              <a:t>();</a:t>
+            </a:r>
+          </a:p>
+          <a:p>
+            <a:pPr>
+              <a:lnSpc>
+                <a:spcPct val="80000"/>
+              </a:lnSpc>
+              <a:spcBef>
+                <a:spcPts val="600"/>
+              </a:spcBef>
+            </a:pPr>
+            <a:r>
+              <a:rPr lang="en-US" dirty="0"/>
+              <a:t>    </a:t>
+            </a:r>
+            <a:r>
+              <a:rPr lang="en-US" dirty="0">
+                <a:solidFill>
+                  <a:srgbClr val="400080"/>
+                </a:solidFill>
+              </a:rPr>
+              <a:t>void</a:t>
+            </a:r>
+            <a:r>
+              <a:rPr lang="en-US" dirty="0"/>
+              <a:t> </a:t>
+            </a:r>
+            <a:r>
+              <a:rPr lang="en-US" dirty="0" err="1">
+                <a:solidFill>
+                  <a:srgbClr val="010001"/>
+                </a:solidFill>
+              </a:rPr>
+              <a:t>OnError</a:t>
+            </a:r>
+            <a:r>
+              <a:rPr lang="en-US" dirty="0"/>
+              <a:t>(</a:t>
+            </a:r>
+            <a:r>
+              <a:rPr lang="en-US" dirty="0">
+                <a:solidFill>
+                  <a:srgbClr val="305FB6"/>
+                </a:solidFill>
+              </a:rPr>
+              <a:t>Exception</a:t>
+            </a:r>
+            <a:r>
+              <a:rPr lang="en-US" dirty="0"/>
+              <a:t> </a:t>
+            </a:r>
+            <a:r>
+              <a:rPr lang="en-US" dirty="0">
+                <a:solidFill>
+                  <a:srgbClr val="010001"/>
+                </a:solidFill>
+              </a:rPr>
+              <a:t>exception</a:t>
+            </a:r>
+            <a:r>
+              <a:rPr lang="en-US" dirty="0"/>
+              <a:t>);</a:t>
+            </a:r>
+          </a:p>
+          <a:p>
+            <a:pPr>
+              <a:lnSpc>
+                <a:spcPct val="80000"/>
+              </a:lnSpc>
+              <a:spcBef>
+                <a:spcPts val="600"/>
+              </a:spcBef>
+            </a:pPr>
+            <a:r>
+              <a:rPr lang="en-US" dirty="0"/>
+              <a:t>    </a:t>
+            </a:r>
+            <a:r>
+              <a:rPr lang="en-US" dirty="0">
+                <a:solidFill>
+                  <a:srgbClr val="400080"/>
+                </a:solidFill>
+              </a:rPr>
+              <a:t>void</a:t>
+            </a:r>
+            <a:r>
+              <a:rPr lang="en-US" dirty="0"/>
+              <a:t> </a:t>
+            </a:r>
+            <a:r>
+              <a:rPr lang="en-US" dirty="0" err="1">
+                <a:solidFill>
+                  <a:srgbClr val="010001"/>
+                </a:solidFill>
+              </a:rPr>
+              <a:t>OnNext</a:t>
+            </a:r>
+            <a:r>
+              <a:rPr lang="en-US" dirty="0"/>
+              <a:t>(T </a:t>
+            </a:r>
+            <a:r>
+              <a:rPr lang="en-US" dirty="0">
+                <a:solidFill>
+                  <a:srgbClr val="010001"/>
+                </a:solidFill>
+              </a:rPr>
+              <a:t>value</a:t>
+            </a:r>
+            <a:r>
+              <a:rPr lang="en-US" dirty="0"/>
+              <a:t>);</a:t>
+            </a:r>
+          </a:p>
+          <a:p>
+            <a:pPr>
+              <a:lnSpc>
+                <a:spcPct val="80000"/>
+              </a:lnSpc>
+              <a:spcBef>
+                <a:spcPts val="600"/>
+              </a:spcBef>
+            </a:pPr>
+            <a:r>
+              <a:rPr lang="en-US" dirty="0"/>
+              <a:t>}</a:t>
+            </a:r>
+          </a:p>
+        </p:txBody>
+      </p:sp>
+    </p:spTree>
+    <p:extLst>
+      <p:ext uri="{BB962C8B-B14F-4D97-AF65-F5344CB8AC3E}">
+        <p14:creationId xmlns:p14="http://schemas.microsoft.com/office/powerpoint/2010/main" val="913634022"/>
+      </p:ext>
+    </p:extLst>
+  </p:cSld>
+  <p:clrMapOvr>
+    <a:masterClrMapping/>
+  </p:clrMapOvr>
+  <p:timing>
+    <p:tnLst>
+      <p:par>
+        <p:cTn id="1" dur="indefinite" restart="never" nodeType="tmRoot">
+          <p:childTnLst>
+            <p:seq concurrent="1" nextAc="seek">
+              <p:cTn id="2" dur="indefinite" nodeType="mainSeq">
+                <p:childTnLst>
+                  <p:par>
+                    <p:cTn id="3" fill="hold">
+                      <p:stCondLst>
+                        <p:cond delay="indefinite"/>
+                      </p:stCondLst>
+                      <p:childTnLst>
+                        <p:par>
+                          <p:cTn id="4" fill="hold">
+                            <p:stCondLst>
+                              <p:cond delay="0"/>
+                            </p:stCondLst>
+                            <p:childTnLst>
+                              <p:par>
+                                <p:cTn id="5" presetID="22" presetClass="entr" presetSubtype="2" fill="hold" grpId="0" nodeType="clickEffect">
+                                  <p:stCondLst>
+                                    <p:cond delay="0"/>
+                                  </p:stCondLst>
+                                  <p:childTnLst>
+                                    <p:set>
+                                      <p:cBhvr>
+                                        <p:cTn id="6" dur="1" fill="hold">
+                                          <p:stCondLst>
+                                            <p:cond delay="0"/>
+                                          </p:stCondLst>
+                                        </p:cTn>
+                                        <p:tgtEl>
+                                          <p:spTgt spid="7"/>
+                                        </p:tgtEl>
+                                        <p:attrNameLst>
+                                          <p:attrName>style.visibility</p:attrName>
+                                        </p:attrNameLst>
+                                      </p:cBhvr>
+                                      <p:to>
+                                        <p:strVal val="visible"/>
+                                      </p:to>
+                                    </p:set>
+                                    <p:animEffect transition="in" filter="wipe(right)">
+                                      <p:cBhvr>
+                                        <p:cTn id="7" dur="500"/>
+                                        <p:tgtEl>
+                                          <p:spTgt spid="7"/>
+                                        </p:tgtEl>
+                                      </p:cBhvr>
+                                    </p:animEffect>
+                                  </p:childTnLst>
+                                </p:cTn>
+                              </p:par>
+                            </p:childTnLst>
+                          </p:cTn>
+                        </p:par>
+                      </p:childTnLst>
+                    </p:cTn>
+                  </p:par>
+                  <p:par>
+                    <p:cTn id="8" fill="hold">
+                      <p:stCondLst>
+                        <p:cond delay="indefinite"/>
+                      </p:stCondLst>
+                      <p:childTnLst>
+                        <p:par>
+                          <p:cTn id="9" fill="hold">
+                            <p:stCondLst>
+                              <p:cond delay="0"/>
+                            </p:stCondLst>
+                            <p:childTnLst>
+                              <p:par>
+                                <p:cTn id="10" presetID="2" presetClass="entr" presetSubtype="2" fill="hold" grpId="1" nodeType="clickEffect">
+                                  <p:stCondLst>
+                                    <p:cond delay="0"/>
+                                  </p:stCondLst>
+                                  <p:childTnLst>
+                                    <p:set>
+                                      <p:cBhvr>
+                                        <p:cTn id="11" dur="1" fill="hold">
+                                          <p:stCondLst>
+                                            <p:cond delay="0"/>
+                                          </p:stCondLst>
+                                        </p:cTn>
+                                        <p:tgtEl>
+                                          <p:spTgt spid="8"/>
+                                        </p:tgtEl>
+                                        <p:attrNameLst>
+                                          <p:attrName>style.visibility</p:attrName>
+                                        </p:attrNameLst>
+                                      </p:cBhvr>
+                                      <p:to>
+                                        <p:strVal val="visible"/>
+                                      </p:to>
+                                    </p:set>
+                                    <p:anim calcmode="lin" valueType="num">
+                                      <p:cBhvr additive="base">
+                                        <p:cTn id="12" dur="500" fill="hold"/>
+                                        <p:tgtEl>
+                                          <p:spTgt spid="8"/>
+                                        </p:tgtEl>
+                                        <p:attrNameLst>
+                                          <p:attrName>ppt_x</p:attrName>
+                                        </p:attrNameLst>
+                                      </p:cBhvr>
+                                      <p:tavLst>
+                                        <p:tav tm="0">
+                                          <p:val>
+                                            <p:strVal val="1+#ppt_w/2"/>
+                                          </p:val>
+                                        </p:tav>
+                                        <p:tav tm="100000">
+                                          <p:val>
+                                            <p:strVal val="#ppt_x"/>
+                                          </p:val>
+                                        </p:tav>
+                                      </p:tavLst>
+                                    </p:anim>
+                                    <p:anim calcmode="lin" valueType="num">
+                                      <p:cBhvr additive="base">
+                                        <p:cTn id="13" dur="500" fill="hold"/>
+                                        <p:tgtEl>
+                                          <p:spTgt spid="8"/>
+                                        </p:tgtEl>
+                                        <p:attrNameLst>
+                                          <p:attrName>ppt_y</p:attrName>
+                                        </p:attrNameLst>
+                                      </p:cBhvr>
+                                      <p:tavLst>
+                                        <p:tav tm="0">
+                                          <p:val>
+                                            <p:strVal val="#ppt_y"/>
+                                          </p:val>
+                                        </p:tav>
+                                        <p:tav tm="100000">
+                                          <p:val>
+                                            <p:strVal val="#ppt_y"/>
+                                          </p:val>
+                                        </p:tav>
+                                      </p:tavLst>
+                                    </p:anim>
+                                  </p:childTnLst>
+                                </p:cTn>
+                              </p:par>
+                            </p:childTnLst>
+                          </p:cTn>
+                        </p:par>
+                      </p:childTnLst>
+                    </p:cTn>
+                  </p:par>
+                </p:childTnLst>
+              </p:cTn>
+              <p:prevCondLst>
+                <p:cond evt="onPrev" delay="0">
+                  <p:tgtEl>
+                    <p:sldTgt/>
+                  </p:tgtEl>
+                </p:cond>
+              </p:prevCondLst>
+              <p:nextCondLst>
+                <p:cond evt="onNext" delay="0">
+                  <p:tgtEl>
+                    <p:sldTgt/>
+                  </p:tgtEl>
+                </p:cond>
+              </p:nextCondLst>
+            </p:seq>
+          </p:childTnLst>
+        </p:cTn>
+      </p:par>
+    </p:tnLst>
+    <p:bldLst>
+      <p:bldP spid="7" grpId="0" animBg="1"/>
+      <p:bldP spid="8" grpId="1" animBg="1"/>
+    </p:bldLst>
+  </p:timing>
+</p:sld>
+</file>
+
+<file path=ppt/slides/slide15.xml><?xml version="1.0" encoding="utf-8"?>
+<p:sld xmlns:a="http://schemas.openxmlformats.org/drawingml/2006/main" xmlns:r="http://schemas.openxmlformats.org/officeDocument/2006/relationships" xmlns:p="http://schemas.openxmlformats.org/presentationml/2006/main">
+  <p:cSld>
+    <p:spTree>
+      <p:nvGrpSpPr>
+        <p:cNvPr id="1" name=""/>
+        <p:cNvGrpSpPr/>
+        <p:nvPr/>
+      </p:nvGrpSpPr>
+      <p:grpSpPr>
+        <a:xfrm>
+          <a:off x="0" y="0"/>
+          <a:ext cx="0" cy="0"/>
+          <a:chOff x="0" y="0"/>
+          <a:chExt cx="0" cy="0"/>
+        </a:xfrm>
+      </p:grpSpPr>
+      <p:sp>
+        <p:nvSpPr>
+          <p:cNvPr id="2" name="Title 1"/>
+          <p:cNvSpPr>
+            <a:spLocks noGrp="1"/>
+          </p:cNvSpPr>
+          <p:nvPr>
+            <p:ph type="title"/>
+          </p:nvPr>
+        </p:nvSpPr>
+        <p:spPr>
+          <a:xfrm>
+            <a:off x="1913436" y="228600"/>
+            <a:ext cx="8363938" cy="609398"/>
+          </a:xfrm>
+        </p:spPr>
+        <p:txBody>
+          <a:bodyPr>
+            <a:normAutofit fontScale="90000"/>
+          </a:bodyPr>
+          <a:lstStyle/>
+          <a:p>
+            <a:r>
+              <a:rPr lang="en-US" dirty="0"/>
+              <a:t>Reactive Framework</a:t>
+            </a:r>
+          </a:p>
+        </p:txBody>
+      </p:sp>
+      <p:sp>
+        <p:nvSpPr>
+          <p:cNvPr id="3" name="Text Placeholder 2"/>
+          <p:cNvSpPr>
+            <a:spLocks noGrp="1"/>
+          </p:cNvSpPr>
+          <p:nvPr>
+            <p:ph type="body" sz="quarter" idx="10"/>
+          </p:nvPr>
+        </p:nvSpPr>
+        <p:spPr>
+          <a:xfrm>
+            <a:off x="1166925" y="1521374"/>
+            <a:ext cx="9856960" cy="3877985"/>
+          </a:xfrm>
+        </p:spPr>
+        <p:txBody>
+          <a:bodyPr>
+            <a:normAutofit/>
+          </a:bodyPr>
+          <a:lstStyle/>
+          <a:p>
+            <a:pPr marL="0" indent="0" algn="ctr">
+              <a:buNone/>
+            </a:pPr>
+            <a:r>
+              <a:rPr lang="en-US" sz="4800" i="1" dirty="0"/>
+              <a:t>“Rx is a library for </a:t>
+            </a:r>
+          </a:p>
+          <a:p>
+            <a:pPr marL="0" indent="0" algn="ctr">
+              <a:buNone/>
+            </a:pPr>
+            <a:r>
+              <a:rPr lang="en-US" sz="4800" i="1" dirty="0">
+                <a:solidFill>
+                  <a:schemeClr val="accent2"/>
+                </a:solidFill>
+              </a:rPr>
+              <a:t>composing</a:t>
+            </a:r>
+            <a:r>
+              <a:rPr lang="en-US" sz="4800" i="1" dirty="0"/>
+              <a:t> </a:t>
+            </a:r>
+            <a:r>
+              <a:rPr lang="en-US" sz="4800" i="1" dirty="0">
+                <a:solidFill>
+                  <a:schemeClr val="accent2"/>
+                </a:solidFill>
+              </a:rPr>
+              <a:t>asynchronous</a:t>
+            </a:r>
+            <a:r>
+              <a:rPr lang="en-US" sz="4800" i="1" dirty="0"/>
+              <a:t> and</a:t>
+            </a:r>
+          </a:p>
+          <a:p>
+            <a:pPr marL="0" indent="0" algn="ctr">
+              <a:buNone/>
+            </a:pPr>
+            <a:r>
+              <a:rPr lang="en-US" sz="4800" i="1" dirty="0"/>
+              <a:t> </a:t>
+            </a:r>
+            <a:r>
+              <a:rPr lang="en-US" sz="4800" i="1" dirty="0">
+                <a:solidFill>
+                  <a:schemeClr val="accent2"/>
+                </a:solidFill>
+              </a:rPr>
+              <a:t>event</a:t>
+            </a:r>
+            <a:r>
+              <a:rPr lang="en-US" sz="4800" i="1" dirty="0"/>
+              <a:t>-based programs using </a:t>
+            </a:r>
+          </a:p>
+          <a:p>
+            <a:pPr marL="0" indent="0" algn="ctr">
+              <a:buNone/>
+            </a:pPr>
+            <a:r>
+              <a:rPr lang="en-US" sz="4800" i="1" dirty="0">
+                <a:solidFill>
+                  <a:schemeClr val="accent2"/>
+                </a:solidFill>
+              </a:rPr>
+              <a:t>observable collections</a:t>
+            </a:r>
+            <a:r>
+              <a:rPr lang="en-US" sz="4800" i="1" dirty="0"/>
+              <a:t>.”</a:t>
+            </a:r>
+          </a:p>
+        </p:txBody>
+      </p:sp>
+    </p:spTree>
+    <p:extLst>
+      <p:ext uri="{BB962C8B-B14F-4D97-AF65-F5344CB8AC3E}">
+        <p14:creationId xmlns:p14="http://schemas.microsoft.com/office/powerpoint/2010/main" val="1344429779"/>
+      </p:ext>
+    </p:extLst>
+  </p:cSld>
+  <p:clrMapOvr>
+    <a:masterClrMapping/>
+  </p:clrMapOvr>
+  <p:transition>
+    <p:fade/>
+  </p:transition>
+</p:sld>
+</file>
+
+<file path=ppt/slides/slide16.xml><?xml version="1.0" encoding="utf-8"?>
 <p:sld xmlns:a="http://schemas.openxmlformats.org/drawingml/2006/main" xmlns:r="http://schemas.openxmlformats.org/officeDocument/2006/relationships" xmlns:p="http://schemas.openxmlformats.org/presentationml/2006/main">
   <p:cSld>
     <p:spTree>
@@ -17475,6 +19175,41 @@
           <a:p>
             <a:pPr algn="ctr"/>
             <a:endParaRPr lang="en-US"/>
+          </a:p>
+        </p:txBody>
+      </p:sp>
+      <p:sp>
+        <p:nvSpPr>
+          <p:cNvPr id="9" name="TextBox 8">
+            <a:extLst>
+              <a:ext uri="{FF2B5EF4-FFF2-40B4-BE49-F238E27FC236}">
+                <a16:creationId xmlns:a16="http://schemas.microsoft.com/office/drawing/2014/main" id="{7EE777F1-7DC9-4B64-9894-6D28A4586F03}"/>
+              </a:ext>
+            </a:extLst>
+          </p:cNvPr>
+          <p:cNvSpPr txBox="1"/>
+          <p:nvPr/>
+        </p:nvSpPr>
+        <p:spPr>
+          <a:xfrm>
+            <a:off x="4304157" y="3454843"/>
+            <a:ext cx="3342582" cy="369332"/>
+          </a:xfrm>
+          <a:prstGeom prst="rect">
+            <a:avLst/>
+          </a:prstGeom>
+          <a:noFill/>
+        </p:spPr>
+        <p:txBody>
+          <a:bodyPr wrap="none" rtlCol="0">
+            <a:spAutoFit/>
+          </a:bodyPr>
+          <a:lstStyle/>
+          <a:p>
+            <a:r>
+              <a:rPr lang="en-US" dirty="0"/>
+              <a:t>Select : Where : : Map : Filter</a:t>
+            </a:r>
           </a:p>
         </p:txBody>
       </p:sp>
@@ -17883,1481 +19618,7 @@
 </p:sld>
 </file>
 
-<file path=ppt/slides/slide13.xml><?xml version="1.0" encoding="utf-8"?>
-<p:sld xmlns:a="http://schemas.openxmlformats.org/drawingml/2006/main" xmlns:r="http://schemas.openxmlformats.org/officeDocument/2006/relationships" xmlns:p="http://schemas.openxmlformats.org/presentationml/2006/main">
-  <p:cSld>
-    <p:spTree>
-      <p:nvGrpSpPr>
-        <p:cNvPr id="1" name=""/>
-        <p:cNvGrpSpPr/>
-        <p:nvPr/>
-      </p:nvGrpSpPr>
-      <p:grpSpPr>
-        <a:xfrm>
-          <a:off x="0" y="0"/>
-          <a:ext cx="0" cy="0"/>
-          <a:chOff x="0" y="0"/>
-          <a:chExt cx="0" cy="0"/>
-        </a:xfrm>
-      </p:grpSpPr>
-      <p:sp>
-        <p:nvSpPr>
-          <p:cNvPr id="2" name="Title 1">
-            <a:extLst>
-              <a:ext uri="{FF2B5EF4-FFF2-40B4-BE49-F238E27FC236}">
-                <a16:creationId xmlns:a16="http://schemas.microsoft.com/office/drawing/2014/main" id="{C812A686-35C1-418D-B4DA-A91776E0F0DF}"/>
-              </a:ext>
-            </a:extLst>
-          </p:cNvPr>
-          <p:cNvSpPr>
-            <a:spLocks noGrp="1"/>
-          </p:cNvSpPr>
-          <p:nvPr>
-            <p:ph type="title"/>
-          </p:nvPr>
-        </p:nvSpPr>
-        <p:spPr>
-          <a:xfrm>
-            <a:off x="3345132" y="0"/>
-            <a:ext cx="8534400" cy="750595"/>
-          </a:xfrm>
-        </p:spPr>
-        <p:txBody>
-          <a:bodyPr>
-            <a:normAutofit/>
-          </a:bodyPr>
-          <a:lstStyle/>
-          <a:p>
-            <a:r>
-              <a:rPr lang="en-US" dirty="0"/>
-              <a:t>Programming options</a:t>
-            </a:r>
-          </a:p>
-        </p:txBody>
-      </p:sp>
-      <p:graphicFrame>
-        <p:nvGraphicFramePr>
-          <p:cNvPr id="4" name="Diagram 3">
-            <a:extLst>
-              <a:ext uri="{FF2B5EF4-FFF2-40B4-BE49-F238E27FC236}">
-                <a16:creationId xmlns:a16="http://schemas.microsoft.com/office/drawing/2014/main" id="{97941FCE-3C61-48D3-8EA1-2F17EE6E9030}"/>
-              </a:ext>
-            </a:extLst>
-          </p:cNvPr>
-          <p:cNvGraphicFramePr/>
-          <p:nvPr>
-            <p:extLst>
-              <p:ext uri="{D42A27DB-BD31-4B8C-83A1-F6EECF244321}">
-                <p14:modId xmlns:p14="http://schemas.microsoft.com/office/powerpoint/2010/main" val="1298159223"/>
-              </p:ext>
-            </p:extLst>
-          </p:nvPr>
-        </p:nvGraphicFramePr>
-        <p:xfrm>
-          <a:off x="2032000" y="719666"/>
-          <a:ext cx="8128000" cy="5418667"/>
-        </p:xfrm>
-        <a:graphic>
-          <a:graphicData uri="http://schemas.openxmlformats.org/drawingml/2006/diagram">
-            <dgm:relIds xmlns:dgm="http://schemas.openxmlformats.org/drawingml/2006/diagram" xmlns:r="http://schemas.openxmlformats.org/officeDocument/2006/relationships" r:dm="rId2" r:lo="rId3" r:qs="rId4" r:cs="rId5"/>
-          </a:graphicData>
-        </a:graphic>
-      </p:graphicFrame>
-      <p:sp>
-        <p:nvSpPr>
-          <p:cNvPr id="6" name="Content Placeholder 5">
-            <a:extLst>
-              <a:ext uri="{FF2B5EF4-FFF2-40B4-BE49-F238E27FC236}">
-                <a16:creationId xmlns:a16="http://schemas.microsoft.com/office/drawing/2014/main" id="{E13D5546-DAF2-41EE-82C0-98E1A846E009}"/>
-              </a:ext>
-            </a:extLst>
-          </p:cNvPr>
-          <p:cNvSpPr>
-            <a:spLocks noGrp="1"/>
-          </p:cNvSpPr>
-          <p:nvPr>
-            <p:ph idx="1"/>
-          </p:nvPr>
-        </p:nvSpPr>
-        <p:spPr/>
-        <p:txBody>
-          <a:bodyPr/>
-          <a:lstStyle/>
-          <a:p>
-            <a:endParaRPr lang="en-US"/>
-          </a:p>
-        </p:txBody>
-      </p:sp>
-    </p:spTree>
-    <p:extLst>
-      <p:ext uri="{BB962C8B-B14F-4D97-AF65-F5344CB8AC3E}">
-        <p14:creationId xmlns:p14="http://schemas.microsoft.com/office/powerpoint/2010/main" val="1018919552"/>
-      </p:ext>
-    </p:extLst>
-  </p:cSld>
-  <p:clrMapOvr>
-    <a:masterClrMapping/>
-  </p:clrMapOvr>
-</p:sld>
-</file>
-
-<file path=ppt/slides/slide14.xml><?xml version="1.0" encoding="utf-8"?>
-<p:sld xmlns:a="http://schemas.openxmlformats.org/drawingml/2006/main" xmlns:r="http://schemas.openxmlformats.org/officeDocument/2006/relationships" xmlns:p="http://schemas.openxmlformats.org/presentationml/2006/main">
-  <p:cSld>
-    <p:spTree>
-      <p:nvGrpSpPr>
-        <p:cNvPr id="1" name=""/>
-        <p:cNvGrpSpPr/>
-        <p:nvPr/>
-      </p:nvGrpSpPr>
-      <p:grpSpPr>
-        <a:xfrm>
-          <a:off x="0" y="0"/>
-          <a:ext cx="0" cy="0"/>
-          <a:chOff x="0" y="0"/>
-          <a:chExt cx="0" cy="0"/>
-        </a:xfrm>
-      </p:grpSpPr>
-      <p:sp>
-        <p:nvSpPr>
-          <p:cNvPr id="2" name="Title 1"/>
-          <p:cNvSpPr>
-            <a:spLocks noGrp="1"/>
-          </p:cNvSpPr>
-          <p:nvPr>
-            <p:ph type="title"/>
-          </p:nvPr>
-        </p:nvSpPr>
-        <p:spPr>
-          <a:xfrm>
-            <a:off x="1913436" y="228600"/>
-            <a:ext cx="8363938" cy="609398"/>
-          </a:xfrm>
-        </p:spPr>
-        <p:txBody>
-          <a:bodyPr>
-            <a:normAutofit fontScale="90000"/>
-          </a:bodyPr>
-          <a:lstStyle/>
-          <a:p>
-            <a:r>
-              <a:rPr lang="en-US" dirty="0"/>
-              <a:t>Reactive Framework</a:t>
-            </a:r>
-          </a:p>
-        </p:txBody>
-      </p:sp>
-      <p:sp>
-        <p:nvSpPr>
-          <p:cNvPr id="3" name="Text Placeholder 2"/>
-          <p:cNvSpPr>
-            <a:spLocks noGrp="1"/>
-          </p:cNvSpPr>
-          <p:nvPr>
-            <p:ph type="body" sz="quarter" idx="10"/>
-          </p:nvPr>
-        </p:nvSpPr>
-        <p:spPr>
-          <a:xfrm>
-            <a:off x="1166925" y="1521374"/>
-            <a:ext cx="9856960" cy="3877985"/>
-          </a:xfrm>
-        </p:spPr>
-        <p:txBody>
-          <a:bodyPr>
-            <a:normAutofit/>
-          </a:bodyPr>
-          <a:lstStyle/>
-          <a:p>
-            <a:pPr marL="0" indent="0" algn="ctr">
-              <a:buNone/>
-            </a:pPr>
-            <a:r>
-              <a:rPr lang="en-US" sz="4800" i="1" dirty="0"/>
-              <a:t>“Rx is a library for </a:t>
-            </a:r>
-          </a:p>
-          <a:p>
-            <a:pPr marL="0" indent="0" algn="ctr">
-              <a:buNone/>
-            </a:pPr>
-            <a:r>
-              <a:rPr lang="en-US" sz="4800" i="1" dirty="0">
-                <a:solidFill>
-                  <a:schemeClr val="accent2"/>
-                </a:solidFill>
-              </a:rPr>
-              <a:t>composing</a:t>
-            </a:r>
-            <a:r>
-              <a:rPr lang="en-US" sz="4800" i="1" dirty="0"/>
-              <a:t> </a:t>
-            </a:r>
-            <a:r>
-              <a:rPr lang="en-US" sz="4800" i="1" dirty="0">
-                <a:solidFill>
-                  <a:schemeClr val="accent2"/>
-                </a:solidFill>
-              </a:rPr>
-              <a:t>asynchronous</a:t>
-            </a:r>
-            <a:r>
-              <a:rPr lang="en-US" sz="4800" i="1" dirty="0"/>
-              <a:t> and</a:t>
-            </a:r>
-          </a:p>
-          <a:p>
-            <a:pPr marL="0" indent="0" algn="ctr">
-              <a:buNone/>
-            </a:pPr>
-            <a:r>
-              <a:rPr lang="en-US" sz="4800" i="1" dirty="0"/>
-              <a:t> </a:t>
-            </a:r>
-            <a:r>
-              <a:rPr lang="en-US" sz="4800" i="1" dirty="0">
-                <a:solidFill>
-                  <a:schemeClr val="accent2"/>
-                </a:solidFill>
-              </a:rPr>
-              <a:t>event</a:t>
-            </a:r>
-            <a:r>
-              <a:rPr lang="en-US" sz="4800" i="1" dirty="0"/>
-              <a:t>-based programs using </a:t>
-            </a:r>
-          </a:p>
-          <a:p>
-            <a:pPr marL="0" indent="0" algn="ctr">
-              <a:buNone/>
-            </a:pPr>
-            <a:r>
-              <a:rPr lang="en-US" sz="4800" i="1" dirty="0">
-                <a:solidFill>
-                  <a:schemeClr val="accent2"/>
-                </a:solidFill>
-              </a:rPr>
-              <a:t>observable collections</a:t>
-            </a:r>
-            <a:r>
-              <a:rPr lang="en-US" sz="4800" i="1" dirty="0"/>
-              <a:t>.”</a:t>
-            </a:r>
-          </a:p>
-        </p:txBody>
-      </p:sp>
-    </p:spTree>
-    <p:extLst>
-      <p:ext uri="{BB962C8B-B14F-4D97-AF65-F5344CB8AC3E}">
-        <p14:creationId xmlns:p14="http://schemas.microsoft.com/office/powerpoint/2010/main" val="1344429779"/>
-      </p:ext>
-    </p:extLst>
-  </p:cSld>
-  <p:clrMapOvr>
-    <a:masterClrMapping/>
-  </p:clrMapOvr>
-  <p:transition>
-    <p:fade/>
-  </p:transition>
-</p:sld>
-</file>
-
-<file path=ppt/slides/slide15.xml><?xml version="1.0" encoding="utf-8"?>
-<p:sld xmlns:a="http://schemas.openxmlformats.org/drawingml/2006/main" xmlns:r="http://schemas.openxmlformats.org/officeDocument/2006/relationships" xmlns:p="http://schemas.openxmlformats.org/presentationml/2006/main">
-  <p:cSld>
-    <p:spTree>
-      <p:nvGrpSpPr>
-        <p:cNvPr id="1" name=""/>
-        <p:cNvGrpSpPr/>
-        <p:nvPr/>
-      </p:nvGrpSpPr>
-      <p:grpSpPr>
-        <a:xfrm>
-          <a:off x="0" y="0"/>
-          <a:ext cx="0" cy="0"/>
-          <a:chOff x="0" y="0"/>
-          <a:chExt cx="0" cy="0"/>
-        </a:xfrm>
-      </p:grpSpPr>
-      <p:sp>
-        <p:nvSpPr>
-          <p:cNvPr id="9" name="Text Placeholder 2"/>
-          <p:cNvSpPr txBox="1">
-            <a:spLocks/>
-          </p:cNvSpPr>
-          <p:nvPr/>
-        </p:nvSpPr>
-        <p:spPr>
-          <a:xfrm>
-            <a:off x="329084" y="2094291"/>
-            <a:ext cx="5647173" cy="2231571"/>
-          </a:xfrm>
-          <a:prstGeom prst="rect">
-            <a:avLst/>
-          </a:prstGeom>
-          <a:solidFill>
-            <a:schemeClr val="tx1">
-              <a:lumMod val="65000"/>
-            </a:schemeClr>
-          </a:solidFill>
-        </p:spPr>
-        <p:txBody>
-          <a:bodyPr vert="horz" lIns="91440" tIns="45720" rIns="91440" bIns="45720" rtlCol="0" anchor="t">
-            <a:normAutofit fontScale="92500" lnSpcReduction="20000"/>
-          </a:bodyPr>
-          <a:lstStyle>
-            <a:defPPr>
-              <a:defRPr lang="en-US"/>
-            </a:defPPr>
-            <a:lvl1pPr marL="0" algn="r" defTabSz="457200" rtl="0" eaLnBrk="1" latinLnBrk="0" hangingPunct="1">
-              <a:defRPr sz="1000" b="0" i="0" kern="1200">
-                <a:solidFill>
-                  <a:schemeClr val="bg2">
-                    <a:lumMod val="50000"/>
-                  </a:schemeClr>
-                </a:solidFill>
-                <a:effectLst/>
-                <a:latin typeface="+mn-lt"/>
-                <a:ea typeface="+mn-ea"/>
-                <a:cs typeface="+mn-cs"/>
-              </a:defRPr>
-            </a:lvl1pPr>
-            <a:lvl2pPr marL="457200" algn="l" defTabSz="457200" rtl="0" eaLnBrk="1" latinLnBrk="0" hangingPunct="1">
-              <a:defRPr sz="1800" kern="1200">
-                <a:solidFill>
-                  <a:schemeClr val="tx1"/>
-                </a:solidFill>
-                <a:latin typeface="+mn-lt"/>
-                <a:ea typeface="+mn-ea"/>
-                <a:cs typeface="+mn-cs"/>
-              </a:defRPr>
-            </a:lvl2pPr>
-            <a:lvl3pPr marL="914400" algn="l" defTabSz="457200" rtl="0" eaLnBrk="1" latinLnBrk="0" hangingPunct="1">
-              <a:defRPr sz="1800" kern="1200">
-                <a:solidFill>
-                  <a:schemeClr val="tx1"/>
-                </a:solidFill>
-                <a:latin typeface="+mn-lt"/>
-                <a:ea typeface="+mn-ea"/>
-                <a:cs typeface="+mn-cs"/>
-              </a:defRPr>
-            </a:lvl3pPr>
-            <a:lvl4pPr marL="1371600" algn="l" defTabSz="457200" rtl="0" eaLnBrk="1" latinLnBrk="0" hangingPunct="1">
-              <a:defRPr sz="1800" kern="1200">
-                <a:solidFill>
-                  <a:schemeClr val="tx1"/>
-                </a:solidFill>
-                <a:latin typeface="+mn-lt"/>
-                <a:ea typeface="+mn-ea"/>
-                <a:cs typeface="+mn-cs"/>
-              </a:defRPr>
-            </a:lvl4pPr>
-            <a:lvl5pPr marL="1828800" algn="l" defTabSz="457200" rtl="0" eaLnBrk="1" latinLnBrk="0" hangingPunct="1">
-              <a:defRPr sz="1800" kern="1200">
-                <a:solidFill>
-                  <a:schemeClr val="tx1"/>
-                </a:solidFill>
-                <a:latin typeface="+mn-lt"/>
-                <a:ea typeface="+mn-ea"/>
-                <a:cs typeface="+mn-cs"/>
-              </a:defRPr>
-            </a:lvl5pPr>
-            <a:lvl6pPr marL="2286000" algn="l" defTabSz="457200" rtl="0" eaLnBrk="1" latinLnBrk="0" hangingPunct="1">
-              <a:defRPr sz="1800" kern="1200">
-                <a:solidFill>
-                  <a:schemeClr val="tx1"/>
-                </a:solidFill>
-                <a:latin typeface="+mn-lt"/>
-                <a:ea typeface="+mn-ea"/>
-                <a:cs typeface="+mn-cs"/>
-              </a:defRPr>
-            </a:lvl6pPr>
-            <a:lvl7pPr marL="2743200" algn="l" defTabSz="457200" rtl="0" eaLnBrk="1" latinLnBrk="0" hangingPunct="1">
-              <a:defRPr sz="1800" kern="1200">
-                <a:solidFill>
-                  <a:schemeClr val="tx1"/>
-                </a:solidFill>
-                <a:latin typeface="+mn-lt"/>
-                <a:ea typeface="+mn-ea"/>
-                <a:cs typeface="+mn-cs"/>
-              </a:defRPr>
-            </a:lvl7pPr>
-            <a:lvl8pPr marL="3200400" algn="l" defTabSz="457200" rtl="0" eaLnBrk="1" latinLnBrk="0" hangingPunct="1">
-              <a:defRPr sz="1800" kern="1200">
-                <a:solidFill>
-                  <a:schemeClr val="tx1"/>
-                </a:solidFill>
-                <a:latin typeface="+mn-lt"/>
-                <a:ea typeface="+mn-ea"/>
-                <a:cs typeface="+mn-cs"/>
-              </a:defRPr>
-            </a:lvl8pPr>
-            <a:lvl9pPr marL="3657600" algn="l" defTabSz="457200" rtl="0" eaLnBrk="1" latinLnBrk="0" hangingPunct="1">
-              <a:defRPr sz="1800" kern="1200">
-                <a:solidFill>
-                  <a:schemeClr val="tx1"/>
-                </a:solidFill>
-                <a:latin typeface="+mn-lt"/>
-                <a:ea typeface="+mn-ea"/>
-                <a:cs typeface="+mn-cs"/>
-              </a:defRPr>
-            </a:lvl9pPr>
-          </a:lstStyle>
-          <a:p>
-            <a:pPr algn="l">
-              <a:spcBef>
-                <a:spcPts val="600"/>
-              </a:spcBef>
-              <a:spcAft>
-                <a:spcPts val="600"/>
-              </a:spcAft>
-            </a:pPr>
-            <a:r>
-              <a:rPr lang="en-US" sz="1800" dirty="0">
-                <a:solidFill>
-                  <a:srgbClr val="400080"/>
-                </a:solidFill>
-                <a:latin typeface="Consolas" panose="020B0609020204030204" pitchFamily="49" charset="0"/>
-                <a:cs typeface="Consolas" panose="020B0609020204030204" pitchFamily="49" charset="0"/>
-              </a:rPr>
-              <a:t>public</a:t>
-            </a:r>
-            <a:r>
-              <a:rPr lang="en-US" sz="1800" dirty="0">
-                <a:latin typeface="Consolas" panose="020B0609020204030204" pitchFamily="49" charset="0"/>
-                <a:cs typeface="Consolas" panose="020B0609020204030204" pitchFamily="49" charset="0"/>
-              </a:rPr>
-              <a:t> </a:t>
-            </a:r>
-            <a:r>
-              <a:rPr lang="en-US" sz="1800" dirty="0">
-                <a:solidFill>
-                  <a:srgbClr val="400080"/>
-                </a:solidFill>
-                <a:latin typeface="Consolas" panose="020B0609020204030204" pitchFamily="49" charset="0"/>
-                <a:cs typeface="Consolas" panose="020B0609020204030204" pitchFamily="49" charset="0"/>
-              </a:rPr>
-              <a:t>interface</a:t>
-            </a:r>
-            <a:r>
-              <a:rPr lang="en-US" sz="1800" dirty="0">
-                <a:latin typeface="Consolas" panose="020B0609020204030204" pitchFamily="49" charset="0"/>
-                <a:cs typeface="Consolas" panose="020B0609020204030204" pitchFamily="49" charset="0"/>
-              </a:rPr>
-              <a:t> </a:t>
-            </a:r>
-            <a:r>
-              <a:rPr lang="en-US" sz="1800" dirty="0" err="1">
-                <a:solidFill>
-                  <a:srgbClr val="2B91AF"/>
-                </a:solidFill>
-                <a:latin typeface="Consolas" panose="020B0609020204030204" pitchFamily="49" charset="0"/>
-                <a:cs typeface="Consolas" panose="020B0609020204030204" pitchFamily="49" charset="0"/>
-              </a:rPr>
-              <a:t>IEnumerator</a:t>
-            </a:r>
-            <a:r>
-              <a:rPr lang="en-US" sz="1800" dirty="0">
-                <a:solidFill>
-                  <a:srgbClr val="2B91AF"/>
-                </a:solidFill>
-                <a:latin typeface="Consolas" panose="020B0609020204030204" pitchFamily="49" charset="0"/>
-                <a:cs typeface="Consolas" panose="020B0609020204030204" pitchFamily="49" charset="0"/>
-              </a:rPr>
-              <a:t>&lt;</a:t>
-            </a:r>
-            <a:r>
-              <a:rPr lang="en-US" sz="1900" dirty="0">
-                <a:solidFill>
-                  <a:srgbClr val="010001"/>
-                </a:solidFill>
-                <a:latin typeface="Consolas" pitchFamily="49" charset="0"/>
-              </a:rPr>
-              <a:t>T</a:t>
-            </a:r>
-            <a:r>
-              <a:rPr lang="en-US" sz="1800" dirty="0">
-                <a:solidFill>
-                  <a:srgbClr val="2B91AF"/>
-                </a:solidFill>
-                <a:latin typeface="Consolas" panose="020B0609020204030204" pitchFamily="49" charset="0"/>
-                <a:cs typeface="Consolas" panose="020B0609020204030204" pitchFamily="49" charset="0"/>
-              </a:rPr>
-              <a:t>&gt;</a:t>
-            </a:r>
-          </a:p>
-          <a:p>
-            <a:pPr algn="l">
-              <a:spcBef>
-                <a:spcPts val="600"/>
-              </a:spcBef>
-              <a:spcAft>
-                <a:spcPts val="600"/>
-              </a:spcAft>
-            </a:pPr>
-            <a:r>
-              <a:rPr lang="en-US" sz="1800" dirty="0">
-                <a:latin typeface="Consolas" panose="020B0609020204030204" pitchFamily="49" charset="0"/>
-                <a:cs typeface="Consolas" panose="020B0609020204030204" pitchFamily="49" charset="0"/>
-              </a:rPr>
-              <a:t>{</a:t>
-            </a:r>
-          </a:p>
-          <a:p>
-            <a:pPr algn="l">
-              <a:spcBef>
-                <a:spcPts val="600"/>
-              </a:spcBef>
-              <a:spcAft>
-                <a:spcPts val="600"/>
-              </a:spcAft>
-            </a:pPr>
-            <a:r>
-              <a:rPr lang="en-US" sz="1800" dirty="0">
-                <a:latin typeface="Consolas" panose="020B0609020204030204" pitchFamily="49" charset="0"/>
-                <a:cs typeface="Consolas" panose="020B0609020204030204" pitchFamily="49" charset="0"/>
-              </a:rPr>
-              <a:t>   </a:t>
-            </a:r>
-            <a:r>
-              <a:rPr lang="en-US" sz="1800" dirty="0">
-                <a:solidFill>
-                  <a:srgbClr val="400080"/>
-                </a:solidFill>
-                <a:latin typeface="Consolas" panose="020B0609020204030204" pitchFamily="49" charset="0"/>
-                <a:cs typeface="Consolas" panose="020B0609020204030204" pitchFamily="49" charset="0"/>
-              </a:rPr>
-              <a:t>T</a:t>
-            </a:r>
-            <a:r>
-              <a:rPr lang="en-US" sz="1800" dirty="0">
-                <a:latin typeface="Consolas" panose="020B0609020204030204" pitchFamily="49" charset="0"/>
-                <a:cs typeface="Consolas" panose="020B0609020204030204" pitchFamily="49" charset="0"/>
-              </a:rPr>
-              <a:t> </a:t>
-            </a:r>
-            <a:r>
-              <a:rPr lang="en-US" sz="1800" dirty="0">
-                <a:solidFill>
-                  <a:srgbClr val="010001"/>
-                </a:solidFill>
-                <a:latin typeface="Consolas" panose="020B0609020204030204" pitchFamily="49" charset="0"/>
-                <a:cs typeface="Consolas" panose="020B0609020204030204" pitchFamily="49" charset="0"/>
-              </a:rPr>
-              <a:t>Current</a:t>
-            </a:r>
-            <a:r>
-              <a:rPr lang="en-US" sz="1800" dirty="0">
-                <a:latin typeface="Consolas" panose="020B0609020204030204" pitchFamily="49" charset="0"/>
-                <a:cs typeface="Consolas" panose="020B0609020204030204" pitchFamily="49" charset="0"/>
-              </a:rPr>
-              <a:t> { </a:t>
-            </a:r>
-            <a:r>
-              <a:rPr lang="en-US" sz="1800" dirty="0">
-                <a:solidFill>
-                  <a:srgbClr val="400080"/>
-                </a:solidFill>
-                <a:latin typeface="Consolas" panose="020B0609020204030204" pitchFamily="49" charset="0"/>
-                <a:cs typeface="Consolas" panose="020B0609020204030204" pitchFamily="49" charset="0"/>
-              </a:rPr>
-              <a:t>get</a:t>
-            </a:r>
-            <a:r>
-              <a:rPr lang="en-US" sz="1800" dirty="0">
-                <a:latin typeface="Consolas" panose="020B0609020204030204" pitchFamily="49" charset="0"/>
-                <a:cs typeface="Consolas" panose="020B0609020204030204" pitchFamily="49" charset="0"/>
-              </a:rPr>
-              <a:t>; }</a:t>
-            </a:r>
-          </a:p>
-          <a:p>
-            <a:pPr algn="l">
-              <a:spcBef>
-                <a:spcPts val="600"/>
-              </a:spcBef>
-              <a:spcAft>
-                <a:spcPts val="600"/>
-              </a:spcAft>
-            </a:pPr>
-            <a:r>
-              <a:rPr lang="en-US" sz="1800" dirty="0">
-                <a:latin typeface="Consolas" panose="020B0609020204030204" pitchFamily="49" charset="0"/>
-                <a:cs typeface="Consolas" panose="020B0609020204030204" pitchFamily="49" charset="0"/>
-              </a:rPr>
-              <a:t>   </a:t>
-            </a:r>
-            <a:r>
-              <a:rPr lang="en-US" sz="1800" dirty="0" err="1">
-                <a:solidFill>
-                  <a:srgbClr val="400080"/>
-                </a:solidFill>
-                <a:latin typeface="Consolas" panose="020B0609020204030204" pitchFamily="49" charset="0"/>
-                <a:cs typeface="Consolas" panose="020B0609020204030204" pitchFamily="49" charset="0"/>
-              </a:rPr>
-              <a:t>bool</a:t>
-            </a:r>
-            <a:r>
-              <a:rPr lang="en-US" sz="1800" dirty="0">
-                <a:latin typeface="Consolas" panose="020B0609020204030204" pitchFamily="49" charset="0"/>
-                <a:cs typeface="Consolas" panose="020B0609020204030204" pitchFamily="49" charset="0"/>
-              </a:rPr>
-              <a:t> </a:t>
-            </a:r>
-            <a:r>
-              <a:rPr lang="en-US" sz="1800" dirty="0" err="1">
-                <a:solidFill>
-                  <a:srgbClr val="010001"/>
-                </a:solidFill>
-                <a:latin typeface="Consolas" panose="020B0609020204030204" pitchFamily="49" charset="0"/>
-                <a:cs typeface="Consolas" panose="020B0609020204030204" pitchFamily="49" charset="0"/>
-              </a:rPr>
-              <a:t>MoveNext</a:t>
-            </a:r>
-            <a:r>
-              <a:rPr lang="en-US" sz="1800" dirty="0">
-                <a:latin typeface="Consolas" panose="020B0609020204030204" pitchFamily="49" charset="0"/>
-                <a:cs typeface="Consolas" panose="020B0609020204030204" pitchFamily="49" charset="0"/>
-              </a:rPr>
-              <a:t>();</a:t>
-            </a:r>
-          </a:p>
-          <a:p>
-            <a:pPr algn="l">
-              <a:spcBef>
-                <a:spcPts val="600"/>
-              </a:spcBef>
-              <a:spcAft>
-                <a:spcPts val="600"/>
-              </a:spcAft>
-            </a:pPr>
-            <a:r>
-              <a:rPr lang="en-US" sz="1800" dirty="0">
-                <a:latin typeface="Consolas" panose="020B0609020204030204" pitchFamily="49" charset="0"/>
-                <a:cs typeface="Consolas" panose="020B0609020204030204" pitchFamily="49" charset="0"/>
-              </a:rPr>
-              <a:t>   </a:t>
-            </a:r>
-            <a:r>
-              <a:rPr lang="en-US" sz="1800" dirty="0">
-                <a:solidFill>
-                  <a:srgbClr val="400080"/>
-                </a:solidFill>
-                <a:latin typeface="Consolas" panose="020B0609020204030204" pitchFamily="49" charset="0"/>
-                <a:cs typeface="Consolas" panose="020B0609020204030204" pitchFamily="49" charset="0"/>
-              </a:rPr>
-              <a:t>void</a:t>
-            </a:r>
-            <a:r>
-              <a:rPr lang="en-US" sz="1800" dirty="0">
-                <a:latin typeface="Consolas" panose="020B0609020204030204" pitchFamily="49" charset="0"/>
-                <a:cs typeface="Consolas" panose="020B0609020204030204" pitchFamily="49" charset="0"/>
-              </a:rPr>
-              <a:t> </a:t>
-            </a:r>
-            <a:r>
-              <a:rPr lang="en-US" sz="1800" dirty="0">
-                <a:solidFill>
-                  <a:srgbClr val="010001"/>
-                </a:solidFill>
-                <a:latin typeface="Consolas" panose="020B0609020204030204" pitchFamily="49" charset="0"/>
-                <a:cs typeface="Consolas" panose="020B0609020204030204" pitchFamily="49" charset="0"/>
-              </a:rPr>
-              <a:t>Reset</a:t>
-            </a:r>
-            <a:r>
-              <a:rPr lang="en-US" sz="1800" dirty="0">
-                <a:latin typeface="Consolas" panose="020B0609020204030204" pitchFamily="49" charset="0"/>
-                <a:cs typeface="Consolas" panose="020B0609020204030204" pitchFamily="49" charset="0"/>
-              </a:rPr>
-              <a:t>();</a:t>
-            </a:r>
-          </a:p>
-          <a:p>
-            <a:pPr algn="l">
-              <a:spcBef>
-                <a:spcPts val="600"/>
-              </a:spcBef>
-              <a:spcAft>
-                <a:spcPts val="600"/>
-              </a:spcAft>
-            </a:pPr>
-            <a:r>
-              <a:rPr lang="en-US" sz="1800" dirty="0">
-                <a:latin typeface="Consolas" panose="020B0609020204030204" pitchFamily="49" charset="0"/>
-                <a:cs typeface="Consolas" panose="020B0609020204030204" pitchFamily="49" charset="0"/>
-              </a:rPr>
-              <a:t>}</a:t>
-            </a:r>
-          </a:p>
-        </p:txBody>
-      </p:sp>
-      <p:sp>
-        <p:nvSpPr>
-          <p:cNvPr id="4" name="Title 3"/>
-          <p:cNvSpPr>
-            <a:spLocks noGrp="1"/>
-          </p:cNvSpPr>
-          <p:nvPr>
-            <p:ph type="title"/>
-          </p:nvPr>
-        </p:nvSpPr>
-        <p:spPr/>
-        <p:txBody>
-          <a:bodyPr/>
-          <a:lstStyle/>
-          <a:p>
-            <a:r>
-              <a:rPr lang="en-US" dirty="0"/>
-              <a:t>Problems with Pull - LINQ</a:t>
-            </a:r>
-          </a:p>
-        </p:txBody>
-      </p:sp>
-      <p:sp>
-        <p:nvSpPr>
-          <p:cNvPr id="7" name="Left Arrow 6"/>
-          <p:cNvSpPr/>
-          <p:nvPr/>
-        </p:nvSpPr>
-        <p:spPr bwMode="auto">
-          <a:xfrm>
-            <a:off x="3586537" y="2714776"/>
-            <a:ext cx="2458090" cy="990600"/>
-          </a:xfrm>
-          <a:prstGeom prst="leftArrow">
-            <a:avLst/>
-          </a:prstGeom>
-          <a:ln>
-            <a:headEnd type="none" w="med" len="med"/>
-            <a:tailEnd type="none" w="med" len="med"/>
-          </a:ln>
-        </p:spPr>
-        <p:style>
-          <a:lnRef idx="1">
-            <a:schemeClr val="accent2"/>
-          </a:lnRef>
-          <a:fillRef idx="3">
-            <a:schemeClr val="accent2"/>
-          </a:fillRef>
-          <a:effectRef idx="2">
-            <a:schemeClr val="accent2"/>
-          </a:effectRef>
-          <a:fontRef idx="minor">
-            <a:schemeClr val="lt1"/>
-          </a:fontRef>
-        </p:style>
-        <p:txBody>
-          <a:bodyPr vert="horz" wrap="square" lIns="91436" tIns="45718" rIns="91436" bIns="45718" numCol="1" rtlCol="0" anchor="ctr" anchorCtr="0" compatLnSpc="1">
-            <a:prstTxWarp prst="textNoShape">
-              <a:avLst/>
-            </a:prstTxWarp>
-          </a:bodyPr>
-          <a:lstStyle/>
-          <a:p>
-            <a:pPr algn="ctr" defTabSz="914099" fontAlgn="base">
-              <a:spcBef>
-                <a:spcPct val="0"/>
-              </a:spcBef>
-              <a:spcAft>
-                <a:spcPct val="0"/>
-              </a:spcAft>
-            </a:pPr>
-            <a:r>
-              <a:rPr lang="en-US" sz="2200" dirty="0">
-                <a:gradFill>
-                  <a:gsLst>
-                    <a:gs pos="0">
-                      <a:srgbClr val="FFFFFF"/>
-                    </a:gs>
-                    <a:gs pos="100000">
-                      <a:srgbClr val="FFFFFF"/>
-                    </a:gs>
-                  </a:gsLst>
-                  <a:lin ang="5400000" scaled="0"/>
-                </a:gradFill>
-              </a:rPr>
-              <a:t>Blocking</a:t>
-            </a:r>
-          </a:p>
-        </p:txBody>
-      </p:sp>
-      <p:sp>
-        <p:nvSpPr>
-          <p:cNvPr id="8" name="Text Placeholder 2"/>
-          <p:cNvSpPr txBox="1">
-            <a:spLocks noGrp="1"/>
-          </p:cNvSpPr>
-          <p:nvPr>
-            <p:ph idx="1"/>
-          </p:nvPr>
-        </p:nvSpPr>
-        <p:spPr>
-          <a:xfrm>
-            <a:off x="6112996" y="2158571"/>
-            <a:ext cx="5542417" cy="2103012"/>
-          </a:xfrm>
-          <a:prstGeom prst="rect">
-            <a:avLst/>
-          </a:prstGeom>
-          <a:solidFill>
-            <a:schemeClr val="tx1">
-              <a:lumMod val="65000"/>
-            </a:schemeClr>
-          </a:solidFill>
-          <a:ln w="9525">
-            <a:solidFill>
-              <a:schemeClr val="tx1"/>
-            </a:solidFill>
-          </a:ln>
-        </p:spPr>
-        <p:txBody>
-          <a:bodyPr vert="horz" wrap="square" lIns="0" tIns="0" rIns="0" bIns="0" rtlCol="0">
-            <a:spAutoFit/>
-          </a:bodyPr>
-          <a:lstStyle>
-            <a:lvl1pPr marL="460375" indent="-460375" algn="l" defTabSz="914363" rtl="0" eaLnBrk="1" latinLnBrk="0" hangingPunct="1">
-              <a:lnSpc>
-                <a:spcPct val="90000"/>
-              </a:lnSpc>
-              <a:spcBef>
-                <a:spcPct val="20000"/>
-              </a:spcBef>
-              <a:buSzPct val="90000"/>
-              <a:buFontTx/>
-              <a:buNone/>
-              <a:defRPr sz="1800" b="0" kern="1200">
-                <a:gradFill>
-                  <a:gsLst>
-                    <a:gs pos="0">
-                      <a:schemeClr val="tx1"/>
-                    </a:gs>
-                    <a:gs pos="86000">
-                      <a:schemeClr val="tx1"/>
-                    </a:gs>
-                  </a:gsLst>
-                  <a:lin ang="5400000" scaled="0"/>
-                </a:gradFill>
-                <a:latin typeface="Consolas" pitchFamily="49" charset="0"/>
-                <a:ea typeface="+mn-ea"/>
-                <a:cs typeface="+mn-cs"/>
-              </a:defRPr>
-            </a:lvl1pPr>
-            <a:lvl2pPr marL="855663" indent="-395288" algn="l" defTabSz="914363" rtl="0" eaLnBrk="1" latinLnBrk="0" hangingPunct="1">
-              <a:lnSpc>
-                <a:spcPct val="90000"/>
-              </a:lnSpc>
-              <a:spcBef>
-                <a:spcPct val="20000"/>
-              </a:spcBef>
-              <a:buSzPct val="90000"/>
-              <a:buFontTx/>
-              <a:buBlip>
-                <a:blip r:embed="rId2"/>
-              </a:buBlip>
-              <a:defRPr sz="2800" kern="1200">
-                <a:gradFill>
-                  <a:gsLst>
-                    <a:gs pos="0">
-                      <a:schemeClr val="tx1"/>
-                    </a:gs>
-                    <a:gs pos="86000">
-                      <a:schemeClr val="tx1"/>
-                    </a:gs>
-                  </a:gsLst>
-                  <a:lin ang="5400000" scaled="0"/>
-                </a:gradFill>
-                <a:latin typeface="+mn-lt"/>
-                <a:ea typeface="+mn-ea"/>
-                <a:cs typeface="+mn-cs"/>
-              </a:defRPr>
-            </a:lvl2pPr>
-            <a:lvl3pPr marL="1258888" indent="-403225" algn="l" defTabSz="914363" rtl="0" eaLnBrk="1" latinLnBrk="0" hangingPunct="1">
-              <a:lnSpc>
-                <a:spcPct val="90000"/>
-              </a:lnSpc>
-              <a:spcBef>
-                <a:spcPct val="20000"/>
-              </a:spcBef>
-              <a:buSzPct val="90000"/>
-              <a:buFontTx/>
-              <a:buBlip>
-                <a:blip r:embed="rId2"/>
-              </a:buBlip>
-              <a:defRPr sz="2400" kern="1200">
-                <a:gradFill>
-                  <a:gsLst>
-                    <a:gs pos="0">
-                      <a:schemeClr val="tx1"/>
-                    </a:gs>
-                    <a:gs pos="86000">
-                      <a:schemeClr val="tx1"/>
-                    </a:gs>
-                  </a:gsLst>
-                  <a:lin ang="5400000" scaled="0"/>
-                </a:gradFill>
-                <a:latin typeface="+mn-lt"/>
-                <a:ea typeface="+mn-ea"/>
-                <a:cs typeface="+mn-cs"/>
-              </a:defRPr>
-            </a:lvl3pPr>
-            <a:lvl4pPr marL="1604963" indent="-346075" algn="l" defTabSz="914363" rtl="0" eaLnBrk="1" latinLnBrk="0" hangingPunct="1">
-              <a:lnSpc>
-                <a:spcPct val="90000"/>
-              </a:lnSpc>
-              <a:spcBef>
-                <a:spcPct val="20000"/>
-              </a:spcBef>
-              <a:buSzPct val="90000"/>
-              <a:buFontTx/>
-              <a:buBlip>
-                <a:blip r:embed="rId2"/>
-              </a:buBlip>
-              <a:defRPr sz="2000" kern="1200">
-                <a:gradFill>
-                  <a:gsLst>
-                    <a:gs pos="0">
-                      <a:schemeClr val="tx1"/>
-                    </a:gs>
-                    <a:gs pos="86000">
-                      <a:schemeClr val="tx1"/>
-                    </a:gs>
-                  </a:gsLst>
-                  <a:lin ang="5400000" scaled="0"/>
-                </a:gradFill>
-                <a:latin typeface="+mn-lt"/>
-                <a:ea typeface="+mn-ea"/>
-                <a:cs typeface="+mn-cs"/>
-              </a:defRPr>
-            </a:lvl4pPr>
-            <a:lvl5pPr marL="1941513" indent="-336550" algn="l" defTabSz="914363" rtl="0" eaLnBrk="1" latinLnBrk="0" hangingPunct="1">
-              <a:lnSpc>
-                <a:spcPct val="90000"/>
-              </a:lnSpc>
-              <a:spcBef>
-                <a:spcPct val="20000"/>
-              </a:spcBef>
-              <a:buSzPct val="90000"/>
-              <a:buFontTx/>
-              <a:buBlip>
-                <a:blip r:embed="rId2"/>
-              </a:buBlip>
-              <a:defRPr sz="2000" kern="1200">
-                <a:gradFill>
-                  <a:gsLst>
-                    <a:gs pos="0">
-                      <a:schemeClr val="tx1"/>
-                    </a:gs>
-                    <a:gs pos="86000">
-                      <a:schemeClr val="tx1"/>
-                    </a:gs>
-                  </a:gsLst>
-                  <a:lin ang="5400000" scaled="0"/>
-                </a:gradFill>
-                <a:latin typeface="+mn-lt"/>
-                <a:ea typeface="+mn-ea"/>
-                <a:cs typeface="+mn-cs"/>
-              </a:defRPr>
-            </a:lvl5pPr>
-            <a:lvl6pPr marL="2514499" indent="-228591" algn="l" defTabSz="914363" rtl="0" eaLnBrk="1" latinLnBrk="0" hangingPunct="1">
-              <a:spcBef>
-                <a:spcPct val="20000"/>
-              </a:spcBef>
-              <a:buFont typeface="Arial" pitchFamily="34" charset="0"/>
-              <a:buChar char="•"/>
-              <a:defRPr sz="2000" kern="1200">
-                <a:solidFill>
-                  <a:schemeClr val="tx1"/>
-                </a:solidFill>
-                <a:latin typeface="+mn-lt"/>
-                <a:ea typeface="+mn-ea"/>
-                <a:cs typeface="+mn-cs"/>
-              </a:defRPr>
-            </a:lvl6pPr>
-            <a:lvl7pPr marL="2971681" indent="-228591" algn="l" defTabSz="914363" rtl="0" eaLnBrk="1" latinLnBrk="0" hangingPunct="1">
-              <a:spcBef>
-                <a:spcPct val="20000"/>
-              </a:spcBef>
-              <a:buFont typeface="Arial" pitchFamily="34" charset="0"/>
-              <a:buChar char="•"/>
-              <a:defRPr sz="2000" kern="1200">
-                <a:solidFill>
-                  <a:schemeClr val="tx1"/>
-                </a:solidFill>
-                <a:latin typeface="+mn-lt"/>
-                <a:ea typeface="+mn-ea"/>
-                <a:cs typeface="+mn-cs"/>
-              </a:defRPr>
-            </a:lvl7pPr>
-            <a:lvl8pPr marL="3428863" indent="-228591" algn="l" defTabSz="914363" rtl="0" eaLnBrk="1" latinLnBrk="0" hangingPunct="1">
-              <a:spcBef>
-                <a:spcPct val="20000"/>
-              </a:spcBef>
-              <a:buFont typeface="Arial" pitchFamily="34" charset="0"/>
-              <a:buChar char="•"/>
-              <a:defRPr sz="2000" kern="1200">
-                <a:solidFill>
-                  <a:schemeClr val="tx1"/>
-                </a:solidFill>
-                <a:latin typeface="+mn-lt"/>
-                <a:ea typeface="+mn-ea"/>
-                <a:cs typeface="+mn-cs"/>
-              </a:defRPr>
-            </a:lvl8pPr>
-            <a:lvl9pPr marL="3886045" indent="-228591" algn="l" defTabSz="914363" rtl="0" eaLnBrk="1" latinLnBrk="0" hangingPunct="1">
-              <a:spcBef>
-                <a:spcPct val="20000"/>
-              </a:spcBef>
-              <a:buFont typeface="Arial" pitchFamily="34" charset="0"/>
-              <a:buChar char="•"/>
-              <a:defRPr sz="2000" kern="1200">
-                <a:solidFill>
-                  <a:schemeClr val="tx1"/>
-                </a:solidFill>
-                <a:latin typeface="+mn-lt"/>
-                <a:ea typeface="+mn-ea"/>
-                <a:cs typeface="+mn-cs"/>
-              </a:defRPr>
-            </a:lvl9pPr>
-          </a:lstStyle>
-          <a:p>
-            <a:pPr>
-              <a:lnSpc>
-                <a:spcPct val="80000"/>
-              </a:lnSpc>
-              <a:spcBef>
-                <a:spcPts val="600"/>
-              </a:spcBef>
-            </a:pPr>
-            <a:r>
-              <a:rPr lang="en-US" dirty="0">
-                <a:solidFill>
-                  <a:srgbClr val="400080"/>
-                </a:solidFill>
-              </a:rPr>
-              <a:t>public</a:t>
-            </a:r>
-            <a:r>
-              <a:rPr lang="en-US" dirty="0"/>
-              <a:t> </a:t>
-            </a:r>
-            <a:r>
-              <a:rPr lang="en-US" dirty="0">
-                <a:solidFill>
-                  <a:srgbClr val="400080"/>
-                </a:solidFill>
-              </a:rPr>
-              <a:t>interface</a:t>
-            </a:r>
-            <a:r>
-              <a:rPr lang="en-US" dirty="0"/>
-              <a:t> </a:t>
-            </a:r>
-            <a:r>
-              <a:rPr lang="en-US" dirty="0" err="1">
-                <a:solidFill>
-                  <a:srgbClr val="2B91AF"/>
-                </a:solidFill>
-              </a:rPr>
-              <a:t>IObserver</a:t>
-            </a:r>
-            <a:r>
-              <a:rPr lang="en-US" dirty="0">
-                <a:solidFill>
-                  <a:srgbClr val="2E53D1"/>
-                </a:solidFill>
-              </a:rPr>
-              <a:t>&lt;</a:t>
-            </a:r>
-            <a:r>
-              <a:rPr lang="en-US" dirty="0">
-                <a:solidFill>
-                  <a:srgbClr val="010001"/>
-                </a:solidFill>
-              </a:rPr>
-              <a:t>T</a:t>
-            </a:r>
-            <a:r>
-              <a:rPr lang="en-US" dirty="0">
-                <a:solidFill>
-                  <a:srgbClr val="2E53D1"/>
-                </a:solidFill>
-              </a:rPr>
-              <a:t>&gt;</a:t>
-            </a:r>
-          </a:p>
-          <a:p>
-            <a:pPr>
-              <a:lnSpc>
-                <a:spcPct val="80000"/>
-              </a:lnSpc>
-              <a:spcBef>
-                <a:spcPts val="600"/>
-              </a:spcBef>
-            </a:pPr>
-            <a:r>
-              <a:rPr lang="en-US" dirty="0"/>
-              <a:t>{</a:t>
-            </a:r>
-          </a:p>
-          <a:p>
-            <a:pPr>
-              <a:lnSpc>
-                <a:spcPct val="80000"/>
-              </a:lnSpc>
-              <a:spcBef>
-                <a:spcPts val="600"/>
-              </a:spcBef>
-            </a:pPr>
-            <a:r>
-              <a:rPr lang="en-US" dirty="0"/>
-              <a:t>    </a:t>
-            </a:r>
-            <a:r>
-              <a:rPr lang="en-US" dirty="0">
-                <a:solidFill>
-                  <a:srgbClr val="400080"/>
-                </a:solidFill>
-              </a:rPr>
-              <a:t>void</a:t>
-            </a:r>
-            <a:r>
-              <a:rPr lang="en-US" dirty="0"/>
-              <a:t> </a:t>
-            </a:r>
-            <a:r>
-              <a:rPr lang="en-US" dirty="0" err="1">
-                <a:solidFill>
-                  <a:srgbClr val="010001"/>
-                </a:solidFill>
-              </a:rPr>
-              <a:t>OnCompleted</a:t>
-            </a:r>
-            <a:r>
-              <a:rPr lang="en-US" dirty="0"/>
-              <a:t>();</a:t>
-            </a:r>
-          </a:p>
-          <a:p>
-            <a:pPr>
-              <a:lnSpc>
-                <a:spcPct val="80000"/>
-              </a:lnSpc>
-              <a:spcBef>
-                <a:spcPts val="600"/>
-              </a:spcBef>
-            </a:pPr>
-            <a:r>
-              <a:rPr lang="en-US" dirty="0"/>
-              <a:t>    </a:t>
-            </a:r>
-            <a:r>
-              <a:rPr lang="en-US" dirty="0">
-                <a:solidFill>
-                  <a:srgbClr val="400080"/>
-                </a:solidFill>
-              </a:rPr>
-              <a:t>void</a:t>
-            </a:r>
-            <a:r>
-              <a:rPr lang="en-US" dirty="0"/>
-              <a:t> </a:t>
-            </a:r>
-            <a:r>
-              <a:rPr lang="en-US" dirty="0" err="1">
-                <a:solidFill>
-                  <a:srgbClr val="010001"/>
-                </a:solidFill>
-              </a:rPr>
-              <a:t>OnError</a:t>
-            </a:r>
-            <a:r>
-              <a:rPr lang="en-US" dirty="0"/>
-              <a:t>(</a:t>
-            </a:r>
-            <a:r>
-              <a:rPr lang="en-US" dirty="0">
-                <a:solidFill>
-                  <a:srgbClr val="305FB6"/>
-                </a:solidFill>
-              </a:rPr>
-              <a:t>Exception</a:t>
-            </a:r>
-            <a:r>
-              <a:rPr lang="en-US" dirty="0"/>
-              <a:t> </a:t>
-            </a:r>
-            <a:r>
-              <a:rPr lang="en-US" dirty="0">
-                <a:solidFill>
-                  <a:srgbClr val="010001"/>
-                </a:solidFill>
-              </a:rPr>
-              <a:t>exception</a:t>
-            </a:r>
-            <a:r>
-              <a:rPr lang="en-US" dirty="0"/>
-              <a:t>);</a:t>
-            </a:r>
-          </a:p>
-          <a:p>
-            <a:pPr>
-              <a:lnSpc>
-                <a:spcPct val="80000"/>
-              </a:lnSpc>
-              <a:spcBef>
-                <a:spcPts val="600"/>
-              </a:spcBef>
-            </a:pPr>
-            <a:r>
-              <a:rPr lang="en-US" dirty="0"/>
-              <a:t>    </a:t>
-            </a:r>
-            <a:r>
-              <a:rPr lang="en-US" dirty="0">
-                <a:solidFill>
-                  <a:srgbClr val="400080"/>
-                </a:solidFill>
-              </a:rPr>
-              <a:t>void</a:t>
-            </a:r>
-            <a:r>
-              <a:rPr lang="en-US" dirty="0"/>
-              <a:t> </a:t>
-            </a:r>
-            <a:r>
-              <a:rPr lang="en-US" dirty="0" err="1">
-                <a:solidFill>
-                  <a:srgbClr val="010001"/>
-                </a:solidFill>
-              </a:rPr>
-              <a:t>OnNext</a:t>
-            </a:r>
-            <a:r>
-              <a:rPr lang="en-US" dirty="0"/>
-              <a:t>(T </a:t>
-            </a:r>
-            <a:r>
-              <a:rPr lang="en-US" dirty="0">
-                <a:solidFill>
-                  <a:srgbClr val="010001"/>
-                </a:solidFill>
-              </a:rPr>
-              <a:t>value</a:t>
-            </a:r>
-            <a:r>
-              <a:rPr lang="en-US" dirty="0"/>
-              <a:t>);</a:t>
-            </a:r>
-          </a:p>
-          <a:p>
-            <a:pPr>
-              <a:lnSpc>
-                <a:spcPct val="80000"/>
-              </a:lnSpc>
-              <a:spcBef>
-                <a:spcPts val="600"/>
-              </a:spcBef>
-            </a:pPr>
-            <a:r>
-              <a:rPr lang="en-US" dirty="0"/>
-              <a:t>}</a:t>
-            </a:r>
-          </a:p>
-        </p:txBody>
-      </p:sp>
-    </p:spTree>
-    <p:extLst>
-      <p:ext uri="{BB962C8B-B14F-4D97-AF65-F5344CB8AC3E}">
-        <p14:creationId xmlns:p14="http://schemas.microsoft.com/office/powerpoint/2010/main" val="913634022"/>
-      </p:ext>
-    </p:extLst>
-  </p:cSld>
-  <p:clrMapOvr>
-    <a:masterClrMapping/>
-  </p:clrMapOvr>
-  <p:timing>
-    <p:tnLst>
-      <p:par>
-        <p:cTn id="1" dur="indefinite" restart="never" nodeType="tmRoot">
-          <p:childTnLst>
-            <p:seq concurrent="1" nextAc="seek">
-              <p:cTn id="2" dur="indefinite" nodeType="mainSeq">
-                <p:childTnLst>
-                  <p:par>
-                    <p:cTn id="3" fill="hold">
-                      <p:stCondLst>
-                        <p:cond delay="indefinite"/>
-                      </p:stCondLst>
-                      <p:childTnLst>
-                        <p:par>
-                          <p:cTn id="4" fill="hold">
-                            <p:stCondLst>
-                              <p:cond delay="0"/>
-                            </p:stCondLst>
-                            <p:childTnLst>
-                              <p:par>
-                                <p:cTn id="5" presetID="22" presetClass="entr" presetSubtype="2" fill="hold" grpId="0" nodeType="clickEffect">
-                                  <p:stCondLst>
-                                    <p:cond delay="0"/>
-                                  </p:stCondLst>
-                                  <p:childTnLst>
-                                    <p:set>
-                                      <p:cBhvr>
-                                        <p:cTn id="6" dur="1" fill="hold">
-                                          <p:stCondLst>
-                                            <p:cond delay="0"/>
-                                          </p:stCondLst>
-                                        </p:cTn>
-                                        <p:tgtEl>
-                                          <p:spTgt spid="7"/>
-                                        </p:tgtEl>
-                                        <p:attrNameLst>
-                                          <p:attrName>style.visibility</p:attrName>
-                                        </p:attrNameLst>
-                                      </p:cBhvr>
-                                      <p:to>
-                                        <p:strVal val="visible"/>
-                                      </p:to>
-                                    </p:set>
-                                    <p:animEffect transition="in" filter="wipe(right)">
-                                      <p:cBhvr>
-                                        <p:cTn id="7" dur="500"/>
-                                        <p:tgtEl>
-                                          <p:spTgt spid="7"/>
-                                        </p:tgtEl>
-                                      </p:cBhvr>
-                                    </p:animEffect>
-                                  </p:childTnLst>
-                                </p:cTn>
-                              </p:par>
-                            </p:childTnLst>
-                          </p:cTn>
-                        </p:par>
-                      </p:childTnLst>
-                    </p:cTn>
-                  </p:par>
-                  <p:par>
-                    <p:cTn id="8" fill="hold">
-                      <p:stCondLst>
-                        <p:cond delay="indefinite"/>
-                      </p:stCondLst>
-                      <p:childTnLst>
-                        <p:par>
-                          <p:cTn id="9" fill="hold">
-                            <p:stCondLst>
-                              <p:cond delay="0"/>
-                            </p:stCondLst>
-                            <p:childTnLst>
-                              <p:par>
-                                <p:cTn id="10" presetID="2" presetClass="entr" presetSubtype="2" fill="hold" grpId="1" nodeType="clickEffect">
-                                  <p:stCondLst>
-                                    <p:cond delay="0"/>
-                                  </p:stCondLst>
-                                  <p:childTnLst>
-                                    <p:set>
-                                      <p:cBhvr>
-                                        <p:cTn id="11" dur="1" fill="hold">
-                                          <p:stCondLst>
-                                            <p:cond delay="0"/>
-                                          </p:stCondLst>
-                                        </p:cTn>
-                                        <p:tgtEl>
-                                          <p:spTgt spid="8"/>
-                                        </p:tgtEl>
-                                        <p:attrNameLst>
-                                          <p:attrName>style.visibility</p:attrName>
-                                        </p:attrNameLst>
-                                      </p:cBhvr>
-                                      <p:to>
-                                        <p:strVal val="visible"/>
-                                      </p:to>
-                                    </p:set>
-                                    <p:anim calcmode="lin" valueType="num">
-                                      <p:cBhvr additive="base">
-                                        <p:cTn id="12" dur="500" fill="hold"/>
-                                        <p:tgtEl>
-                                          <p:spTgt spid="8"/>
-                                        </p:tgtEl>
-                                        <p:attrNameLst>
-                                          <p:attrName>ppt_x</p:attrName>
-                                        </p:attrNameLst>
-                                      </p:cBhvr>
-                                      <p:tavLst>
-                                        <p:tav tm="0">
-                                          <p:val>
-                                            <p:strVal val="1+#ppt_w/2"/>
-                                          </p:val>
-                                        </p:tav>
-                                        <p:tav tm="100000">
-                                          <p:val>
-                                            <p:strVal val="#ppt_x"/>
-                                          </p:val>
-                                        </p:tav>
-                                      </p:tavLst>
-                                    </p:anim>
-                                    <p:anim calcmode="lin" valueType="num">
-                                      <p:cBhvr additive="base">
-                                        <p:cTn id="13" dur="500" fill="hold"/>
-                                        <p:tgtEl>
-                                          <p:spTgt spid="8"/>
-                                        </p:tgtEl>
-                                        <p:attrNameLst>
-                                          <p:attrName>ppt_y</p:attrName>
-                                        </p:attrNameLst>
-                                      </p:cBhvr>
-                                      <p:tavLst>
-                                        <p:tav tm="0">
-                                          <p:val>
-                                            <p:strVal val="#ppt_y"/>
-                                          </p:val>
-                                        </p:tav>
-                                        <p:tav tm="100000">
-                                          <p:val>
-                                            <p:strVal val="#ppt_y"/>
-                                          </p:val>
-                                        </p:tav>
-                                      </p:tavLst>
-                                    </p:anim>
-                                  </p:childTnLst>
-                                </p:cTn>
-                              </p:par>
-                            </p:childTnLst>
-                          </p:cTn>
-                        </p:par>
-                      </p:childTnLst>
-                    </p:cTn>
-                  </p:par>
-                </p:childTnLst>
-              </p:cTn>
-              <p:prevCondLst>
-                <p:cond evt="onPrev" delay="0">
-                  <p:tgtEl>
-                    <p:sldTgt/>
-                  </p:tgtEl>
-                </p:cond>
-              </p:prevCondLst>
-              <p:nextCondLst>
-                <p:cond evt="onNext" delay="0">
-                  <p:tgtEl>
-                    <p:sldTgt/>
-                  </p:tgtEl>
-                </p:cond>
-              </p:nextCondLst>
-            </p:seq>
-          </p:childTnLst>
-        </p:cTn>
-      </p:par>
-    </p:tnLst>
-    <p:bldLst>
-      <p:bldP spid="7" grpId="0" animBg="1"/>
-      <p:bldP spid="8" grpId="1" animBg="1"/>
-    </p:bldLst>
-  </p:timing>
-</p:sld>
-</file>
-
-<file path=ppt/slides/slide16.xml><?xml version="1.0" encoding="utf-8"?>
+<file path=ppt/slides/slide17.xml><?xml version="1.0" encoding="utf-8"?>
 <p:sld xmlns:a="http://schemas.openxmlformats.org/drawingml/2006/main" xmlns:r="http://schemas.openxmlformats.org/officeDocument/2006/relationships" xmlns:p="http://schemas.openxmlformats.org/presentationml/2006/main">
   <p:cSld>
     <p:spTree>
@@ -19428,7 +19689,7 @@
 </p:sld>
 </file>
 
-<file path=ppt/slides/slide17.xml><?xml version="1.0" encoding="utf-8"?>
+<file path=ppt/slides/slide18.xml><?xml version="1.0" encoding="utf-8"?>
 <p:sld xmlns:a="http://schemas.openxmlformats.org/drawingml/2006/main" xmlns:r="http://schemas.openxmlformats.org/officeDocument/2006/relationships" xmlns:p="http://schemas.openxmlformats.org/presentationml/2006/main">
   <p:cSld>
     <p:spTree>
@@ -21936,1313 +22197,6 @@
 </p:sld>
 </file>
 
-<file path=ppt/slides/slide18.xml><?xml version="1.0" encoding="utf-8"?>
-<p:sld xmlns:a="http://schemas.openxmlformats.org/drawingml/2006/main" xmlns:r="http://schemas.openxmlformats.org/officeDocument/2006/relationships" xmlns:p="http://schemas.openxmlformats.org/presentationml/2006/main">
-  <p:cSld>
-    <p:spTree>
-      <p:nvGrpSpPr>
-        <p:cNvPr id="1" name=""/>
-        <p:cNvGrpSpPr/>
-        <p:nvPr/>
-      </p:nvGrpSpPr>
-      <p:grpSpPr>
-        <a:xfrm>
-          <a:off x="0" y="0"/>
-          <a:ext cx="0" cy="0"/>
-          <a:chOff x="0" y="0"/>
-          <a:chExt cx="0" cy="0"/>
-        </a:xfrm>
-      </p:grpSpPr>
-      <p:sp>
-        <p:nvSpPr>
-          <p:cNvPr id="2" name="Title 1"/>
-          <p:cNvSpPr>
-            <a:spLocks noGrp="1"/>
-          </p:cNvSpPr>
-          <p:nvPr>
-            <p:ph type="title"/>
-          </p:nvPr>
-        </p:nvSpPr>
-        <p:spPr/>
-        <p:txBody>
-          <a:bodyPr/>
-          <a:lstStyle/>
-          <a:p>
-            <a:r>
-              <a:rPr lang="en-US" dirty="0"/>
-              <a:t>RX Push - Client</a:t>
-            </a:r>
-          </a:p>
-        </p:txBody>
-      </p:sp>
-      <p:sp>
-        <p:nvSpPr>
-          <p:cNvPr id="4" name="Rectangle 1"/>
-          <p:cNvSpPr>
-            <a:spLocks noGrp="1" noChangeArrowheads="1"/>
-          </p:cNvSpPr>
-          <p:nvPr>
-            <p:ph idx="1"/>
-          </p:nvPr>
-        </p:nvSpPr>
-        <p:spPr bwMode="auto">
-          <a:xfrm>
-            <a:off x="684212" y="600611"/>
-            <a:ext cx="9212778" cy="3785652"/>
-          </a:xfrm>
-          <a:prstGeom prst="rect">
-            <a:avLst/>
-          </a:prstGeom>
-          <a:solidFill>
-            <a:srgbClr val="FFFFFF"/>
-          </a:solidFill>
-          <a:ln>
-            <a:noFill/>
-          </a:ln>
-          <a:effectLst/>
-          <a:extLst>
-            <a:ext uri="{91240B29-F687-4F45-9708-019B960494DF}">
-              <a14:hiddenLine xmlns:a14="http://schemas.microsoft.com/office/drawing/2010/main" w="9525">
-                <a:solidFill>
-                  <a:schemeClr val="tx1"/>
-                </a:solidFill>
-                <a:miter lim="800000"/>
-                <a:headEnd/>
-                <a:tailEnd/>
-              </a14:hiddenLine>
-            </a:ext>
-            <a:ext uri="{AF507438-7753-43E0-B8FC-AC1667EBCBE1}">
-              <a14:hiddenEffects xmlns:a14="http://schemas.microsoft.com/office/drawing/2010/main">
-                <a:effectLst>
-                  <a:outerShdw dist="35921" dir="2700000" algn="ctr" rotWithShape="0">
-                    <a:schemeClr val="bg2"/>
-                  </a:outerShdw>
-                </a:effectLst>
-              </a14:hiddenEffects>
-            </a:ext>
-          </a:extLst>
-        </p:spPr>
-        <p:txBody>
-          <a:bodyPr vert="horz" wrap="none" lIns="91440" tIns="45720" rIns="91440" bIns="45720" numCol="1" anchor="ctr" anchorCtr="0" compatLnSpc="1">
-            <a:prstTxWarp prst="textNoShape">
-              <a:avLst/>
-            </a:prstTxWarp>
-            <a:spAutoFit/>
-          </a:bodyPr>
-          <a:lstStyle/>
-          <a:p>
-            <a:pPr marL="0" marR="0" lvl="0" indent="0" algn="l" defTabSz="914400" rtl="0" eaLnBrk="0" fontAlgn="base" latinLnBrk="0" hangingPunct="0">
-              <a:lnSpc>
-                <a:spcPct val="100000"/>
-              </a:lnSpc>
-              <a:spcBef>
-                <a:spcPct val="0"/>
-              </a:spcBef>
-              <a:spcAft>
-                <a:spcPct val="0"/>
-              </a:spcAft>
-              <a:buClrTx/>
-              <a:buSzTx/>
-              <a:buFontTx/>
-              <a:buNone/>
-              <a:tabLst/>
-            </a:pPr>
-            <a:r>
-              <a:rPr kumimoji="0" lang="en-US" b="0" i="0" u="none" strike="noStrike" cap="none" normalizeH="0" baseline="0" dirty="0">
-                <a:ln>
-                  <a:noFill/>
-                </a:ln>
-                <a:solidFill>
-                  <a:srgbClr val="0000FF"/>
-                </a:solidFill>
-                <a:effectLst/>
-                <a:latin typeface="Consolas" panose="020B0609020204030204" pitchFamily="49" charset="0"/>
-                <a:cs typeface="Consolas" panose="020B0609020204030204" pitchFamily="49" charset="0"/>
-              </a:rPr>
-              <a:t>Dim</a:t>
-            </a:r>
-            <a:r>
-              <a:rPr kumimoji="0" lang="en-US" b="0" i="0" u="none" strike="noStrike" cap="none" normalizeH="0" baseline="0" dirty="0">
-                <a:ln>
-                  <a:noFill/>
-                </a:ln>
-                <a:solidFill>
-                  <a:srgbClr val="000000"/>
-                </a:solidFill>
-                <a:effectLst/>
-                <a:latin typeface="Consolas" panose="020B0609020204030204" pitchFamily="49" charset="0"/>
-                <a:cs typeface="Consolas" panose="020B0609020204030204" pitchFamily="49" charset="0"/>
-              </a:rPr>
-              <a:t> </a:t>
-            </a:r>
-            <a:r>
-              <a:rPr kumimoji="0" lang="en-US" b="0" i="0" u="none" strike="noStrike" cap="none" normalizeH="0" baseline="0" dirty="0" err="1">
-                <a:ln>
-                  <a:noFill/>
-                </a:ln>
-                <a:solidFill>
-                  <a:srgbClr val="000000"/>
-                </a:solidFill>
-                <a:effectLst/>
-                <a:latin typeface="Consolas" panose="020B0609020204030204" pitchFamily="49" charset="0"/>
-                <a:cs typeface="Consolas" panose="020B0609020204030204" pitchFamily="49" charset="0"/>
-              </a:rPr>
-              <a:t>cn</a:t>
-            </a:r>
-            <a:r>
-              <a:rPr kumimoji="0" lang="en-US" b="0" i="0" u="none" strike="noStrike" cap="none" normalizeH="0" baseline="0" dirty="0">
-                <a:ln>
-                  <a:noFill/>
-                </a:ln>
-                <a:solidFill>
-                  <a:srgbClr val="000000"/>
-                </a:solidFill>
-                <a:effectLst/>
-                <a:latin typeface="Consolas" panose="020B0609020204030204" pitchFamily="49" charset="0"/>
-                <a:cs typeface="Consolas" panose="020B0609020204030204" pitchFamily="49" charset="0"/>
-              </a:rPr>
-              <a:t> = </a:t>
-            </a:r>
-            <a:r>
-              <a:rPr kumimoji="0" lang="en-US" b="0" i="0" u="none" strike="noStrike" cap="none" normalizeH="0" baseline="0" dirty="0">
-                <a:ln>
-                  <a:noFill/>
-                </a:ln>
-                <a:solidFill>
-                  <a:srgbClr val="0000FF"/>
-                </a:solidFill>
-                <a:effectLst/>
-                <a:latin typeface="Consolas" panose="020B0609020204030204" pitchFamily="49" charset="0"/>
-                <a:cs typeface="Consolas" panose="020B0609020204030204" pitchFamily="49" charset="0"/>
-              </a:rPr>
-              <a:t>New</a:t>
-            </a:r>
-            <a:r>
-              <a:rPr kumimoji="0" lang="en-US" b="0" i="0" u="none" strike="noStrike" cap="none" normalizeH="0" baseline="0" dirty="0">
-                <a:ln>
-                  <a:noFill/>
-                </a:ln>
-                <a:solidFill>
-                  <a:srgbClr val="000000"/>
-                </a:solidFill>
-                <a:effectLst/>
-                <a:latin typeface="Consolas" panose="020B0609020204030204" pitchFamily="49" charset="0"/>
-                <a:cs typeface="Consolas" panose="020B0609020204030204" pitchFamily="49" charset="0"/>
-              </a:rPr>
-              <a:t> </a:t>
-            </a:r>
-            <a:r>
-              <a:rPr kumimoji="0" lang="en-US" b="0" i="0" u="none" strike="noStrike" cap="none" normalizeH="0" baseline="0" dirty="0" err="1">
-                <a:ln>
-                  <a:noFill/>
-                </a:ln>
-                <a:solidFill>
-                  <a:srgbClr val="2B91AF"/>
-                </a:solidFill>
-                <a:effectLst/>
-                <a:latin typeface="Consolas" panose="020B0609020204030204" pitchFamily="49" charset="0"/>
-                <a:cs typeface="Consolas" panose="020B0609020204030204" pitchFamily="49" charset="0"/>
-              </a:rPr>
-              <a:t>HubConnection</a:t>
-            </a:r>
-            <a:r>
-              <a:rPr kumimoji="0" lang="en-US" b="0" i="0" u="none" strike="noStrike" cap="none" normalizeH="0" baseline="0" dirty="0">
-                <a:ln>
-                  <a:noFill/>
-                </a:ln>
-                <a:solidFill>
-                  <a:srgbClr val="000000"/>
-                </a:solidFill>
-                <a:effectLst/>
-                <a:latin typeface="Consolas" panose="020B0609020204030204" pitchFamily="49" charset="0"/>
-                <a:cs typeface="Consolas" panose="020B0609020204030204" pitchFamily="49" charset="0"/>
-              </a:rPr>
-              <a:t>(</a:t>
-            </a:r>
-            <a:r>
-              <a:rPr kumimoji="0" lang="en-US" b="0" i="0" u="none" strike="noStrike" cap="none" normalizeH="0" baseline="0" dirty="0">
-                <a:ln>
-                  <a:noFill/>
-                </a:ln>
-                <a:solidFill>
-                  <a:srgbClr val="A31515"/>
-                </a:solidFill>
-                <a:effectLst/>
-                <a:latin typeface="Consolas" panose="020B0609020204030204" pitchFamily="49" charset="0"/>
-                <a:cs typeface="Consolas" panose="020B0609020204030204" pitchFamily="49" charset="0"/>
-              </a:rPr>
-              <a:t>"http://localhost:5687"</a:t>
-            </a:r>
-            <a:r>
-              <a:rPr kumimoji="0" lang="en-US" b="0" i="0" u="none" strike="noStrike" cap="none" normalizeH="0" baseline="0" dirty="0">
-                <a:ln>
-                  <a:noFill/>
-                </a:ln>
-                <a:solidFill>
-                  <a:srgbClr val="000000"/>
-                </a:solidFill>
-                <a:effectLst/>
-                <a:latin typeface="Consolas" panose="020B0609020204030204" pitchFamily="49" charset="0"/>
-                <a:cs typeface="Consolas" panose="020B0609020204030204" pitchFamily="49" charset="0"/>
-              </a:rPr>
-              <a:t>)</a:t>
-            </a:r>
-          </a:p>
-          <a:p>
-            <a:pPr marL="0" marR="0" lvl="0" indent="0" algn="l" defTabSz="914400" rtl="0" eaLnBrk="0" fontAlgn="base" latinLnBrk="0" hangingPunct="0">
-              <a:lnSpc>
-                <a:spcPct val="100000"/>
-              </a:lnSpc>
-              <a:spcBef>
-                <a:spcPct val="0"/>
-              </a:spcBef>
-              <a:spcAft>
-                <a:spcPct val="0"/>
-              </a:spcAft>
-              <a:buClrTx/>
-              <a:buSzTx/>
-              <a:buFontTx/>
-              <a:buNone/>
-              <a:tabLst/>
-            </a:pPr>
-            <a:r>
-              <a:rPr kumimoji="0" lang="en-US" b="0" i="0" u="none" strike="noStrike" cap="none" normalizeH="0" baseline="0" dirty="0">
-                <a:ln>
-                  <a:noFill/>
-                </a:ln>
-                <a:solidFill>
-                  <a:srgbClr val="0000FF"/>
-                </a:solidFill>
-                <a:effectLst/>
-                <a:latin typeface="Consolas" panose="020B0609020204030204" pitchFamily="49" charset="0"/>
-                <a:cs typeface="Consolas" panose="020B0609020204030204" pitchFamily="49" charset="0"/>
-              </a:rPr>
-              <a:t>Dim</a:t>
-            </a:r>
-            <a:r>
-              <a:rPr kumimoji="0" lang="en-US" b="0" i="0" u="none" strike="noStrike" cap="none" normalizeH="0" baseline="0" dirty="0">
-                <a:ln>
-                  <a:noFill/>
-                </a:ln>
-                <a:solidFill>
-                  <a:srgbClr val="000000"/>
-                </a:solidFill>
-                <a:effectLst/>
-                <a:latin typeface="Consolas" panose="020B0609020204030204" pitchFamily="49" charset="0"/>
-                <a:cs typeface="Consolas" panose="020B0609020204030204" pitchFamily="49" charset="0"/>
-              </a:rPr>
-              <a:t> sensor = </a:t>
-            </a:r>
-            <a:r>
-              <a:rPr kumimoji="0" lang="en-US" b="0" i="0" u="none" strike="noStrike" cap="none" normalizeH="0" baseline="0" dirty="0" err="1">
-                <a:ln>
-                  <a:noFill/>
-                </a:ln>
-                <a:solidFill>
-                  <a:srgbClr val="000000"/>
-                </a:solidFill>
-                <a:effectLst/>
-                <a:latin typeface="Consolas" panose="020B0609020204030204" pitchFamily="49" charset="0"/>
-                <a:cs typeface="Consolas" panose="020B0609020204030204" pitchFamily="49" charset="0"/>
-              </a:rPr>
-              <a:t>cn.CreateProxy</a:t>
-            </a:r>
-            <a:r>
-              <a:rPr kumimoji="0" lang="en-US" b="0" i="0" u="none" strike="noStrike" cap="none" normalizeH="0" baseline="0" dirty="0">
-                <a:ln>
-                  <a:noFill/>
-                </a:ln>
-                <a:solidFill>
-                  <a:srgbClr val="000000"/>
-                </a:solidFill>
-                <a:effectLst/>
-                <a:latin typeface="Consolas" panose="020B0609020204030204" pitchFamily="49" charset="0"/>
-                <a:cs typeface="Consolas" panose="020B0609020204030204" pitchFamily="49" charset="0"/>
-              </a:rPr>
-              <a:t>(</a:t>
-            </a:r>
-            <a:r>
-              <a:rPr kumimoji="0" lang="en-US" b="0" i="0" u="none" strike="noStrike" cap="none" normalizeH="0" baseline="0" dirty="0">
-                <a:ln>
-                  <a:noFill/>
-                </a:ln>
-                <a:solidFill>
-                  <a:srgbClr val="A31515"/>
-                </a:solidFill>
-                <a:effectLst/>
-                <a:latin typeface="Consolas" panose="020B0609020204030204" pitchFamily="49" charset="0"/>
-                <a:cs typeface="Consolas" panose="020B0609020204030204" pitchFamily="49" charset="0"/>
-              </a:rPr>
-              <a:t>"</a:t>
-            </a:r>
-            <a:r>
-              <a:rPr kumimoji="0" lang="en-US" b="0" i="0" u="none" strike="noStrike" cap="none" normalizeH="0" baseline="0" dirty="0" err="1">
-                <a:ln>
-                  <a:noFill/>
-                </a:ln>
-                <a:solidFill>
-                  <a:srgbClr val="A31515"/>
-                </a:solidFill>
-                <a:effectLst/>
-                <a:latin typeface="Consolas" panose="020B0609020204030204" pitchFamily="49" charset="0"/>
-                <a:cs typeface="Consolas" panose="020B0609020204030204" pitchFamily="49" charset="0"/>
-              </a:rPr>
-              <a:t>observableSensorHub</a:t>
-            </a:r>
-            <a:r>
-              <a:rPr kumimoji="0" lang="en-US" b="0" i="0" u="none" strike="noStrike" cap="none" normalizeH="0" baseline="0" dirty="0">
-                <a:ln>
-                  <a:noFill/>
-                </a:ln>
-                <a:solidFill>
-                  <a:srgbClr val="A31515"/>
-                </a:solidFill>
-                <a:effectLst/>
-                <a:latin typeface="Consolas" panose="020B0609020204030204" pitchFamily="49" charset="0"/>
-                <a:cs typeface="Consolas" panose="020B0609020204030204" pitchFamily="49" charset="0"/>
-              </a:rPr>
-              <a:t>"</a:t>
-            </a:r>
-            <a:r>
-              <a:rPr kumimoji="0" lang="en-US" b="0" i="0" u="none" strike="noStrike" cap="none" normalizeH="0" baseline="0" dirty="0">
-                <a:ln>
-                  <a:noFill/>
-                </a:ln>
-                <a:solidFill>
-                  <a:srgbClr val="000000"/>
-                </a:solidFill>
-                <a:effectLst/>
-                <a:latin typeface="Consolas" panose="020B0609020204030204" pitchFamily="49" charset="0"/>
-                <a:cs typeface="Consolas" panose="020B0609020204030204" pitchFamily="49" charset="0"/>
-              </a:rPr>
-              <a:t>)</a:t>
-            </a:r>
-          </a:p>
-          <a:p>
-            <a:pPr marL="0" marR="0" lvl="0" indent="0" algn="l" defTabSz="914400" rtl="0" eaLnBrk="0" fontAlgn="base" latinLnBrk="0" hangingPunct="0">
-              <a:lnSpc>
-                <a:spcPct val="100000"/>
-              </a:lnSpc>
-              <a:spcBef>
-                <a:spcPct val="0"/>
-              </a:spcBef>
-              <a:spcAft>
-                <a:spcPct val="0"/>
-              </a:spcAft>
-              <a:buClrTx/>
-              <a:buSzTx/>
-              <a:buFontTx/>
-              <a:buNone/>
-              <a:tabLst/>
-            </a:pPr>
-            <a:endParaRPr kumimoji="0" lang="en-US" b="0" i="0" u="none" strike="noStrike" cap="none" normalizeH="0" baseline="0" dirty="0">
-              <a:ln>
-                <a:noFill/>
-              </a:ln>
-              <a:solidFill>
-                <a:srgbClr val="0000FF"/>
-              </a:solidFill>
-              <a:effectLst/>
-              <a:latin typeface="Consolas" panose="020B0609020204030204" pitchFamily="49" charset="0"/>
-              <a:cs typeface="Consolas" panose="020B0609020204030204" pitchFamily="49" charset="0"/>
-            </a:endParaRPr>
-          </a:p>
-          <a:p>
-            <a:pPr marL="0" marR="0" lvl="0" indent="0" algn="l" defTabSz="914400" rtl="0" eaLnBrk="0" fontAlgn="base" latinLnBrk="0" hangingPunct="0">
-              <a:lnSpc>
-                <a:spcPct val="100000"/>
-              </a:lnSpc>
-              <a:spcBef>
-                <a:spcPct val="0"/>
-              </a:spcBef>
-              <a:spcAft>
-                <a:spcPct val="0"/>
-              </a:spcAft>
-              <a:buClrTx/>
-              <a:buSzTx/>
-              <a:buFontTx/>
-              <a:buNone/>
-              <a:tabLst/>
-            </a:pPr>
-            <a:r>
-              <a:rPr kumimoji="0" lang="en-US" b="0" i="0" u="none" strike="noStrike" cap="none" normalizeH="0" baseline="0" dirty="0">
-                <a:ln>
-                  <a:noFill/>
-                </a:ln>
-                <a:solidFill>
-                  <a:srgbClr val="0000FF"/>
-                </a:solidFill>
-                <a:effectLst/>
-                <a:latin typeface="Consolas" panose="020B0609020204030204" pitchFamily="49" charset="0"/>
-                <a:cs typeface="Consolas" panose="020B0609020204030204" pitchFamily="49" charset="0"/>
-              </a:rPr>
-              <a:t>Dim</a:t>
-            </a:r>
-            <a:r>
-              <a:rPr kumimoji="0" lang="en-US" b="0" i="0" u="none" strike="noStrike" cap="none" normalizeH="0" baseline="0" dirty="0">
-                <a:ln>
-                  <a:noFill/>
-                </a:ln>
-                <a:solidFill>
-                  <a:srgbClr val="000000"/>
-                </a:solidFill>
-                <a:effectLst/>
-                <a:latin typeface="Consolas" panose="020B0609020204030204" pitchFamily="49" charset="0"/>
-                <a:cs typeface="Consolas" panose="020B0609020204030204" pitchFamily="49" charset="0"/>
-              </a:rPr>
-              <a:t> items = </a:t>
-            </a:r>
-            <a:r>
-              <a:rPr kumimoji="0" lang="en-US" b="0" i="0" u="none" strike="noStrike" cap="none" normalizeH="0" baseline="0" dirty="0">
-                <a:ln>
-                  <a:noFill/>
-                </a:ln>
-                <a:solidFill>
-                  <a:srgbClr val="0000FF"/>
-                </a:solidFill>
-                <a:effectLst/>
-                <a:latin typeface="Consolas" panose="020B0609020204030204" pitchFamily="49" charset="0"/>
-                <a:cs typeface="Consolas" panose="020B0609020204030204" pitchFamily="49" charset="0"/>
-              </a:rPr>
-              <a:t>From</a:t>
-            </a:r>
-            <a:r>
-              <a:rPr kumimoji="0" lang="en-US" b="0" i="0" u="none" strike="noStrike" cap="none" normalizeH="0" baseline="0" dirty="0">
-                <a:ln>
-                  <a:noFill/>
-                </a:ln>
-                <a:solidFill>
-                  <a:srgbClr val="000000"/>
-                </a:solidFill>
-                <a:effectLst/>
-                <a:latin typeface="Consolas" panose="020B0609020204030204" pitchFamily="49" charset="0"/>
-                <a:cs typeface="Consolas" panose="020B0609020204030204" pitchFamily="49" charset="0"/>
-              </a:rPr>
-              <a:t> item </a:t>
-            </a:r>
-            <a:r>
-              <a:rPr kumimoji="0" lang="en-US" b="0" i="0" u="none" strike="noStrike" cap="none" normalizeH="0" baseline="0" dirty="0">
-                <a:ln>
-                  <a:noFill/>
-                </a:ln>
-                <a:solidFill>
-                  <a:srgbClr val="0000FF"/>
-                </a:solidFill>
-                <a:effectLst/>
-                <a:latin typeface="Consolas" panose="020B0609020204030204" pitchFamily="49" charset="0"/>
-                <a:cs typeface="Consolas" panose="020B0609020204030204" pitchFamily="49" charset="0"/>
-              </a:rPr>
-              <a:t>In</a:t>
-            </a:r>
-            <a:r>
-              <a:rPr kumimoji="0" lang="en-US" b="0" i="0" u="none" strike="noStrike" cap="none" normalizeH="0" baseline="0" dirty="0">
-                <a:ln>
-                  <a:noFill/>
-                </a:ln>
-                <a:solidFill>
-                  <a:srgbClr val="000000"/>
-                </a:solidFill>
-                <a:effectLst/>
-                <a:latin typeface="Consolas" panose="020B0609020204030204" pitchFamily="49" charset="0"/>
-                <a:cs typeface="Consolas" panose="020B0609020204030204" pitchFamily="49" charset="0"/>
-              </a:rPr>
-              <a:t> </a:t>
-            </a:r>
-            <a:r>
-              <a:rPr kumimoji="0" lang="en-US" b="0" i="0" u="none" strike="noStrike" cap="none" normalizeH="0" baseline="0" dirty="0" err="1">
-                <a:ln>
-                  <a:noFill/>
-                </a:ln>
-                <a:solidFill>
-                  <a:srgbClr val="000000"/>
-                </a:solidFill>
-                <a:effectLst/>
-                <a:latin typeface="Consolas" panose="020B0609020204030204" pitchFamily="49" charset="0"/>
-                <a:cs typeface="Consolas" panose="020B0609020204030204" pitchFamily="49" charset="0"/>
-              </a:rPr>
-              <a:t>sensor.Observe</a:t>
-            </a:r>
-            <a:r>
-              <a:rPr kumimoji="0" lang="en-US" b="0" i="0" u="none" strike="noStrike" cap="none" normalizeH="0" baseline="0" dirty="0">
-                <a:ln>
-                  <a:noFill/>
-                </a:ln>
-                <a:solidFill>
-                  <a:srgbClr val="000000"/>
-                </a:solidFill>
-                <a:effectLst/>
-                <a:latin typeface="Consolas" panose="020B0609020204030204" pitchFamily="49" charset="0"/>
-                <a:cs typeface="Consolas" panose="020B0609020204030204" pitchFamily="49" charset="0"/>
-              </a:rPr>
-              <a:t>(</a:t>
-            </a:r>
-            <a:r>
-              <a:rPr kumimoji="0" lang="en-US" b="0" i="0" u="none" strike="noStrike" cap="none" normalizeH="0" baseline="0" dirty="0">
-                <a:ln>
-                  <a:noFill/>
-                </a:ln>
-                <a:solidFill>
-                  <a:srgbClr val="A31515"/>
-                </a:solidFill>
-                <a:effectLst/>
-                <a:latin typeface="Consolas" panose="020B0609020204030204" pitchFamily="49" charset="0"/>
-                <a:cs typeface="Consolas" panose="020B0609020204030204" pitchFamily="49" charset="0"/>
-              </a:rPr>
-              <a:t>"broadcast"</a:t>
-            </a:r>
-            <a:r>
-              <a:rPr kumimoji="0" lang="en-US" b="0" i="0" u="none" strike="noStrike" cap="none" normalizeH="0" baseline="0" dirty="0">
-                <a:ln>
-                  <a:noFill/>
-                </a:ln>
-                <a:solidFill>
-                  <a:srgbClr val="000000"/>
-                </a:solidFill>
-                <a:effectLst/>
-                <a:latin typeface="Consolas" panose="020B0609020204030204" pitchFamily="49" charset="0"/>
-                <a:cs typeface="Consolas" panose="020B0609020204030204" pitchFamily="49" charset="0"/>
-              </a:rPr>
-              <a:t>)</a:t>
-            </a:r>
-          </a:p>
-          <a:p>
-            <a:pPr marL="0" marR="0" lvl="0" indent="0" algn="l" defTabSz="914400" rtl="0" eaLnBrk="0" fontAlgn="base" latinLnBrk="0" hangingPunct="0">
-              <a:lnSpc>
-                <a:spcPct val="100000"/>
-              </a:lnSpc>
-              <a:spcBef>
-                <a:spcPct val="0"/>
-              </a:spcBef>
-              <a:spcAft>
-                <a:spcPct val="0"/>
-              </a:spcAft>
-              <a:buClrTx/>
-              <a:buSzTx/>
-              <a:buFontTx/>
-              <a:buNone/>
-              <a:tabLst/>
-            </a:pPr>
-            <a:r>
-              <a:rPr kumimoji="0" lang="en-US" b="0" i="0" u="none" strike="noStrike" cap="none" normalizeH="0" baseline="0" dirty="0">
-                <a:ln>
-                  <a:noFill/>
-                </a:ln>
-                <a:solidFill>
-                  <a:srgbClr val="000000"/>
-                </a:solidFill>
-                <a:effectLst/>
-                <a:latin typeface="Consolas" panose="020B0609020204030204" pitchFamily="49" charset="0"/>
-                <a:cs typeface="Consolas" panose="020B0609020204030204" pitchFamily="49" charset="0"/>
-              </a:rPr>
-              <a:t>            </a:t>
-            </a:r>
-            <a:r>
-              <a:rPr kumimoji="0" lang="en-US" b="0" i="0" u="none" strike="noStrike" cap="none" normalizeH="0" baseline="0" dirty="0">
-                <a:ln>
-                  <a:noFill/>
-                </a:ln>
-                <a:solidFill>
-                  <a:srgbClr val="0000FF"/>
-                </a:solidFill>
-                <a:effectLst/>
-                <a:latin typeface="Consolas" panose="020B0609020204030204" pitchFamily="49" charset="0"/>
-                <a:cs typeface="Consolas" panose="020B0609020204030204" pitchFamily="49" charset="0"/>
-              </a:rPr>
-              <a:t>Let</a:t>
-            </a:r>
-            <a:r>
-              <a:rPr kumimoji="0" lang="en-US" b="0" i="0" u="none" strike="noStrike" cap="none" normalizeH="0" baseline="0" dirty="0">
-                <a:ln>
-                  <a:noFill/>
-                </a:ln>
-                <a:solidFill>
-                  <a:srgbClr val="000000"/>
-                </a:solidFill>
-                <a:effectLst/>
-                <a:latin typeface="Consolas" panose="020B0609020204030204" pitchFamily="49" charset="0"/>
-                <a:cs typeface="Consolas" panose="020B0609020204030204" pitchFamily="49" charset="0"/>
-              </a:rPr>
-              <a:t> instance = item(0).</a:t>
-            </a:r>
-            <a:r>
-              <a:rPr kumimoji="0" lang="en-US" b="0" i="0" u="none" strike="noStrike" cap="none" normalizeH="0" baseline="0" dirty="0" err="1">
-                <a:ln>
-                  <a:noFill/>
-                </a:ln>
-                <a:solidFill>
-                  <a:srgbClr val="000000"/>
-                </a:solidFill>
-                <a:effectLst/>
-                <a:latin typeface="Consolas" panose="020B0609020204030204" pitchFamily="49" charset="0"/>
-                <a:cs typeface="Consolas" panose="020B0609020204030204" pitchFamily="49" charset="0"/>
-              </a:rPr>
-              <a:t>ToObject</a:t>
-            </a:r>
-            <a:r>
-              <a:rPr kumimoji="0" lang="en-US" b="0" i="0" u="none" strike="noStrike" cap="none" normalizeH="0" baseline="0" dirty="0">
-                <a:ln>
-                  <a:noFill/>
-                </a:ln>
-                <a:solidFill>
-                  <a:srgbClr val="000000"/>
-                </a:solidFill>
-                <a:effectLst/>
-                <a:latin typeface="Consolas" panose="020B0609020204030204" pitchFamily="49" charset="0"/>
-                <a:cs typeface="Consolas" panose="020B0609020204030204" pitchFamily="49" charset="0"/>
-              </a:rPr>
-              <a:t>(</a:t>
-            </a:r>
-            <a:r>
-              <a:rPr kumimoji="0" lang="en-US" b="0" i="0" u="none" strike="noStrike" cap="none" normalizeH="0" baseline="0" dirty="0">
-                <a:ln>
-                  <a:noFill/>
-                </a:ln>
-                <a:solidFill>
-                  <a:srgbClr val="0000FF"/>
-                </a:solidFill>
-                <a:effectLst/>
-                <a:latin typeface="Consolas" panose="020B0609020204030204" pitchFamily="49" charset="0"/>
-                <a:cs typeface="Consolas" panose="020B0609020204030204" pitchFamily="49" charset="0"/>
-              </a:rPr>
-              <a:t>Of</a:t>
-            </a:r>
-            <a:r>
-              <a:rPr kumimoji="0" lang="en-US" b="0" i="0" u="none" strike="noStrike" cap="none" normalizeH="0" baseline="0" dirty="0">
-                <a:ln>
-                  <a:noFill/>
-                </a:ln>
-                <a:solidFill>
-                  <a:srgbClr val="000000"/>
-                </a:solidFill>
-                <a:effectLst/>
-                <a:latin typeface="Consolas" panose="020B0609020204030204" pitchFamily="49" charset="0"/>
-                <a:cs typeface="Consolas" panose="020B0609020204030204" pitchFamily="49" charset="0"/>
-              </a:rPr>
-              <a:t> </a:t>
-            </a:r>
-            <a:r>
-              <a:rPr kumimoji="0" lang="en-US" b="0" i="0" u="none" strike="noStrike" cap="none" normalizeH="0" baseline="0" dirty="0" err="1">
-                <a:ln>
-                  <a:noFill/>
-                </a:ln>
-                <a:solidFill>
-                  <a:srgbClr val="2B91AF"/>
-                </a:solidFill>
-                <a:effectLst/>
-                <a:latin typeface="Consolas" panose="020B0609020204030204" pitchFamily="49" charset="0"/>
-                <a:cs typeface="Consolas" panose="020B0609020204030204" pitchFamily="49" charset="0"/>
-              </a:rPr>
-              <a:t>SensorData</a:t>
-            </a:r>
-            <a:r>
-              <a:rPr kumimoji="0" lang="en-US" b="0" i="0" u="none" strike="noStrike" cap="none" normalizeH="0" baseline="0" dirty="0">
-                <a:ln>
-                  <a:noFill/>
-                </a:ln>
-                <a:solidFill>
-                  <a:srgbClr val="000000"/>
-                </a:solidFill>
-                <a:effectLst/>
-                <a:latin typeface="Consolas" panose="020B0609020204030204" pitchFamily="49" charset="0"/>
-                <a:cs typeface="Consolas" panose="020B0609020204030204" pitchFamily="49" charset="0"/>
-              </a:rPr>
-              <a:t>)()</a:t>
-            </a:r>
-          </a:p>
-          <a:p>
-            <a:pPr marL="0" lvl="0" indent="0" defTabSz="914400" eaLnBrk="0" fontAlgn="base" hangingPunct="0">
-              <a:spcBef>
-                <a:spcPct val="0"/>
-              </a:spcBef>
-              <a:spcAft>
-                <a:spcPct val="0"/>
-              </a:spcAft>
-              <a:buClrTx/>
-              <a:buSzTx/>
-              <a:buNone/>
-            </a:pPr>
-            <a:r>
-              <a:rPr kumimoji="0" lang="en-US" b="0" i="0" u="none" strike="noStrike" cap="none" normalizeH="0" baseline="0" dirty="0">
-                <a:ln>
-                  <a:noFill/>
-                </a:ln>
-                <a:solidFill>
-                  <a:srgbClr val="000000"/>
-                </a:solidFill>
-                <a:effectLst/>
-                <a:latin typeface="Consolas" panose="020B0609020204030204" pitchFamily="49" charset="0"/>
-                <a:cs typeface="Consolas" panose="020B0609020204030204" pitchFamily="49" charset="0"/>
-              </a:rPr>
-              <a:t>            </a:t>
-            </a:r>
-            <a:r>
-              <a:rPr kumimoji="0" lang="en-US" b="0" i="0" u="none" strike="noStrike" cap="none" normalizeH="0" baseline="0" dirty="0">
-                <a:ln>
-                  <a:noFill/>
-                </a:ln>
-                <a:solidFill>
-                  <a:srgbClr val="0000FF"/>
-                </a:solidFill>
-                <a:effectLst/>
-                <a:latin typeface="Consolas" panose="020B0609020204030204" pitchFamily="49" charset="0"/>
-                <a:cs typeface="Consolas" panose="020B0609020204030204" pitchFamily="49" charset="0"/>
-              </a:rPr>
-              <a:t>Where</a:t>
-            </a:r>
-            <a:r>
-              <a:rPr kumimoji="0" lang="en-US" b="0" i="0" u="none" strike="noStrike" cap="none" normalizeH="0" baseline="0" dirty="0">
-                <a:ln>
-                  <a:noFill/>
-                </a:ln>
-                <a:solidFill>
-                  <a:srgbClr val="000000"/>
-                </a:solidFill>
-                <a:effectLst/>
-                <a:latin typeface="Consolas" panose="020B0609020204030204" pitchFamily="49" charset="0"/>
-                <a:cs typeface="Consolas" panose="020B0609020204030204" pitchFamily="49" charset="0"/>
-              </a:rPr>
-              <a:t> </a:t>
-            </a:r>
-            <a:r>
-              <a:rPr kumimoji="0" lang="en-US" b="0" i="0" u="none" strike="noStrike" cap="none" normalizeH="0" baseline="0" dirty="0" err="1">
-                <a:ln>
-                  <a:noFill/>
-                </a:ln>
-                <a:solidFill>
-                  <a:srgbClr val="000000"/>
-                </a:solidFill>
-                <a:effectLst/>
-                <a:latin typeface="Consolas" panose="020B0609020204030204" pitchFamily="49" charset="0"/>
-                <a:cs typeface="Consolas" panose="020B0609020204030204" pitchFamily="49" charset="0"/>
-              </a:rPr>
-              <a:t>instance.Category</a:t>
-            </a:r>
-            <a:r>
-              <a:rPr kumimoji="0" lang="en-US" b="0" i="0" u="none" strike="noStrike" cap="none" normalizeH="0" baseline="0" dirty="0">
-                <a:ln>
-                  <a:noFill/>
-                </a:ln>
-                <a:solidFill>
-                  <a:srgbClr val="000000"/>
-                </a:solidFill>
-                <a:effectLst/>
-                <a:latin typeface="Consolas" panose="020B0609020204030204" pitchFamily="49" charset="0"/>
-                <a:cs typeface="Consolas" panose="020B0609020204030204" pitchFamily="49" charset="0"/>
-              </a:rPr>
-              <a:t> = </a:t>
-            </a:r>
-            <a:r>
-              <a:rPr kumimoji="0" lang="en-US" b="0" i="0" u="none" strike="noStrike" cap="none" normalizeH="0" baseline="0" dirty="0">
-                <a:ln>
-                  <a:noFill/>
-                </a:ln>
-                <a:solidFill>
-                  <a:srgbClr val="A31515"/>
-                </a:solidFill>
-                <a:effectLst/>
-                <a:latin typeface="Consolas" panose="020B0609020204030204" pitchFamily="49" charset="0"/>
-                <a:cs typeface="Consolas" panose="020B0609020204030204" pitchFamily="49" charset="0"/>
-              </a:rPr>
-              <a:t>"1</a:t>
-            </a:r>
-            <a:r>
-              <a:rPr lang="en-US" dirty="0">
-                <a:solidFill>
-                  <a:srgbClr val="A31515"/>
-                </a:solidFill>
-                <a:latin typeface="Consolas" panose="020B0609020204030204" pitchFamily="49" charset="0"/>
-                <a:cs typeface="Consolas" panose="020B0609020204030204" pitchFamily="49" charset="0"/>
-              </a:rPr>
-              <a:t>"</a:t>
-            </a:r>
-            <a:endParaRPr kumimoji="0" lang="en-US" b="0" i="0" u="none" strike="noStrike" cap="none" normalizeH="0" baseline="0" dirty="0">
-              <a:ln>
-                <a:noFill/>
-              </a:ln>
-              <a:solidFill>
-                <a:srgbClr val="A31515"/>
-              </a:solidFill>
-              <a:effectLst/>
-              <a:latin typeface="Consolas" panose="020B0609020204030204" pitchFamily="49" charset="0"/>
-              <a:cs typeface="Consolas" panose="020B0609020204030204" pitchFamily="49" charset="0"/>
-            </a:endParaRPr>
-          </a:p>
-          <a:p>
-            <a:pPr marL="0" marR="0" lvl="0" indent="0" algn="l" defTabSz="914400" rtl="0" eaLnBrk="0" fontAlgn="base" latinLnBrk="0" hangingPunct="0">
-              <a:lnSpc>
-                <a:spcPct val="100000"/>
-              </a:lnSpc>
-              <a:spcBef>
-                <a:spcPct val="0"/>
-              </a:spcBef>
-              <a:spcAft>
-                <a:spcPct val="0"/>
-              </a:spcAft>
-              <a:buClrTx/>
-              <a:buSzTx/>
-              <a:buFontTx/>
-              <a:buNone/>
-              <a:tabLst/>
-            </a:pPr>
-            <a:r>
-              <a:rPr kumimoji="0" lang="en-US" b="0" i="0" u="none" strike="noStrike" cap="none" normalizeH="0" baseline="0" dirty="0">
-                <a:ln>
-                  <a:noFill/>
-                </a:ln>
-                <a:solidFill>
-                  <a:srgbClr val="000000"/>
-                </a:solidFill>
-                <a:effectLst/>
-                <a:latin typeface="Consolas" panose="020B0609020204030204" pitchFamily="49" charset="0"/>
-                <a:cs typeface="Consolas" panose="020B0609020204030204" pitchFamily="49" charset="0"/>
-              </a:rPr>
-              <a:t>            </a:t>
-            </a:r>
-            <a:r>
-              <a:rPr kumimoji="0" lang="en-US" b="0" i="0" u="none" strike="noStrike" cap="none" normalizeH="0" baseline="0" dirty="0">
-                <a:ln>
-                  <a:noFill/>
-                </a:ln>
-                <a:solidFill>
-                  <a:srgbClr val="0000FF"/>
-                </a:solidFill>
-                <a:effectLst/>
-                <a:latin typeface="Consolas" panose="020B0609020204030204" pitchFamily="49" charset="0"/>
-                <a:cs typeface="Consolas" panose="020B0609020204030204" pitchFamily="49" charset="0"/>
-              </a:rPr>
-              <a:t>Select</a:t>
-            </a:r>
-            <a:r>
-              <a:rPr kumimoji="0" lang="en-US" b="0" i="0" u="none" strike="noStrike" cap="none" normalizeH="0" baseline="0" dirty="0">
-                <a:ln>
-                  <a:noFill/>
-                </a:ln>
-                <a:solidFill>
-                  <a:srgbClr val="000000"/>
-                </a:solidFill>
-                <a:effectLst/>
-                <a:latin typeface="Consolas" panose="020B0609020204030204" pitchFamily="49" charset="0"/>
-                <a:cs typeface="Consolas" panose="020B0609020204030204" pitchFamily="49" charset="0"/>
-              </a:rPr>
-              <a:t> instance</a:t>
-            </a:r>
-          </a:p>
-          <a:p>
-            <a:pPr marL="0" marR="0" lvl="0" indent="0" algn="l" defTabSz="914400" rtl="0" eaLnBrk="0" fontAlgn="base" latinLnBrk="0" hangingPunct="0">
-              <a:lnSpc>
-                <a:spcPct val="100000"/>
-              </a:lnSpc>
-              <a:spcBef>
-                <a:spcPct val="0"/>
-              </a:spcBef>
-              <a:spcAft>
-                <a:spcPct val="0"/>
-              </a:spcAft>
-              <a:buClrTx/>
-              <a:buSzTx/>
-              <a:buFontTx/>
-              <a:buNone/>
-              <a:tabLst/>
-            </a:pPr>
-            <a:endParaRPr lang="en-US" dirty="0">
-              <a:solidFill>
-                <a:srgbClr val="000000"/>
-              </a:solidFill>
-              <a:latin typeface="Consolas" panose="020B0609020204030204" pitchFamily="49" charset="0"/>
-              <a:cs typeface="Consolas" panose="020B0609020204030204" pitchFamily="49" charset="0"/>
-            </a:endParaRPr>
-          </a:p>
-          <a:p>
-            <a:pPr marL="0" marR="0" lvl="0" indent="0" algn="l" defTabSz="914400" rtl="0" eaLnBrk="0" fontAlgn="base" latinLnBrk="0" hangingPunct="0">
-              <a:lnSpc>
-                <a:spcPct val="100000"/>
-              </a:lnSpc>
-              <a:spcBef>
-                <a:spcPct val="0"/>
-              </a:spcBef>
-              <a:spcAft>
-                <a:spcPct val="0"/>
-              </a:spcAft>
-              <a:buClrTx/>
-              <a:buSzTx/>
-              <a:buFontTx/>
-              <a:buNone/>
-              <a:tabLst/>
-            </a:pPr>
-            <a:r>
-              <a:rPr kumimoji="0" lang="en-US" b="0" i="0" u="none" strike="noStrike" cap="none" normalizeH="0" baseline="0" dirty="0">
-                <a:ln>
-                  <a:noFill/>
-                </a:ln>
-                <a:solidFill>
-                  <a:srgbClr val="0000FF"/>
-                </a:solidFill>
-                <a:effectLst/>
-                <a:latin typeface="Consolas" panose="020B0609020204030204" pitchFamily="49" charset="0"/>
-                <a:cs typeface="Consolas" panose="020B0609020204030204" pitchFamily="49" charset="0"/>
-              </a:rPr>
-              <a:t>Using</a:t>
-            </a:r>
-            <a:r>
-              <a:rPr kumimoji="0" lang="en-US" b="0" i="0" u="none" strike="noStrike" cap="none" normalizeH="0" baseline="0" dirty="0">
-                <a:ln>
-                  <a:noFill/>
-                </a:ln>
-                <a:solidFill>
-                  <a:srgbClr val="000000"/>
-                </a:solidFill>
-                <a:effectLst/>
-                <a:latin typeface="Consolas" panose="020B0609020204030204" pitchFamily="49" charset="0"/>
-                <a:cs typeface="Consolas" panose="020B0609020204030204" pitchFamily="49" charset="0"/>
-              </a:rPr>
-              <a:t> </a:t>
-            </a:r>
-            <a:r>
-              <a:rPr kumimoji="0" lang="en-US" b="0" i="0" u="none" strike="noStrike" cap="none" normalizeH="0" baseline="0" dirty="0" err="1">
-                <a:ln>
-                  <a:noFill/>
-                </a:ln>
-                <a:solidFill>
-                  <a:srgbClr val="000000"/>
-                </a:solidFill>
-                <a:effectLst/>
-                <a:latin typeface="Consolas" panose="020B0609020204030204" pitchFamily="49" charset="0"/>
-                <a:cs typeface="Consolas" panose="020B0609020204030204" pitchFamily="49" charset="0"/>
-              </a:rPr>
-              <a:t>items.Subscribe</a:t>
-            </a:r>
-            <a:r>
-              <a:rPr kumimoji="0" lang="en-US" b="0" i="0" u="none" strike="noStrike" cap="none" normalizeH="0" baseline="0" dirty="0">
-                <a:ln>
-                  <a:noFill/>
-                </a:ln>
-                <a:solidFill>
-                  <a:srgbClr val="000000"/>
-                </a:solidFill>
-                <a:effectLst/>
-                <a:latin typeface="Consolas" panose="020B0609020204030204" pitchFamily="49" charset="0"/>
-                <a:cs typeface="Consolas" panose="020B0609020204030204" pitchFamily="49" charset="0"/>
-              </a:rPr>
-              <a:t>(</a:t>
-            </a:r>
-            <a:r>
-              <a:rPr kumimoji="0" lang="en-US" b="0" i="0" u="none" strike="noStrike" cap="none" normalizeH="0" baseline="0" dirty="0">
-                <a:ln>
-                  <a:noFill/>
-                </a:ln>
-                <a:solidFill>
-                  <a:srgbClr val="0000FF"/>
-                </a:solidFill>
-                <a:effectLst/>
-                <a:latin typeface="Consolas" panose="020B0609020204030204" pitchFamily="49" charset="0"/>
-                <a:cs typeface="Consolas" panose="020B0609020204030204" pitchFamily="49" charset="0"/>
-              </a:rPr>
-              <a:t>Sub</a:t>
-            </a:r>
-            <a:r>
-              <a:rPr kumimoji="0" lang="en-US" b="0" i="0" u="none" strike="noStrike" cap="none" normalizeH="0" baseline="0" dirty="0">
-                <a:ln>
-                  <a:noFill/>
-                </a:ln>
-                <a:solidFill>
-                  <a:srgbClr val="000000"/>
-                </a:solidFill>
-                <a:effectLst/>
-                <a:latin typeface="Consolas" panose="020B0609020204030204" pitchFamily="49" charset="0"/>
-                <a:cs typeface="Consolas" panose="020B0609020204030204" pitchFamily="49" charset="0"/>
-              </a:rPr>
-              <a:t>(value) </a:t>
-            </a:r>
-            <a:r>
-              <a:rPr kumimoji="0" lang="en-US" b="0" i="0" u="none" strike="noStrike" cap="none" normalizeH="0" baseline="0" dirty="0" err="1">
-                <a:ln>
-                  <a:noFill/>
-                </a:ln>
-                <a:solidFill>
-                  <a:srgbClr val="2B91AF"/>
-                </a:solidFill>
-                <a:effectLst/>
-                <a:latin typeface="Consolas" panose="020B0609020204030204" pitchFamily="49" charset="0"/>
-                <a:cs typeface="Consolas" panose="020B0609020204030204" pitchFamily="49" charset="0"/>
-              </a:rPr>
-              <a:t>Console</a:t>
-            </a:r>
-            <a:r>
-              <a:rPr kumimoji="0" lang="en-US" b="0" i="0" u="none" strike="noStrike" cap="none" normalizeH="0" baseline="0" dirty="0" err="1">
-                <a:ln>
-                  <a:noFill/>
-                </a:ln>
-                <a:solidFill>
-                  <a:srgbClr val="000000"/>
-                </a:solidFill>
-                <a:effectLst/>
-                <a:latin typeface="Consolas" panose="020B0609020204030204" pitchFamily="49" charset="0"/>
-                <a:cs typeface="Consolas" panose="020B0609020204030204" pitchFamily="49" charset="0"/>
-              </a:rPr>
-              <a:t>.WriteLine</a:t>
-            </a:r>
-            <a:r>
-              <a:rPr kumimoji="0" lang="en-US" b="0" i="0" u="none" strike="noStrike" cap="none" normalizeH="0" baseline="0" dirty="0">
-                <a:ln>
-                  <a:noFill/>
-                </a:ln>
-                <a:solidFill>
-                  <a:srgbClr val="000000"/>
-                </a:solidFill>
-                <a:effectLst/>
-                <a:latin typeface="Consolas" panose="020B0609020204030204" pitchFamily="49" charset="0"/>
-                <a:cs typeface="Consolas" panose="020B0609020204030204" pitchFamily="49" charset="0"/>
-              </a:rPr>
-              <a:t>(</a:t>
-            </a:r>
-            <a:r>
-              <a:rPr kumimoji="0" lang="en-US" b="0" i="0" u="none" strike="noStrike" cap="none" normalizeH="0" baseline="0" dirty="0" err="1">
-                <a:ln>
-                  <a:noFill/>
-                </a:ln>
-                <a:solidFill>
-                  <a:srgbClr val="000000"/>
-                </a:solidFill>
-                <a:effectLst/>
-                <a:latin typeface="Consolas" panose="020B0609020204030204" pitchFamily="49" charset="0"/>
-                <a:cs typeface="Consolas" panose="020B0609020204030204" pitchFamily="49" charset="0"/>
-              </a:rPr>
-              <a:t>value.Value</a:t>
-            </a:r>
-            <a:r>
-              <a:rPr kumimoji="0" lang="en-US" b="0" i="0" u="none" strike="noStrike" cap="none" normalizeH="0" baseline="0" dirty="0">
-                <a:ln>
-                  <a:noFill/>
-                </a:ln>
-                <a:solidFill>
-                  <a:srgbClr val="000000"/>
-                </a:solidFill>
-                <a:effectLst/>
-                <a:latin typeface="Consolas" panose="020B0609020204030204" pitchFamily="49" charset="0"/>
-                <a:cs typeface="Consolas" panose="020B0609020204030204" pitchFamily="49" charset="0"/>
-              </a:rPr>
-              <a:t>))</a:t>
-            </a:r>
-          </a:p>
-          <a:p>
-            <a:pPr marL="0" marR="0" lvl="0" indent="0" algn="l" defTabSz="914400" rtl="0" eaLnBrk="0" fontAlgn="base" latinLnBrk="0" hangingPunct="0">
-              <a:lnSpc>
-                <a:spcPct val="100000"/>
-              </a:lnSpc>
-              <a:spcBef>
-                <a:spcPct val="0"/>
-              </a:spcBef>
-              <a:spcAft>
-                <a:spcPct val="0"/>
-              </a:spcAft>
-              <a:buClrTx/>
-              <a:buSzTx/>
-              <a:buFontTx/>
-              <a:buNone/>
-              <a:tabLst/>
-            </a:pPr>
-            <a:r>
-              <a:rPr kumimoji="0" lang="en-US" b="0" i="0" u="none" strike="noStrike" cap="none" normalizeH="0" baseline="0" dirty="0">
-                <a:ln>
-                  <a:noFill/>
-                </a:ln>
-                <a:solidFill>
-                  <a:srgbClr val="000000"/>
-                </a:solidFill>
-                <a:effectLst/>
-                <a:latin typeface="Consolas" panose="020B0609020204030204" pitchFamily="49" charset="0"/>
-                <a:cs typeface="Consolas" panose="020B0609020204030204" pitchFamily="49" charset="0"/>
-              </a:rPr>
-              <a:t>        </a:t>
-            </a:r>
-            <a:r>
-              <a:rPr kumimoji="0" lang="en-US" b="0" i="0" u="none" strike="noStrike" cap="none" normalizeH="0" baseline="0" dirty="0" err="1">
-                <a:ln>
-                  <a:noFill/>
-                </a:ln>
-                <a:solidFill>
-                  <a:srgbClr val="000000"/>
-                </a:solidFill>
-                <a:effectLst/>
-                <a:latin typeface="Consolas" panose="020B0609020204030204" pitchFamily="49" charset="0"/>
-                <a:cs typeface="Consolas" panose="020B0609020204030204" pitchFamily="49" charset="0"/>
-              </a:rPr>
-              <a:t>cn.Start</a:t>
-            </a:r>
-            <a:r>
-              <a:rPr kumimoji="0" lang="en-US" b="0" i="0" u="none" strike="noStrike" cap="none" normalizeH="0" baseline="0" dirty="0">
-                <a:ln>
-                  <a:noFill/>
-                </a:ln>
-                <a:solidFill>
-                  <a:srgbClr val="000000"/>
-                </a:solidFill>
-                <a:effectLst/>
-                <a:latin typeface="Consolas" panose="020B0609020204030204" pitchFamily="49" charset="0"/>
-                <a:cs typeface="Consolas" panose="020B0609020204030204" pitchFamily="49" charset="0"/>
-              </a:rPr>
-              <a:t>().Wait()</a:t>
-            </a:r>
-          </a:p>
-          <a:p>
-            <a:pPr marL="0" marR="0" lvl="0" indent="0" algn="l" defTabSz="914400" rtl="0" eaLnBrk="0" fontAlgn="base" latinLnBrk="0" hangingPunct="0">
-              <a:lnSpc>
-                <a:spcPct val="100000"/>
-              </a:lnSpc>
-              <a:spcBef>
-                <a:spcPct val="0"/>
-              </a:spcBef>
-              <a:spcAft>
-                <a:spcPct val="0"/>
-              </a:spcAft>
-              <a:buClrTx/>
-              <a:buSzTx/>
-              <a:buFontTx/>
-              <a:buNone/>
-              <a:tabLst/>
-            </a:pPr>
-            <a:r>
-              <a:rPr kumimoji="0" lang="en-US" b="0" i="0" u="none" strike="noStrike" cap="none" normalizeH="0" baseline="0" dirty="0">
-                <a:ln>
-                  <a:noFill/>
-                </a:ln>
-                <a:solidFill>
-                  <a:srgbClr val="000000"/>
-                </a:solidFill>
-                <a:effectLst/>
-                <a:latin typeface="Consolas" panose="020B0609020204030204" pitchFamily="49" charset="0"/>
-                <a:cs typeface="Consolas" panose="020B0609020204030204" pitchFamily="49" charset="0"/>
-              </a:rPr>
-              <a:t>        </a:t>
-            </a:r>
-            <a:r>
-              <a:rPr kumimoji="0" lang="en-US" b="0" i="0" u="none" strike="noStrike" cap="none" normalizeH="0" baseline="0" dirty="0" err="1">
-                <a:ln>
-                  <a:noFill/>
-                </a:ln>
-                <a:solidFill>
-                  <a:srgbClr val="2B91AF"/>
-                </a:solidFill>
-                <a:effectLst/>
-                <a:latin typeface="Consolas" panose="020B0609020204030204" pitchFamily="49" charset="0"/>
-                <a:cs typeface="Consolas" panose="020B0609020204030204" pitchFamily="49" charset="0"/>
-              </a:rPr>
-              <a:t>Console</a:t>
-            </a:r>
-            <a:r>
-              <a:rPr kumimoji="0" lang="en-US" b="0" i="0" u="none" strike="noStrike" cap="none" normalizeH="0" baseline="0" dirty="0" err="1">
-                <a:ln>
-                  <a:noFill/>
-                </a:ln>
-                <a:solidFill>
-                  <a:srgbClr val="000000"/>
-                </a:solidFill>
-                <a:effectLst/>
-                <a:latin typeface="Consolas" panose="020B0609020204030204" pitchFamily="49" charset="0"/>
-                <a:cs typeface="Consolas" panose="020B0609020204030204" pitchFamily="49" charset="0"/>
-              </a:rPr>
-              <a:t>.ReadLine</a:t>
-            </a:r>
-            <a:r>
-              <a:rPr kumimoji="0" lang="en-US" b="0" i="0" u="none" strike="noStrike" cap="none" normalizeH="0" baseline="0" dirty="0">
-                <a:ln>
-                  <a:noFill/>
-                </a:ln>
-                <a:solidFill>
-                  <a:srgbClr val="000000"/>
-                </a:solidFill>
-                <a:effectLst/>
-                <a:latin typeface="Consolas" panose="020B0609020204030204" pitchFamily="49" charset="0"/>
-                <a:cs typeface="Consolas" panose="020B0609020204030204" pitchFamily="49" charset="0"/>
-              </a:rPr>
-              <a:t>()</a:t>
-            </a:r>
-          </a:p>
-          <a:p>
-            <a:pPr marL="0" marR="0" lvl="0" indent="0" algn="l" defTabSz="914400" rtl="0" eaLnBrk="0" fontAlgn="base" latinLnBrk="0" hangingPunct="0">
-              <a:lnSpc>
-                <a:spcPct val="100000"/>
-              </a:lnSpc>
-              <a:spcBef>
-                <a:spcPct val="0"/>
-              </a:spcBef>
-              <a:spcAft>
-                <a:spcPct val="0"/>
-              </a:spcAft>
-              <a:buClrTx/>
-              <a:buSzTx/>
-              <a:buFontTx/>
-              <a:buNone/>
-              <a:tabLst/>
-            </a:pPr>
-            <a:r>
-              <a:rPr kumimoji="0" lang="en-US" b="0" i="0" u="none" strike="noStrike" cap="none" normalizeH="0" baseline="0" dirty="0">
-                <a:ln>
-                  <a:noFill/>
-                </a:ln>
-                <a:solidFill>
-                  <a:srgbClr val="0000FF"/>
-                </a:solidFill>
-                <a:effectLst/>
-                <a:latin typeface="Consolas" panose="020B0609020204030204" pitchFamily="49" charset="0"/>
-                <a:cs typeface="Consolas" panose="020B0609020204030204" pitchFamily="49" charset="0"/>
-              </a:rPr>
-              <a:t>End</a:t>
-            </a:r>
-            <a:r>
-              <a:rPr kumimoji="0" lang="en-US" b="0" i="0" u="none" strike="noStrike" cap="none" normalizeH="0" baseline="0" dirty="0">
-                <a:ln>
-                  <a:noFill/>
-                </a:ln>
-                <a:solidFill>
-                  <a:srgbClr val="000000"/>
-                </a:solidFill>
-                <a:effectLst/>
-                <a:latin typeface="Consolas" panose="020B0609020204030204" pitchFamily="49" charset="0"/>
-                <a:cs typeface="Consolas" panose="020B0609020204030204" pitchFamily="49" charset="0"/>
-              </a:rPr>
-              <a:t> </a:t>
-            </a:r>
-            <a:r>
-              <a:rPr kumimoji="0" lang="en-US" b="0" i="0" u="none" strike="noStrike" cap="none" normalizeH="0" baseline="0" dirty="0">
-                <a:ln>
-                  <a:noFill/>
-                </a:ln>
-                <a:solidFill>
-                  <a:srgbClr val="0000FF"/>
-                </a:solidFill>
-                <a:effectLst/>
-                <a:latin typeface="Consolas" panose="020B0609020204030204" pitchFamily="49" charset="0"/>
-                <a:cs typeface="Consolas" panose="020B0609020204030204" pitchFamily="49" charset="0"/>
-              </a:rPr>
-              <a:t>Using</a:t>
-            </a:r>
-            <a:endParaRPr kumimoji="0" lang="en-US" b="0" i="0" u="none" strike="noStrike" cap="none" normalizeH="0" baseline="0" dirty="0">
-              <a:ln>
-                <a:noFill/>
-              </a:ln>
-              <a:solidFill>
-                <a:schemeClr val="tx1"/>
-              </a:solidFill>
-              <a:effectLst/>
-              <a:latin typeface="Arial" panose="020B0604020202020204" pitchFamily="34" charset="0"/>
-            </a:endParaRPr>
-          </a:p>
-        </p:txBody>
-      </p:sp>
-    </p:spTree>
-    <p:extLst>
-      <p:ext uri="{BB962C8B-B14F-4D97-AF65-F5344CB8AC3E}">
-        <p14:creationId xmlns:p14="http://schemas.microsoft.com/office/powerpoint/2010/main" val="1428022340"/>
-      </p:ext>
-    </p:extLst>
-  </p:cSld>
-  <p:clrMapOvr>
-    <a:masterClrMapping/>
-  </p:clrMapOvr>
-</p:sld>
-</file>
-
 <file path=ppt/slides/slide19.xml><?xml version="1.0" encoding="utf-8"?>
 <p:sld xmlns:a="http://schemas.openxmlformats.org/drawingml/2006/main" xmlns:r="http://schemas.openxmlformats.org/officeDocument/2006/relationships" xmlns:p="http://schemas.openxmlformats.org/presentationml/2006/main">
   <p:cSld>
@@ -23277,49 +22231,1270 @@
           <a:p>
             <a:r>
               <a:rPr lang="en-US" dirty="0"/>
-              <a:t>Demo – </a:t>
-            </a:r>
-            <a:r>
-              <a:rPr lang="en-US" dirty="0" err="1"/>
-              <a:t>SignalR</a:t>
-            </a:r>
-            <a:r>
-              <a:rPr lang="en-US" dirty="0"/>
-              <a:t> &amp; RX</a:t>
+              <a:t>RX Push - Client</a:t>
             </a:r>
           </a:p>
         </p:txBody>
       </p:sp>
-      <p:pic>
-        <p:nvPicPr>
-          <p:cNvPr id="4" name="Content Placeholder 3"/>
-          <p:cNvPicPr>
-            <a:picLocks noGrp="1" noChangeAspect="1"/>
-          </p:cNvPicPr>
+      <p:sp>
+        <p:nvSpPr>
+          <p:cNvPr id="4" name="Rectangle 1"/>
+          <p:cNvSpPr>
+            <a:spLocks noGrp="1" noChangeArrowheads="1"/>
+          </p:cNvSpPr>
           <p:nvPr>
             <p:ph idx="1"/>
           </p:nvPr>
-        </p:nvPicPr>
-        <p:blipFill>
-          <a:blip r:embed="rId2"/>
-          <a:stretch>
-            <a:fillRect/>
-          </a:stretch>
-        </p:blipFill>
-        <p:spPr>
+        </p:nvSpPr>
+        <p:spPr bwMode="auto">
           <a:xfrm>
-            <a:off x="684213" y="692663"/>
-            <a:ext cx="8534400" cy="3601012"/>
+            <a:off x="684212" y="600611"/>
+            <a:ext cx="9212778" cy="3785652"/>
           </a:xfrm>
           <a:prstGeom prst="rect">
             <a:avLst/>
           </a:prstGeom>
+          <a:solidFill>
+            <a:srgbClr val="FFFFFF"/>
+          </a:solidFill>
+          <a:ln>
+            <a:noFill/>
+          </a:ln>
+          <a:effectLst/>
+          <a:extLst>
+            <a:ext uri="{91240B29-F687-4F45-9708-019B960494DF}">
+              <a14:hiddenLine xmlns:a14="http://schemas.microsoft.com/office/drawing/2010/main" w="9525">
+                <a:solidFill>
+                  <a:schemeClr val="tx1"/>
+                </a:solidFill>
+                <a:miter lim="800000"/>
+                <a:headEnd/>
+                <a:tailEnd/>
+              </a14:hiddenLine>
+            </a:ext>
+            <a:ext uri="{AF507438-7753-43E0-B8FC-AC1667EBCBE1}">
+              <a14:hiddenEffects xmlns:a14="http://schemas.microsoft.com/office/drawing/2010/main">
+                <a:effectLst>
+                  <a:outerShdw dist="35921" dir="2700000" algn="ctr" rotWithShape="0">
+                    <a:schemeClr val="bg2"/>
+                  </a:outerShdw>
+                </a:effectLst>
+              </a14:hiddenEffects>
+            </a:ext>
+          </a:extLst>
         </p:spPr>
-      </p:pic>
+        <p:txBody>
+          <a:bodyPr vert="horz" wrap="none" lIns="91440" tIns="45720" rIns="91440" bIns="45720" numCol="1" anchor="ctr" anchorCtr="0" compatLnSpc="1">
+            <a:prstTxWarp prst="textNoShape">
+              <a:avLst/>
+            </a:prstTxWarp>
+            <a:spAutoFit/>
+          </a:bodyPr>
+          <a:lstStyle/>
+          <a:p>
+            <a:pPr marL="0" marR="0" lvl="0" indent="0" algn="l" defTabSz="914400" rtl="0" eaLnBrk="0" fontAlgn="base" latinLnBrk="0" hangingPunct="0">
+              <a:lnSpc>
+                <a:spcPct val="100000"/>
+              </a:lnSpc>
+              <a:spcBef>
+                <a:spcPct val="0"/>
+              </a:spcBef>
+              <a:spcAft>
+                <a:spcPct val="0"/>
+              </a:spcAft>
+              <a:buClrTx/>
+              <a:buSzTx/>
+              <a:buFontTx/>
+              <a:buNone/>
+              <a:tabLst/>
+            </a:pPr>
+            <a:r>
+              <a:rPr kumimoji="0" lang="en-US" b="0" i="0" u="none" strike="noStrike" cap="none" normalizeH="0" baseline="0" dirty="0">
+                <a:ln>
+                  <a:noFill/>
+                </a:ln>
+                <a:solidFill>
+                  <a:srgbClr val="0000FF"/>
+                </a:solidFill>
+                <a:effectLst/>
+                <a:latin typeface="Consolas" panose="020B0609020204030204" pitchFamily="49" charset="0"/>
+                <a:cs typeface="Consolas" panose="020B0609020204030204" pitchFamily="49" charset="0"/>
+              </a:rPr>
+              <a:t>Dim</a:t>
+            </a:r>
+            <a:r>
+              <a:rPr kumimoji="0" lang="en-US" b="0" i="0" u="none" strike="noStrike" cap="none" normalizeH="0" baseline="0" dirty="0">
+                <a:ln>
+                  <a:noFill/>
+                </a:ln>
+                <a:solidFill>
+                  <a:srgbClr val="000000"/>
+                </a:solidFill>
+                <a:effectLst/>
+                <a:latin typeface="Consolas" panose="020B0609020204030204" pitchFamily="49" charset="0"/>
+                <a:cs typeface="Consolas" panose="020B0609020204030204" pitchFamily="49" charset="0"/>
+              </a:rPr>
+              <a:t> </a:t>
+            </a:r>
+            <a:r>
+              <a:rPr kumimoji="0" lang="en-US" b="0" i="0" u="none" strike="noStrike" cap="none" normalizeH="0" baseline="0" dirty="0" err="1">
+                <a:ln>
+                  <a:noFill/>
+                </a:ln>
+                <a:solidFill>
+                  <a:srgbClr val="000000"/>
+                </a:solidFill>
+                <a:effectLst/>
+                <a:latin typeface="Consolas" panose="020B0609020204030204" pitchFamily="49" charset="0"/>
+                <a:cs typeface="Consolas" panose="020B0609020204030204" pitchFamily="49" charset="0"/>
+              </a:rPr>
+              <a:t>cn</a:t>
+            </a:r>
+            <a:r>
+              <a:rPr kumimoji="0" lang="en-US" b="0" i="0" u="none" strike="noStrike" cap="none" normalizeH="0" baseline="0" dirty="0">
+                <a:ln>
+                  <a:noFill/>
+                </a:ln>
+                <a:solidFill>
+                  <a:srgbClr val="000000"/>
+                </a:solidFill>
+                <a:effectLst/>
+                <a:latin typeface="Consolas" panose="020B0609020204030204" pitchFamily="49" charset="0"/>
+                <a:cs typeface="Consolas" panose="020B0609020204030204" pitchFamily="49" charset="0"/>
+              </a:rPr>
+              <a:t> = </a:t>
+            </a:r>
+            <a:r>
+              <a:rPr kumimoji="0" lang="en-US" b="0" i="0" u="none" strike="noStrike" cap="none" normalizeH="0" baseline="0" dirty="0">
+                <a:ln>
+                  <a:noFill/>
+                </a:ln>
+                <a:solidFill>
+                  <a:srgbClr val="0000FF"/>
+                </a:solidFill>
+                <a:effectLst/>
+                <a:latin typeface="Consolas" panose="020B0609020204030204" pitchFamily="49" charset="0"/>
+                <a:cs typeface="Consolas" panose="020B0609020204030204" pitchFamily="49" charset="0"/>
+              </a:rPr>
+              <a:t>New</a:t>
+            </a:r>
+            <a:r>
+              <a:rPr kumimoji="0" lang="en-US" b="0" i="0" u="none" strike="noStrike" cap="none" normalizeH="0" baseline="0" dirty="0">
+                <a:ln>
+                  <a:noFill/>
+                </a:ln>
+                <a:solidFill>
+                  <a:srgbClr val="000000"/>
+                </a:solidFill>
+                <a:effectLst/>
+                <a:latin typeface="Consolas" panose="020B0609020204030204" pitchFamily="49" charset="0"/>
+                <a:cs typeface="Consolas" panose="020B0609020204030204" pitchFamily="49" charset="0"/>
+              </a:rPr>
+              <a:t> </a:t>
+            </a:r>
+            <a:r>
+              <a:rPr kumimoji="0" lang="en-US" b="0" i="0" u="none" strike="noStrike" cap="none" normalizeH="0" baseline="0" dirty="0" err="1">
+                <a:ln>
+                  <a:noFill/>
+                </a:ln>
+                <a:solidFill>
+                  <a:srgbClr val="2B91AF"/>
+                </a:solidFill>
+                <a:effectLst/>
+                <a:latin typeface="Consolas" panose="020B0609020204030204" pitchFamily="49" charset="0"/>
+                <a:cs typeface="Consolas" panose="020B0609020204030204" pitchFamily="49" charset="0"/>
+              </a:rPr>
+              <a:t>HubConnection</a:t>
+            </a:r>
+            <a:r>
+              <a:rPr kumimoji="0" lang="en-US" b="0" i="0" u="none" strike="noStrike" cap="none" normalizeH="0" baseline="0" dirty="0">
+                <a:ln>
+                  <a:noFill/>
+                </a:ln>
+                <a:solidFill>
+                  <a:srgbClr val="000000"/>
+                </a:solidFill>
+                <a:effectLst/>
+                <a:latin typeface="Consolas" panose="020B0609020204030204" pitchFamily="49" charset="0"/>
+                <a:cs typeface="Consolas" panose="020B0609020204030204" pitchFamily="49" charset="0"/>
+              </a:rPr>
+              <a:t>(</a:t>
+            </a:r>
+            <a:r>
+              <a:rPr kumimoji="0" lang="en-US" b="0" i="0" u="none" strike="noStrike" cap="none" normalizeH="0" baseline="0" dirty="0">
+                <a:ln>
+                  <a:noFill/>
+                </a:ln>
+                <a:solidFill>
+                  <a:srgbClr val="A31515"/>
+                </a:solidFill>
+                <a:effectLst/>
+                <a:latin typeface="Consolas" panose="020B0609020204030204" pitchFamily="49" charset="0"/>
+                <a:cs typeface="Consolas" panose="020B0609020204030204" pitchFamily="49" charset="0"/>
+              </a:rPr>
+              <a:t>"http://localhost:5687"</a:t>
+            </a:r>
+            <a:r>
+              <a:rPr kumimoji="0" lang="en-US" b="0" i="0" u="none" strike="noStrike" cap="none" normalizeH="0" baseline="0" dirty="0">
+                <a:ln>
+                  <a:noFill/>
+                </a:ln>
+                <a:solidFill>
+                  <a:srgbClr val="000000"/>
+                </a:solidFill>
+                <a:effectLst/>
+                <a:latin typeface="Consolas" panose="020B0609020204030204" pitchFamily="49" charset="0"/>
+                <a:cs typeface="Consolas" panose="020B0609020204030204" pitchFamily="49" charset="0"/>
+              </a:rPr>
+              <a:t>)</a:t>
+            </a:r>
+          </a:p>
+          <a:p>
+            <a:pPr marL="0" marR="0" lvl="0" indent="0" algn="l" defTabSz="914400" rtl="0" eaLnBrk="0" fontAlgn="base" latinLnBrk="0" hangingPunct="0">
+              <a:lnSpc>
+                <a:spcPct val="100000"/>
+              </a:lnSpc>
+              <a:spcBef>
+                <a:spcPct val="0"/>
+              </a:spcBef>
+              <a:spcAft>
+                <a:spcPct val="0"/>
+              </a:spcAft>
+              <a:buClrTx/>
+              <a:buSzTx/>
+              <a:buFontTx/>
+              <a:buNone/>
+              <a:tabLst/>
+            </a:pPr>
+            <a:r>
+              <a:rPr kumimoji="0" lang="en-US" b="0" i="0" u="none" strike="noStrike" cap="none" normalizeH="0" baseline="0" dirty="0">
+                <a:ln>
+                  <a:noFill/>
+                </a:ln>
+                <a:solidFill>
+                  <a:srgbClr val="0000FF"/>
+                </a:solidFill>
+                <a:effectLst/>
+                <a:latin typeface="Consolas" panose="020B0609020204030204" pitchFamily="49" charset="0"/>
+                <a:cs typeface="Consolas" panose="020B0609020204030204" pitchFamily="49" charset="0"/>
+              </a:rPr>
+              <a:t>Dim</a:t>
+            </a:r>
+            <a:r>
+              <a:rPr kumimoji="0" lang="en-US" b="0" i="0" u="none" strike="noStrike" cap="none" normalizeH="0" baseline="0" dirty="0">
+                <a:ln>
+                  <a:noFill/>
+                </a:ln>
+                <a:solidFill>
+                  <a:srgbClr val="000000"/>
+                </a:solidFill>
+                <a:effectLst/>
+                <a:latin typeface="Consolas" panose="020B0609020204030204" pitchFamily="49" charset="0"/>
+                <a:cs typeface="Consolas" panose="020B0609020204030204" pitchFamily="49" charset="0"/>
+              </a:rPr>
+              <a:t> sensor = </a:t>
+            </a:r>
+            <a:r>
+              <a:rPr kumimoji="0" lang="en-US" b="0" i="0" u="none" strike="noStrike" cap="none" normalizeH="0" baseline="0" dirty="0" err="1">
+                <a:ln>
+                  <a:noFill/>
+                </a:ln>
+                <a:solidFill>
+                  <a:srgbClr val="000000"/>
+                </a:solidFill>
+                <a:effectLst/>
+                <a:latin typeface="Consolas" panose="020B0609020204030204" pitchFamily="49" charset="0"/>
+                <a:cs typeface="Consolas" panose="020B0609020204030204" pitchFamily="49" charset="0"/>
+              </a:rPr>
+              <a:t>cn.CreateProxy</a:t>
+            </a:r>
+            <a:r>
+              <a:rPr kumimoji="0" lang="en-US" b="0" i="0" u="none" strike="noStrike" cap="none" normalizeH="0" baseline="0" dirty="0">
+                <a:ln>
+                  <a:noFill/>
+                </a:ln>
+                <a:solidFill>
+                  <a:srgbClr val="000000"/>
+                </a:solidFill>
+                <a:effectLst/>
+                <a:latin typeface="Consolas" panose="020B0609020204030204" pitchFamily="49" charset="0"/>
+                <a:cs typeface="Consolas" panose="020B0609020204030204" pitchFamily="49" charset="0"/>
+              </a:rPr>
+              <a:t>(</a:t>
+            </a:r>
+            <a:r>
+              <a:rPr kumimoji="0" lang="en-US" b="0" i="0" u="none" strike="noStrike" cap="none" normalizeH="0" baseline="0" dirty="0">
+                <a:ln>
+                  <a:noFill/>
+                </a:ln>
+                <a:solidFill>
+                  <a:srgbClr val="A31515"/>
+                </a:solidFill>
+                <a:effectLst/>
+                <a:latin typeface="Consolas" panose="020B0609020204030204" pitchFamily="49" charset="0"/>
+                <a:cs typeface="Consolas" panose="020B0609020204030204" pitchFamily="49" charset="0"/>
+              </a:rPr>
+              <a:t>"</a:t>
+            </a:r>
+            <a:r>
+              <a:rPr kumimoji="0" lang="en-US" b="0" i="0" u="none" strike="noStrike" cap="none" normalizeH="0" baseline="0" dirty="0" err="1">
+                <a:ln>
+                  <a:noFill/>
+                </a:ln>
+                <a:solidFill>
+                  <a:srgbClr val="A31515"/>
+                </a:solidFill>
+                <a:effectLst/>
+                <a:latin typeface="Consolas" panose="020B0609020204030204" pitchFamily="49" charset="0"/>
+                <a:cs typeface="Consolas" panose="020B0609020204030204" pitchFamily="49" charset="0"/>
+              </a:rPr>
+              <a:t>observableSensorHub</a:t>
+            </a:r>
+            <a:r>
+              <a:rPr kumimoji="0" lang="en-US" b="0" i="0" u="none" strike="noStrike" cap="none" normalizeH="0" baseline="0" dirty="0">
+                <a:ln>
+                  <a:noFill/>
+                </a:ln>
+                <a:solidFill>
+                  <a:srgbClr val="A31515"/>
+                </a:solidFill>
+                <a:effectLst/>
+                <a:latin typeface="Consolas" panose="020B0609020204030204" pitchFamily="49" charset="0"/>
+                <a:cs typeface="Consolas" panose="020B0609020204030204" pitchFamily="49" charset="0"/>
+              </a:rPr>
+              <a:t>"</a:t>
+            </a:r>
+            <a:r>
+              <a:rPr kumimoji="0" lang="en-US" b="0" i="0" u="none" strike="noStrike" cap="none" normalizeH="0" baseline="0" dirty="0">
+                <a:ln>
+                  <a:noFill/>
+                </a:ln>
+                <a:solidFill>
+                  <a:srgbClr val="000000"/>
+                </a:solidFill>
+                <a:effectLst/>
+                <a:latin typeface="Consolas" panose="020B0609020204030204" pitchFamily="49" charset="0"/>
+                <a:cs typeface="Consolas" panose="020B0609020204030204" pitchFamily="49" charset="0"/>
+              </a:rPr>
+              <a:t>)</a:t>
+            </a:r>
+          </a:p>
+          <a:p>
+            <a:pPr marL="0" marR="0" lvl="0" indent="0" algn="l" defTabSz="914400" rtl="0" eaLnBrk="0" fontAlgn="base" latinLnBrk="0" hangingPunct="0">
+              <a:lnSpc>
+                <a:spcPct val="100000"/>
+              </a:lnSpc>
+              <a:spcBef>
+                <a:spcPct val="0"/>
+              </a:spcBef>
+              <a:spcAft>
+                <a:spcPct val="0"/>
+              </a:spcAft>
+              <a:buClrTx/>
+              <a:buSzTx/>
+              <a:buFontTx/>
+              <a:buNone/>
+              <a:tabLst/>
+            </a:pPr>
+            <a:endParaRPr kumimoji="0" lang="en-US" b="0" i="0" u="none" strike="noStrike" cap="none" normalizeH="0" baseline="0" dirty="0">
+              <a:ln>
+                <a:noFill/>
+              </a:ln>
+              <a:solidFill>
+                <a:srgbClr val="0000FF"/>
+              </a:solidFill>
+              <a:effectLst/>
+              <a:latin typeface="Consolas" panose="020B0609020204030204" pitchFamily="49" charset="0"/>
+              <a:cs typeface="Consolas" panose="020B0609020204030204" pitchFamily="49" charset="0"/>
+            </a:endParaRPr>
+          </a:p>
+          <a:p>
+            <a:pPr marL="0" marR="0" lvl="0" indent="0" algn="l" defTabSz="914400" rtl="0" eaLnBrk="0" fontAlgn="base" latinLnBrk="0" hangingPunct="0">
+              <a:lnSpc>
+                <a:spcPct val="100000"/>
+              </a:lnSpc>
+              <a:spcBef>
+                <a:spcPct val="0"/>
+              </a:spcBef>
+              <a:spcAft>
+                <a:spcPct val="0"/>
+              </a:spcAft>
+              <a:buClrTx/>
+              <a:buSzTx/>
+              <a:buFontTx/>
+              <a:buNone/>
+              <a:tabLst/>
+            </a:pPr>
+            <a:r>
+              <a:rPr kumimoji="0" lang="en-US" b="0" i="0" u="none" strike="noStrike" cap="none" normalizeH="0" baseline="0" dirty="0">
+                <a:ln>
+                  <a:noFill/>
+                </a:ln>
+                <a:solidFill>
+                  <a:srgbClr val="0000FF"/>
+                </a:solidFill>
+                <a:effectLst/>
+                <a:latin typeface="Consolas" panose="020B0609020204030204" pitchFamily="49" charset="0"/>
+                <a:cs typeface="Consolas" panose="020B0609020204030204" pitchFamily="49" charset="0"/>
+              </a:rPr>
+              <a:t>Dim</a:t>
+            </a:r>
+            <a:r>
+              <a:rPr kumimoji="0" lang="en-US" b="0" i="0" u="none" strike="noStrike" cap="none" normalizeH="0" baseline="0" dirty="0">
+                <a:ln>
+                  <a:noFill/>
+                </a:ln>
+                <a:solidFill>
+                  <a:srgbClr val="000000"/>
+                </a:solidFill>
+                <a:effectLst/>
+                <a:latin typeface="Consolas" panose="020B0609020204030204" pitchFamily="49" charset="0"/>
+                <a:cs typeface="Consolas" panose="020B0609020204030204" pitchFamily="49" charset="0"/>
+              </a:rPr>
+              <a:t> items = </a:t>
+            </a:r>
+            <a:r>
+              <a:rPr kumimoji="0" lang="en-US" b="0" i="0" u="none" strike="noStrike" cap="none" normalizeH="0" baseline="0" dirty="0">
+                <a:ln>
+                  <a:noFill/>
+                </a:ln>
+                <a:solidFill>
+                  <a:srgbClr val="0000FF"/>
+                </a:solidFill>
+                <a:effectLst/>
+                <a:latin typeface="Consolas" panose="020B0609020204030204" pitchFamily="49" charset="0"/>
+                <a:cs typeface="Consolas" panose="020B0609020204030204" pitchFamily="49" charset="0"/>
+              </a:rPr>
+              <a:t>From</a:t>
+            </a:r>
+            <a:r>
+              <a:rPr kumimoji="0" lang="en-US" b="0" i="0" u="none" strike="noStrike" cap="none" normalizeH="0" baseline="0" dirty="0">
+                <a:ln>
+                  <a:noFill/>
+                </a:ln>
+                <a:solidFill>
+                  <a:srgbClr val="000000"/>
+                </a:solidFill>
+                <a:effectLst/>
+                <a:latin typeface="Consolas" panose="020B0609020204030204" pitchFamily="49" charset="0"/>
+                <a:cs typeface="Consolas" panose="020B0609020204030204" pitchFamily="49" charset="0"/>
+              </a:rPr>
+              <a:t> item </a:t>
+            </a:r>
+            <a:r>
+              <a:rPr kumimoji="0" lang="en-US" b="0" i="0" u="none" strike="noStrike" cap="none" normalizeH="0" baseline="0" dirty="0">
+                <a:ln>
+                  <a:noFill/>
+                </a:ln>
+                <a:solidFill>
+                  <a:srgbClr val="0000FF"/>
+                </a:solidFill>
+                <a:effectLst/>
+                <a:latin typeface="Consolas" panose="020B0609020204030204" pitchFamily="49" charset="0"/>
+                <a:cs typeface="Consolas" panose="020B0609020204030204" pitchFamily="49" charset="0"/>
+              </a:rPr>
+              <a:t>In</a:t>
+            </a:r>
+            <a:r>
+              <a:rPr kumimoji="0" lang="en-US" b="0" i="0" u="none" strike="noStrike" cap="none" normalizeH="0" baseline="0" dirty="0">
+                <a:ln>
+                  <a:noFill/>
+                </a:ln>
+                <a:solidFill>
+                  <a:srgbClr val="000000"/>
+                </a:solidFill>
+                <a:effectLst/>
+                <a:latin typeface="Consolas" panose="020B0609020204030204" pitchFamily="49" charset="0"/>
+                <a:cs typeface="Consolas" panose="020B0609020204030204" pitchFamily="49" charset="0"/>
+              </a:rPr>
+              <a:t> </a:t>
+            </a:r>
+            <a:r>
+              <a:rPr kumimoji="0" lang="en-US" b="0" i="0" u="none" strike="noStrike" cap="none" normalizeH="0" baseline="0" dirty="0" err="1">
+                <a:ln>
+                  <a:noFill/>
+                </a:ln>
+                <a:solidFill>
+                  <a:srgbClr val="000000"/>
+                </a:solidFill>
+                <a:effectLst/>
+                <a:latin typeface="Consolas" panose="020B0609020204030204" pitchFamily="49" charset="0"/>
+                <a:cs typeface="Consolas" panose="020B0609020204030204" pitchFamily="49" charset="0"/>
+              </a:rPr>
+              <a:t>sensor.Observe</a:t>
+            </a:r>
+            <a:r>
+              <a:rPr kumimoji="0" lang="en-US" b="0" i="0" u="none" strike="noStrike" cap="none" normalizeH="0" baseline="0" dirty="0">
+                <a:ln>
+                  <a:noFill/>
+                </a:ln>
+                <a:solidFill>
+                  <a:srgbClr val="000000"/>
+                </a:solidFill>
+                <a:effectLst/>
+                <a:latin typeface="Consolas" panose="020B0609020204030204" pitchFamily="49" charset="0"/>
+                <a:cs typeface="Consolas" panose="020B0609020204030204" pitchFamily="49" charset="0"/>
+              </a:rPr>
+              <a:t>(</a:t>
+            </a:r>
+            <a:r>
+              <a:rPr kumimoji="0" lang="en-US" b="0" i="0" u="none" strike="noStrike" cap="none" normalizeH="0" baseline="0" dirty="0">
+                <a:ln>
+                  <a:noFill/>
+                </a:ln>
+                <a:solidFill>
+                  <a:srgbClr val="A31515"/>
+                </a:solidFill>
+                <a:effectLst/>
+                <a:latin typeface="Consolas" panose="020B0609020204030204" pitchFamily="49" charset="0"/>
+                <a:cs typeface="Consolas" panose="020B0609020204030204" pitchFamily="49" charset="0"/>
+              </a:rPr>
+              <a:t>"broadcast"</a:t>
+            </a:r>
+            <a:r>
+              <a:rPr kumimoji="0" lang="en-US" b="0" i="0" u="none" strike="noStrike" cap="none" normalizeH="0" baseline="0" dirty="0">
+                <a:ln>
+                  <a:noFill/>
+                </a:ln>
+                <a:solidFill>
+                  <a:srgbClr val="000000"/>
+                </a:solidFill>
+                <a:effectLst/>
+                <a:latin typeface="Consolas" panose="020B0609020204030204" pitchFamily="49" charset="0"/>
+                <a:cs typeface="Consolas" panose="020B0609020204030204" pitchFamily="49" charset="0"/>
+              </a:rPr>
+              <a:t>)</a:t>
+            </a:r>
+          </a:p>
+          <a:p>
+            <a:pPr marL="0" marR="0" lvl="0" indent="0" algn="l" defTabSz="914400" rtl="0" eaLnBrk="0" fontAlgn="base" latinLnBrk="0" hangingPunct="0">
+              <a:lnSpc>
+                <a:spcPct val="100000"/>
+              </a:lnSpc>
+              <a:spcBef>
+                <a:spcPct val="0"/>
+              </a:spcBef>
+              <a:spcAft>
+                <a:spcPct val="0"/>
+              </a:spcAft>
+              <a:buClrTx/>
+              <a:buSzTx/>
+              <a:buFontTx/>
+              <a:buNone/>
+              <a:tabLst/>
+            </a:pPr>
+            <a:r>
+              <a:rPr kumimoji="0" lang="en-US" b="0" i="0" u="none" strike="noStrike" cap="none" normalizeH="0" baseline="0" dirty="0">
+                <a:ln>
+                  <a:noFill/>
+                </a:ln>
+                <a:solidFill>
+                  <a:srgbClr val="000000"/>
+                </a:solidFill>
+                <a:effectLst/>
+                <a:latin typeface="Consolas" panose="020B0609020204030204" pitchFamily="49" charset="0"/>
+                <a:cs typeface="Consolas" panose="020B0609020204030204" pitchFamily="49" charset="0"/>
+              </a:rPr>
+              <a:t>            </a:t>
+            </a:r>
+            <a:r>
+              <a:rPr kumimoji="0" lang="en-US" b="0" i="0" u="none" strike="noStrike" cap="none" normalizeH="0" baseline="0" dirty="0">
+                <a:ln>
+                  <a:noFill/>
+                </a:ln>
+                <a:solidFill>
+                  <a:srgbClr val="0000FF"/>
+                </a:solidFill>
+                <a:effectLst/>
+                <a:latin typeface="Consolas" panose="020B0609020204030204" pitchFamily="49" charset="0"/>
+                <a:cs typeface="Consolas" panose="020B0609020204030204" pitchFamily="49" charset="0"/>
+              </a:rPr>
+              <a:t>Let</a:t>
+            </a:r>
+            <a:r>
+              <a:rPr kumimoji="0" lang="en-US" b="0" i="0" u="none" strike="noStrike" cap="none" normalizeH="0" baseline="0" dirty="0">
+                <a:ln>
+                  <a:noFill/>
+                </a:ln>
+                <a:solidFill>
+                  <a:srgbClr val="000000"/>
+                </a:solidFill>
+                <a:effectLst/>
+                <a:latin typeface="Consolas" panose="020B0609020204030204" pitchFamily="49" charset="0"/>
+                <a:cs typeface="Consolas" panose="020B0609020204030204" pitchFamily="49" charset="0"/>
+              </a:rPr>
+              <a:t> instance = item(0).</a:t>
+            </a:r>
+            <a:r>
+              <a:rPr kumimoji="0" lang="en-US" b="0" i="0" u="none" strike="noStrike" cap="none" normalizeH="0" baseline="0" dirty="0" err="1">
+                <a:ln>
+                  <a:noFill/>
+                </a:ln>
+                <a:solidFill>
+                  <a:srgbClr val="000000"/>
+                </a:solidFill>
+                <a:effectLst/>
+                <a:latin typeface="Consolas" panose="020B0609020204030204" pitchFamily="49" charset="0"/>
+                <a:cs typeface="Consolas" panose="020B0609020204030204" pitchFamily="49" charset="0"/>
+              </a:rPr>
+              <a:t>ToObject</a:t>
+            </a:r>
+            <a:r>
+              <a:rPr kumimoji="0" lang="en-US" b="0" i="0" u="none" strike="noStrike" cap="none" normalizeH="0" baseline="0" dirty="0">
+                <a:ln>
+                  <a:noFill/>
+                </a:ln>
+                <a:solidFill>
+                  <a:srgbClr val="000000"/>
+                </a:solidFill>
+                <a:effectLst/>
+                <a:latin typeface="Consolas" panose="020B0609020204030204" pitchFamily="49" charset="0"/>
+                <a:cs typeface="Consolas" panose="020B0609020204030204" pitchFamily="49" charset="0"/>
+              </a:rPr>
+              <a:t>(</a:t>
+            </a:r>
+            <a:r>
+              <a:rPr kumimoji="0" lang="en-US" b="0" i="0" u="none" strike="noStrike" cap="none" normalizeH="0" baseline="0" dirty="0">
+                <a:ln>
+                  <a:noFill/>
+                </a:ln>
+                <a:solidFill>
+                  <a:srgbClr val="0000FF"/>
+                </a:solidFill>
+                <a:effectLst/>
+                <a:latin typeface="Consolas" panose="020B0609020204030204" pitchFamily="49" charset="0"/>
+                <a:cs typeface="Consolas" panose="020B0609020204030204" pitchFamily="49" charset="0"/>
+              </a:rPr>
+              <a:t>Of</a:t>
+            </a:r>
+            <a:r>
+              <a:rPr kumimoji="0" lang="en-US" b="0" i="0" u="none" strike="noStrike" cap="none" normalizeH="0" baseline="0" dirty="0">
+                <a:ln>
+                  <a:noFill/>
+                </a:ln>
+                <a:solidFill>
+                  <a:srgbClr val="000000"/>
+                </a:solidFill>
+                <a:effectLst/>
+                <a:latin typeface="Consolas" panose="020B0609020204030204" pitchFamily="49" charset="0"/>
+                <a:cs typeface="Consolas" panose="020B0609020204030204" pitchFamily="49" charset="0"/>
+              </a:rPr>
+              <a:t> </a:t>
+            </a:r>
+            <a:r>
+              <a:rPr kumimoji="0" lang="en-US" b="0" i="0" u="none" strike="noStrike" cap="none" normalizeH="0" baseline="0" dirty="0" err="1">
+                <a:ln>
+                  <a:noFill/>
+                </a:ln>
+                <a:solidFill>
+                  <a:srgbClr val="2B91AF"/>
+                </a:solidFill>
+                <a:effectLst/>
+                <a:latin typeface="Consolas" panose="020B0609020204030204" pitchFamily="49" charset="0"/>
+                <a:cs typeface="Consolas" panose="020B0609020204030204" pitchFamily="49" charset="0"/>
+              </a:rPr>
+              <a:t>SensorData</a:t>
+            </a:r>
+            <a:r>
+              <a:rPr kumimoji="0" lang="en-US" b="0" i="0" u="none" strike="noStrike" cap="none" normalizeH="0" baseline="0" dirty="0">
+                <a:ln>
+                  <a:noFill/>
+                </a:ln>
+                <a:solidFill>
+                  <a:srgbClr val="000000"/>
+                </a:solidFill>
+                <a:effectLst/>
+                <a:latin typeface="Consolas" panose="020B0609020204030204" pitchFamily="49" charset="0"/>
+                <a:cs typeface="Consolas" panose="020B0609020204030204" pitchFamily="49" charset="0"/>
+              </a:rPr>
+              <a:t>)()</a:t>
+            </a:r>
+          </a:p>
+          <a:p>
+            <a:pPr marL="0" lvl="0" indent="0" defTabSz="914400" eaLnBrk="0" fontAlgn="base" hangingPunct="0">
+              <a:spcBef>
+                <a:spcPct val="0"/>
+              </a:spcBef>
+              <a:spcAft>
+                <a:spcPct val="0"/>
+              </a:spcAft>
+              <a:buClrTx/>
+              <a:buSzTx/>
+              <a:buNone/>
+            </a:pPr>
+            <a:r>
+              <a:rPr kumimoji="0" lang="en-US" b="0" i="0" u="none" strike="noStrike" cap="none" normalizeH="0" baseline="0" dirty="0">
+                <a:ln>
+                  <a:noFill/>
+                </a:ln>
+                <a:solidFill>
+                  <a:srgbClr val="000000"/>
+                </a:solidFill>
+                <a:effectLst/>
+                <a:latin typeface="Consolas" panose="020B0609020204030204" pitchFamily="49" charset="0"/>
+                <a:cs typeface="Consolas" panose="020B0609020204030204" pitchFamily="49" charset="0"/>
+              </a:rPr>
+              <a:t>            </a:t>
+            </a:r>
+            <a:r>
+              <a:rPr kumimoji="0" lang="en-US" b="0" i="0" u="none" strike="noStrike" cap="none" normalizeH="0" baseline="0" dirty="0">
+                <a:ln>
+                  <a:noFill/>
+                </a:ln>
+                <a:solidFill>
+                  <a:srgbClr val="0000FF"/>
+                </a:solidFill>
+                <a:effectLst/>
+                <a:latin typeface="Consolas" panose="020B0609020204030204" pitchFamily="49" charset="0"/>
+                <a:cs typeface="Consolas" panose="020B0609020204030204" pitchFamily="49" charset="0"/>
+              </a:rPr>
+              <a:t>Where</a:t>
+            </a:r>
+            <a:r>
+              <a:rPr kumimoji="0" lang="en-US" b="0" i="0" u="none" strike="noStrike" cap="none" normalizeH="0" baseline="0" dirty="0">
+                <a:ln>
+                  <a:noFill/>
+                </a:ln>
+                <a:solidFill>
+                  <a:srgbClr val="000000"/>
+                </a:solidFill>
+                <a:effectLst/>
+                <a:latin typeface="Consolas" panose="020B0609020204030204" pitchFamily="49" charset="0"/>
+                <a:cs typeface="Consolas" panose="020B0609020204030204" pitchFamily="49" charset="0"/>
+              </a:rPr>
+              <a:t> </a:t>
+            </a:r>
+            <a:r>
+              <a:rPr kumimoji="0" lang="en-US" b="0" i="0" u="none" strike="noStrike" cap="none" normalizeH="0" baseline="0" dirty="0" err="1">
+                <a:ln>
+                  <a:noFill/>
+                </a:ln>
+                <a:solidFill>
+                  <a:srgbClr val="000000"/>
+                </a:solidFill>
+                <a:effectLst/>
+                <a:latin typeface="Consolas" panose="020B0609020204030204" pitchFamily="49" charset="0"/>
+                <a:cs typeface="Consolas" panose="020B0609020204030204" pitchFamily="49" charset="0"/>
+              </a:rPr>
+              <a:t>instance.Category</a:t>
+            </a:r>
+            <a:r>
+              <a:rPr kumimoji="0" lang="en-US" b="0" i="0" u="none" strike="noStrike" cap="none" normalizeH="0" baseline="0" dirty="0">
+                <a:ln>
+                  <a:noFill/>
+                </a:ln>
+                <a:solidFill>
+                  <a:srgbClr val="000000"/>
+                </a:solidFill>
+                <a:effectLst/>
+                <a:latin typeface="Consolas" panose="020B0609020204030204" pitchFamily="49" charset="0"/>
+                <a:cs typeface="Consolas" panose="020B0609020204030204" pitchFamily="49" charset="0"/>
+              </a:rPr>
+              <a:t> = </a:t>
+            </a:r>
+            <a:r>
+              <a:rPr kumimoji="0" lang="en-US" b="0" i="0" u="none" strike="noStrike" cap="none" normalizeH="0" baseline="0" dirty="0">
+                <a:ln>
+                  <a:noFill/>
+                </a:ln>
+                <a:solidFill>
+                  <a:srgbClr val="A31515"/>
+                </a:solidFill>
+                <a:effectLst/>
+                <a:latin typeface="Consolas" panose="020B0609020204030204" pitchFamily="49" charset="0"/>
+                <a:cs typeface="Consolas" panose="020B0609020204030204" pitchFamily="49" charset="0"/>
+              </a:rPr>
+              <a:t>"1</a:t>
+            </a:r>
+            <a:r>
+              <a:rPr lang="en-US" dirty="0">
+                <a:solidFill>
+                  <a:srgbClr val="A31515"/>
+                </a:solidFill>
+                <a:latin typeface="Consolas" panose="020B0609020204030204" pitchFamily="49" charset="0"/>
+                <a:cs typeface="Consolas" panose="020B0609020204030204" pitchFamily="49" charset="0"/>
+              </a:rPr>
+              <a:t>"</a:t>
+            </a:r>
+            <a:endParaRPr kumimoji="0" lang="en-US" b="0" i="0" u="none" strike="noStrike" cap="none" normalizeH="0" baseline="0" dirty="0">
+              <a:ln>
+                <a:noFill/>
+              </a:ln>
+              <a:solidFill>
+                <a:srgbClr val="A31515"/>
+              </a:solidFill>
+              <a:effectLst/>
+              <a:latin typeface="Consolas" panose="020B0609020204030204" pitchFamily="49" charset="0"/>
+              <a:cs typeface="Consolas" panose="020B0609020204030204" pitchFamily="49" charset="0"/>
+            </a:endParaRPr>
+          </a:p>
+          <a:p>
+            <a:pPr marL="0" marR="0" lvl="0" indent="0" algn="l" defTabSz="914400" rtl="0" eaLnBrk="0" fontAlgn="base" latinLnBrk="0" hangingPunct="0">
+              <a:lnSpc>
+                <a:spcPct val="100000"/>
+              </a:lnSpc>
+              <a:spcBef>
+                <a:spcPct val="0"/>
+              </a:spcBef>
+              <a:spcAft>
+                <a:spcPct val="0"/>
+              </a:spcAft>
+              <a:buClrTx/>
+              <a:buSzTx/>
+              <a:buFontTx/>
+              <a:buNone/>
+              <a:tabLst/>
+            </a:pPr>
+            <a:r>
+              <a:rPr kumimoji="0" lang="en-US" b="0" i="0" u="none" strike="noStrike" cap="none" normalizeH="0" baseline="0" dirty="0">
+                <a:ln>
+                  <a:noFill/>
+                </a:ln>
+                <a:solidFill>
+                  <a:srgbClr val="000000"/>
+                </a:solidFill>
+                <a:effectLst/>
+                <a:latin typeface="Consolas" panose="020B0609020204030204" pitchFamily="49" charset="0"/>
+                <a:cs typeface="Consolas" panose="020B0609020204030204" pitchFamily="49" charset="0"/>
+              </a:rPr>
+              <a:t>            </a:t>
+            </a:r>
+            <a:r>
+              <a:rPr kumimoji="0" lang="en-US" b="0" i="0" u="none" strike="noStrike" cap="none" normalizeH="0" baseline="0" dirty="0">
+                <a:ln>
+                  <a:noFill/>
+                </a:ln>
+                <a:solidFill>
+                  <a:srgbClr val="0000FF"/>
+                </a:solidFill>
+                <a:effectLst/>
+                <a:latin typeface="Consolas" panose="020B0609020204030204" pitchFamily="49" charset="0"/>
+                <a:cs typeface="Consolas" panose="020B0609020204030204" pitchFamily="49" charset="0"/>
+              </a:rPr>
+              <a:t>Select</a:t>
+            </a:r>
+            <a:r>
+              <a:rPr kumimoji="0" lang="en-US" b="0" i="0" u="none" strike="noStrike" cap="none" normalizeH="0" baseline="0" dirty="0">
+                <a:ln>
+                  <a:noFill/>
+                </a:ln>
+                <a:solidFill>
+                  <a:srgbClr val="000000"/>
+                </a:solidFill>
+                <a:effectLst/>
+                <a:latin typeface="Consolas" panose="020B0609020204030204" pitchFamily="49" charset="0"/>
+                <a:cs typeface="Consolas" panose="020B0609020204030204" pitchFamily="49" charset="0"/>
+              </a:rPr>
+              <a:t> instance</a:t>
+            </a:r>
+          </a:p>
+          <a:p>
+            <a:pPr marL="0" marR="0" lvl="0" indent="0" algn="l" defTabSz="914400" rtl="0" eaLnBrk="0" fontAlgn="base" latinLnBrk="0" hangingPunct="0">
+              <a:lnSpc>
+                <a:spcPct val="100000"/>
+              </a:lnSpc>
+              <a:spcBef>
+                <a:spcPct val="0"/>
+              </a:spcBef>
+              <a:spcAft>
+                <a:spcPct val="0"/>
+              </a:spcAft>
+              <a:buClrTx/>
+              <a:buSzTx/>
+              <a:buFontTx/>
+              <a:buNone/>
+              <a:tabLst/>
+            </a:pPr>
+            <a:endParaRPr lang="en-US" dirty="0">
+              <a:solidFill>
+                <a:srgbClr val="000000"/>
+              </a:solidFill>
+              <a:latin typeface="Consolas" panose="020B0609020204030204" pitchFamily="49" charset="0"/>
+              <a:cs typeface="Consolas" panose="020B0609020204030204" pitchFamily="49" charset="0"/>
+            </a:endParaRPr>
+          </a:p>
+          <a:p>
+            <a:pPr marL="0" marR="0" lvl="0" indent="0" algn="l" defTabSz="914400" rtl="0" eaLnBrk="0" fontAlgn="base" latinLnBrk="0" hangingPunct="0">
+              <a:lnSpc>
+                <a:spcPct val="100000"/>
+              </a:lnSpc>
+              <a:spcBef>
+                <a:spcPct val="0"/>
+              </a:spcBef>
+              <a:spcAft>
+                <a:spcPct val="0"/>
+              </a:spcAft>
+              <a:buClrTx/>
+              <a:buSzTx/>
+              <a:buFontTx/>
+              <a:buNone/>
+              <a:tabLst/>
+            </a:pPr>
+            <a:r>
+              <a:rPr kumimoji="0" lang="en-US" b="0" i="0" u="none" strike="noStrike" cap="none" normalizeH="0" baseline="0" dirty="0">
+                <a:ln>
+                  <a:noFill/>
+                </a:ln>
+                <a:solidFill>
+                  <a:srgbClr val="0000FF"/>
+                </a:solidFill>
+                <a:effectLst/>
+                <a:latin typeface="Consolas" panose="020B0609020204030204" pitchFamily="49" charset="0"/>
+                <a:cs typeface="Consolas" panose="020B0609020204030204" pitchFamily="49" charset="0"/>
+              </a:rPr>
+              <a:t>Using</a:t>
+            </a:r>
+            <a:r>
+              <a:rPr kumimoji="0" lang="en-US" b="0" i="0" u="none" strike="noStrike" cap="none" normalizeH="0" baseline="0" dirty="0">
+                <a:ln>
+                  <a:noFill/>
+                </a:ln>
+                <a:solidFill>
+                  <a:srgbClr val="000000"/>
+                </a:solidFill>
+                <a:effectLst/>
+                <a:latin typeface="Consolas" panose="020B0609020204030204" pitchFamily="49" charset="0"/>
+                <a:cs typeface="Consolas" panose="020B0609020204030204" pitchFamily="49" charset="0"/>
+              </a:rPr>
+              <a:t> </a:t>
+            </a:r>
+            <a:r>
+              <a:rPr kumimoji="0" lang="en-US" b="0" i="0" u="none" strike="noStrike" cap="none" normalizeH="0" baseline="0" dirty="0" err="1">
+                <a:ln>
+                  <a:noFill/>
+                </a:ln>
+                <a:solidFill>
+                  <a:srgbClr val="000000"/>
+                </a:solidFill>
+                <a:effectLst/>
+                <a:latin typeface="Consolas" panose="020B0609020204030204" pitchFamily="49" charset="0"/>
+                <a:cs typeface="Consolas" panose="020B0609020204030204" pitchFamily="49" charset="0"/>
+              </a:rPr>
+              <a:t>items.Subscribe</a:t>
+            </a:r>
+            <a:r>
+              <a:rPr kumimoji="0" lang="en-US" b="0" i="0" u="none" strike="noStrike" cap="none" normalizeH="0" baseline="0" dirty="0">
+                <a:ln>
+                  <a:noFill/>
+                </a:ln>
+                <a:solidFill>
+                  <a:srgbClr val="000000"/>
+                </a:solidFill>
+                <a:effectLst/>
+                <a:latin typeface="Consolas" panose="020B0609020204030204" pitchFamily="49" charset="0"/>
+                <a:cs typeface="Consolas" panose="020B0609020204030204" pitchFamily="49" charset="0"/>
+              </a:rPr>
+              <a:t>(</a:t>
+            </a:r>
+            <a:r>
+              <a:rPr kumimoji="0" lang="en-US" b="0" i="0" u="none" strike="noStrike" cap="none" normalizeH="0" baseline="0" dirty="0">
+                <a:ln>
+                  <a:noFill/>
+                </a:ln>
+                <a:solidFill>
+                  <a:srgbClr val="0000FF"/>
+                </a:solidFill>
+                <a:effectLst/>
+                <a:latin typeface="Consolas" panose="020B0609020204030204" pitchFamily="49" charset="0"/>
+                <a:cs typeface="Consolas" panose="020B0609020204030204" pitchFamily="49" charset="0"/>
+              </a:rPr>
+              <a:t>Sub</a:t>
+            </a:r>
+            <a:r>
+              <a:rPr kumimoji="0" lang="en-US" b="0" i="0" u="none" strike="noStrike" cap="none" normalizeH="0" baseline="0" dirty="0">
+                <a:ln>
+                  <a:noFill/>
+                </a:ln>
+                <a:solidFill>
+                  <a:srgbClr val="000000"/>
+                </a:solidFill>
+                <a:effectLst/>
+                <a:latin typeface="Consolas" panose="020B0609020204030204" pitchFamily="49" charset="0"/>
+                <a:cs typeface="Consolas" panose="020B0609020204030204" pitchFamily="49" charset="0"/>
+              </a:rPr>
+              <a:t>(value) </a:t>
+            </a:r>
+            <a:r>
+              <a:rPr kumimoji="0" lang="en-US" b="0" i="0" u="none" strike="noStrike" cap="none" normalizeH="0" baseline="0" dirty="0" err="1">
+                <a:ln>
+                  <a:noFill/>
+                </a:ln>
+                <a:solidFill>
+                  <a:srgbClr val="2B91AF"/>
+                </a:solidFill>
+                <a:effectLst/>
+                <a:latin typeface="Consolas" panose="020B0609020204030204" pitchFamily="49" charset="0"/>
+                <a:cs typeface="Consolas" panose="020B0609020204030204" pitchFamily="49" charset="0"/>
+              </a:rPr>
+              <a:t>Console</a:t>
+            </a:r>
+            <a:r>
+              <a:rPr kumimoji="0" lang="en-US" b="0" i="0" u="none" strike="noStrike" cap="none" normalizeH="0" baseline="0" dirty="0" err="1">
+                <a:ln>
+                  <a:noFill/>
+                </a:ln>
+                <a:solidFill>
+                  <a:srgbClr val="000000"/>
+                </a:solidFill>
+                <a:effectLst/>
+                <a:latin typeface="Consolas" panose="020B0609020204030204" pitchFamily="49" charset="0"/>
+                <a:cs typeface="Consolas" panose="020B0609020204030204" pitchFamily="49" charset="0"/>
+              </a:rPr>
+              <a:t>.WriteLine</a:t>
+            </a:r>
+            <a:r>
+              <a:rPr kumimoji="0" lang="en-US" b="0" i="0" u="none" strike="noStrike" cap="none" normalizeH="0" baseline="0" dirty="0">
+                <a:ln>
+                  <a:noFill/>
+                </a:ln>
+                <a:solidFill>
+                  <a:srgbClr val="000000"/>
+                </a:solidFill>
+                <a:effectLst/>
+                <a:latin typeface="Consolas" panose="020B0609020204030204" pitchFamily="49" charset="0"/>
+                <a:cs typeface="Consolas" panose="020B0609020204030204" pitchFamily="49" charset="0"/>
+              </a:rPr>
+              <a:t>(</a:t>
+            </a:r>
+            <a:r>
+              <a:rPr kumimoji="0" lang="en-US" b="0" i="0" u="none" strike="noStrike" cap="none" normalizeH="0" baseline="0" dirty="0" err="1">
+                <a:ln>
+                  <a:noFill/>
+                </a:ln>
+                <a:solidFill>
+                  <a:srgbClr val="000000"/>
+                </a:solidFill>
+                <a:effectLst/>
+                <a:latin typeface="Consolas" panose="020B0609020204030204" pitchFamily="49" charset="0"/>
+                <a:cs typeface="Consolas" panose="020B0609020204030204" pitchFamily="49" charset="0"/>
+              </a:rPr>
+              <a:t>value.Value</a:t>
+            </a:r>
+            <a:r>
+              <a:rPr kumimoji="0" lang="en-US" b="0" i="0" u="none" strike="noStrike" cap="none" normalizeH="0" baseline="0" dirty="0">
+                <a:ln>
+                  <a:noFill/>
+                </a:ln>
+                <a:solidFill>
+                  <a:srgbClr val="000000"/>
+                </a:solidFill>
+                <a:effectLst/>
+                <a:latin typeface="Consolas" panose="020B0609020204030204" pitchFamily="49" charset="0"/>
+                <a:cs typeface="Consolas" panose="020B0609020204030204" pitchFamily="49" charset="0"/>
+              </a:rPr>
+              <a:t>))</a:t>
+            </a:r>
+          </a:p>
+          <a:p>
+            <a:pPr marL="0" marR="0" lvl="0" indent="0" algn="l" defTabSz="914400" rtl="0" eaLnBrk="0" fontAlgn="base" latinLnBrk="0" hangingPunct="0">
+              <a:lnSpc>
+                <a:spcPct val="100000"/>
+              </a:lnSpc>
+              <a:spcBef>
+                <a:spcPct val="0"/>
+              </a:spcBef>
+              <a:spcAft>
+                <a:spcPct val="0"/>
+              </a:spcAft>
+              <a:buClrTx/>
+              <a:buSzTx/>
+              <a:buFontTx/>
+              <a:buNone/>
+              <a:tabLst/>
+            </a:pPr>
+            <a:r>
+              <a:rPr kumimoji="0" lang="en-US" b="0" i="0" u="none" strike="noStrike" cap="none" normalizeH="0" baseline="0" dirty="0">
+                <a:ln>
+                  <a:noFill/>
+                </a:ln>
+                <a:solidFill>
+                  <a:srgbClr val="000000"/>
+                </a:solidFill>
+                <a:effectLst/>
+                <a:latin typeface="Consolas" panose="020B0609020204030204" pitchFamily="49" charset="0"/>
+                <a:cs typeface="Consolas" panose="020B0609020204030204" pitchFamily="49" charset="0"/>
+              </a:rPr>
+              <a:t>        </a:t>
+            </a:r>
+            <a:r>
+              <a:rPr kumimoji="0" lang="en-US" b="0" i="0" u="none" strike="noStrike" cap="none" normalizeH="0" baseline="0" dirty="0" err="1">
+                <a:ln>
+                  <a:noFill/>
+                </a:ln>
+                <a:solidFill>
+                  <a:srgbClr val="000000"/>
+                </a:solidFill>
+                <a:effectLst/>
+                <a:latin typeface="Consolas" panose="020B0609020204030204" pitchFamily="49" charset="0"/>
+                <a:cs typeface="Consolas" panose="020B0609020204030204" pitchFamily="49" charset="0"/>
+              </a:rPr>
+              <a:t>cn.Start</a:t>
+            </a:r>
+            <a:r>
+              <a:rPr kumimoji="0" lang="en-US" b="0" i="0" u="none" strike="noStrike" cap="none" normalizeH="0" baseline="0" dirty="0">
+                <a:ln>
+                  <a:noFill/>
+                </a:ln>
+                <a:solidFill>
+                  <a:srgbClr val="000000"/>
+                </a:solidFill>
+                <a:effectLst/>
+                <a:latin typeface="Consolas" panose="020B0609020204030204" pitchFamily="49" charset="0"/>
+                <a:cs typeface="Consolas" panose="020B0609020204030204" pitchFamily="49" charset="0"/>
+              </a:rPr>
+              <a:t>().Wait()</a:t>
+            </a:r>
+          </a:p>
+          <a:p>
+            <a:pPr marL="0" marR="0" lvl="0" indent="0" algn="l" defTabSz="914400" rtl="0" eaLnBrk="0" fontAlgn="base" latinLnBrk="0" hangingPunct="0">
+              <a:lnSpc>
+                <a:spcPct val="100000"/>
+              </a:lnSpc>
+              <a:spcBef>
+                <a:spcPct val="0"/>
+              </a:spcBef>
+              <a:spcAft>
+                <a:spcPct val="0"/>
+              </a:spcAft>
+              <a:buClrTx/>
+              <a:buSzTx/>
+              <a:buFontTx/>
+              <a:buNone/>
+              <a:tabLst/>
+            </a:pPr>
+            <a:r>
+              <a:rPr kumimoji="0" lang="en-US" b="0" i="0" u="none" strike="noStrike" cap="none" normalizeH="0" baseline="0" dirty="0">
+                <a:ln>
+                  <a:noFill/>
+                </a:ln>
+                <a:solidFill>
+                  <a:srgbClr val="000000"/>
+                </a:solidFill>
+                <a:effectLst/>
+                <a:latin typeface="Consolas" panose="020B0609020204030204" pitchFamily="49" charset="0"/>
+                <a:cs typeface="Consolas" panose="020B0609020204030204" pitchFamily="49" charset="0"/>
+              </a:rPr>
+              <a:t>        </a:t>
+            </a:r>
+            <a:r>
+              <a:rPr kumimoji="0" lang="en-US" b="0" i="0" u="none" strike="noStrike" cap="none" normalizeH="0" baseline="0" dirty="0" err="1">
+                <a:ln>
+                  <a:noFill/>
+                </a:ln>
+                <a:solidFill>
+                  <a:srgbClr val="2B91AF"/>
+                </a:solidFill>
+                <a:effectLst/>
+                <a:latin typeface="Consolas" panose="020B0609020204030204" pitchFamily="49" charset="0"/>
+                <a:cs typeface="Consolas" panose="020B0609020204030204" pitchFamily="49" charset="0"/>
+              </a:rPr>
+              <a:t>Console</a:t>
+            </a:r>
+            <a:r>
+              <a:rPr kumimoji="0" lang="en-US" b="0" i="0" u="none" strike="noStrike" cap="none" normalizeH="0" baseline="0" dirty="0" err="1">
+                <a:ln>
+                  <a:noFill/>
+                </a:ln>
+                <a:solidFill>
+                  <a:srgbClr val="000000"/>
+                </a:solidFill>
+                <a:effectLst/>
+                <a:latin typeface="Consolas" panose="020B0609020204030204" pitchFamily="49" charset="0"/>
+                <a:cs typeface="Consolas" panose="020B0609020204030204" pitchFamily="49" charset="0"/>
+              </a:rPr>
+              <a:t>.ReadLine</a:t>
+            </a:r>
+            <a:r>
+              <a:rPr kumimoji="0" lang="en-US" b="0" i="0" u="none" strike="noStrike" cap="none" normalizeH="0" baseline="0" dirty="0">
+                <a:ln>
+                  <a:noFill/>
+                </a:ln>
+                <a:solidFill>
+                  <a:srgbClr val="000000"/>
+                </a:solidFill>
+                <a:effectLst/>
+                <a:latin typeface="Consolas" panose="020B0609020204030204" pitchFamily="49" charset="0"/>
+                <a:cs typeface="Consolas" panose="020B0609020204030204" pitchFamily="49" charset="0"/>
+              </a:rPr>
+              <a:t>()</a:t>
+            </a:r>
+          </a:p>
+          <a:p>
+            <a:pPr marL="0" marR="0" lvl="0" indent="0" algn="l" defTabSz="914400" rtl="0" eaLnBrk="0" fontAlgn="base" latinLnBrk="0" hangingPunct="0">
+              <a:lnSpc>
+                <a:spcPct val="100000"/>
+              </a:lnSpc>
+              <a:spcBef>
+                <a:spcPct val="0"/>
+              </a:spcBef>
+              <a:spcAft>
+                <a:spcPct val="0"/>
+              </a:spcAft>
+              <a:buClrTx/>
+              <a:buSzTx/>
+              <a:buFontTx/>
+              <a:buNone/>
+              <a:tabLst/>
+            </a:pPr>
+            <a:r>
+              <a:rPr kumimoji="0" lang="en-US" b="0" i="0" u="none" strike="noStrike" cap="none" normalizeH="0" baseline="0" dirty="0">
+                <a:ln>
+                  <a:noFill/>
+                </a:ln>
+                <a:solidFill>
+                  <a:srgbClr val="0000FF"/>
+                </a:solidFill>
+                <a:effectLst/>
+                <a:latin typeface="Consolas" panose="020B0609020204030204" pitchFamily="49" charset="0"/>
+                <a:cs typeface="Consolas" panose="020B0609020204030204" pitchFamily="49" charset="0"/>
+              </a:rPr>
+              <a:t>End</a:t>
+            </a:r>
+            <a:r>
+              <a:rPr kumimoji="0" lang="en-US" b="0" i="0" u="none" strike="noStrike" cap="none" normalizeH="0" baseline="0" dirty="0">
+                <a:ln>
+                  <a:noFill/>
+                </a:ln>
+                <a:solidFill>
+                  <a:srgbClr val="000000"/>
+                </a:solidFill>
+                <a:effectLst/>
+                <a:latin typeface="Consolas" panose="020B0609020204030204" pitchFamily="49" charset="0"/>
+                <a:cs typeface="Consolas" panose="020B0609020204030204" pitchFamily="49" charset="0"/>
+              </a:rPr>
+              <a:t> </a:t>
+            </a:r>
+            <a:r>
+              <a:rPr kumimoji="0" lang="en-US" b="0" i="0" u="none" strike="noStrike" cap="none" normalizeH="0" baseline="0" dirty="0">
+                <a:ln>
+                  <a:noFill/>
+                </a:ln>
+                <a:solidFill>
+                  <a:srgbClr val="0000FF"/>
+                </a:solidFill>
+                <a:effectLst/>
+                <a:latin typeface="Consolas" panose="020B0609020204030204" pitchFamily="49" charset="0"/>
+                <a:cs typeface="Consolas" panose="020B0609020204030204" pitchFamily="49" charset="0"/>
+              </a:rPr>
+              <a:t>Using</a:t>
+            </a:r>
+            <a:endParaRPr kumimoji="0" lang="en-US" b="0" i="0" u="none" strike="noStrike" cap="none" normalizeH="0" baseline="0" dirty="0">
+              <a:ln>
+                <a:noFill/>
+              </a:ln>
+              <a:solidFill>
+                <a:schemeClr val="tx1"/>
+              </a:solidFill>
+              <a:effectLst/>
+              <a:latin typeface="Arial" panose="020B0604020202020204" pitchFamily="34" charset="0"/>
+            </a:endParaRPr>
+          </a:p>
+        </p:txBody>
+      </p:sp>
     </p:spTree>
     <p:extLst>
       <p:ext uri="{BB962C8B-B14F-4D97-AF65-F5344CB8AC3E}">
-        <p14:creationId xmlns:p14="http://schemas.microsoft.com/office/powerpoint/2010/main" val="3515783767"/>
+        <p14:creationId xmlns:p14="http://schemas.microsoft.com/office/powerpoint/2010/main" val="1428022340"/>
       </p:ext>
     </p:extLst>
   </p:cSld>
@@ -23815,6 +23990,92 @@
 </file>
 
 <file path=ppt/slides/slide20.xml><?xml version="1.0" encoding="utf-8"?>
+<p:sld xmlns:a="http://schemas.openxmlformats.org/drawingml/2006/main" xmlns:r="http://schemas.openxmlformats.org/officeDocument/2006/relationships" xmlns:p="http://schemas.openxmlformats.org/presentationml/2006/main">
+  <p:cSld>
+    <p:spTree>
+      <p:nvGrpSpPr>
+        <p:cNvPr id="1" name=""/>
+        <p:cNvGrpSpPr/>
+        <p:nvPr/>
+      </p:nvGrpSpPr>
+      <p:grpSpPr>
+        <a:xfrm>
+          <a:off x="0" y="0"/>
+          <a:ext cx="0" cy="0"/>
+          <a:chOff x="0" y="0"/>
+          <a:chExt cx="0" cy="0"/>
+        </a:xfrm>
+      </p:grpSpPr>
+      <p:sp>
+        <p:nvSpPr>
+          <p:cNvPr id="2" name="Title 1"/>
+          <p:cNvSpPr>
+            <a:spLocks noGrp="1"/>
+          </p:cNvSpPr>
+          <p:nvPr>
+            <p:ph type="title"/>
+          </p:nvPr>
+        </p:nvSpPr>
+        <p:spPr/>
+        <p:txBody>
+          <a:bodyPr/>
+          <a:lstStyle/>
+          <a:p>
+            <a:r>
+              <a:rPr lang="en-US" dirty="0"/>
+              <a:t>Demo – </a:t>
+            </a:r>
+            <a:r>
+              <a:rPr lang="en-US" dirty="0" err="1"/>
+              <a:t>SignalR</a:t>
+            </a:r>
+            <a:r>
+              <a:rPr lang="en-US" dirty="0"/>
+              <a:t> &amp; RX</a:t>
+            </a:r>
+          </a:p>
+        </p:txBody>
+      </p:sp>
+      <p:pic>
+        <p:nvPicPr>
+          <p:cNvPr id="4" name="Content Placeholder 3"/>
+          <p:cNvPicPr>
+            <a:picLocks noGrp="1" noChangeAspect="1"/>
+          </p:cNvPicPr>
+          <p:nvPr>
+            <p:ph idx="1"/>
+          </p:nvPr>
+        </p:nvPicPr>
+        <p:blipFill>
+          <a:blip r:embed="rId2"/>
+          <a:stretch>
+            <a:fillRect/>
+          </a:stretch>
+        </p:blipFill>
+        <p:spPr>
+          <a:xfrm>
+            <a:off x="684213" y="692663"/>
+            <a:ext cx="8534400" cy="3601012"/>
+          </a:xfrm>
+          <a:prstGeom prst="rect">
+            <a:avLst/>
+          </a:prstGeom>
+        </p:spPr>
+      </p:pic>
+    </p:spTree>
+    <p:extLst>
+      <p:ext uri="{BB962C8B-B14F-4D97-AF65-F5344CB8AC3E}">
+        <p14:creationId xmlns:p14="http://schemas.microsoft.com/office/powerpoint/2010/main" val="3515783767"/>
+      </p:ext>
+    </p:extLst>
+  </p:cSld>
+  <p:clrMapOvr>
+    <a:masterClrMapping/>
+  </p:clrMapOvr>
+</p:sld>
+</file>
+
+<file path=ppt/slides/slide21.xml><?xml version="1.0" encoding="utf-8"?>
 <p:sld xmlns:a="http://schemas.openxmlformats.org/drawingml/2006/main" xmlns:r="http://schemas.openxmlformats.org/officeDocument/2006/relationships" xmlns:p="http://schemas.openxmlformats.org/presentationml/2006/main">
   <p:cSld>
     <p:spTree>
@@ -25638,7 +25899,7 @@
 </p:sld>
 </file>
 
-<file path=ppt/slides/slide21.xml><?xml version="1.0" encoding="utf-8"?>
+<file path=ppt/slides/slide22.xml><?xml version="1.0" encoding="utf-8"?>
 <p:sld xmlns:a="http://schemas.openxmlformats.org/drawingml/2006/main" xmlns:r="http://schemas.openxmlformats.org/officeDocument/2006/relationships" xmlns:p="http://schemas.openxmlformats.org/presentationml/2006/main">
   <p:cSld>
     <p:spTree>
@@ -26014,7 +26275,7 @@
 </p:sld>
 </file>
 
-<file path=ppt/slides/slide22.xml><?xml version="1.0" encoding="utf-8"?>
+<file path=ppt/slides/slide23.xml><?xml version="1.0" encoding="utf-8"?>
 <p:sld xmlns:a="http://schemas.openxmlformats.org/drawingml/2006/main" xmlns:r="http://schemas.openxmlformats.org/officeDocument/2006/relationships" xmlns:p="http://schemas.openxmlformats.org/presentationml/2006/main">
   <p:cSld>
     <p:spTree>
@@ -26338,7 +26599,7 @@
 </p:sld>
 </file>
 
-<file path=ppt/slides/slide23.xml><?xml version="1.0" encoding="utf-8"?>
+<file path=ppt/slides/slide24.xml><?xml version="1.0" encoding="utf-8"?>
 <p:sld xmlns:a="http://schemas.openxmlformats.org/drawingml/2006/main" xmlns:r="http://schemas.openxmlformats.org/officeDocument/2006/relationships" xmlns:p="http://schemas.openxmlformats.org/presentationml/2006/main">
   <p:cSld>
     <p:spTree>
@@ -26490,6 +26751,88 @@
 </file>
 
 <file path=ppt/slides/slide3.xml><?xml version="1.0" encoding="utf-8"?>
+<p:sld xmlns:a="http://schemas.openxmlformats.org/drawingml/2006/main" xmlns:r="http://schemas.openxmlformats.org/officeDocument/2006/relationships" xmlns:p="http://schemas.openxmlformats.org/presentationml/2006/main">
+  <p:cSld>
+    <p:spTree>
+      <p:nvGrpSpPr>
+        <p:cNvPr id="1" name=""/>
+        <p:cNvGrpSpPr/>
+        <p:nvPr/>
+      </p:nvGrpSpPr>
+      <p:grpSpPr>
+        <a:xfrm>
+          <a:off x="0" y="0"/>
+          <a:ext cx="0" cy="0"/>
+          <a:chOff x="0" y="0"/>
+          <a:chExt cx="0" cy="0"/>
+        </a:xfrm>
+      </p:grpSpPr>
+      <p:sp>
+        <p:nvSpPr>
+          <p:cNvPr id="5" name="Rectangle 4"/>
+          <p:cNvSpPr/>
+          <p:nvPr/>
+        </p:nvSpPr>
+        <p:spPr>
+          <a:xfrm>
+            <a:off x="3685108" y="6368452"/>
+            <a:ext cx="3786614" cy="369332"/>
+          </a:xfrm>
+          <a:prstGeom prst="rect">
+            <a:avLst/>
+          </a:prstGeom>
+        </p:spPr>
+        <p:txBody>
+          <a:bodyPr wrap="none">
+            <a:spAutoFit/>
+          </a:bodyPr>
+          <a:lstStyle/>
+          <a:p>
+            <a:r>
+              <a:rPr lang="en-US" dirty="0"/>
+              <a:t>http://caniuse.com/websockets</a:t>
+            </a:r>
+          </a:p>
+        </p:txBody>
+      </p:sp>
+      <p:pic>
+        <p:nvPicPr>
+          <p:cNvPr id="2" name="Picture 1"/>
+          <p:cNvPicPr>
+            <a:picLocks noChangeAspect="1"/>
+          </p:cNvPicPr>
+          <p:nvPr/>
+        </p:nvPicPr>
+        <p:blipFill>
+          <a:blip r:embed="rId2"/>
+          <a:stretch>
+            <a:fillRect/>
+          </a:stretch>
+        </p:blipFill>
+        <p:spPr>
+          <a:xfrm>
+            <a:off x="669872" y="196252"/>
+            <a:ext cx="10618470" cy="6172200"/>
+          </a:xfrm>
+          <a:prstGeom prst="rect">
+            <a:avLst/>
+          </a:prstGeom>
+        </p:spPr>
+      </p:pic>
+    </p:spTree>
+    <p:extLst>
+      <p:ext uri="{BB962C8B-B14F-4D97-AF65-F5344CB8AC3E}">
+        <p14:creationId xmlns:p14="http://schemas.microsoft.com/office/powerpoint/2010/main" val="729608186"/>
+      </p:ext>
+    </p:extLst>
+  </p:cSld>
+  <p:clrMapOvr>
+    <a:masterClrMapping/>
+  </p:clrMapOvr>
+</p:sld>
+</file>
+
+<file path=ppt/slides/slide4.xml><?xml version="1.0" encoding="utf-8"?>
 <p:sld xmlns:a="http://schemas.openxmlformats.org/drawingml/2006/main" xmlns:r="http://schemas.openxmlformats.org/officeDocument/2006/relationships" xmlns:p="http://schemas.openxmlformats.org/presentationml/2006/main">
   <p:cSld>
     <p:spTree>
@@ -27130,88 +27473,6 @@
 </p:sld>
 </file>
 
-<file path=ppt/slides/slide4.xml><?xml version="1.0" encoding="utf-8"?>
-<p:sld xmlns:a="http://schemas.openxmlformats.org/drawingml/2006/main" xmlns:r="http://schemas.openxmlformats.org/officeDocument/2006/relationships" xmlns:p="http://schemas.openxmlformats.org/presentationml/2006/main">
-  <p:cSld>
-    <p:spTree>
-      <p:nvGrpSpPr>
-        <p:cNvPr id="1" name=""/>
-        <p:cNvGrpSpPr/>
-        <p:nvPr/>
-      </p:nvGrpSpPr>
-      <p:grpSpPr>
-        <a:xfrm>
-          <a:off x="0" y="0"/>
-          <a:ext cx="0" cy="0"/>
-          <a:chOff x="0" y="0"/>
-          <a:chExt cx="0" cy="0"/>
-        </a:xfrm>
-      </p:grpSpPr>
-      <p:sp>
-        <p:nvSpPr>
-          <p:cNvPr id="5" name="Rectangle 4"/>
-          <p:cNvSpPr/>
-          <p:nvPr/>
-        </p:nvSpPr>
-        <p:spPr>
-          <a:xfrm>
-            <a:off x="3685108" y="6368452"/>
-            <a:ext cx="3786614" cy="369332"/>
-          </a:xfrm>
-          <a:prstGeom prst="rect">
-            <a:avLst/>
-          </a:prstGeom>
-        </p:spPr>
-        <p:txBody>
-          <a:bodyPr wrap="none">
-            <a:spAutoFit/>
-          </a:bodyPr>
-          <a:lstStyle/>
-          <a:p>
-            <a:r>
-              <a:rPr lang="en-US" dirty="0"/>
-              <a:t>http://caniuse.com/websockets</a:t>
-            </a:r>
-          </a:p>
-        </p:txBody>
-      </p:sp>
-      <p:pic>
-        <p:nvPicPr>
-          <p:cNvPr id="2" name="Picture 1"/>
-          <p:cNvPicPr>
-            <a:picLocks noChangeAspect="1"/>
-          </p:cNvPicPr>
-          <p:nvPr/>
-        </p:nvPicPr>
-        <p:blipFill>
-          <a:blip r:embed="rId2"/>
-          <a:stretch>
-            <a:fillRect/>
-          </a:stretch>
-        </p:blipFill>
-        <p:spPr>
-          <a:xfrm>
-            <a:off x="669872" y="196252"/>
-            <a:ext cx="10618470" cy="6172200"/>
-          </a:xfrm>
-          <a:prstGeom prst="rect">
-            <a:avLst/>
-          </a:prstGeom>
-        </p:spPr>
-      </p:pic>
-    </p:spTree>
-    <p:extLst>
-      <p:ext uri="{BB962C8B-B14F-4D97-AF65-F5344CB8AC3E}">
-        <p14:creationId xmlns:p14="http://schemas.microsoft.com/office/powerpoint/2010/main" val="729608186"/>
-      </p:ext>
-    </p:extLst>
-  </p:cSld>
-  <p:clrMapOvr>
-    <a:masterClrMapping/>
-  </p:clrMapOvr>
-</p:sld>
-</file>
-
 <file path=ppt/slides/slide5.xml><?xml version="1.0" encoding="utf-8"?>
 <p:sld xmlns:a="http://schemas.openxmlformats.org/drawingml/2006/main" xmlns:r="http://schemas.openxmlformats.org/officeDocument/2006/relationships" xmlns:p="http://schemas.openxmlformats.org/presentationml/2006/main">
   <p:cSld>
@@ -27556,7 +27817,13 @@
       </p:sp>
       <p:sp>
         <p:nvSpPr>
-          <p:cNvPr id="9" name="Rectangle 4"/>
+          <p:cNvPr id="4" name="Rectangle 1">
+            <a:extLst>
+              <a:ext uri="{FF2B5EF4-FFF2-40B4-BE49-F238E27FC236}">
+                <a16:creationId xmlns:a16="http://schemas.microsoft.com/office/drawing/2014/main" id="{6F33683E-94DF-4711-98BD-0DA4ECC88325}"/>
+              </a:ext>
+            </a:extLst>
+          </p:cNvPr>
           <p:cNvSpPr>
             <a:spLocks noChangeArrowheads="1"/>
           </p:cNvSpPr>
@@ -27564,8 +27831,8 @@
         </p:nvSpPr>
         <p:spPr bwMode="auto">
           <a:xfrm>
-            <a:off x="684212" y="600607"/>
-            <a:ext cx="10069286" cy="3785652"/>
+            <a:off x="553582" y="138942"/>
+            <a:ext cx="11258973" cy="4708981"/>
           </a:xfrm>
           <a:prstGeom prst="rect">
             <a:avLst/>
@@ -27625,7 +27892,7 @@
               <a:tabLst/>
             </a:pPr>
             <a:r>
-              <a:rPr kumimoji="0" lang="en-US" sz="2400" b="0" i="0" u="none" strike="noStrike" cap="none" normalizeH="0" baseline="0" dirty="0">
+              <a:rPr kumimoji="0" lang="en-US" altLang="en-US" sz="2000" b="0" i="0" u="none" strike="noStrike" cap="none" normalizeH="0" baseline="0" dirty="0">
                 <a:ln>
                   <a:noFill/>
                 </a:ln>
@@ -27634,9 +27901,47 @@
                 </a:solidFill>
                 <a:effectLst/>
                 <a:latin typeface="Consolas" panose="020B0609020204030204" pitchFamily="49" charset="0"/>
-                <a:cs typeface="Consolas" panose="020B0609020204030204" pitchFamily="49" charset="0"/>
-              </a:rPr>
-              <a:t>Option Strict Off</a:t>
+              </a:rPr>
+              <a:t>using</a:t>
+            </a:r>
+            <a:r>
+              <a:rPr kumimoji="0" lang="en-US" altLang="en-US" sz="2000" b="0" i="0" u="none" strike="noStrike" cap="none" normalizeH="0" baseline="0" dirty="0">
+                <a:ln>
+                  <a:noFill/>
+                </a:ln>
+                <a:solidFill>
+                  <a:srgbClr val="000000"/>
+                </a:solidFill>
+                <a:effectLst/>
+                <a:latin typeface="Consolas" panose="020B0609020204030204" pitchFamily="49" charset="0"/>
+              </a:rPr>
+              <a:t> </a:t>
+            </a:r>
+            <a:r>
+              <a:rPr kumimoji="0" lang="en-US" altLang="en-US" sz="2000" b="0" i="0" u="none" strike="noStrike" cap="none" normalizeH="0" baseline="0" dirty="0" err="1">
+                <a:ln>
+                  <a:noFill/>
+                </a:ln>
+                <a:solidFill>
+                  <a:srgbClr val="000000"/>
+                </a:solidFill>
+                <a:effectLst/>
+                <a:latin typeface="Consolas" panose="020B0609020204030204" pitchFamily="49" charset="0"/>
+              </a:rPr>
+              <a:t>Microsoft.AspNetCore.SignalR</a:t>
+            </a:r>
+            <a:r>
+              <a:rPr kumimoji="0" lang="en-US" altLang="en-US" sz="2000" b="0" i="0" u="none" strike="noStrike" cap="none" normalizeH="0" baseline="0" dirty="0">
+                <a:ln>
+                  <a:noFill/>
+                </a:ln>
+                <a:solidFill>
+                  <a:srgbClr val="000000"/>
+                </a:solidFill>
+                <a:effectLst/>
+                <a:latin typeface="Consolas" panose="020B0609020204030204" pitchFamily="49" charset="0"/>
+              </a:rPr>
+              <a:t>;</a:t>
             </a:r>
           </a:p>
           <a:p>
@@ -27657,7 +27962,7 @@
               <a:tabLst/>
             </a:pPr>
             <a:r>
-              <a:rPr kumimoji="0" lang="en-US" sz="2400" b="0" i="0" u="none" strike="noStrike" cap="none" normalizeH="0" baseline="0" dirty="0">
+              <a:rPr kumimoji="0" lang="en-US" altLang="en-US" sz="2000" b="0" i="0" u="none" strike="noStrike" cap="none" normalizeH="0" baseline="0" dirty="0">
                 <a:ln>
                   <a:noFill/>
                 </a:ln>
@@ -27666,12 +27971,11 @@
                 </a:solidFill>
                 <a:effectLst/>
                 <a:latin typeface="Consolas" panose="020B0609020204030204" pitchFamily="49" charset="0"/>
-                <a:cs typeface="Consolas" panose="020B0609020204030204" pitchFamily="49" charset="0"/>
-              </a:rPr>
-              <a:t>Imports</a:t>
-            </a:r>
-            <a:r>
-              <a:rPr kumimoji="0" lang="en-US" sz="2400" b="0" i="0" u="none" strike="noStrike" cap="none" normalizeH="0" baseline="0" dirty="0">
+              </a:rPr>
+              <a:t>using</a:t>
+            </a:r>
+            <a:r>
+              <a:rPr kumimoji="0" lang="en-US" altLang="en-US" sz="2000" b="0" i="0" u="none" strike="noStrike" cap="none" normalizeH="0" baseline="0" dirty="0">
                 <a:ln>
                   <a:noFill/>
                 </a:ln>
@@ -27680,12 +27984,11 @@
                 </a:solidFill>
                 <a:effectLst/>
                 <a:latin typeface="Consolas" panose="020B0609020204030204" pitchFamily="49" charset="0"/>
-                <a:cs typeface="Consolas" panose="020B0609020204030204" pitchFamily="49" charset="0"/>
               </a:rPr>
               <a:t> </a:t>
             </a:r>
             <a:r>
-              <a:rPr kumimoji="0" lang="en-US" sz="2400" b="0" i="0" u="none" strike="noStrike" cap="none" normalizeH="0" baseline="0" dirty="0" err="1">
+              <a:rPr kumimoji="0" lang="en-US" altLang="en-US" sz="2000" b="0" i="0" u="none" strike="noStrike" cap="none" normalizeH="0" baseline="0" dirty="0" err="1">
                 <a:ln>
                   <a:noFill/>
                 </a:ln>
@@ -27694,21 +27997,22 @@
                 </a:solidFill>
                 <a:effectLst/>
                 <a:latin typeface="Consolas" panose="020B0609020204030204" pitchFamily="49" charset="0"/>
-                <a:cs typeface="Consolas" panose="020B0609020204030204" pitchFamily="49" charset="0"/>
-              </a:rPr>
-              <a:t>Microsoft.VisualBasic</a:t>
-            </a:r>
-            <a:endParaRPr kumimoji="0" lang="en-US" sz="2400" b="0" i="0" u="none" strike="noStrike" cap="none" normalizeH="0" baseline="0" dirty="0">
-              <a:ln>
-                <a:noFill/>
-              </a:ln>
-              <a:solidFill>
-                <a:srgbClr val="000000"/>
-              </a:solidFill>
-              <a:effectLst/>
-              <a:latin typeface="Consolas" panose="020B0609020204030204" pitchFamily="49" charset="0"/>
-              <a:cs typeface="Consolas" panose="020B0609020204030204" pitchFamily="49" charset="0"/>
-            </a:endParaRPr>
+              </a:rPr>
+              <a:t>System.Collections.Generic</a:t>
+            </a:r>
+            <a:r>
+              <a:rPr kumimoji="0" lang="en-US" altLang="en-US" sz="2000" b="0" i="0" u="none" strike="noStrike" cap="none" normalizeH="0" baseline="0" dirty="0">
+                <a:ln>
+                  <a:noFill/>
+                </a:ln>
+                <a:solidFill>
+                  <a:srgbClr val="000000"/>
+                </a:solidFill>
+                <a:effectLst/>
+                <a:latin typeface="Consolas" panose="020B0609020204030204" pitchFamily="49" charset="0"/>
+              </a:rPr>
+              <a:t>; </a:t>
+            </a:r>
           </a:p>
           <a:p>
             <a:pPr marL="0" marR="0" lvl="0" indent="0" algn="l" defTabSz="914400" rtl="0" eaLnBrk="0" fontAlgn="base" latinLnBrk="0" hangingPunct="0">
@@ -27728,7 +28032,7 @@
               <a:tabLst/>
             </a:pPr>
             <a:r>
-              <a:rPr kumimoji="0" lang="en-US" sz="2400" b="0" i="0" u="none" strike="noStrike" cap="none" normalizeH="0" baseline="0" dirty="0">
+              <a:rPr kumimoji="0" lang="en-US" altLang="en-US" sz="2000" b="0" i="0" u="none" strike="noStrike" cap="none" normalizeH="0" baseline="0" dirty="0">
                 <a:ln>
                   <a:noFill/>
                 </a:ln>
@@ -27737,12 +28041,11 @@
                 </a:solidFill>
                 <a:effectLst/>
                 <a:latin typeface="Consolas" panose="020B0609020204030204" pitchFamily="49" charset="0"/>
-                <a:cs typeface="Consolas" panose="020B0609020204030204" pitchFamily="49" charset="0"/>
-              </a:rPr>
-              <a:t>Imports</a:t>
-            </a:r>
-            <a:r>
-              <a:rPr kumimoji="0" lang="en-US" sz="2400" b="0" i="0" u="none" strike="noStrike" cap="none" normalizeH="0" baseline="0" dirty="0">
+              </a:rPr>
+              <a:t>using</a:t>
+            </a:r>
+            <a:r>
+              <a:rPr kumimoji="0" lang="en-US" altLang="en-US" sz="2000" b="0" i="0" u="none" strike="noStrike" cap="none" normalizeH="0" baseline="0" dirty="0">
                 <a:ln>
                   <a:noFill/>
                 </a:ln>
@@ -27751,12 +28054,11 @@
                 </a:solidFill>
                 <a:effectLst/>
                 <a:latin typeface="Consolas" panose="020B0609020204030204" pitchFamily="49" charset="0"/>
-                <a:cs typeface="Consolas" panose="020B0609020204030204" pitchFamily="49" charset="0"/>
               </a:rPr>
               <a:t> </a:t>
             </a:r>
             <a:r>
-              <a:rPr kumimoji="0" lang="en-US" sz="2400" b="0" i="0" u="none" strike="noStrike" cap="none" normalizeH="0" baseline="0" dirty="0" err="1">
+              <a:rPr kumimoji="0" lang="en-US" altLang="en-US" sz="2000" b="0" i="0" u="none" strike="noStrike" cap="none" normalizeH="0" baseline="0" dirty="0" err="1">
                 <a:ln>
                   <a:noFill/>
                 </a:ln>
@@ -27765,12 +28067,11 @@
                 </a:solidFill>
                 <a:effectLst/>
                 <a:latin typeface="Consolas" panose="020B0609020204030204" pitchFamily="49" charset="0"/>
-                <a:cs typeface="Consolas" panose="020B0609020204030204" pitchFamily="49" charset="0"/>
-              </a:rPr>
-              <a:t>SignalR.Hubs</a:t>
-            </a:r>
-            <a:r>
-              <a:rPr kumimoji="0" lang="en-US" sz="2400" b="0" i="0" u="none" strike="noStrike" cap="none" normalizeH="0" baseline="0" dirty="0">
+              </a:rPr>
+              <a:t>System.Threading.Tasks</a:t>
+            </a:r>
+            <a:r>
+              <a:rPr kumimoji="0" lang="en-US" altLang="en-US" sz="2000" b="0" i="0" u="none" strike="noStrike" cap="none" normalizeH="0" baseline="0" dirty="0">
                 <a:ln>
                   <a:noFill/>
                 </a:ln>
@@ -27779,9 +28080,8 @@
                 </a:solidFill>
                 <a:effectLst/>
                 <a:latin typeface="Consolas" panose="020B0609020204030204" pitchFamily="49" charset="0"/>
-                <a:cs typeface="Consolas" panose="020B0609020204030204" pitchFamily="49" charset="0"/>
-              </a:rPr>
-              <a:t> </a:t>
+              </a:rPr>
+              <a:t>; </a:t>
             </a:r>
           </a:p>
           <a:p>
@@ -27801,12 +28101,11 @@
               <a:buNone/>
               <a:tabLst/>
             </a:pPr>
-            <a:endParaRPr lang="en-US" sz="2400" dirty="0">
+            <a:endParaRPr lang="en-US" altLang="en-US" sz="2000" dirty="0">
               <a:solidFill>
                 <a:srgbClr val="000000"/>
               </a:solidFill>
               <a:latin typeface="Consolas" panose="020B0609020204030204" pitchFamily="49" charset="0"/>
-              <a:cs typeface="Consolas" panose="020B0609020204030204" pitchFamily="49" charset="0"/>
             </a:endParaRPr>
           </a:p>
           <a:p>
@@ -27827,7 +28126,7 @@
               <a:tabLst/>
             </a:pPr>
             <a:r>
-              <a:rPr kumimoji="0" lang="en-US" sz="2400" b="0" i="0" u="none" strike="noStrike" cap="none" normalizeH="0" baseline="0" dirty="0">
+              <a:rPr kumimoji="0" lang="en-US" altLang="en-US" sz="2000" b="0" i="0" u="none" strike="noStrike" cap="none" normalizeH="0" baseline="0" dirty="0">
                 <a:ln>
                   <a:noFill/>
                 </a:ln>
@@ -27836,12 +28135,11 @@
                 </a:solidFill>
                 <a:effectLst/>
                 <a:latin typeface="Consolas" panose="020B0609020204030204" pitchFamily="49" charset="0"/>
-                <a:cs typeface="Consolas" panose="020B0609020204030204" pitchFamily="49" charset="0"/>
-              </a:rPr>
-              <a:t>Public</a:t>
-            </a:r>
-            <a:r>
-              <a:rPr kumimoji="0" lang="en-US" sz="2400" b="0" i="0" u="none" strike="noStrike" cap="none" normalizeH="0" baseline="0" dirty="0">
+              </a:rPr>
+              <a:t>namespace</a:t>
+            </a:r>
+            <a:r>
+              <a:rPr kumimoji="0" lang="en-US" altLang="en-US" sz="2000" b="0" i="0" u="none" strike="noStrike" cap="none" normalizeH="0" baseline="0" dirty="0">
                 <a:ln>
                   <a:noFill/>
                 </a:ln>
@@ -27850,52 +28148,32 @@
                 </a:solidFill>
                 <a:effectLst/>
                 <a:latin typeface="Consolas" panose="020B0609020204030204" pitchFamily="49" charset="0"/>
-                <a:cs typeface="Consolas" panose="020B0609020204030204" pitchFamily="49" charset="0"/>
               </a:rPr>
               <a:t> </a:t>
             </a:r>
             <a:r>
-              <a:rPr kumimoji="0" lang="en-US" sz="2400" b="0" i="0" u="none" strike="noStrike" cap="none" normalizeH="0" baseline="0" dirty="0">
+              <a:rPr kumimoji="0" lang="en-US" altLang="en-US" sz="2000" b="0" i="0" u="none" strike="noStrike" cap="none" normalizeH="0" baseline="0" dirty="0" err="1">
                 <a:ln>
                   <a:noFill/>
                 </a:ln>
                 <a:solidFill>
-                  <a:srgbClr val="0000FF"/>
+                  <a:srgbClr val="000000"/>
                 </a:solidFill>
                 <a:effectLst/>
                 <a:latin typeface="Consolas" panose="020B0609020204030204" pitchFamily="49" charset="0"/>
-                <a:cs typeface="Consolas" panose="020B0609020204030204" pitchFamily="49" charset="0"/>
-              </a:rPr>
-              <a:t>Class</a:t>
-            </a:r>
-            <a:r>
-              <a:rPr kumimoji="0" lang="en-US" sz="2400" b="0" i="0" u="none" strike="noStrike" cap="none" normalizeH="0" baseline="0" dirty="0">
-                <a:ln>
-                  <a:noFill/>
-                </a:ln>
-                <a:solidFill>
-                  <a:srgbClr val="000000"/>
-                </a:solidFill>
-                <a:effectLst/>
-                <a:latin typeface="Consolas" panose="020B0609020204030204" pitchFamily="49" charset="0"/>
-                <a:cs typeface="Consolas" panose="020B0609020204030204" pitchFamily="49" charset="0"/>
-              </a:rPr>
-              <a:t> </a:t>
-            </a:r>
-            <a:r>
-              <a:rPr kumimoji="0" lang="en-US" sz="2400" b="0" i="0" u="none" strike="noStrike" cap="none" normalizeH="0" baseline="0" dirty="0">
-                <a:ln>
-                  <a:noFill/>
-                </a:ln>
-                <a:solidFill>
-                  <a:srgbClr val="2B91AF"/>
-                </a:solidFill>
-                <a:effectLst/>
-                <a:latin typeface="Consolas" panose="020B0609020204030204" pitchFamily="49" charset="0"/>
-                <a:cs typeface="Consolas" panose="020B0609020204030204" pitchFamily="49" charset="0"/>
-              </a:rPr>
-              <a:t>Chat</a:t>
-            </a:r>
+              </a:rPr>
+              <a:t>SignalrAngular.Hubs</a:t>
+            </a:r>
+            <a:endParaRPr kumimoji="0" lang="en-US" altLang="en-US" sz="2000" b="0" i="0" u="none" strike="noStrike" cap="none" normalizeH="0" baseline="0" dirty="0">
+              <a:ln>
+                <a:noFill/>
+              </a:ln>
+              <a:solidFill>
+                <a:srgbClr val="000000"/>
+              </a:solidFill>
+              <a:effectLst/>
+              <a:latin typeface="Consolas" panose="020B0609020204030204" pitchFamily="49" charset="0"/>
+            </a:endParaRPr>
           </a:p>
           <a:p>
             <a:pPr marL="0" marR="0" lvl="0" indent="0" algn="l" defTabSz="914400" rtl="0" eaLnBrk="0" fontAlgn="base" latinLnBrk="0" hangingPunct="0">
@@ -27915,7 +28193,7 @@
               <a:tabLst/>
             </a:pPr>
             <a:r>
-              <a:rPr kumimoji="0" lang="en-US" sz="2400" b="0" i="0" u="none" strike="noStrike" cap="none" normalizeH="0" baseline="0" dirty="0">
+              <a:rPr kumimoji="0" lang="en-US" altLang="en-US" sz="2000" b="0" i="0" u="none" strike="noStrike" cap="none" normalizeH="0" baseline="0" dirty="0">
                 <a:ln>
                   <a:noFill/>
                 </a:ln>
@@ -27924,51 +28202,8 @@
                 </a:solidFill>
                 <a:effectLst/>
                 <a:latin typeface="Consolas" panose="020B0609020204030204" pitchFamily="49" charset="0"/>
-                <a:cs typeface="Consolas" panose="020B0609020204030204" pitchFamily="49" charset="0"/>
-              </a:rPr>
-              <a:t>     </a:t>
-            </a:r>
-            <a:r>
-              <a:rPr kumimoji="0" lang="en-US" sz="2400" b="0" i="0" u="none" strike="noStrike" cap="none" normalizeH="0" baseline="0" dirty="0">
-                <a:ln>
-                  <a:noFill/>
-                </a:ln>
-                <a:solidFill>
-                  <a:srgbClr val="0000FF"/>
-                </a:solidFill>
-                <a:effectLst/>
-                <a:latin typeface="Consolas" panose="020B0609020204030204" pitchFamily="49" charset="0"/>
-                <a:cs typeface="Consolas" panose="020B0609020204030204" pitchFamily="49" charset="0"/>
-              </a:rPr>
-              <a:t>Inherits</a:t>
-            </a:r>
-            <a:r>
-              <a:rPr kumimoji="0" lang="en-US" sz="2400" b="0" i="0" u="none" strike="noStrike" cap="none" normalizeH="0" baseline="0" dirty="0">
-                <a:ln>
-                  <a:noFill/>
-                </a:ln>
-                <a:solidFill>
-                  <a:srgbClr val="000000"/>
-                </a:solidFill>
-                <a:effectLst/>
-                <a:latin typeface="Consolas" panose="020B0609020204030204" pitchFamily="49" charset="0"/>
-                <a:cs typeface="Consolas" panose="020B0609020204030204" pitchFamily="49" charset="0"/>
-              </a:rPr>
-              <a:t> </a:t>
-            </a:r>
-            <a:r>
-              <a:rPr kumimoji="0" lang="en-US" sz="2400" b="0" i="0" u="none" strike="noStrike" cap="none" normalizeH="0" baseline="0" dirty="0">
-                <a:ln>
-                  <a:noFill/>
-                </a:ln>
-                <a:solidFill>
-                  <a:srgbClr val="2B91AF"/>
-                </a:solidFill>
-                <a:effectLst/>
-                <a:latin typeface="Consolas" panose="020B0609020204030204" pitchFamily="49" charset="0"/>
-                <a:cs typeface="Consolas" panose="020B0609020204030204" pitchFamily="49" charset="0"/>
-              </a:rPr>
-              <a:t>Hub</a:t>
+              </a:rPr>
+              <a:t>{</a:t>
             </a:r>
           </a:p>
           <a:p>
@@ -27989,7 +28224,7 @@
               <a:tabLst/>
             </a:pPr>
             <a:r>
-              <a:rPr kumimoji="0" lang="en-US" sz="2400" b="0" i="0" u="none" strike="noStrike" cap="none" normalizeH="0" baseline="0" dirty="0">
+              <a:rPr kumimoji="0" lang="en-US" altLang="en-US" sz="2000" b="0" i="0" u="none" strike="noStrike" cap="none" normalizeH="0" baseline="0" dirty="0">
                 <a:ln>
                   <a:noFill/>
                 </a:ln>
@@ -27998,12 +28233,11 @@
                 </a:solidFill>
                 <a:effectLst/>
                 <a:latin typeface="Consolas" panose="020B0609020204030204" pitchFamily="49" charset="0"/>
-                <a:cs typeface="Consolas" panose="020B0609020204030204" pitchFamily="49" charset="0"/>
               </a:rPr>
               <a:t>     </a:t>
             </a:r>
             <a:r>
-              <a:rPr kumimoji="0" lang="en-US" sz="2400" b="0" i="0" u="none" strike="noStrike" cap="none" normalizeH="0" baseline="0" dirty="0">
+              <a:rPr kumimoji="0" lang="en-US" altLang="en-US" sz="2000" b="0" i="0" u="none" strike="noStrike" cap="none" normalizeH="0" baseline="0" dirty="0">
                 <a:ln>
                   <a:noFill/>
                 </a:ln>
@@ -28012,12 +28246,11 @@
                 </a:solidFill>
                 <a:effectLst/>
                 <a:latin typeface="Consolas" panose="020B0609020204030204" pitchFamily="49" charset="0"/>
-                <a:cs typeface="Consolas" panose="020B0609020204030204" pitchFamily="49" charset="0"/>
-              </a:rPr>
-              <a:t>Public</a:t>
-            </a:r>
-            <a:r>
-              <a:rPr kumimoji="0" lang="en-US" sz="2400" b="0" i="0" u="none" strike="noStrike" cap="none" normalizeH="0" baseline="0" dirty="0">
+              </a:rPr>
+              <a:t>public</a:t>
+            </a:r>
+            <a:r>
+              <a:rPr kumimoji="0" lang="en-US" altLang="en-US" sz="2000" b="0" i="0" u="none" strike="noStrike" cap="none" normalizeH="0" baseline="0" dirty="0">
                 <a:ln>
                   <a:noFill/>
                 </a:ln>
@@ -28026,12 +28259,11 @@
                 </a:solidFill>
                 <a:effectLst/>
                 <a:latin typeface="Consolas" panose="020B0609020204030204" pitchFamily="49" charset="0"/>
-                <a:cs typeface="Consolas" panose="020B0609020204030204" pitchFamily="49" charset="0"/>
               </a:rPr>
               <a:t> </a:t>
             </a:r>
             <a:r>
-              <a:rPr kumimoji="0" lang="en-US" sz="2400" b="0" i="0" u="none" strike="noStrike" cap="none" normalizeH="0" baseline="0" dirty="0">
+              <a:rPr kumimoji="0" lang="en-US" altLang="en-US" sz="2000" b="0" i="0" u="none" strike="noStrike" cap="none" normalizeH="0" baseline="0" dirty="0">
                 <a:ln>
                   <a:noFill/>
                 </a:ln>
@@ -28040,12 +28272,11 @@
                 </a:solidFill>
                 <a:effectLst/>
                 <a:latin typeface="Consolas" panose="020B0609020204030204" pitchFamily="49" charset="0"/>
-                <a:cs typeface="Consolas" panose="020B0609020204030204" pitchFamily="49" charset="0"/>
-              </a:rPr>
-              <a:t>Sub</a:t>
-            </a:r>
-            <a:r>
-              <a:rPr kumimoji="0" lang="en-US" sz="2400" b="0" i="0" u="none" strike="noStrike" cap="none" normalizeH="0" baseline="0" dirty="0">
+              </a:rPr>
+              <a:t>class</a:t>
+            </a:r>
+            <a:r>
+              <a:rPr kumimoji="0" lang="en-US" altLang="en-US" sz="2000" b="0" i="0" u="none" strike="noStrike" cap="none" normalizeH="0" baseline="0" dirty="0">
                 <a:ln>
                   <a:noFill/>
                 </a:ln>
@@ -28054,26 +28285,24 @@
                 </a:solidFill>
                 <a:effectLst/>
                 <a:latin typeface="Consolas" panose="020B0609020204030204" pitchFamily="49" charset="0"/>
-                <a:cs typeface="Consolas" panose="020B0609020204030204" pitchFamily="49" charset="0"/>
-              </a:rPr>
-              <a:t> Send(message </a:t>
-            </a:r>
-            <a:r>
-              <a:rPr kumimoji="0" lang="en-US" sz="2400" b="0" i="0" u="none" strike="noStrike" cap="none" normalizeH="0" baseline="0" dirty="0">
+              </a:rPr>
+              <a:t> </a:t>
+            </a:r>
+            <a:r>
+              <a:rPr kumimoji="0" lang="en-US" altLang="en-US" sz="2000" b="0" i="0" u="none" strike="noStrike" cap="none" normalizeH="0" baseline="0" dirty="0" err="1">
                 <a:ln>
                   <a:noFill/>
                 </a:ln>
                 <a:solidFill>
-                  <a:srgbClr val="0000FF"/>
+                  <a:srgbClr val="2B91AF"/>
                 </a:solidFill>
                 <a:effectLst/>
                 <a:latin typeface="Consolas" panose="020B0609020204030204" pitchFamily="49" charset="0"/>
-                <a:cs typeface="Consolas" panose="020B0609020204030204" pitchFamily="49" charset="0"/>
-              </a:rPr>
-              <a:t>As</a:t>
-            </a:r>
-            <a:r>
-              <a:rPr kumimoji="0" lang="en-US" sz="2400" b="0" i="0" u="none" strike="noStrike" cap="none" normalizeH="0" baseline="0" dirty="0">
+              </a:rPr>
+              <a:t>ChatHub</a:t>
+            </a:r>
+            <a:r>
+              <a:rPr kumimoji="0" lang="en-US" altLang="en-US" sz="2000" b="0" i="0" u="none" strike="noStrike" cap="none" normalizeH="0" baseline="0" dirty="0">
                 <a:ln>
                   <a:noFill/>
                 </a:ln>
@@ -28082,37 +28311,21 @@
                 </a:solidFill>
                 <a:effectLst/>
                 <a:latin typeface="Consolas" panose="020B0609020204030204" pitchFamily="49" charset="0"/>
-                <a:cs typeface="Consolas" panose="020B0609020204030204" pitchFamily="49" charset="0"/>
-              </a:rPr>
-              <a:t> </a:t>
-            </a:r>
-            <a:r>
-              <a:rPr kumimoji="0" lang="en-US" sz="2400" b="0" i="0" u="none" strike="noStrike" cap="none" normalizeH="0" baseline="0" dirty="0">
+              </a:rPr>
+              <a:t> : </a:t>
+            </a:r>
+            <a:r>
+              <a:rPr kumimoji="0" lang="en-US" altLang="en-US" sz="2000" b="0" i="0" u="none" strike="noStrike" cap="none" normalizeH="0" baseline="0" dirty="0">
                 <a:ln>
                   <a:noFill/>
                 </a:ln>
                 <a:solidFill>
-                  <a:srgbClr val="0000FF"/>
+                  <a:srgbClr val="2B91AF"/>
                 </a:solidFill>
                 <a:effectLst/>
                 <a:latin typeface="Consolas" panose="020B0609020204030204" pitchFamily="49" charset="0"/>
-                <a:cs typeface="Consolas" panose="020B0609020204030204" pitchFamily="49" charset="0"/>
-              </a:rPr>
-              <a:t>String</a:t>
-            </a:r>
-            <a:r>
-              <a:rPr kumimoji="0" lang="en-US" sz="2400" b="0" i="0" u="none" strike="noStrike" cap="none" normalizeH="0" baseline="0" dirty="0">
-                <a:ln>
-                  <a:noFill/>
-                </a:ln>
-                <a:solidFill>
-                  <a:srgbClr val="000000"/>
-                </a:solidFill>
-                <a:effectLst/>
-                <a:latin typeface="Consolas" panose="020B0609020204030204" pitchFamily="49" charset="0"/>
-                <a:cs typeface="Consolas" panose="020B0609020204030204" pitchFamily="49" charset="0"/>
-              </a:rPr>
-              <a:t>)</a:t>
+              </a:rPr>
+              <a:t>Hub</a:t>
             </a:r>
           </a:p>
           <a:p>
@@ -28133,7 +28346,7 @@
               <a:tabLst/>
             </a:pPr>
             <a:r>
-              <a:rPr kumimoji="0" lang="en-US" sz="2400" b="0" i="0" u="none" strike="noStrike" cap="none" normalizeH="0" baseline="0" dirty="0">
+              <a:rPr kumimoji="0" lang="en-US" altLang="en-US" sz="2000" b="0" i="0" u="none" strike="noStrike" cap="none" normalizeH="0" baseline="0" dirty="0">
                 <a:ln>
                   <a:noFill/>
                 </a:ln>
@@ -28142,37 +28355,8 @@
                 </a:solidFill>
                 <a:effectLst/>
                 <a:latin typeface="Consolas" panose="020B0609020204030204" pitchFamily="49" charset="0"/>
-                <a:cs typeface="Consolas" panose="020B0609020204030204" pitchFamily="49" charset="0"/>
-              </a:rPr>
-              <a:t>         </a:t>
-            </a:r>
-            <a:r>
-              <a:rPr kumimoji="0" lang="en-US" sz="2400" b="0" i="0" u="none" strike="noStrike" cap="none" normalizeH="0" baseline="0" dirty="0" err="1">
-                <a:ln>
-                  <a:noFill/>
-                </a:ln>
-                <a:solidFill>
-                  <a:srgbClr val="000000"/>
-                </a:solidFill>
-                <a:effectLst/>
-                <a:latin typeface="Consolas" panose="020B0609020204030204" pitchFamily="49" charset="0"/>
-                <a:cs typeface="Consolas" panose="020B0609020204030204" pitchFamily="49" charset="0"/>
-              </a:rPr>
-              <a:t>Clients.All.addMessage</a:t>
-            </a:r>
-            <a:r>
-              <a:rPr kumimoji="0" lang="en-US" sz="2400" b="0" i="0" u="none" strike="noStrike" cap="none" normalizeH="0" baseline="0" dirty="0">
-                <a:ln>
-                  <a:noFill/>
-                </a:ln>
-                <a:solidFill>
-                  <a:srgbClr val="000000"/>
-                </a:solidFill>
-                <a:effectLst/>
-                <a:latin typeface="Consolas" panose="020B0609020204030204" pitchFamily="49" charset="0"/>
-                <a:cs typeface="Consolas" panose="020B0609020204030204" pitchFamily="49" charset="0"/>
-              </a:rPr>
-              <a:t>(message)</a:t>
+              </a:rPr>
+              <a:t>     {</a:t>
             </a:r>
           </a:p>
           <a:p>
@@ -28193,7 +28377,7 @@
               <a:tabLst/>
             </a:pPr>
             <a:r>
-              <a:rPr kumimoji="0" lang="en-US" sz="2400" b="0" i="0" u="none" strike="noStrike" cap="none" normalizeH="0" baseline="0" dirty="0">
+              <a:rPr kumimoji="0" lang="en-US" altLang="en-US" sz="2000" b="0" i="0" u="none" strike="noStrike" cap="none" normalizeH="0" baseline="0" dirty="0">
                 <a:ln>
                   <a:noFill/>
                 </a:ln>
@@ -28202,12 +28386,11 @@
                 </a:solidFill>
                 <a:effectLst/>
                 <a:latin typeface="Consolas" panose="020B0609020204030204" pitchFamily="49" charset="0"/>
-                <a:cs typeface="Consolas" panose="020B0609020204030204" pitchFamily="49" charset="0"/>
-              </a:rPr>
-              <a:t>     </a:t>
-            </a:r>
-            <a:r>
-              <a:rPr kumimoji="0" lang="en-US" sz="2400" b="0" i="0" u="none" strike="noStrike" cap="none" normalizeH="0" baseline="0" dirty="0">
+              </a:rPr>
+              <a:t>         </a:t>
+            </a:r>
+            <a:r>
+              <a:rPr kumimoji="0" lang="en-US" altLang="en-US" sz="2000" b="0" i="0" u="none" strike="noStrike" cap="none" normalizeH="0" baseline="0" dirty="0">
                 <a:ln>
                   <a:noFill/>
                 </a:ln>
@@ -28216,12 +28399,11 @@
                 </a:solidFill>
                 <a:effectLst/>
                 <a:latin typeface="Consolas" panose="020B0609020204030204" pitchFamily="49" charset="0"/>
-                <a:cs typeface="Consolas" panose="020B0609020204030204" pitchFamily="49" charset="0"/>
-              </a:rPr>
-              <a:t>End</a:t>
-            </a:r>
-            <a:r>
-              <a:rPr kumimoji="0" lang="en-US" sz="2400" b="0" i="0" u="none" strike="noStrike" cap="none" normalizeH="0" baseline="0" dirty="0">
+              </a:rPr>
+              <a:t>public</a:t>
+            </a:r>
+            <a:r>
+              <a:rPr kumimoji="0" lang="en-US" altLang="en-US" sz="2000" b="0" i="0" u="none" strike="noStrike" cap="none" normalizeH="0" baseline="0" dirty="0">
                 <a:ln>
                   <a:noFill/>
                 </a:ln>
@@ -28230,23 +28412,60 @@
                 </a:solidFill>
                 <a:effectLst/>
                 <a:latin typeface="Consolas" panose="020B0609020204030204" pitchFamily="49" charset="0"/>
-                <a:cs typeface="Consolas" panose="020B0609020204030204" pitchFamily="49" charset="0"/>
               </a:rPr>
               <a:t> </a:t>
             </a:r>
             <a:r>
-              <a:rPr kumimoji="0" lang="en-US" sz="2400" b="0" i="0" u="none" strike="noStrike" cap="none" normalizeH="0" baseline="0" dirty="0">
+              <a:rPr kumimoji="0" lang="en-US" altLang="en-US" sz="2000" b="0" i="0" u="none" strike="noStrike" cap="none" normalizeH="0" baseline="0" dirty="0">
                 <a:ln>
                   <a:noFill/>
                 </a:ln>
                 <a:solidFill>
+                  <a:srgbClr val="2B91AF"/>
+                </a:solidFill>
+                <a:effectLst/>
+                <a:latin typeface="Consolas" panose="020B0609020204030204" pitchFamily="49" charset="0"/>
+              </a:rPr>
+              <a:t>Task</a:t>
+            </a:r>
+            <a:r>
+              <a:rPr kumimoji="0" lang="en-US" altLang="en-US" sz="2000" b="0" i="0" u="none" strike="noStrike" cap="none" normalizeH="0" baseline="0" dirty="0">
+                <a:ln>
+                  <a:noFill/>
+                </a:ln>
+                <a:solidFill>
+                  <a:srgbClr val="000000"/>
+                </a:solidFill>
+                <a:effectLst/>
+                <a:latin typeface="Consolas" panose="020B0609020204030204" pitchFamily="49" charset="0"/>
+              </a:rPr>
+              <a:t> Send(</a:t>
+            </a:r>
+            <a:r>
+              <a:rPr kumimoji="0" lang="en-US" altLang="en-US" sz="2000" b="0" i="0" u="none" strike="noStrike" cap="none" normalizeH="0" baseline="0" dirty="0">
+                <a:ln>
+                  <a:noFill/>
+                </a:ln>
+                <a:solidFill>
                   <a:srgbClr val="0000FF"/>
                 </a:solidFill>
                 <a:effectLst/>
                 <a:latin typeface="Consolas" panose="020B0609020204030204" pitchFamily="49" charset="0"/>
-                <a:cs typeface="Consolas" panose="020B0609020204030204" pitchFamily="49" charset="0"/>
-              </a:rPr>
-              <a:t>Sub</a:t>
+              </a:rPr>
+              <a:t>string</a:t>
+            </a:r>
+            <a:r>
+              <a:rPr kumimoji="0" lang="en-US" altLang="en-US" sz="2000" b="0" i="0" u="none" strike="noStrike" cap="none" normalizeH="0" baseline="0" dirty="0">
+                <a:ln>
+                  <a:noFill/>
+                </a:ln>
+                <a:solidFill>
+                  <a:srgbClr val="000000"/>
+                </a:solidFill>
+                <a:effectLst/>
+                <a:latin typeface="Consolas" panose="020B0609020204030204" pitchFamily="49" charset="0"/>
+              </a:rPr>
+              <a:t> data)</a:t>
             </a:r>
           </a:p>
           <a:p>
@@ -28267,21 +28486,38 @@
               <a:tabLst/>
             </a:pPr>
             <a:r>
-              <a:rPr kumimoji="0" lang="en-US" sz="2400" b="0" i="0" u="none" strike="noStrike" cap="none" normalizeH="0" baseline="0" dirty="0">
+              <a:rPr kumimoji="0" lang="en-US" altLang="en-US" sz="2000" b="0" i="0" u="none" strike="noStrike" cap="none" normalizeH="0" baseline="0" dirty="0">
                 <a:ln>
                   <a:noFill/>
                 </a:ln>
                 <a:solidFill>
-                  <a:srgbClr val="0000FF"/>
+                  <a:srgbClr val="000000"/>
                 </a:solidFill>
                 <a:effectLst/>
                 <a:latin typeface="Consolas" panose="020B0609020204030204" pitchFamily="49" charset="0"/>
-                <a:cs typeface="Consolas" panose="020B0609020204030204" pitchFamily="49" charset="0"/>
-              </a:rPr>
-              <a:t>End</a:t>
-            </a:r>
-            <a:r>
-              <a:rPr kumimoji="0" lang="en-US" sz="2400" b="0" i="0" u="none" strike="noStrike" cap="none" normalizeH="0" baseline="0" dirty="0">
+              </a:rPr>
+              <a:t>         {</a:t>
+            </a:r>
+          </a:p>
+          <a:p>
+            <a:pPr marL="0" marR="0" lvl="0" indent="0" algn="l" defTabSz="914400" rtl="0" eaLnBrk="0" fontAlgn="base" latinLnBrk="0" hangingPunct="0">
+              <a:lnSpc>
+                <a:spcPct val="100000"/>
+              </a:lnSpc>
+              <a:spcBef>
+                <a:spcPct val="0"/>
+              </a:spcBef>
+              <a:spcAft>
+                <a:spcPct val="0"/>
+              </a:spcAft>
+              <a:buClrTx/>
+              <a:buSzTx/>
+              <a:buFontTx/>
+              <a:buNone/>
+              <a:tabLst/>
+            </a:pPr>
+            <a:r>
+              <a:rPr kumimoji="0" lang="en-US" altLang="en-US" sz="2000" b="0" i="0" u="none" strike="noStrike" cap="none" normalizeH="0" baseline="0" dirty="0">
                 <a:ln>
                   <a:noFill/>
                 </a:ln>
@@ -28290,12 +28526,11 @@
                 </a:solidFill>
                 <a:effectLst/>
                 <a:latin typeface="Consolas" panose="020B0609020204030204" pitchFamily="49" charset="0"/>
-                <a:cs typeface="Consolas" panose="020B0609020204030204" pitchFamily="49" charset="0"/>
-              </a:rPr>
-              <a:t> </a:t>
-            </a:r>
-            <a:r>
-              <a:rPr kumimoji="0" lang="en-US" sz="2400" b="0" i="0" u="none" strike="noStrike" cap="none" normalizeH="0" baseline="0" dirty="0">
+              </a:rPr>
+              <a:t>             </a:t>
+            </a:r>
+            <a:r>
+              <a:rPr kumimoji="0" lang="en-US" altLang="en-US" sz="2000" b="0" i="0" u="none" strike="noStrike" cap="none" normalizeH="0" baseline="0" dirty="0" err="1">
                 <a:ln>
                   <a:noFill/>
                 </a:ln>
@@ -28304,11 +28539,407 @@
                 </a:solidFill>
                 <a:effectLst/>
                 <a:latin typeface="Consolas" panose="020B0609020204030204" pitchFamily="49" charset="0"/>
-                <a:cs typeface="Consolas" panose="020B0609020204030204" pitchFamily="49" charset="0"/>
-              </a:rPr>
-              <a:t>Class</a:t>
-            </a:r>
-            <a:endParaRPr kumimoji="0" lang="en-US" sz="2400" b="0" i="0" u="none" strike="noStrike" cap="none" normalizeH="0" baseline="0" dirty="0">
+              </a:rPr>
+              <a:t>var</a:t>
+            </a:r>
+            <a:r>
+              <a:rPr kumimoji="0" lang="en-US" altLang="en-US" sz="2000" b="0" i="0" u="none" strike="noStrike" cap="none" normalizeH="0" baseline="0" dirty="0">
+                <a:ln>
+                  <a:noFill/>
+                </a:ln>
+                <a:solidFill>
+                  <a:srgbClr val="000000"/>
+                </a:solidFill>
+                <a:effectLst/>
+                <a:latin typeface="Consolas" panose="020B0609020204030204" pitchFamily="49" charset="0"/>
+              </a:rPr>
+              <a:t> </a:t>
+            </a:r>
+            <a:r>
+              <a:rPr kumimoji="0" lang="en-US" altLang="en-US" sz="2000" b="0" i="0" u="none" strike="noStrike" cap="none" normalizeH="0" baseline="0" dirty="0" err="1">
+                <a:ln>
+                  <a:noFill/>
+                </a:ln>
+                <a:solidFill>
+                  <a:srgbClr val="000000"/>
+                </a:solidFill>
+                <a:effectLst/>
+                <a:latin typeface="Consolas" panose="020B0609020204030204" pitchFamily="49" charset="0"/>
+              </a:rPr>
+              <a:t>currentUser</a:t>
+            </a:r>
+            <a:r>
+              <a:rPr kumimoji="0" lang="en-US" altLang="en-US" sz="2000" b="0" i="0" u="none" strike="noStrike" cap="none" normalizeH="0" baseline="0" dirty="0">
+                <a:ln>
+                  <a:noFill/>
+                </a:ln>
+                <a:solidFill>
+                  <a:srgbClr val="000000"/>
+                </a:solidFill>
+                <a:effectLst/>
+                <a:latin typeface="Consolas" panose="020B0609020204030204" pitchFamily="49" charset="0"/>
+              </a:rPr>
+              <a:t> = </a:t>
+            </a:r>
+            <a:r>
+              <a:rPr kumimoji="0" lang="en-US" altLang="en-US" sz="2000" b="0" i="0" u="none" strike="noStrike" cap="none" normalizeH="0" baseline="0" dirty="0">
+                <a:ln>
+                  <a:noFill/>
+                </a:ln>
+                <a:solidFill>
+                  <a:srgbClr val="0000FF"/>
+                </a:solidFill>
+                <a:effectLst/>
+                <a:latin typeface="Consolas" panose="020B0609020204030204" pitchFamily="49" charset="0"/>
+              </a:rPr>
+              <a:t>new</a:t>
+            </a:r>
+            <a:r>
+              <a:rPr kumimoji="0" lang="en-US" altLang="en-US" sz="2000" b="0" i="0" u="none" strike="noStrike" cap="none" normalizeH="0" baseline="0" dirty="0">
+                <a:ln>
+                  <a:noFill/>
+                </a:ln>
+                <a:solidFill>
+                  <a:srgbClr val="000000"/>
+                </a:solidFill>
+                <a:effectLst/>
+                <a:latin typeface="Consolas" panose="020B0609020204030204" pitchFamily="49" charset="0"/>
+              </a:rPr>
+              <a:t> </a:t>
+            </a:r>
+            <a:r>
+              <a:rPr kumimoji="0" lang="en-US" altLang="en-US" sz="2000" b="0" i="0" u="none" strike="noStrike" cap="none" normalizeH="0" baseline="0" dirty="0">
+                <a:ln>
+                  <a:noFill/>
+                </a:ln>
+                <a:solidFill>
+                  <a:srgbClr val="2B91AF"/>
+                </a:solidFill>
+                <a:effectLst/>
+                <a:latin typeface="Consolas" panose="020B0609020204030204" pitchFamily="49" charset="0"/>
+              </a:rPr>
+              <a:t>List</a:t>
+            </a:r>
+            <a:r>
+              <a:rPr kumimoji="0" lang="en-US" altLang="en-US" sz="2000" b="0" i="0" u="none" strike="noStrike" cap="none" normalizeH="0" baseline="0" dirty="0">
+                <a:ln>
+                  <a:noFill/>
+                </a:ln>
+                <a:solidFill>
+                  <a:srgbClr val="000000"/>
+                </a:solidFill>
+                <a:effectLst/>
+                <a:latin typeface="Consolas" panose="020B0609020204030204" pitchFamily="49" charset="0"/>
+              </a:rPr>
+              <a:t>&lt;</a:t>
+            </a:r>
+            <a:r>
+              <a:rPr kumimoji="0" lang="en-US" altLang="en-US" sz="2000" b="0" i="0" u="none" strike="noStrike" cap="none" normalizeH="0" baseline="0" dirty="0">
+                <a:ln>
+                  <a:noFill/>
+                </a:ln>
+                <a:solidFill>
+                  <a:srgbClr val="0000FF"/>
+                </a:solidFill>
+                <a:effectLst/>
+                <a:latin typeface="Consolas" panose="020B0609020204030204" pitchFamily="49" charset="0"/>
+              </a:rPr>
+              <a:t>string</a:t>
+            </a:r>
+            <a:r>
+              <a:rPr kumimoji="0" lang="en-US" altLang="en-US" sz="2000" b="0" i="0" u="none" strike="noStrike" cap="none" normalizeH="0" baseline="0" dirty="0">
+                <a:ln>
+                  <a:noFill/>
+                </a:ln>
+                <a:solidFill>
+                  <a:srgbClr val="000000"/>
+                </a:solidFill>
+                <a:effectLst/>
+                <a:latin typeface="Consolas" panose="020B0609020204030204" pitchFamily="49" charset="0"/>
+              </a:rPr>
+              <a:t>&gt; { </a:t>
+            </a:r>
+            <a:r>
+              <a:rPr kumimoji="0" lang="en-US" altLang="en-US" sz="2000" b="0" i="0" u="none" strike="noStrike" cap="none" normalizeH="0" baseline="0" dirty="0" err="1">
+                <a:ln>
+                  <a:noFill/>
+                </a:ln>
+                <a:solidFill>
+                  <a:srgbClr val="000000"/>
+                </a:solidFill>
+                <a:effectLst/>
+                <a:latin typeface="Consolas" panose="020B0609020204030204" pitchFamily="49" charset="0"/>
+              </a:rPr>
+              <a:t>Context.ConnectionId</a:t>
+            </a:r>
+            <a:r>
+              <a:rPr kumimoji="0" lang="en-US" altLang="en-US" sz="2000" b="0" i="0" u="none" strike="noStrike" cap="none" normalizeH="0" baseline="0" dirty="0">
+                <a:ln>
+                  <a:noFill/>
+                </a:ln>
+                <a:solidFill>
+                  <a:srgbClr val="000000"/>
+                </a:solidFill>
+                <a:effectLst/>
+                <a:latin typeface="Consolas" panose="020B0609020204030204" pitchFamily="49" charset="0"/>
+              </a:rPr>
+              <a:t> };</a:t>
+            </a:r>
+          </a:p>
+          <a:p>
+            <a:pPr marL="0" marR="0" lvl="0" indent="0" algn="l" defTabSz="914400" rtl="0" eaLnBrk="0" fontAlgn="base" latinLnBrk="0" hangingPunct="0">
+              <a:lnSpc>
+                <a:spcPct val="100000"/>
+              </a:lnSpc>
+              <a:spcBef>
+                <a:spcPct val="0"/>
+              </a:spcBef>
+              <a:spcAft>
+                <a:spcPct val="0"/>
+              </a:spcAft>
+              <a:buClrTx/>
+              <a:buSzTx/>
+              <a:buFontTx/>
+              <a:buNone/>
+              <a:tabLst/>
+            </a:pPr>
+            <a:r>
+              <a:rPr kumimoji="0" lang="en-US" altLang="en-US" sz="2000" b="0" i="0" u="none" strike="noStrike" cap="none" normalizeH="0" baseline="0" dirty="0">
+                <a:ln>
+                  <a:noFill/>
+                </a:ln>
+                <a:solidFill>
+                  <a:srgbClr val="000000"/>
+                </a:solidFill>
+                <a:effectLst/>
+                <a:latin typeface="Consolas" panose="020B0609020204030204" pitchFamily="49" charset="0"/>
+              </a:rPr>
+              <a:t>             </a:t>
+            </a:r>
+            <a:r>
+              <a:rPr kumimoji="0" lang="en-US" altLang="en-US" sz="2000" b="0" i="0" u="none" strike="noStrike" cap="none" normalizeH="0" baseline="0" dirty="0">
+                <a:ln>
+                  <a:noFill/>
+                </a:ln>
+                <a:solidFill>
+                  <a:srgbClr val="0000FF"/>
+                </a:solidFill>
+                <a:effectLst/>
+                <a:latin typeface="Consolas" panose="020B0609020204030204" pitchFamily="49" charset="0"/>
+              </a:rPr>
+              <a:t>return</a:t>
+            </a:r>
+            <a:r>
+              <a:rPr kumimoji="0" lang="en-US" altLang="en-US" sz="2000" b="0" i="0" u="none" strike="noStrike" cap="none" normalizeH="0" baseline="0" dirty="0">
+                <a:ln>
+                  <a:noFill/>
+                </a:ln>
+                <a:solidFill>
+                  <a:srgbClr val="000000"/>
+                </a:solidFill>
+                <a:effectLst/>
+                <a:latin typeface="Consolas" panose="020B0609020204030204" pitchFamily="49" charset="0"/>
+              </a:rPr>
+              <a:t> </a:t>
+            </a:r>
+            <a:r>
+              <a:rPr kumimoji="0" lang="en-US" altLang="en-US" sz="2000" b="0" i="0" u="none" strike="noStrike" cap="none" normalizeH="0" baseline="0" dirty="0" err="1">
+                <a:ln>
+                  <a:noFill/>
+                </a:ln>
+                <a:solidFill>
+                  <a:srgbClr val="000000"/>
+                </a:solidFill>
+                <a:effectLst/>
+                <a:latin typeface="Consolas" panose="020B0609020204030204" pitchFamily="49" charset="0"/>
+              </a:rPr>
+              <a:t>Clients.AllExcept</a:t>
+            </a:r>
+            <a:r>
+              <a:rPr kumimoji="0" lang="en-US" altLang="en-US" sz="2000" b="0" i="0" u="none" strike="noStrike" cap="none" normalizeH="0" baseline="0" dirty="0">
+                <a:ln>
+                  <a:noFill/>
+                </a:ln>
+                <a:solidFill>
+                  <a:srgbClr val="000000"/>
+                </a:solidFill>
+                <a:effectLst/>
+                <a:latin typeface="Consolas" panose="020B0609020204030204" pitchFamily="49" charset="0"/>
+              </a:rPr>
+              <a:t>(</a:t>
+            </a:r>
+            <a:r>
+              <a:rPr kumimoji="0" lang="en-US" altLang="en-US" sz="2000" b="0" i="0" u="none" strike="noStrike" cap="none" normalizeH="0" baseline="0" dirty="0" err="1">
+                <a:ln>
+                  <a:noFill/>
+                </a:ln>
+                <a:solidFill>
+                  <a:srgbClr val="000000"/>
+                </a:solidFill>
+                <a:effectLst/>
+                <a:latin typeface="Consolas" panose="020B0609020204030204" pitchFamily="49" charset="0"/>
+              </a:rPr>
+              <a:t>currentUser</a:t>
+            </a:r>
+            <a:r>
+              <a:rPr kumimoji="0" lang="en-US" altLang="en-US" sz="2000" b="0" i="0" u="none" strike="noStrike" cap="none" normalizeH="0" baseline="0" dirty="0">
+                <a:ln>
+                  <a:noFill/>
+                </a:ln>
+                <a:solidFill>
+                  <a:srgbClr val="000000"/>
+                </a:solidFill>
+                <a:effectLst/>
+                <a:latin typeface="Consolas" panose="020B0609020204030204" pitchFamily="49" charset="0"/>
+              </a:rPr>
+              <a:t>).</a:t>
+            </a:r>
+            <a:r>
+              <a:rPr kumimoji="0" lang="en-US" altLang="en-US" sz="2000" b="0" i="0" u="none" strike="noStrike" cap="none" normalizeH="0" baseline="0" dirty="0" err="1">
+                <a:ln>
+                  <a:noFill/>
+                </a:ln>
+                <a:solidFill>
+                  <a:srgbClr val="000000"/>
+                </a:solidFill>
+                <a:effectLst/>
+                <a:latin typeface="Consolas" panose="020B0609020204030204" pitchFamily="49" charset="0"/>
+              </a:rPr>
+              <a:t>InvokeAsync</a:t>
+            </a:r>
+            <a:r>
+              <a:rPr kumimoji="0" lang="en-US" altLang="en-US" sz="2000" b="0" i="0" u="none" strike="noStrike" cap="none" normalizeH="0" baseline="0" dirty="0">
+                <a:ln>
+                  <a:noFill/>
+                </a:ln>
+                <a:solidFill>
+                  <a:srgbClr val="000000"/>
+                </a:solidFill>
+                <a:effectLst/>
+                <a:latin typeface="Consolas" panose="020B0609020204030204" pitchFamily="49" charset="0"/>
+              </a:rPr>
+              <a:t>(</a:t>
+            </a:r>
+            <a:r>
+              <a:rPr kumimoji="0" lang="en-US" altLang="en-US" sz="2000" b="0" i="0" u="none" strike="noStrike" cap="none" normalizeH="0" baseline="0" dirty="0">
+                <a:ln>
+                  <a:noFill/>
+                </a:ln>
+                <a:solidFill>
+                  <a:srgbClr val="A31515"/>
+                </a:solidFill>
+                <a:effectLst/>
+                <a:latin typeface="Consolas" panose="020B0609020204030204" pitchFamily="49" charset="0"/>
+              </a:rPr>
+              <a:t>"Send"</a:t>
+            </a:r>
+            <a:r>
+              <a:rPr kumimoji="0" lang="en-US" altLang="en-US" sz="2000" b="0" i="0" u="none" strike="noStrike" cap="none" normalizeH="0" baseline="0" dirty="0">
+                <a:ln>
+                  <a:noFill/>
+                </a:ln>
+                <a:solidFill>
+                  <a:srgbClr val="000000"/>
+                </a:solidFill>
+                <a:effectLst/>
+                <a:latin typeface="Consolas" panose="020B0609020204030204" pitchFamily="49" charset="0"/>
+              </a:rPr>
+              <a:t>, data);</a:t>
+            </a:r>
+          </a:p>
+          <a:p>
+            <a:pPr marL="0" marR="0" lvl="0" indent="0" algn="l" defTabSz="914400" rtl="0" eaLnBrk="0" fontAlgn="base" latinLnBrk="0" hangingPunct="0">
+              <a:lnSpc>
+                <a:spcPct val="100000"/>
+              </a:lnSpc>
+              <a:spcBef>
+                <a:spcPct val="0"/>
+              </a:spcBef>
+              <a:spcAft>
+                <a:spcPct val="0"/>
+              </a:spcAft>
+              <a:buClrTx/>
+              <a:buSzTx/>
+              <a:buFontTx/>
+              <a:buNone/>
+              <a:tabLst/>
+            </a:pPr>
+            <a:r>
+              <a:rPr kumimoji="0" lang="en-US" altLang="en-US" sz="2000" b="0" i="0" u="none" strike="noStrike" cap="none" normalizeH="0" baseline="0" dirty="0">
+                <a:ln>
+                  <a:noFill/>
+                </a:ln>
+                <a:solidFill>
+                  <a:srgbClr val="000000"/>
+                </a:solidFill>
+                <a:effectLst/>
+                <a:latin typeface="Consolas" panose="020B0609020204030204" pitchFamily="49" charset="0"/>
+              </a:rPr>
+              <a:t>         }</a:t>
+            </a:r>
+          </a:p>
+          <a:p>
+            <a:pPr marL="0" marR="0" lvl="0" indent="0" algn="l" defTabSz="914400" rtl="0" eaLnBrk="0" fontAlgn="base" latinLnBrk="0" hangingPunct="0">
+              <a:lnSpc>
+                <a:spcPct val="100000"/>
+              </a:lnSpc>
+              <a:spcBef>
+                <a:spcPct val="0"/>
+              </a:spcBef>
+              <a:spcAft>
+                <a:spcPct val="0"/>
+              </a:spcAft>
+              <a:buClrTx/>
+              <a:buSzTx/>
+              <a:buFontTx/>
+              <a:buNone/>
+              <a:tabLst/>
+            </a:pPr>
+            <a:r>
+              <a:rPr kumimoji="0" lang="en-US" altLang="en-US" sz="2000" b="0" i="0" u="none" strike="noStrike" cap="none" normalizeH="0" baseline="0" dirty="0">
+                <a:ln>
+                  <a:noFill/>
+                </a:ln>
+                <a:solidFill>
+                  <a:srgbClr val="000000"/>
+                </a:solidFill>
+                <a:effectLst/>
+                <a:latin typeface="Consolas" panose="020B0609020204030204" pitchFamily="49" charset="0"/>
+              </a:rPr>
+              <a:t>     }</a:t>
+            </a:r>
+          </a:p>
+          <a:p>
+            <a:pPr marL="0" marR="0" lvl="0" indent="0" algn="l" defTabSz="914400" rtl="0" eaLnBrk="0" fontAlgn="base" latinLnBrk="0" hangingPunct="0">
+              <a:lnSpc>
+                <a:spcPct val="100000"/>
+              </a:lnSpc>
+              <a:spcBef>
+                <a:spcPct val="0"/>
+              </a:spcBef>
+              <a:spcAft>
+                <a:spcPct val="0"/>
+              </a:spcAft>
+              <a:buClrTx/>
+              <a:buSzTx/>
+              <a:buFontTx/>
+              <a:buNone/>
+              <a:tabLst/>
+            </a:pPr>
+            <a:r>
+              <a:rPr kumimoji="0" lang="en-US" altLang="en-US" sz="2000" b="0" i="0" u="none" strike="noStrike" cap="none" normalizeH="0" baseline="0" dirty="0">
+                <a:ln>
+                  <a:noFill/>
+                </a:ln>
+                <a:solidFill>
+                  <a:srgbClr val="000000"/>
+                </a:solidFill>
+                <a:effectLst/>
+                <a:latin typeface="Consolas" panose="020B0609020204030204" pitchFamily="49" charset="0"/>
+              </a:rPr>
+              <a:t>}</a:t>
+            </a:r>
+            <a:endParaRPr kumimoji="0" lang="en-US" altLang="en-US" sz="2000" b="0" i="0" u="none" strike="noStrike" cap="none" normalizeH="0" baseline="0" dirty="0">
               <a:ln>
                 <a:noFill/>
               </a:ln>

--- a/Getting Pushy with SignalR and Rx.pptx
+++ b/Getting Pushy with SignalR and Rx.pptx
@@ -5,7 +5,7 @@
     <p:sldMasterId id="2147483648" r:id="rId1"/>
   </p:sldMasterIdLst>
   <p:notesMasterIdLst>
-    <p:notesMasterId r:id="rId26"/>
+    <p:notesMasterId r:id="rId29"/>
   </p:notesMasterIdLst>
   <p:sldIdLst>
     <p:sldId id="256" r:id="rId2"/>
@@ -18,20 +18,23 @@
     <p:sldId id="261" r:id="rId9"/>
     <p:sldId id="270" r:id="rId10"/>
     <p:sldId id="271" r:id="rId11"/>
-    <p:sldId id="276" r:id="rId12"/>
-    <p:sldId id="280" r:id="rId13"/>
-    <p:sldId id="279" r:id="rId14"/>
-    <p:sldId id="257" r:id="rId15"/>
-    <p:sldId id="274" r:id="rId16"/>
-    <p:sldId id="275" r:id="rId17"/>
-    <p:sldId id="273" r:id="rId18"/>
-    <p:sldId id="263" r:id="rId19"/>
-    <p:sldId id="264" r:id="rId20"/>
-    <p:sldId id="265" r:id="rId21"/>
-    <p:sldId id="277" r:id="rId22"/>
-    <p:sldId id="266" r:id="rId23"/>
-    <p:sldId id="269" r:id="rId24"/>
-    <p:sldId id="267" r:id="rId25"/>
+    <p:sldId id="284" r:id="rId12"/>
+    <p:sldId id="285" r:id="rId13"/>
+    <p:sldId id="286" r:id="rId14"/>
+    <p:sldId id="276" r:id="rId15"/>
+    <p:sldId id="280" r:id="rId16"/>
+    <p:sldId id="279" r:id="rId17"/>
+    <p:sldId id="257" r:id="rId18"/>
+    <p:sldId id="274" r:id="rId19"/>
+    <p:sldId id="275" r:id="rId20"/>
+    <p:sldId id="273" r:id="rId21"/>
+    <p:sldId id="263" r:id="rId22"/>
+    <p:sldId id="264" r:id="rId23"/>
+    <p:sldId id="265" r:id="rId24"/>
+    <p:sldId id="277" r:id="rId25"/>
+    <p:sldId id="266" r:id="rId26"/>
+    <p:sldId id="269" r:id="rId27"/>
+    <p:sldId id="267" r:id="rId28"/>
   </p:sldIdLst>
   <p:sldSz cx="12192000" cy="6858000"/>
   <p:notesSz cx="6858000" cy="9144000"/>
@@ -136,10 +139,6 @@
     </p:ext>
   </p:extLst>
 </p:presentation>
-</file>
-
-<file path=ppt/revisionInfo.xml><?xml version="1.0" encoding="utf-8"?>
-<p1510:revInfo xmlns:a="http://schemas.openxmlformats.org/drawingml/2006/main" xmlns:r="http://schemas.openxmlformats.org/officeDocument/2006/relationships" xmlns:p1510="http://schemas.microsoft.com/office/powerpoint/2015/10/main"/>
 </file>
 
 <file path=ppt/diagrams/colors1.xml><?xml version="1.0" encoding="utf-8"?>
@@ -6492,7 +6491,7 @@
           <a:p>
             <a:fld id="{33CE4371-0E50-4EEC-AC15-0ABAB1E82AE7}" type="datetimeFigureOut">
               <a:rPr lang="en-US" smtClean="0"/>
-              <a:t>10/14/2017</a:t>
+              <a:t>10/4/2018</a:t>
             </a:fld>
             <a:endParaRPr lang="en-US"/>
           </a:p>
@@ -6951,7 +6950,7 @@
             <a:fld id="{B61BEF0D-F0BB-DE4B-95CE-6DB70DBA9567}" type="datetimeFigureOut">
               <a:rPr lang="en-US" dirty="0"/>
               <a:pPr/>
-              <a:t>10/14/2017</a:t>
+              <a:t>10/4/2018</a:t>
             </a:fld>
             <a:endParaRPr lang="en-US" dirty="0"/>
           </a:p>
@@ -7384,7 +7383,7 @@
             <a:fld id="{B61BEF0D-F0BB-DE4B-95CE-6DB70DBA9567}" type="datetimeFigureOut">
               <a:rPr lang="en-US" dirty="0"/>
               <a:pPr/>
-              <a:t>10/14/2017</a:t>
+              <a:t>10/4/2018</a:t>
             </a:fld>
             <a:endParaRPr lang="en-US" dirty="0"/>
           </a:p>
@@ -7631,7 +7630,7 @@
             <a:fld id="{B61BEF0D-F0BB-DE4B-95CE-6DB70DBA9567}" type="datetimeFigureOut">
               <a:rPr lang="en-US" dirty="0"/>
               <a:pPr/>
-              <a:t>10/14/2017</a:t>
+              <a:t>10/4/2018</a:t>
             </a:fld>
             <a:endParaRPr lang="en-US" dirty="0"/>
           </a:p>
@@ -7936,7 +7935,7 @@
             <a:fld id="{B61BEF0D-F0BB-DE4B-95CE-6DB70DBA9567}" type="datetimeFigureOut">
               <a:rPr lang="en-US" dirty="0"/>
               <a:pPr/>
-              <a:t>10/14/2017</a:t>
+              <a:t>10/4/2018</a:t>
             </a:fld>
             <a:endParaRPr lang="en-US" dirty="0"/>
           </a:p>
@@ -8251,7 +8250,7 @@
             <a:fld id="{B61BEF0D-F0BB-DE4B-95CE-6DB70DBA9567}" type="datetimeFigureOut">
               <a:rPr lang="en-US" dirty="0"/>
               <a:pPr/>
-              <a:t>10/14/2017</a:t>
+              <a:t>10/4/2018</a:t>
             </a:fld>
             <a:endParaRPr lang="en-US" dirty="0"/>
           </a:p>
@@ -8550,7 +8549,7 @@
             <a:fld id="{B61BEF0D-F0BB-DE4B-95CE-6DB70DBA9567}" type="datetimeFigureOut">
               <a:rPr lang="en-US" dirty="0"/>
               <a:pPr/>
-              <a:t>10/14/2017</a:t>
+              <a:t>10/4/2018</a:t>
             </a:fld>
             <a:endParaRPr lang="en-US" dirty="0"/>
           </a:p>
@@ -8914,7 +8913,7 @@
             <a:fld id="{B61BEF0D-F0BB-DE4B-95CE-6DB70DBA9567}" type="datetimeFigureOut">
               <a:rPr lang="en-US" dirty="0"/>
               <a:pPr/>
-              <a:t>10/14/2017</a:t>
+              <a:t>10/4/2018</a:t>
             </a:fld>
             <a:endParaRPr lang="en-US" dirty="0"/>
           </a:p>
@@ -9085,7 +9084,7 @@
             <a:fld id="{B61BEF0D-F0BB-DE4B-95CE-6DB70DBA9567}" type="datetimeFigureOut">
               <a:rPr lang="en-US" dirty="0"/>
               <a:pPr/>
-              <a:t>10/14/2017</a:t>
+              <a:t>10/4/2018</a:t>
             </a:fld>
             <a:endParaRPr lang="en-US" dirty="0"/>
           </a:p>
@@ -9262,7 +9261,7 @@
             <a:fld id="{B61BEF0D-F0BB-DE4B-95CE-6DB70DBA9567}" type="datetimeFigureOut">
               <a:rPr lang="en-US" dirty="0"/>
               <a:pPr/>
-              <a:t>10/14/2017</a:t>
+              <a:t>10/4/2018</a:t>
             </a:fld>
             <a:endParaRPr lang="en-US" dirty="0"/>
           </a:p>
@@ -9672,7 +9671,7 @@
             <a:fld id="{B61BEF0D-F0BB-DE4B-95CE-6DB70DBA9567}" type="datetimeFigureOut">
               <a:rPr lang="en-US" dirty="0"/>
               <a:pPr/>
-              <a:t>10/14/2017</a:t>
+              <a:t>10/4/2018</a:t>
             </a:fld>
             <a:endParaRPr lang="en-US" dirty="0"/>
           </a:p>
@@ -9919,7 +9918,7 @@
             <a:fld id="{B61BEF0D-F0BB-DE4B-95CE-6DB70DBA9567}" type="datetimeFigureOut">
               <a:rPr lang="en-US" dirty="0"/>
               <a:pPr/>
-              <a:t>10/14/2017</a:t>
+              <a:t>10/4/2018</a:t>
             </a:fld>
             <a:endParaRPr lang="en-US" dirty="0"/>
           </a:p>
@@ -10152,7 +10151,7 @@
             <a:fld id="{B61BEF0D-F0BB-DE4B-95CE-6DB70DBA9567}" type="datetimeFigureOut">
               <a:rPr lang="en-US" dirty="0"/>
               <a:pPr/>
-              <a:t>10/14/2017</a:t>
+              <a:t>10/4/2018</a:t>
             </a:fld>
             <a:endParaRPr lang="en-US" dirty="0"/>
           </a:p>
@@ -10531,7 +10530,7 @@
             <a:fld id="{B61BEF0D-F0BB-DE4B-95CE-6DB70DBA9567}" type="datetimeFigureOut">
               <a:rPr lang="en-US" dirty="0"/>
               <a:pPr/>
-              <a:t>10/14/2017</a:t>
+              <a:t>10/4/2018</a:t>
             </a:fld>
             <a:endParaRPr lang="en-US" dirty="0"/>
           </a:p>
@@ -10646,7 +10645,7 @@
             <a:fld id="{B61BEF0D-F0BB-DE4B-95CE-6DB70DBA9567}" type="datetimeFigureOut">
               <a:rPr lang="en-US" dirty="0"/>
               <a:pPr/>
-              <a:t>10/14/2017</a:t>
+              <a:t>10/4/2018</a:t>
             </a:fld>
             <a:endParaRPr lang="en-US" dirty="0"/>
           </a:p>
@@ -10738,7 +10737,7 @@
             <a:fld id="{B61BEF0D-F0BB-DE4B-95CE-6DB70DBA9567}" type="datetimeFigureOut">
               <a:rPr lang="en-US" dirty="0"/>
               <a:pPr/>
-              <a:t>10/14/2017</a:t>
+              <a:t>10/4/2018</a:t>
             </a:fld>
             <a:endParaRPr lang="en-US" dirty="0"/>
           </a:p>
@@ -10990,7 +10989,7 @@
             <a:fld id="{B61BEF0D-F0BB-DE4B-95CE-6DB70DBA9567}" type="datetimeFigureOut">
               <a:rPr lang="en-US" dirty="0"/>
               <a:pPr/>
-              <a:t>10/14/2017</a:t>
+              <a:t>10/4/2018</a:t>
             </a:fld>
             <a:endParaRPr lang="en-US" dirty="0"/>
           </a:p>
@@ -11270,7 +11269,7 @@
             <a:fld id="{B61BEF0D-F0BB-DE4B-95CE-6DB70DBA9567}" type="datetimeFigureOut">
               <a:rPr lang="en-US" dirty="0"/>
               <a:pPr/>
-              <a:t>10/14/2017</a:t>
+              <a:t>10/4/2018</a:t>
             </a:fld>
             <a:endParaRPr lang="en-US" dirty="0"/>
           </a:p>
@@ -11673,7 +11672,7 @@
             <a:fld id="{B61BEF0D-F0BB-DE4B-95CE-6DB70DBA9567}" type="datetimeFigureOut">
               <a:rPr lang="en-US" dirty="0"/>
               <a:pPr/>
-              <a:t>10/14/2017</a:t>
+              <a:t>10/4/2018</a:t>
             </a:fld>
             <a:endParaRPr lang="en-US" dirty="0"/>
           </a:p>
@@ -16881,6 +16880,118 @@
       </p:grpSpPr>
       <p:sp>
         <p:nvSpPr>
+          <p:cNvPr id="2" name="Title 1">
+            <a:extLst>
+              <a:ext uri="{FF2B5EF4-FFF2-40B4-BE49-F238E27FC236}">
+                <a16:creationId xmlns:a16="http://schemas.microsoft.com/office/drawing/2014/main" id="{61E38F25-ABC6-428C-8E92-F98007687B81}"/>
+              </a:ext>
+            </a:extLst>
+          </p:cNvPr>
+          <p:cNvSpPr>
+            <a:spLocks noGrp="1"/>
+          </p:cNvSpPr>
+          <p:nvPr>
+            <p:ph type="title"/>
+          </p:nvPr>
+        </p:nvSpPr>
+        <p:spPr/>
+        <p:txBody>
+          <a:bodyPr>
+            <a:normAutofit/>
+          </a:bodyPr>
+          <a:lstStyle/>
+          <a:p>
+            <a:endParaRPr lang="en-US"/>
+          </a:p>
+        </p:txBody>
+      </p:sp>
+      <p:sp>
+        <p:nvSpPr>
+          <p:cNvPr id="3" name="Text Placeholder 2">
+            <a:extLst>
+              <a:ext uri="{FF2B5EF4-FFF2-40B4-BE49-F238E27FC236}">
+                <a16:creationId xmlns:a16="http://schemas.microsoft.com/office/drawing/2014/main" id="{C3DBB01D-822F-4848-A8B9-F0F6F39714D6}"/>
+              </a:ext>
+            </a:extLst>
+          </p:cNvPr>
+          <p:cNvSpPr>
+            <a:spLocks noGrp="1"/>
+          </p:cNvSpPr>
+          <p:nvPr>
+            <p:ph type="body" sz="quarter" idx="10"/>
+          </p:nvPr>
+        </p:nvSpPr>
+        <p:spPr/>
+        <p:txBody>
+          <a:bodyPr/>
+          <a:lstStyle/>
+          <a:p>
+            <a:endParaRPr lang="en-US"/>
+          </a:p>
+        </p:txBody>
+      </p:sp>
+      <p:pic>
+        <p:nvPicPr>
+          <p:cNvPr id="4" name="Picture 3">
+            <a:extLst>
+              <a:ext uri="{FF2B5EF4-FFF2-40B4-BE49-F238E27FC236}">
+                <a16:creationId xmlns:a16="http://schemas.microsoft.com/office/drawing/2014/main" id="{BA4E5F24-56F4-4763-95FC-A3E857532947}"/>
+              </a:ext>
+            </a:extLst>
+          </p:cNvPr>
+          <p:cNvPicPr>
+            <a:picLocks noChangeAspect="1"/>
+          </p:cNvPicPr>
+          <p:nvPr/>
+        </p:nvPicPr>
+        <p:blipFill>
+          <a:blip r:embed="rId2"/>
+          <a:stretch>
+            <a:fillRect/>
+          </a:stretch>
+        </p:blipFill>
+        <p:spPr>
+          <a:xfrm>
+            <a:off x="1" y="0"/>
+            <a:ext cx="12192000" cy="6858000"/>
+          </a:xfrm>
+          <a:prstGeom prst="rect">
+            <a:avLst/>
+          </a:prstGeom>
+        </p:spPr>
+      </p:pic>
+    </p:spTree>
+    <p:extLst>
+      <p:ext uri="{BB962C8B-B14F-4D97-AF65-F5344CB8AC3E}">
+        <p14:creationId xmlns:p14="http://schemas.microsoft.com/office/powerpoint/2010/main" val="2493727201"/>
+      </p:ext>
+    </p:extLst>
+  </p:cSld>
+  <p:clrMapOvr>
+    <a:masterClrMapping/>
+  </p:clrMapOvr>
+</p:sld>
+</file>
+
+<file path=ppt/slides/slide12.xml><?xml version="1.0" encoding="utf-8"?>
+<p:sld xmlns:a="http://schemas.openxmlformats.org/drawingml/2006/main" xmlns:r="http://schemas.openxmlformats.org/officeDocument/2006/relationships" xmlns:p="http://schemas.openxmlformats.org/presentationml/2006/main">
+  <p:cSld>
+    <p:spTree>
+      <p:nvGrpSpPr>
+        <p:cNvPr id="1" name=""/>
+        <p:cNvGrpSpPr/>
+        <p:nvPr/>
+      </p:nvGrpSpPr>
+      <p:grpSpPr>
+        <a:xfrm>
+          <a:off x="0" y="0"/>
+          <a:ext cx="0" cy="0"/>
+          <a:chOff x="0" y="0"/>
+          <a:chExt cx="0" cy="0"/>
+        </a:xfrm>
+      </p:grpSpPr>
+      <p:sp>
+        <p:nvSpPr>
           <p:cNvPr id="6" name="Title 5">
             <a:extLst>
               <a:ext uri="{FF2B5EF4-FFF2-40B4-BE49-F238E27FC236}">
@@ -16925,8 +17036,8 @@
         </p:nvSpPr>
         <p:spPr>
           <a:xfrm>
-            <a:off x="684212" y="685800"/>
-            <a:ext cx="10232604" cy="3615267"/>
+            <a:off x="979698" y="0"/>
+            <a:ext cx="10232604" cy="4961467"/>
           </a:xfrm>
         </p:spPr>
         <p:txBody>
@@ -16936,24 +17047,6 @@
           <a:lstStyle/>
           <a:p>
             <a:r>
-              <a:rPr lang="en-US" strike="sngStrike" dirty="0">
-                <a:solidFill>
-                  <a:srgbClr val="002060"/>
-                </a:solidFill>
-              </a:rPr>
-              <a:t>Preview not shipping until after Core 2.0  </a:t>
-            </a:r>
-            <a:r>
-              <a:rPr lang="en-US" dirty="0">
-                <a:solidFill>
-                  <a:srgbClr val="002060"/>
-                </a:solidFill>
-              </a:rPr>
-              <a:t>Currently 1.0.0-alpha1-final </a:t>
-            </a:r>
-          </a:p>
-          <a:p>
-            <a:r>
               <a:rPr lang="en-US" dirty="0"/>
               <a:t>Replacing </a:t>
             </a:r>
@@ -16998,7 +17091,7 @@
           <a:p>
             <a:r>
               <a:rPr lang="en-US" dirty="0"/>
-              <a:t>New client libraries (swift)</a:t>
+              <a:t>New client libraries </a:t>
             </a:r>
           </a:p>
           <a:p>
@@ -17007,38 +17100,18 @@
               <a:t>Binary data support</a:t>
             </a:r>
           </a:p>
-        </p:txBody>
-      </p:sp>
-      <p:sp>
-        <p:nvSpPr>
-          <p:cNvPr id="8" name="Rectangle 7">
-            <a:extLst>
-              <a:ext uri="{FF2B5EF4-FFF2-40B4-BE49-F238E27FC236}">
-                <a16:creationId xmlns:a16="http://schemas.microsoft.com/office/drawing/2014/main" id="{D948FF9B-25F6-4B05-B562-2ADF2346444C}"/>
-              </a:ext>
-            </a:extLst>
-          </p:cNvPr>
-          <p:cNvSpPr/>
-          <p:nvPr/>
-        </p:nvSpPr>
-        <p:spPr>
-          <a:xfrm>
-            <a:off x="1945621" y="6488668"/>
-            <a:ext cx="6011582" cy="369332"/>
-          </a:xfrm>
-          <a:prstGeom prst="rect">
-            <a:avLst/>
-          </a:prstGeom>
-        </p:spPr>
-        <p:txBody>
-          <a:bodyPr wrap="none">
-            <a:spAutoFit/>
-          </a:bodyPr>
-          <a:lstStyle/>
           <a:p>
             <a:r>
               <a:rPr lang="en-US" dirty="0"/>
-              <a:t>http://channel9.msdn.com/Events/Build/2017/B8078</a:t>
+              <a:t>Azure </a:t>
+            </a:r>
+            <a:r>
+              <a:rPr lang="en-US" dirty="0" err="1"/>
+              <a:t>SignalR</a:t>
+            </a:r>
+            <a:r>
+              <a:rPr lang="en-US" dirty="0"/>
+              <a:t> Service</a:t>
             </a:r>
           </a:p>
         </p:txBody>
@@ -17046,7 +17119,7 @@
     </p:spTree>
     <p:extLst>
       <p:ext uri="{BB962C8B-B14F-4D97-AF65-F5344CB8AC3E}">
-        <p14:creationId xmlns:p14="http://schemas.microsoft.com/office/powerpoint/2010/main" val="1405017852"/>
+        <p14:creationId xmlns:p14="http://schemas.microsoft.com/office/powerpoint/2010/main" val="853036148"/>
       </p:ext>
     </p:extLst>
   </p:cSld>
@@ -17056,7 +17129,7 @@
 </p:sld>
 </file>
 
-<file path=ppt/slides/slide12.xml><?xml version="1.0" encoding="utf-8"?>
+<file path=ppt/slides/slide13.xml><?xml version="1.0" encoding="utf-8"?>
 <p:sld xmlns:a="http://schemas.openxmlformats.org/drawingml/2006/main" xmlns:r="http://schemas.openxmlformats.org/officeDocument/2006/relationships" xmlns:p="http://schemas.openxmlformats.org/presentationml/2006/main">
   <p:cSld>
     <p:spTree>
@@ -17117,6 +17190,271 @@
     </p:spTree>
     <p:extLst>
       <p:ext uri="{BB962C8B-B14F-4D97-AF65-F5344CB8AC3E}">
+        <p14:creationId xmlns:p14="http://schemas.microsoft.com/office/powerpoint/2010/main" val="1149696831"/>
+      </p:ext>
+    </p:extLst>
+  </p:cSld>
+  <p:clrMapOvr>
+    <a:masterClrMapping/>
+  </p:clrMapOvr>
+</p:sld>
+</file>
+
+<file path=ppt/slides/slide14.xml><?xml version="1.0" encoding="utf-8"?>
+<p:sld xmlns:a="http://schemas.openxmlformats.org/drawingml/2006/main" xmlns:r="http://schemas.openxmlformats.org/officeDocument/2006/relationships" xmlns:p="http://schemas.openxmlformats.org/presentationml/2006/main">
+  <p:cSld>
+    <p:spTree>
+      <p:nvGrpSpPr>
+        <p:cNvPr id="1" name=""/>
+        <p:cNvGrpSpPr/>
+        <p:nvPr/>
+      </p:nvGrpSpPr>
+      <p:grpSpPr>
+        <a:xfrm>
+          <a:off x="0" y="0"/>
+          <a:ext cx="0" cy="0"/>
+          <a:chOff x="0" y="0"/>
+          <a:chExt cx="0" cy="0"/>
+        </a:xfrm>
+      </p:grpSpPr>
+      <p:sp>
+        <p:nvSpPr>
+          <p:cNvPr id="6" name="Title 5">
+            <a:extLst>
+              <a:ext uri="{FF2B5EF4-FFF2-40B4-BE49-F238E27FC236}">
+                <a16:creationId xmlns:a16="http://schemas.microsoft.com/office/drawing/2014/main" id="{0E33F0F9-4EF9-4D2B-8BEE-1222CA4E5DFA}"/>
+              </a:ext>
+            </a:extLst>
+          </p:cNvPr>
+          <p:cNvSpPr>
+            <a:spLocks noGrp="1"/>
+          </p:cNvSpPr>
+          <p:nvPr>
+            <p:ph type="title"/>
+          </p:nvPr>
+        </p:nvSpPr>
+        <p:spPr/>
+        <p:txBody>
+          <a:bodyPr/>
+          <a:lstStyle/>
+          <a:p>
+            <a:r>
+              <a:rPr lang="en-US" dirty="0"/>
+              <a:t>SignalR Core</a:t>
+            </a:r>
+          </a:p>
+        </p:txBody>
+      </p:sp>
+      <p:sp>
+        <p:nvSpPr>
+          <p:cNvPr id="7" name="Content Placeholder 6">
+            <a:extLst>
+              <a:ext uri="{FF2B5EF4-FFF2-40B4-BE49-F238E27FC236}">
+                <a16:creationId xmlns:a16="http://schemas.microsoft.com/office/drawing/2014/main" id="{984E2B6B-0923-4C8C-B74B-ECD95F03DE35}"/>
+              </a:ext>
+            </a:extLst>
+          </p:cNvPr>
+          <p:cNvSpPr>
+            <a:spLocks noGrp="1"/>
+          </p:cNvSpPr>
+          <p:nvPr>
+            <p:ph idx="1"/>
+          </p:nvPr>
+        </p:nvSpPr>
+        <p:spPr>
+          <a:xfrm>
+            <a:off x="684212" y="685800"/>
+            <a:ext cx="10232604" cy="3615267"/>
+          </a:xfrm>
+        </p:spPr>
+        <p:txBody>
+          <a:bodyPr>
+            <a:normAutofit/>
+          </a:bodyPr>
+          <a:lstStyle/>
+          <a:p>
+            <a:r>
+              <a:rPr lang="en-US" strike="sngStrike" dirty="0">
+                <a:solidFill>
+                  <a:srgbClr val="002060"/>
+                </a:solidFill>
+              </a:rPr>
+              <a:t>Preview not shipping until after Core 2.0  </a:t>
+            </a:r>
+            <a:r>
+              <a:rPr lang="en-US" dirty="0">
+                <a:solidFill>
+                  <a:srgbClr val="002060"/>
+                </a:solidFill>
+              </a:rPr>
+              <a:t>Currently 1.0.0-alpha1-final </a:t>
+            </a:r>
+          </a:p>
+          <a:p>
+            <a:r>
+              <a:rPr lang="en-US" dirty="0"/>
+              <a:t>Replacing </a:t>
+            </a:r>
+            <a:r>
+              <a:rPr lang="en-US" dirty="0" err="1"/>
+              <a:t>GlobalHost</a:t>
+            </a:r>
+            <a:r>
+              <a:rPr lang="en-US" dirty="0"/>
+              <a:t> with DI</a:t>
+            </a:r>
+          </a:p>
+          <a:p>
+            <a:r>
+              <a:rPr lang="en-US" dirty="0"/>
+              <a:t>Additional transports (Not just HTTP)</a:t>
+            </a:r>
+          </a:p>
+          <a:p>
+            <a:r>
+              <a:rPr lang="en-US" dirty="0"/>
+              <a:t>Remove jQuery dependency</a:t>
+            </a:r>
+          </a:p>
+          <a:p>
+            <a:r>
+              <a:rPr lang="en-US" dirty="0"/>
+              <a:t>Drop </a:t>
+            </a:r>
+            <a:r>
+              <a:rPr lang="en-US" dirty="0" err="1"/>
+              <a:t>ForeverFrame</a:t>
+            </a:r>
+            <a:endParaRPr lang="en-US" dirty="0"/>
+          </a:p>
+          <a:p>
+            <a:r>
+              <a:rPr lang="en-US" dirty="0"/>
+              <a:t>Separate connection by hub</a:t>
+            </a:r>
+          </a:p>
+          <a:p>
+            <a:r>
+              <a:rPr lang="en-US" dirty="0"/>
+              <a:t>New client libraries (swift)</a:t>
+            </a:r>
+          </a:p>
+          <a:p>
+            <a:r>
+              <a:rPr lang="en-US" dirty="0"/>
+              <a:t>Binary data support</a:t>
+            </a:r>
+          </a:p>
+        </p:txBody>
+      </p:sp>
+      <p:sp>
+        <p:nvSpPr>
+          <p:cNvPr id="8" name="Rectangle 7">
+            <a:extLst>
+              <a:ext uri="{FF2B5EF4-FFF2-40B4-BE49-F238E27FC236}">
+                <a16:creationId xmlns:a16="http://schemas.microsoft.com/office/drawing/2014/main" id="{D948FF9B-25F6-4B05-B562-2ADF2346444C}"/>
+              </a:ext>
+            </a:extLst>
+          </p:cNvPr>
+          <p:cNvSpPr/>
+          <p:nvPr/>
+        </p:nvSpPr>
+        <p:spPr>
+          <a:xfrm>
+            <a:off x="1945621" y="6488668"/>
+            <a:ext cx="6011582" cy="369332"/>
+          </a:xfrm>
+          <a:prstGeom prst="rect">
+            <a:avLst/>
+          </a:prstGeom>
+        </p:spPr>
+        <p:txBody>
+          <a:bodyPr wrap="none">
+            <a:spAutoFit/>
+          </a:bodyPr>
+          <a:lstStyle/>
+          <a:p>
+            <a:r>
+              <a:rPr lang="en-US" dirty="0"/>
+              <a:t>http://channel9.msdn.com/Events/Build/2017/B8078</a:t>
+            </a:r>
+          </a:p>
+        </p:txBody>
+      </p:sp>
+    </p:spTree>
+    <p:extLst>
+      <p:ext uri="{BB962C8B-B14F-4D97-AF65-F5344CB8AC3E}">
+        <p14:creationId xmlns:p14="http://schemas.microsoft.com/office/powerpoint/2010/main" val="1405017852"/>
+      </p:ext>
+    </p:extLst>
+  </p:cSld>
+  <p:clrMapOvr>
+    <a:masterClrMapping/>
+  </p:clrMapOvr>
+</p:sld>
+</file>
+
+<file path=ppt/slides/slide15.xml><?xml version="1.0" encoding="utf-8"?>
+<p:sld xmlns:a="http://schemas.openxmlformats.org/drawingml/2006/main" xmlns:r="http://schemas.openxmlformats.org/officeDocument/2006/relationships" xmlns:p="http://schemas.openxmlformats.org/presentationml/2006/main">
+  <p:cSld>
+    <p:spTree>
+      <p:nvGrpSpPr>
+        <p:cNvPr id="1" name=""/>
+        <p:cNvGrpSpPr/>
+        <p:nvPr/>
+      </p:nvGrpSpPr>
+      <p:grpSpPr>
+        <a:xfrm>
+          <a:off x="0" y="0"/>
+          <a:ext cx="0" cy="0"/>
+          <a:chOff x="0" y="0"/>
+          <a:chExt cx="0" cy="0"/>
+        </a:xfrm>
+      </p:grpSpPr>
+      <p:sp>
+        <p:nvSpPr>
+          <p:cNvPr id="2" name="Title 1"/>
+          <p:cNvSpPr>
+            <a:spLocks noGrp="1"/>
+          </p:cNvSpPr>
+          <p:nvPr>
+            <p:ph type="title"/>
+          </p:nvPr>
+        </p:nvSpPr>
+        <p:spPr/>
+        <p:txBody>
+          <a:bodyPr/>
+          <a:lstStyle/>
+          <a:p>
+            <a:r>
+              <a:rPr lang="en-US" dirty="0"/>
+              <a:t>SignalR Core Demo</a:t>
+            </a:r>
+          </a:p>
+        </p:txBody>
+      </p:sp>
+      <p:sp>
+        <p:nvSpPr>
+          <p:cNvPr id="3" name="Text Placeholder 2"/>
+          <p:cNvSpPr>
+            <a:spLocks noGrp="1"/>
+          </p:cNvSpPr>
+          <p:nvPr>
+            <p:ph type="body" idx="1"/>
+          </p:nvPr>
+        </p:nvSpPr>
+        <p:spPr/>
+        <p:txBody>
+          <a:bodyPr/>
+          <a:lstStyle/>
+          <a:p>
+            <a:endParaRPr lang="en-US"/>
+          </a:p>
+        </p:txBody>
+      </p:sp>
+    </p:spTree>
+    <p:extLst>
+      <p:ext uri="{BB962C8B-B14F-4D97-AF65-F5344CB8AC3E}">
         <p14:creationId xmlns:p14="http://schemas.microsoft.com/office/powerpoint/2010/main" val="2975242036"/>
       </p:ext>
     </p:extLst>
@@ -17127,7 +17465,7 @@
 </p:sld>
 </file>
 
-<file path=ppt/slides/slide13.xml><?xml version="1.0" encoding="utf-8"?>
+<file path=ppt/slides/slide16.xml><?xml version="1.0" encoding="utf-8"?>
 <p:sld xmlns:a="http://schemas.openxmlformats.org/drawingml/2006/main" xmlns:r="http://schemas.openxmlformats.org/officeDocument/2006/relationships" xmlns:p="http://schemas.openxmlformats.org/presentationml/2006/main">
   <p:cSld>
     <p:spTree>
@@ -17380,7 +17718,7 @@
 </p:sld>
 </file>
 
-<file path=ppt/slides/slide14.xml><?xml version="1.0" encoding="utf-8"?>
+<file path=ppt/slides/slide17.xml><?xml version="1.0" encoding="utf-8"?>
 <p:sld xmlns:a="http://schemas.openxmlformats.org/drawingml/2006/main" xmlns:r="http://schemas.openxmlformats.org/officeDocument/2006/relationships" xmlns:p="http://schemas.openxmlformats.org/presentationml/2006/main">
   <p:cSld>
     <p:spTree>
@@ -18575,7 +18913,7 @@
 </p:sld>
 </file>
 
-<file path=ppt/slides/slide15.xml><?xml version="1.0" encoding="utf-8"?>
+<file path=ppt/slides/slide18.xml><?xml version="1.0" encoding="utf-8"?>
 <p:sld xmlns:a="http://schemas.openxmlformats.org/drawingml/2006/main" xmlns:r="http://schemas.openxmlformats.org/officeDocument/2006/relationships" xmlns:p="http://schemas.openxmlformats.org/presentationml/2006/main">
   <p:cSld>
     <p:spTree>
@@ -18736,7 +19074,7 @@
 </p:sld>
 </file>
 
-<file path=ppt/slides/slide16.xml><?xml version="1.0" encoding="utf-8"?>
+<file path=ppt/slides/slide19.xml><?xml version="1.0" encoding="utf-8"?>
 <p:sld xmlns:a="http://schemas.openxmlformats.org/drawingml/2006/main" xmlns:r="http://schemas.openxmlformats.org/officeDocument/2006/relationships" xmlns:p="http://schemas.openxmlformats.org/presentationml/2006/main">
   <p:cSld>
     <p:spTree>
@@ -19618,7 +19956,7 @@
 </p:sld>
 </file>
 
-<file path=ppt/slides/slide17.xml><?xml version="1.0" encoding="utf-8"?>
+<file path=ppt/slides/slide2.xml><?xml version="1.0" encoding="utf-8"?>
 <p:sld xmlns:a="http://schemas.openxmlformats.org/drawingml/2006/main" xmlns:r="http://schemas.openxmlformats.org/officeDocument/2006/relationships" xmlns:p="http://schemas.openxmlformats.org/presentationml/2006/main">
   <p:cSld>
     <p:spTree>
@@ -19652,6 +19990,491 @@
           <a:p>
             <a:r>
               <a:rPr lang="en-US" dirty="0"/>
+              <a:t>Problems with Pull - Web</a:t>
+            </a:r>
+          </a:p>
+        </p:txBody>
+      </p:sp>
+      <p:pic>
+        <p:nvPicPr>
+          <p:cNvPr id="5" name="Content Placeholder 4"/>
+          <p:cNvPicPr>
+            <a:picLocks noGrp="1" noChangeAspect="1"/>
+          </p:cNvPicPr>
+          <p:nvPr>
+            <p:ph idx="1"/>
+          </p:nvPr>
+        </p:nvPicPr>
+        <p:blipFill>
+          <a:blip r:embed="rId2">
+            <a:extLst>
+              <a:ext uri="{28A0092B-C50C-407E-A947-70E740481C1C}">
+                <a14:useLocalDpi xmlns:a14="http://schemas.microsoft.com/office/drawing/2010/main" val="0"/>
+              </a:ext>
+            </a:extLst>
+          </a:blip>
+          <a:stretch>
+            <a:fillRect/>
+          </a:stretch>
+        </p:blipFill>
+        <p:spPr>
+          <a:xfrm flipH="1">
+            <a:off x="627612" y="1654270"/>
+            <a:ext cx="1714500" cy="1714500"/>
+          </a:xfrm>
+        </p:spPr>
+      </p:pic>
+      <p:pic>
+        <p:nvPicPr>
+          <p:cNvPr id="6" name="Picture 5"/>
+          <p:cNvPicPr>
+            <a:picLocks noChangeAspect="1"/>
+          </p:cNvPicPr>
+          <p:nvPr/>
+        </p:nvPicPr>
+        <p:blipFill>
+          <a:blip r:embed="rId3">
+            <a:extLst>
+              <a:ext uri="{28A0092B-C50C-407E-A947-70E740481C1C}">
+                <a14:useLocalDpi xmlns:a14="http://schemas.microsoft.com/office/drawing/2010/main" val="0"/>
+              </a:ext>
+            </a:extLst>
+          </a:blip>
+          <a:stretch>
+            <a:fillRect/>
+          </a:stretch>
+        </p:blipFill>
+        <p:spPr>
+          <a:xfrm>
+            <a:off x="9395970" y="1708836"/>
+            <a:ext cx="1714500" cy="1714500"/>
+          </a:xfrm>
+          <a:prstGeom prst="rect">
+            <a:avLst/>
+          </a:prstGeom>
+        </p:spPr>
+      </p:pic>
+      <p:sp>
+        <p:nvSpPr>
+          <p:cNvPr id="7" name="Right Arrow 6"/>
+          <p:cNvSpPr/>
+          <p:nvPr/>
+        </p:nvSpPr>
+        <p:spPr>
+          <a:xfrm>
+            <a:off x="3374796" y="2036315"/>
+            <a:ext cx="5250730" cy="484632"/>
+          </a:xfrm>
+          <a:prstGeom prst="rightArrow">
+            <a:avLst/>
+          </a:prstGeom>
+        </p:spPr>
+        <p:style>
+          <a:lnRef idx="2">
+            <a:schemeClr val="accent1">
+              <a:shade val="50000"/>
+            </a:schemeClr>
+          </a:lnRef>
+          <a:fillRef idx="1">
+            <a:schemeClr val="accent1"/>
+          </a:fillRef>
+          <a:effectRef idx="0">
+            <a:schemeClr val="accent1"/>
+          </a:effectRef>
+          <a:fontRef idx="minor">
+            <a:schemeClr val="lt1"/>
+          </a:fontRef>
+        </p:style>
+        <p:txBody>
+          <a:bodyPr rtlCol="0" anchor="ctr"/>
+          <a:lstStyle/>
+          <a:p>
+            <a:pPr algn="ctr"/>
+            <a:endParaRPr lang="en-US"/>
+          </a:p>
+        </p:txBody>
+      </p:sp>
+      <p:sp>
+        <p:nvSpPr>
+          <p:cNvPr id="8" name="Right Arrow 7"/>
+          <p:cNvSpPr/>
+          <p:nvPr/>
+        </p:nvSpPr>
+        <p:spPr>
+          <a:xfrm flipH="1">
+            <a:off x="3374795" y="2520947"/>
+            <a:ext cx="5250730" cy="484632"/>
+          </a:xfrm>
+          <a:prstGeom prst="rightArrow">
+            <a:avLst/>
+          </a:prstGeom>
+        </p:spPr>
+        <p:style>
+          <a:lnRef idx="2">
+            <a:schemeClr val="accent1">
+              <a:shade val="50000"/>
+            </a:schemeClr>
+          </a:lnRef>
+          <a:fillRef idx="1">
+            <a:schemeClr val="accent1"/>
+          </a:fillRef>
+          <a:effectRef idx="0">
+            <a:schemeClr val="accent1"/>
+          </a:effectRef>
+          <a:fontRef idx="minor">
+            <a:schemeClr val="lt1"/>
+          </a:fontRef>
+        </p:style>
+        <p:txBody>
+          <a:bodyPr rtlCol="0" anchor="ctr"/>
+          <a:lstStyle/>
+          <a:p>
+            <a:pPr algn="ctr"/>
+            <a:endParaRPr lang="en-US"/>
+          </a:p>
+        </p:txBody>
+      </p:sp>
+      <p:sp>
+        <p:nvSpPr>
+          <p:cNvPr id="4" name="Cloud 3"/>
+          <p:cNvSpPr/>
+          <p:nvPr/>
+        </p:nvSpPr>
+        <p:spPr>
+          <a:xfrm>
+            <a:off x="4653960" y="1654270"/>
+            <a:ext cx="2783788" cy="1714500"/>
+          </a:xfrm>
+          <a:prstGeom prst="cloud">
+            <a:avLst/>
+          </a:prstGeom>
+          <a:solidFill>
+            <a:schemeClr val="tx1"/>
+          </a:solidFill>
+          <a:ln>
+            <a:noFill/>
+          </a:ln>
+          <a:effectLst>
+            <a:outerShdw blurRad="44450" dist="27940" dir="5400000" algn="ctr">
+              <a:srgbClr val="000000">
+                <a:alpha val="32000"/>
+              </a:srgbClr>
+            </a:outerShdw>
+          </a:effectLst>
+          <a:scene3d>
+            <a:camera prst="orthographicFront">
+              <a:rot lat="0" lon="0" rev="0"/>
+            </a:camera>
+            <a:lightRig rig="balanced" dir="t">
+              <a:rot lat="0" lon="0" rev="8700000"/>
+            </a:lightRig>
+          </a:scene3d>
+          <a:sp3d>
+            <a:bevelT w="190500" h="38100"/>
+          </a:sp3d>
+        </p:spPr>
+        <p:style>
+          <a:lnRef idx="2">
+            <a:schemeClr val="accent1">
+              <a:shade val="50000"/>
+            </a:schemeClr>
+          </a:lnRef>
+          <a:fillRef idx="1">
+            <a:schemeClr val="accent1"/>
+          </a:fillRef>
+          <a:effectRef idx="0">
+            <a:schemeClr val="accent1"/>
+          </a:effectRef>
+          <a:fontRef idx="minor">
+            <a:schemeClr val="lt1"/>
+          </a:fontRef>
+        </p:style>
+        <p:txBody>
+          <a:bodyPr rtlCol="0" anchor="ctr"/>
+          <a:lstStyle/>
+          <a:p>
+            <a:pPr algn="ctr"/>
+            <a:endParaRPr lang="en-US"/>
+          </a:p>
+        </p:txBody>
+      </p:sp>
+    </p:spTree>
+    <p:extLst>
+      <p:ext uri="{BB962C8B-B14F-4D97-AF65-F5344CB8AC3E}">
+        <p14:creationId xmlns:p14="http://schemas.microsoft.com/office/powerpoint/2010/main" val="1870183108"/>
+      </p:ext>
+    </p:extLst>
+  </p:cSld>
+  <p:clrMapOvr>
+    <a:masterClrMapping/>
+  </p:clrMapOvr>
+  <p:timing>
+    <p:tnLst>
+      <p:par>
+        <p:cTn id="1" dur="indefinite" restart="never" nodeType="tmRoot">
+          <p:childTnLst>
+            <p:seq concurrent="1" nextAc="seek">
+              <p:cTn id="2" dur="indefinite" nodeType="mainSeq">
+                <p:childTnLst>
+                  <p:par>
+                    <p:cTn id="3" fill="hold">
+                      <p:stCondLst>
+                        <p:cond delay="indefinite"/>
+                      </p:stCondLst>
+                      <p:childTnLst>
+                        <p:par>
+                          <p:cTn id="4" fill="hold">
+                            <p:stCondLst>
+                              <p:cond delay="0"/>
+                            </p:stCondLst>
+                            <p:childTnLst>
+                              <p:par>
+                                <p:cTn id="5" presetID="22" presetClass="entr" presetSubtype="8" fill="hold" grpId="0" nodeType="clickEffect">
+                                  <p:stCondLst>
+                                    <p:cond delay="0"/>
+                                  </p:stCondLst>
+                                  <p:childTnLst>
+                                    <p:set>
+                                      <p:cBhvr>
+                                        <p:cTn id="6" dur="1" fill="hold">
+                                          <p:stCondLst>
+                                            <p:cond delay="0"/>
+                                          </p:stCondLst>
+                                        </p:cTn>
+                                        <p:tgtEl>
+                                          <p:spTgt spid="7"/>
+                                        </p:tgtEl>
+                                        <p:attrNameLst>
+                                          <p:attrName>style.visibility</p:attrName>
+                                        </p:attrNameLst>
+                                      </p:cBhvr>
+                                      <p:to>
+                                        <p:strVal val="visible"/>
+                                      </p:to>
+                                    </p:set>
+                                    <p:animEffect transition="in" filter="wipe(left)">
+                                      <p:cBhvr>
+                                        <p:cTn id="7" dur="500"/>
+                                        <p:tgtEl>
+                                          <p:spTgt spid="7"/>
+                                        </p:tgtEl>
+                                      </p:cBhvr>
+                                    </p:animEffect>
+                                  </p:childTnLst>
+                                </p:cTn>
+                              </p:par>
+                            </p:childTnLst>
+                          </p:cTn>
+                        </p:par>
+                        <p:par>
+                          <p:cTn id="8" fill="hold">
+                            <p:stCondLst>
+                              <p:cond delay="500"/>
+                            </p:stCondLst>
+                            <p:childTnLst>
+                              <p:par>
+                                <p:cTn id="9" presetID="22" presetClass="exit" presetSubtype="8" fill="hold" grpId="1" nodeType="afterEffect">
+                                  <p:stCondLst>
+                                    <p:cond delay="0"/>
+                                  </p:stCondLst>
+                                  <p:childTnLst>
+                                    <p:animEffect transition="out" filter="wipe(left)">
+                                      <p:cBhvr>
+                                        <p:cTn id="10" dur="500"/>
+                                        <p:tgtEl>
+                                          <p:spTgt spid="7"/>
+                                        </p:tgtEl>
+                                      </p:cBhvr>
+                                    </p:animEffect>
+                                    <p:set>
+                                      <p:cBhvr>
+                                        <p:cTn id="11" dur="1" fill="hold">
+                                          <p:stCondLst>
+                                            <p:cond delay="499"/>
+                                          </p:stCondLst>
+                                        </p:cTn>
+                                        <p:tgtEl>
+                                          <p:spTgt spid="7"/>
+                                        </p:tgtEl>
+                                        <p:attrNameLst>
+                                          <p:attrName>style.visibility</p:attrName>
+                                        </p:attrNameLst>
+                                      </p:cBhvr>
+                                      <p:to>
+                                        <p:strVal val="hidden"/>
+                                      </p:to>
+                                    </p:set>
+                                  </p:childTnLst>
+                                </p:cTn>
+                              </p:par>
+                            </p:childTnLst>
+                          </p:cTn>
+                        </p:par>
+                      </p:childTnLst>
+                    </p:cTn>
+                  </p:par>
+                  <p:par>
+                    <p:cTn id="12" fill="hold">
+                      <p:stCondLst>
+                        <p:cond delay="indefinite"/>
+                      </p:stCondLst>
+                      <p:childTnLst>
+                        <p:par>
+                          <p:cTn id="13" fill="hold">
+                            <p:stCondLst>
+                              <p:cond delay="0"/>
+                            </p:stCondLst>
+                            <p:childTnLst>
+                              <p:par>
+                                <p:cTn id="14" presetID="22" presetClass="entr" presetSubtype="2" fill="hold" grpId="0" nodeType="clickEffect">
+                                  <p:stCondLst>
+                                    <p:cond delay="0"/>
+                                  </p:stCondLst>
+                                  <p:childTnLst>
+                                    <p:set>
+                                      <p:cBhvr>
+                                        <p:cTn id="15" dur="1" fill="hold">
+                                          <p:stCondLst>
+                                            <p:cond delay="0"/>
+                                          </p:stCondLst>
+                                        </p:cTn>
+                                        <p:tgtEl>
+                                          <p:spTgt spid="8"/>
+                                        </p:tgtEl>
+                                        <p:attrNameLst>
+                                          <p:attrName>style.visibility</p:attrName>
+                                        </p:attrNameLst>
+                                      </p:cBhvr>
+                                      <p:to>
+                                        <p:strVal val="visible"/>
+                                      </p:to>
+                                    </p:set>
+                                    <p:animEffect transition="in" filter="wipe(right)">
+                                      <p:cBhvr>
+                                        <p:cTn id="16" dur="500"/>
+                                        <p:tgtEl>
+                                          <p:spTgt spid="8"/>
+                                        </p:tgtEl>
+                                      </p:cBhvr>
+                                    </p:animEffect>
+                                  </p:childTnLst>
+                                </p:cTn>
+                              </p:par>
+                            </p:childTnLst>
+                          </p:cTn>
+                        </p:par>
+                        <p:par>
+                          <p:cTn id="17" fill="hold">
+                            <p:stCondLst>
+                              <p:cond delay="500"/>
+                            </p:stCondLst>
+                            <p:childTnLst>
+                              <p:par>
+                                <p:cTn id="18" presetID="22" presetClass="exit" presetSubtype="2" fill="hold" grpId="1" nodeType="afterEffect">
+                                  <p:stCondLst>
+                                    <p:cond delay="0"/>
+                                  </p:stCondLst>
+                                  <p:childTnLst>
+                                    <p:animEffect transition="out" filter="wipe(right)">
+                                      <p:cBhvr>
+                                        <p:cTn id="19" dur="500"/>
+                                        <p:tgtEl>
+                                          <p:spTgt spid="8"/>
+                                        </p:tgtEl>
+                                      </p:cBhvr>
+                                    </p:animEffect>
+                                    <p:set>
+                                      <p:cBhvr>
+                                        <p:cTn id="20" dur="1" fill="hold">
+                                          <p:stCondLst>
+                                            <p:cond delay="499"/>
+                                          </p:stCondLst>
+                                        </p:cTn>
+                                        <p:tgtEl>
+                                          <p:spTgt spid="8"/>
+                                        </p:tgtEl>
+                                        <p:attrNameLst>
+                                          <p:attrName>style.visibility</p:attrName>
+                                        </p:attrNameLst>
+                                      </p:cBhvr>
+                                      <p:to>
+                                        <p:strVal val="hidden"/>
+                                      </p:to>
+                                    </p:set>
+                                  </p:childTnLst>
+                                </p:cTn>
+                              </p:par>
+                            </p:childTnLst>
+                          </p:cTn>
+                        </p:par>
+                      </p:childTnLst>
+                    </p:cTn>
+                  </p:par>
+                </p:childTnLst>
+              </p:cTn>
+              <p:prevCondLst>
+                <p:cond evt="onPrev" delay="0">
+                  <p:tgtEl>
+                    <p:sldTgt/>
+                  </p:tgtEl>
+                </p:cond>
+              </p:prevCondLst>
+              <p:nextCondLst>
+                <p:cond evt="onNext" delay="0">
+                  <p:tgtEl>
+                    <p:sldTgt/>
+                  </p:tgtEl>
+                </p:cond>
+              </p:nextCondLst>
+            </p:seq>
+          </p:childTnLst>
+        </p:cTn>
+      </p:par>
+    </p:tnLst>
+    <p:bldLst>
+      <p:bldP spid="7" grpId="0" animBg="1"/>
+      <p:bldP spid="7" grpId="1" animBg="1"/>
+      <p:bldP spid="8" grpId="0" animBg="1"/>
+      <p:bldP spid="8" grpId="1" animBg="1"/>
+    </p:bldLst>
+  </p:timing>
+</p:sld>
+</file>
+
+<file path=ppt/slides/slide20.xml><?xml version="1.0" encoding="utf-8"?>
+<p:sld xmlns:a="http://schemas.openxmlformats.org/drawingml/2006/main" xmlns:r="http://schemas.openxmlformats.org/officeDocument/2006/relationships" xmlns:p="http://schemas.openxmlformats.org/presentationml/2006/main">
+  <p:cSld>
+    <p:spTree>
+      <p:nvGrpSpPr>
+        <p:cNvPr id="1" name=""/>
+        <p:cNvGrpSpPr/>
+        <p:nvPr/>
+      </p:nvGrpSpPr>
+      <p:grpSpPr>
+        <a:xfrm>
+          <a:off x="0" y="0"/>
+          <a:ext cx="0" cy="0"/>
+          <a:chOff x="0" y="0"/>
+          <a:chExt cx="0" cy="0"/>
+        </a:xfrm>
+      </p:grpSpPr>
+      <p:sp>
+        <p:nvSpPr>
+          <p:cNvPr id="2" name="Title 1"/>
+          <p:cNvSpPr>
+            <a:spLocks noGrp="1"/>
+          </p:cNvSpPr>
+          <p:nvPr>
+            <p:ph type="title"/>
+          </p:nvPr>
+        </p:nvSpPr>
+        <p:spPr/>
+        <p:txBody>
+          <a:bodyPr/>
+          <a:lstStyle/>
+          <a:p>
+            <a:r>
+              <a:rPr lang="en-US" dirty="0"/>
               <a:t>Rx Demo</a:t>
             </a:r>
           </a:p>
@@ -19689,7 +20512,7 @@
 </p:sld>
 </file>
 
-<file path=ppt/slides/slide18.xml><?xml version="1.0" encoding="utf-8"?>
+<file path=ppt/slides/slide21.xml><?xml version="1.0" encoding="utf-8"?>
 <p:sld xmlns:a="http://schemas.openxmlformats.org/drawingml/2006/main" xmlns:r="http://schemas.openxmlformats.org/officeDocument/2006/relationships" xmlns:p="http://schemas.openxmlformats.org/presentationml/2006/main">
   <p:cSld>
     <p:spTree>
@@ -22197,7 +23020,7 @@
 </p:sld>
 </file>
 
-<file path=ppt/slides/slide19.xml><?xml version="1.0" encoding="utf-8"?>
+<file path=ppt/slides/slide22.xml><?xml version="1.0" encoding="utf-8"?>
 <p:sld xmlns:a="http://schemas.openxmlformats.org/drawingml/2006/main" xmlns:r="http://schemas.openxmlformats.org/officeDocument/2006/relationships" xmlns:p="http://schemas.openxmlformats.org/presentationml/2006/main">
   <p:cSld>
     <p:spTree>
@@ -23504,492 +24327,7 @@
 </p:sld>
 </file>
 
-<file path=ppt/slides/slide2.xml><?xml version="1.0" encoding="utf-8"?>
-<p:sld xmlns:a="http://schemas.openxmlformats.org/drawingml/2006/main" xmlns:r="http://schemas.openxmlformats.org/officeDocument/2006/relationships" xmlns:p="http://schemas.openxmlformats.org/presentationml/2006/main">
-  <p:cSld>
-    <p:spTree>
-      <p:nvGrpSpPr>
-        <p:cNvPr id="1" name=""/>
-        <p:cNvGrpSpPr/>
-        <p:nvPr/>
-      </p:nvGrpSpPr>
-      <p:grpSpPr>
-        <a:xfrm>
-          <a:off x="0" y="0"/>
-          <a:ext cx="0" cy="0"/>
-          <a:chOff x="0" y="0"/>
-          <a:chExt cx="0" cy="0"/>
-        </a:xfrm>
-      </p:grpSpPr>
-      <p:sp>
-        <p:nvSpPr>
-          <p:cNvPr id="2" name="Title 1"/>
-          <p:cNvSpPr>
-            <a:spLocks noGrp="1"/>
-          </p:cNvSpPr>
-          <p:nvPr>
-            <p:ph type="title"/>
-          </p:nvPr>
-        </p:nvSpPr>
-        <p:spPr/>
-        <p:txBody>
-          <a:bodyPr/>
-          <a:lstStyle/>
-          <a:p>
-            <a:r>
-              <a:rPr lang="en-US" dirty="0"/>
-              <a:t>Problems with Pull - Web</a:t>
-            </a:r>
-          </a:p>
-        </p:txBody>
-      </p:sp>
-      <p:pic>
-        <p:nvPicPr>
-          <p:cNvPr id="5" name="Content Placeholder 4"/>
-          <p:cNvPicPr>
-            <a:picLocks noGrp="1" noChangeAspect="1"/>
-          </p:cNvPicPr>
-          <p:nvPr>
-            <p:ph idx="1"/>
-          </p:nvPr>
-        </p:nvPicPr>
-        <p:blipFill>
-          <a:blip r:embed="rId2">
-            <a:extLst>
-              <a:ext uri="{28A0092B-C50C-407E-A947-70E740481C1C}">
-                <a14:useLocalDpi xmlns:a14="http://schemas.microsoft.com/office/drawing/2010/main" val="0"/>
-              </a:ext>
-            </a:extLst>
-          </a:blip>
-          <a:stretch>
-            <a:fillRect/>
-          </a:stretch>
-        </p:blipFill>
-        <p:spPr>
-          <a:xfrm flipH="1">
-            <a:off x="627612" y="1654270"/>
-            <a:ext cx="1714500" cy="1714500"/>
-          </a:xfrm>
-        </p:spPr>
-      </p:pic>
-      <p:pic>
-        <p:nvPicPr>
-          <p:cNvPr id="6" name="Picture 5"/>
-          <p:cNvPicPr>
-            <a:picLocks noChangeAspect="1"/>
-          </p:cNvPicPr>
-          <p:nvPr/>
-        </p:nvPicPr>
-        <p:blipFill>
-          <a:blip r:embed="rId3">
-            <a:extLst>
-              <a:ext uri="{28A0092B-C50C-407E-A947-70E740481C1C}">
-                <a14:useLocalDpi xmlns:a14="http://schemas.microsoft.com/office/drawing/2010/main" val="0"/>
-              </a:ext>
-            </a:extLst>
-          </a:blip>
-          <a:stretch>
-            <a:fillRect/>
-          </a:stretch>
-        </p:blipFill>
-        <p:spPr>
-          <a:xfrm>
-            <a:off x="9395970" y="1708836"/>
-            <a:ext cx="1714500" cy="1714500"/>
-          </a:xfrm>
-          <a:prstGeom prst="rect">
-            <a:avLst/>
-          </a:prstGeom>
-        </p:spPr>
-      </p:pic>
-      <p:sp>
-        <p:nvSpPr>
-          <p:cNvPr id="7" name="Right Arrow 6"/>
-          <p:cNvSpPr/>
-          <p:nvPr/>
-        </p:nvSpPr>
-        <p:spPr>
-          <a:xfrm>
-            <a:off x="3374796" y="2036315"/>
-            <a:ext cx="5250730" cy="484632"/>
-          </a:xfrm>
-          <a:prstGeom prst="rightArrow">
-            <a:avLst/>
-          </a:prstGeom>
-        </p:spPr>
-        <p:style>
-          <a:lnRef idx="2">
-            <a:schemeClr val="accent1">
-              <a:shade val="50000"/>
-            </a:schemeClr>
-          </a:lnRef>
-          <a:fillRef idx="1">
-            <a:schemeClr val="accent1"/>
-          </a:fillRef>
-          <a:effectRef idx="0">
-            <a:schemeClr val="accent1"/>
-          </a:effectRef>
-          <a:fontRef idx="minor">
-            <a:schemeClr val="lt1"/>
-          </a:fontRef>
-        </p:style>
-        <p:txBody>
-          <a:bodyPr rtlCol="0" anchor="ctr"/>
-          <a:lstStyle/>
-          <a:p>
-            <a:pPr algn="ctr"/>
-            <a:endParaRPr lang="en-US"/>
-          </a:p>
-        </p:txBody>
-      </p:sp>
-      <p:sp>
-        <p:nvSpPr>
-          <p:cNvPr id="8" name="Right Arrow 7"/>
-          <p:cNvSpPr/>
-          <p:nvPr/>
-        </p:nvSpPr>
-        <p:spPr>
-          <a:xfrm flipH="1">
-            <a:off x="3374795" y="2520947"/>
-            <a:ext cx="5250730" cy="484632"/>
-          </a:xfrm>
-          <a:prstGeom prst="rightArrow">
-            <a:avLst/>
-          </a:prstGeom>
-        </p:spPr>
-        <p:style>
-          <a:lnRef idx="2">
-            <a:schemeClr val="accent1">
-              <a:shade val="50000"/>
-            </a:schemeClr>
-          </a:lnRef>
-          <a:fillRef idx="1">
-            <a:schemeClr val="accent1"/>
-          </a:fillRef>
-          <a:effectRef idx="0">
-            <a:schemeClr val="accent1"/>
-          </a:effectRef>
-          <a:fontRef idx="minor">
-            <a:schemeClr val="lt1"/>
-          </a:fontRef>
-        </p:style>
-        <p:txBody>
-          <a:bodyPr rtlCol="0" anchor="ctr"/>
-          <a:lstStyle/>
-          <a:p>
-            <a:pPr algn="ctr"/>
-            <a:endParaRPr lang="en-US"/>
-          </a:p>
-        </p:txBody>
-      </p:sp>
-      <p:sp>
-        <p:nvSpPr>
-          <p:cNvPr id="4" name="Cloud 3"/>
-          <p:cNvSpPr/>
-          <p:nvPr/>
-        </p:nvSpPr>
-        <p:spPr>
-          <a:xfrm>
-            <a:off x="4653960" y="1654270"/>
-            <a:ext cx="2783788" cy="1714500"/>
-          </a:xfrm>
-          <a:prstGeom prst="cloud">
-            <a:avLst/>
-          </a:prstGeom>
-          <a:solidFill>
-            <a:schemeClr val="tx1"/>
-          </a:solidFill>
-          <a:ln>
-            <a:noFill/>
-          </a:ln>
-          <a:effectLst>
-            <a:outerShdw blurRad="44450" dist="27940" dir="5400000" algn="ctr">
-              <a:srgbClr val="000000">
-                <a:alpha val="32000"/>
-              </a:srgbClr>
-            </a:outerShdw>
-          </a:effectLst>
-          <a:scene3d>
-            <a:camera prst="orthographicFront">
-              <a:rot lat="0" lon="0" rev="0"/>
-            </a:camera>
-            <a:lightRig rig="balanced" dir="t">
-              <a:rot lat="0" lon="0" rev="8700000"/>
-            </a:lightRig>
-          </a:scene3d>
-          <a:sp3d>
-            <a:bevelT w="190500" h="38100"/>
-          </a:sp3d>
-        </p:spPr>
-        <p:style>
-          <a:lnRef idx="2">
-            <a:schemeClr val="accent1">
-              <a:shade val="50000"/>
-            </a:schemeClr>
-          </a:lnRef>
-          <a:fillRef idx="1">
-            <a:schemeClr val="accent1"/>
-          </a:fillRef>
-          <a:effectRef idx="0">
-            <a:schemeClr val="accent1"/>
-          </a:effectRef>
-          <a:fontRef idx="minor">
-            <a:schemeClr val="lt1"/>
-          </a:fontRef>
-        </p:style>
-        <p:txBody>
-          <a:bodyPr rtlCol="0" anchor="ctr"/>
-          <a:lstStyle/>
-          <a:p>
-            <a:pPr algn="ctr"/>
-            <a:endParaRPr lang="en-US"/>
-          </a:p>
-        </p:txBody>
-      </p:sp>
-    </p:spTree>
-    <p:extLst>
-      <p:ext uri="{BB962C8B-B14F-4D97-AF65-F5344CB8AC3E}">
-        <p14:creationId xmlns:p14="http://schemas.microsoft.com/office/powerpoint/2010/main" val="1870183108"/>
-      </p:ext>
-    </p:extLst>
-  </p:cSld>
-  <p:clrMapOvr>
-    <a:masterClrMapping/>
-  </p:clrMapOvr>
-  <p:timing>
-    <p:tnLst>
-      <p:par>
-        <p:cTn id="1" dur="indefinite" restart="never" nodeType="tmRoot">
-          <p:childTnLst>
-            <p:seq concurrent="1" nextAc="seek">
-              <p:cTn id="2" dur="indefinite" nodeType="mainSeq">
-                <p:childTnLst>
-                  <p:par>
-                    <p:cTn id="3" fill="hold">
-                      <p:stCondLst>
-                        <p:cond delay="indefinite"/>
-                      </p:stCondLst>
-                      <p:childTnLst>
-                        <p:par>
-                          <p:cTn id="4" fill="hold">
-                            <p:stCondLst>
-                              <p:cond delay="0"/>
-                            </p:stCondLst>
-                            <p:childTnLst>
-                              <p:par>
-                                <p:cTn id="5" presetID="22" presetClass="entr" presetSubtype="8" fill="hold" grpId="0" nodeType="clickEffect">
-                                  <p:stCondLst>
-                                    <p:cond delay="0"/>
-                                  </p:stCondLst>
-                                  <p:childTnLst>
-                                    <p:set>
-                                      <p:cBhvr>
-                                        <p:cTn id="6" dur="1" fill="hold">
-                                          <p:stCondLst>
-                                            <p:cond delay="0"/>
-                                          </p:stCondLst>
-                                        </p:cTn>
-                                        <p:tgtEl>
-                                          <p:spTgt spid="7"/>
-                                        </p:tgtEl>
-                                        <p:attrNameLst>
-                                          <p:attrName>style.visibility</p:attrName>
-                                        </p:attrNameLst>
-                                      </p:cBhvr>
-                                      <p:to>
-                                        <p:strVal val="visible"/>
-                                      </p:to>
-                                    </p:set>
-                                    <p:animEffect transition="in" filter="wipe(left)">
-                                      <p:cBhvr>
-                                        <p:cTn id="7" dur="500"/>
-                                        <p:tgtEl>
-                                          <p:spTgt spid="7"/>
-                                        </p:tgtEl>
-                                      </p:cBhvr>
-                                    </p:animEffect>
-                                  </p:childTnLst>
-                                </p:cTn>
-                              </p:par>
-                            </p:childTnLst>
-                          </p:cTn>
-                        </p:par>
-                        <p:par>
-                          <p:cTn id="8" fill="hold">
-                            <p:stCondLst>
-                              <p:cond delay="500"/>
-                            </p:stCondLst>
-                            <p:childTnLst>
-                              <p:par>
-                                <p:cTn id="9" presetID="22" presetClass="exit" presetSubtype="8" fill="hold" grpId="1" nodeType="afterEffect">
-                                  <p:stCondLst>
-                                    <p:cond delay="0"/>
-                                  </p:stCondLst>
-                                  <p:childTnLst>
-                                    <p:animEffect transition="out" filter="wipe(left)">
-                                      <p:cBhvr>
-                                        <p:cTn id="10" dur="500"/>
-                                        <p:tgtEl>
-                                          <p:spTgt spid="7"/>
-                                        </p:tgtEl>
-                                      </p:cBhvr>
-                                    </p:animEffect>
-                                    <p:set>
-                                      <p:cBhvr>
-                                        <p:cTn id="11" dur="1" fill="hold">
-                                          <p:stCondLst>
-                                            <p:cond delay="499"/>
-                                          </p:stCondLst>
-                                        </p:cTn>
-                                        <p:tgtEl>
-                                          <p:spTgt spid="7"/>
-                                        </p:tgtEl>
-                                        <p:attrNameLst>
-                                          <p:attrName>style.visibility</p:attrName>
-                                        </p:attrNameLst>
-                                      </p:cBhvr>
-                                      <p:to>
-                                        <p:strVal val="hidden"/>
-                                      </p:to>
-                                    </p:set>
-                                  </p:childTnLst>
-                                </p:cTn>
-                              </p:par>
-                            </p:childTnLst>
-                          </p:cTn>
-                        </p:par>
-                      </p:childTnLst>
-                    </p:cTn>
-                  </p:par>
-                  <p:par>
-                    <p:cTn id="12" fill="hold">
-                      <p:stCondLst>
-                        <p:cond delay="indefinite"/>
-                      </p:stCondLst>
-                      <p:childTnLst>
-                        <p:par>
-                          <p:cTn id="13" fill="hold">
-                            <p:stCondLst>
-                              <p:cond delay="0"/>
-                            </p:stCondLst>
-                            <p:childTnLst>
-                              <p:par>
-                                <p:cTn id="14" presetID="22" presetClass="entr" presetSubtype="2" fill="hold" grpId="0" nodeType="clickEffect">
-                                  <p:stCondLst>
-                                    <p:cond delay="0"/>
-                                  </p:stCondLst>
-                                  <p:childTnLst>
-                                    <p:set>
-                                      <p:cBhvr>
-                                        <p:cTn id="15" dur="1" fill="hold">
-                                          <p:stCondLst>
-                                            <p:cond delay="0"/>
-                                          </p:stCondLst>
-                                        </p:cTn>
-                                        <p:tgtEl>
-                                          <p:spTgt spid="8"/>
-                                        </p:tgtEl>
-                                        <p:attrNameLst>
-                                          <p:attrName>style.visibility</p:attrName>
-                                        </p:attrNameLst>
-                                      </p:cBhvr>
-                                      <p:to>
-                                        <p:strVal val="visible"/>
-                                      </p:to>
-                                    </p:set>
-                                    <p:animEffect transition="in" filter="wipe(right)">
-                                      <p:cBhvr>
-                                        <p:cTn id="16" dur="500"/>
-                                        <p:tgtEl>
-                                          <p:spTgt spid="8"/>
-                                        </p:tgtEl>
-                                      </p:cBhvr>
-                                    </p:animEffect>
-                                  </p:childTnLst>
-                                </p:cTn>
-                              </p:par>
-                            </p:childTnLst>
-                          </p:cTn>
-                        </p:par>
-                        <p:par>
-                          <p:cTn id="17" fill="hold">
-                            <p:stCondLst>
-                              <p:cond delay="500"/>
-                            </p:stCondLst>
-                            <p:childTnLst>
-                              <p:par>
-                                <p:cTn id="18" presetID="22" presetClass="exit" presetSubtype="2" fill="hold" grpId="1" nodeType="afterEffect">
-                                  <p:stCondLst>
-                                    <p:cond delay="0"/>
-                                  </p:stCondLst>
-                                  <p:childTnLst>
-                                    <p:animEffect transition="out" filter="wipe(right)">
-                                      <p:cBhvr>
-                                        <p:cTn id="19" dur="500"/>
-                                        <p:tgtEl>
-                                          <p:spTgt spid="8"/>
-                                        </p:tgtEl>
-                                      </p:cBhvr>
-                                    </p:animEffect>
-                                    <p:set>
-                                      <p:cBhvr>
-                                        <p:cTn id="20" dur="1" fill="hold">
-                                          <p:stCondLst>
-                                            <p:cond delay="499"/>
-                                          </p:stCondLst>
-                                        </p:cTn>
-                                        <p:tgtEl>
-                                          <p:spTgt spid="8"/>
-                                        </p:tgtEl>
-                                        <p:attrNameLst>
-                                          <p:attrName>style.visibility</p:attrName>
-                                        </p:attrNameLst>
-                                      </p:cBhvr>
-                                      <p:to>
-                                        <p:strVal val="hidden"/>
-                                      </p:to>
-                                    </p:set>
-                                  </p:childTnLst>
-                                </p:cTn>
-                              </p:par>
-                            </p:childTnLst>
-                          </p:cTn>
-                        </p:par>
-                      </p:childTnLst>
-                    </p:cTn>
-                  </p:par>
-                </p:childTnLst>
-              </p:cTn>
-              <p:prevCondLst>
-                <p:cond evt="onPrev" delay="0">
-                  <p:tgtEl>
-                    <p:sldTgt/>
-                  </p:tgtEl>
-                </p:cond>
-              </p:prevCondLst>
-              <p:nextCondLst>
-                <p:cond evt="onNext" delay="0">
-                  <p:tgtEl>
-                    <p:sldTgt/>
-                  </p:tgtEl>
-                </p:cond>
-              </p:nextCondLst>
-            </p:seq>
-          </p:childTnLst>
-        </p:cTn>
-      </p:par>
-    </p:tnLst>
-    <p:bldLst>
-      <p:bldP spid="7" grpId="0" animBg="1"/>
-      <p:bldP spid="7" grpId="1" animBg="1"/>
-      <p:bldP spid="8" grpId="0" animBg="1"/>
-      <p:bldP spid="8" grpId="1" animBg="1"/>
-    </p:bldLst>
-  </p:timing>
-</p:sld>
-</file>
-
-<file path=ppt/slides/slide20.xml><?xml version="1.0" encoding="utf-8"?>
+<file path=ppt/slides/slide23.xml><?xml version="1.0" encoding="utf-8"?>
 <p:sld xmlns:a="http://schemas.openxmlformats.org/drawingml/2006/main" xmlns:r="http://schemas.openxmlformats.org/officeDocument/2006/relationships" xmlns:p="http://schemas.openxmlformats.org/presentationml/2006/main">
   <p:cSld>
     <p:spTree>
@@ -24075,7 +24413,7 @@
 </p:sld>
 </file>
 
-<file path=ppt/slides/slide21.xml><?xml version="1.0" encoding="utf-8"?>
+<file path=ppt/slides/slide24.xml><?xml version="1.0" encoding="utf-8"?>
 <p:sld xmlns:a="http://schemas.openxmlformats.org/drawingml/2006/main" xmlns:r="http://schemas.openxmlformats.org/officeDocument/2006/relationships" xmlns:p="http://schemas.openxmlformats.org/presentationml/2006/main">
   <p:cSld>
     <p:spTree>
@@ -25899,7 +26237,7 @@
 </p:sld>
 </file>
 
-<file path=ppt/slides/slide22.xml><?xml version="1.0" encoding="utf-8"?>
+<file path=ppt/slides/slide25.xml><?xml version="1.0" encoding="utf-8"?>
 <p:sld xmlns:a="http://schemas.openxmlformats.org/drawingml/2006/main" xmlns:r="http://schemas.openxmlformats.org/officeDocument/2006/relationships" xmlns:p="http://schemas.openxmlformats.org/presentationml/2006/main">
   <p:cSld>
     <p:spTree>
@@ -26275,7 +26613,7 @@
 </p:sld>
 </file>
 
-<file path=ppt/slides/slide23.xml><?xml version="1.0" encoding="utf-8"?>
+<file path=ppt/slides/slide26.xml><?xml version="1.0" encoding="utf-8"?>
 <p:sld xmlns:a="http://schemas.openxmlformats.org/drawingml/2006/main" xmlns:r="http://schemas.openxmlformats.org/officeDocument/2006/relationships" xmlns:p="http://schemas.openxmlformats.org/presentationml/2006/main">
   <p:cSld>
     <p:spTree>
@@ -26599,7 +26937,7 @@
 </p:sld>
 </file>
 
-<file path=ppt/slides/slide24.xml><?xml version="1.0" encoding="utf-8"?>
+<file path=ppt/slides/slide27.xml><?xml version="1.0" encoding="utf-8"?>
 <p:sld xmlns:a="http://schemas.openxmlformats.org/drawingml/2006/main" xmlns:r="http://schemas.openxmlformats.org/officeDocument/2006/relationships" xmlns:p="http://schemas.openxmlformats.org/presentationml/2006/main">
   <p:cSld>
     <p:spTree>

--- a/Getting Pushy with SignalR and Rx.pptx
+++ b/Getting Pushy with SignalR and Rx.pptx
@@ -5,7 +5,7 @@
     <p:sldMasterId id="2147483648" r:id="rId1"/>
   </p:sldMasterIdLst>
   <p:notesMasterIdLst>
-    <p:notesMasterId r:id="rId29"/>
+    <p:notesMasterId r:id="rId27"/>
   </p:notesMasterIdLst>
   <p:sldIdLst>
     <p:sldId id="256" r:id="rId2"/>
@@ -20,21 +20,19 @@
     <p:sldId id="271" r:id="rId11"/>
     <p:sldId id="284" r:id="rId12"/>
     <p:sldId id="285" r:id="rId13"/>
-    <p:sldId id="286" r:id="rId14"/>
-    <p:sldId id="276" r:id="rId15"/>
-    <p:sldId id="280" r:id="rId16"/>
-    <p:sldId id="279" r:id="rId17"/>
-    <p:sldId id="257" r:id="rId18"/>
-    <p:sldId id="274" r:id="rId19"/>
-    <p:sldId id="275" r:id="rId20"/>
-    <p:sldId id="273" r:id="rId21"/>
-    <p:sldId id="263" r:id="rId22"/>
-    <p:sldId id="264" r:id="rId23"/>
-    <p:sldId id="265" r:id="rId24"/>
-    <p:sldId id="277" r:id="rId25"/>
-    <p:sldId id="266" r:id="rId26"/>
-    <p:sldId id="269" r:id="rId27"/>
-    <p:sldId id="267" r:id="rId28"/>
+    <p:sldId id="280" r:id="rId14"/>
+    <p:sldId id="279" r:id="rId15"/>
+    <p:sldId id="257" r:id="rId16"/>
+    <p:sldId id="274" r:id="rId17"/>
+    <p:sldId id="275" r:id="rId18"/>
+    <p:sldId id="273" r:id="rId19"/>
+    <p:sldId id="263" r:id="rId20"/>
+    <p:sldId id="264" r:id="rId21"/>
+    <p:sldId id="265" r:id="rId22"/>
+    <p:sldId id="277" r:id="rId23"/>
+    <p:sldId id="266" r:id="rId24"/>
+    <p:sldId id="269" r:id="rId25"/>
+    <p:sldId id="267" r:id="rId26"/>
   </p:sldIdLst>
   <p:sldSz cx="12192000" cy="6858000"/>
   <p:notesSz cx="6858000" cy="9144000"/>
@@ -6491,7 +6489,7 @@
           <a:p>
             <a:fld id="{33CE4371-0E50-4EEC-AC15-0ABAB1E82AE7}" type="datetimeFigureOut">
               <a:rPr lang="en-US" smtClean="0"/>
-              <a:t>10/4/2018</a:t>
+              <a:t>10/11/2019</a:t>
             </a:fld>
             <a:endParaRPr lang="en-US"/>
           </a:p>
@@ -6950,7 +6948,7 @@
             <a:fld id="{B61BEF0D-F0BB-DE4B-95CE-6DB70DBA9567}" type="datetimeFigureOut">
               <a:rPr lang="en-US" dirty="0"/>
               <a:pPr/>
-              <a:t>10/4/2018</a:t>
+              <a:t>10/11/2019</a:t>
             </a:fld>
             <a:endParaRPr lang="en-US" dirty="0"/>
           </a:p>
@@ -7383,7 +7381,7 @@
             <a:fld id="{B61BEF0D-F0BB-DE4B-95CE-6DB70DBA9567}" type="datetimeFigureOut">
               <a:rPr lang="en-US" dirty="0"/>
               <a:pPr/>
-              <a:t>10/4/2018</a:t>
+              <a:t>10/11/2019</a:t>
             </a:fld>
             <a:endParaRPr lang="en-US" dirty="0"/>
           </a:p>
@@ -7630,7 +7628,7 @@
             <a:fld id="{B61BEF0D-F0BB-DE4B-95CE-6DB70DBA9567}" type="datetimeFigureOut">
               <a:rPr lang="en-US" dirty="0"/>
               <a:pPr/>
-              <a:t>10/4/2018</a:t>
+              <a:t>10/11/2019</a:t>
             </a:fld>
             <a:endParaRPr lang="en-US" dirty="0"/>
           </a:p>
@@ -7935,7 +7933,7 @@
             <a:fld id="{B61BEF0D-F0BB-DE4B-95CE-6DB70DBA9567}" type="datetimeFigureOut">
               <a:rPr lang="en-US" dirty="0"/>
               <a:pPr/>
-              <a:t>10/4/2018</a:t>
+              <a:t>10/11/2019</a:t>
             </a:fld>
             <a:endParaRPr lang="en-US" dirty="0"/>
           </a:p>
@@ -8250,7 +8248,7 @@
             <a:fld id="{B61BEF0D-F0BB-DE4B-95CE-6DB70DBA9567}" type="datetimeFigureOut">
               <a:rPr lang="en-US" dirty="0"/>
               <a:pPr/>
-              <a:t>10/4/2018</a:t>
+              <a:t>10/11/2019</a:t>
             </a:fld>
             <a:endParaRPr lang="en-US" dirty="0"/>
           </a:p>
@@ -8549,7 +8547,7 @@
             <a:fld id="{B61BEF0D-F0BB-DE4B-95CE-6DB70DBA9567}" type="datetimeFigureOut">
               <a:rPr lang="en-US" dirty="0"/>
               <a:pPr/>
-              <a:t>10/4/2018</a:t>
+              <a:t>10/11/2019</a:t>
             </a:fld>
             <a:endParaRPr lang="en-US" dirty="0"/>
           </a:p>
@@ -8913,7 +8911,7 @@
             <a:fld id="{B61BEF0D-F0BB-DE4B-95CE-6DB70DBA9567}" type="datetimeFigureOut">
               <a:rPr lang="en-US" dirty="0"/>
               <a:pPr/>
-              <a:t>10/4/2018</a:t>
+              <a:t>10/11/2019</a:t>
             </a:fld>
             <a:endParaRPr lang="en-US" dirty="0"/>
           </a:p>
@@ -9084,7 +9082,7 @@
             <a:fld id="{B61BEF0D-F0BB-DE4B-95CE-6DB70DBA9567}" type="datetimeFigureOut">
               <a:rPr lang="en-US" dirty="0"/>
               <a:pPr/>
-              <a:t>10/4/2018</a:t>
+              <a:t>10/11/2019</a:t>
             </a:fld>
             <a:endParaRPr lang="en-US" dirty="0"/>
           </a:p>
@@ -9261,7 +9259,7 @@
             <a:fld id="{B61BEF0D-F0BB-DE4B-95CE-6DB70DBA9567}" type="datetimeFigureOut">
               <a:rPr lang="en-US" dirty="0"/>
               <a:pPr/>
-              <a:t>10/4/2018</a:t>
+              <a:t>10/11/2019</a:t>
             </a:fld>
             <a:endParaRPr lang="en-US" dirty="0"/>
           </a:p>
@@ -9424,7 +9422,7 @@
   <p:clrMapOvr>
     <a:masterClrMapping/>
   </p:clrMapOvr>
-  <p:extLst mod="1">
+  <p:extLst>
     <p:ext uri="{DCECCB84-F9BA-43D5-87BE-67443E8EF086}">
       <p15:sldGuideLst xmlns:p15="http://schemas.microsoft.com/office/powerpoint/2012/main">
         <p15:guide id="1" orient="horz" pos="1051">
@@ -9671,7 +9669,7 @@
             <a:fld id="{B61BEF0D-F0BB-DE4B-95CE-6DB70DBA9567}" type="datetimeFigureOut">
               <a:rPr lang="en-US" dirty="0"/>
               <a:pPr/>
-              <a:t>10/4/2018</a:t>
+              <a:t>10/11/2019</a:t>
             </a:fld>
             <a:endParaRPr lang="en-US" dirty="0"/>
           </a:p>
@@ -9918,7 +9916,7 @@
             <a:fld id="{B61BEF0D-F0BB-DE4B-95CE-6DB70DBA9567}" type="datetimeFigureOut">
               <a:rPr lang="en-US" dirty="0"/>
               <a:pPr/>
-              <a:t>10/4/2018</a:t>
+              <a:t>10/11/2019</a:t>
             </a:fld>
             <a:endParaRPr lang="en-US" dirty="0"/>
           </a:p>
@@ -10151,7 +10149,7 @@
             <a:fld id="{B61BEF0D-F0BB-DE4B-95CE-6DB70DBA9567}" type="datetimeFigureOut">
               <a:rPr lang="en-US" dirty="0"/>
               <a:pPr/>
-              <a:t>10/4/2018</a:t>
+              <a:t>10/11/2019</a:t>
             </a:fld>
             <a:endParaRPr lang="en-US" dirty="0"/>
           </a:p>
@@ -10530,7 +10528,7 @@
             <a:fld id="{B61BEF0D-F0BB-DE4B-95CE-6DB70DBA9567}" type="datetimeFigureOut">
               <a:rPr lang="en-US" dirty="0"/>
               <a:pPr/>
-              <a:t>10/4/2018</a:t>
+              <a:t>10/11/2019</a:t>
             </a:fld>
             <a:endParaRPr lang="en-US" dirty="0"/>
           </a:p>
@@ -10645,7 +10643,7 @@
             <a:fld id="{B61BEF0D-F0BB-DE4B-95CE-6DB70DBA9567}" type="datetimeFigureOut">
               <a:rPr lang="en-US" dirty="0"/>
               <a:pPr/>
-              <a:t>10/4/2018</a:t>
+              <a:t>10/11/2019</a:t>
             </a:fld>
             <a:endParaRPr lang="en-US" dirty="0"/>
           </a:p>
@@ -10737,7 +10735,7 @@
             <a:fld id="{B61BEF0D-F0BB-DE4B-95CE-6DB70DBA9567}" type="datetimeFigureOut">
               <a:rPr lang="en-US" dirty="0"/>
               <a:pPr/>
-              <a:t>10/4/2018</a:t>
+              <a:t>10/11/2019</a:t>
             </a:fld>
             <a:endParaRPr lang="en-US" dirty="0"/>
           </a:p>
@@ -10989,7 +10987,7 @@
             <a:fld id="{B61BEF0D-F0BB-DE4B-95CE-6DB70DBA9567}" type="datetimeFigureOut">
               <a:rPr lang="en-US" dirty="0"/>
               <a:pPr/>
-              <a:t>10/4/2018</a:t>
+              <a:t>10/11/2019</a:t>
             </a:fld>
             <a:endParaRPr lang="en-US" dirty="0"/>
           </a:p>
@@ -11269,7 +11267,7 @@
             <a:fld id="{B61BEF0D-F0BB-DE4B-95CE-6DB70DBA9567}" type="datetimeFigureOut">
               <a:rPr lang="en-US" dirty="0"/>
               <a:pPr/>
-              <a:t>10/4/2018</a:t>
+              <a:t>10/11/2019</a:t>
             </a:fld>
             <a:endParaRPr lang="en-US" dirty="0"/>
           </a:p>
@@ -11672,7 +11670,7 @@
             <a:fld id="{B61BEF0D-F0BB-DE4B-95CE-6DB70DBA9567}" type="datetimeFigureOut">
               <a:rPr lang="en-US" dirty="0"/>
               <a:pPr/>
-              <a:t>10/4/2018</a:t>
+              <a:t>10/11/2019</a:t>
             </a:fld>
             <a:endParaRPr lang="en-US" dirty="0"/>
           </a:p>
@@ -17130,7 +17128,7 @@
 </file>
 
 <file path=ppt/slides/slide13.xml><?xml version="1.0" encoding="utf-8"?>
-<p:sld xmlns:a="http://schemas.openxmlformats.org/drawingml/2006/main" xmlns:r="http://schemas.openxmlformats.org/officeDocument/2006/relationships" xmlns:p="http://schemas.openxmlformats.org/presentationml/2006/main">
+<p:sld xmlns:a="http://schemas.openxmlformats.org/drawingml/2006/main" xmlns:r="http://schemas.openxmlformats.org/officeDocument/2006/relationships" xmlns:p="http://schemas.openxmlformats.org/presentationml/2006/main" show="0">
   <p:cSld>
     <p:spTree>
       <p:nvGrpSpPr>
@@ -17190,7 +17188,7 @@
     </p:spTree>
     <p:extLst>
       <p:ext uri="{BB962C8B-B14F-4D97-AF65-F5344CB8AC3E}">
-        <p14:creationId xmlns:p14="http://schemas.microsoft.com/office/powerpoint/2010/main" val="1149696831"/>
+        <p14:creationId xmlns:p14="http://schemas.microsoft.com/office/powerpoint/2010/main" val="2975242036"/>
       </p:ext>
     </p:extLst>
   </p:cSld>
@@ -17201,271 +17199,6 @@
 </file>
 
 <file path=ppt/slides/slide14.xml><?xml version="1.0" encoding="utf-8"?>
-<p:sld xmlns:a="http://schemas.openxmlformats.org/drawingml/2006/main" xmlns:r="http://schemas.openxmlformats.org/officeDocument/2006/relationships" xmlns:p="http://schemas.openxmlformats.org/presentationml/2006/main">
-  <p:cSld>
-    <p:spTree>
-      <p:nvGrpSpPr>
-        <p:cNvPr id="1" name=""/>
-        <p:cNvGrpSpPr/>
-        <p:nvPr/>
-      </p:nvGrpSpPr>
-      <p:grpSpPr>
-        <a:xfrm>
-          <a:off x="0" y="0"/>
-          <a:ext cx="0" cy="0"/>
-          <a:chOff x="0" y="0"/>
-          <a:chExt cx="0" cy="0"/>
-        </a:xfrm>
-      </p:grpSpPr>
-      <p:sp>
-        <p:nvSpPr>
-          <p:cNvPr id="6" name="Title 5">
-            <a:extLst>
-              <a:ext uri="{FF2B5EF4-FFF2-40B4-BE49-F238E27FC236}">
-                <a16:creationId xmlns:a16="http://schemas.microsoft.com/office/drawing/2014/main" id="{0E33F0F9-4EF9-4D2B-8BEE-1222CA4E5DFA}"/>
-              </a:ext>
-            </a:extLst>
-          </p:cNvPr>
-          <p:cNvSpPr>
-            <a:spLocks noGrp="1"/>
-          </p:cNvSpPr>
-          <p:nvPr>
-            <p:ph type="title"/>
-          </p:nvPr>
-        </p:nvSpPr>
-        <p:spPr/>
-        <p:txBody>
-          <a:bodyPr/>
-          <a:lstStyle/>
-          <a:p>
-            <a:r>
-              <a:rPr lang="en-US" dirty="0"/>
-              <a:t>SignalR Core</a:t>
-            </a:r>
-          </a:p>
-        </p:txBody>
-      </p:sp>
-      <p:sp>
-        <p:nvSpPr>
-          <p:cNvPr id="7" name="Content Placeholder 6">
-            <a:extLst>
-              <a:ext uri="{FF2B5EF4-FFF2-40B4-BE49-F238E27FC236}">
-                <a16:creationId xmlns:a16="http://schemas.microsoft.com/office/drawing/2014/main" id="{984E2B6B-0923-4C8C-B74B-ECD95F03DE35}"/>
-              </a:ext>
-            </a:extLst>
-          </p:cNvPr>
-          <p:cNvSpPr>
-            <a:spLocks noGrp="1"/>
-          </p:cNvSpPr>
-          <p:nvPr>
-            <p:ph idx="1"/>
-          </p:nvPr>
-        </p:nvSpPr>
-        <p:spPr>
-          <a:xfrm>
-            <a:off x="684212" y="685800"/>
-            <a:ext cx="10232604" cy="3615267"/>
-          </a:xfrm>
-        </p:spPr>
-        <p:txBody>
-          <a:bodyPr>
-            <a:normAutofit/>
-          </a:bodyPr>
-          <a:lstStyle/>
-          <a:p>
-            <a:r>
-              <a:rPr lang="en-US" strike="sngStrike" dirty="0">
-                <a:solidFill>
-                  <a:srgbClr val="002060"/>
-                </a:solidFill>
-              </a:rPr>
-              <a:t>Preview not shipping until after Core 2.0  </a:t>
-            </a:r>
-            <a:r>
-              <a:rPr lang="en-US" dirty="0">
-                <a:solidFill>
-                  <a:srgbClr val="002060"/>
-                </a:solidFill>
-              </a:rPr>
-              <a:t>Currently 1.0.0-alpha1-final </a:t>
-            </a:r>
-          </a:p>
-          <a:p>
-            <a:r>
-              <a:rPr lang="en-US" dirty="0"/>
-              <a:t>Replacing </a:t>
-            </a:r>
-            <a:r>
-              <a:rPr lang="en-US" dirty="0" err="1"/>
-              <a:t>GlobalHost</a:t>
-            </a:r>
-            <a:r>
-              <a:rPr lang="en-US" dirty="0"/>
-              <a:t> with DI</a:t>
-            </a:r>
-          </a:p>
-          <a:p>
-            <a:r>
-              <a:rPr lang="en-US" dirty="0"/>
-              <a:t>Additional transports (Not just HTTP)</a:t>
-            </a:r>
-          </a:p>
-          <a:p>
-            <a:r>
-              <a:rPr lang="en-US" dirty="0"/>
-              <a:t>Remove jQuery dependency</a:t>
-            </a:r>
-          </a:p>
-          <a:p>
-            <a:r>
-              <a:rPr lang="en-US" dirty="0"/>
-              <a:t>Drop </a:t>
-            </a:r>
-            <a:r>
-              <a:rPr lang="en-US" dirty="0" err="1"/>
-              <a:t>ForeverFrame</a:t>
-            </a:r>
-            <a:endParaRPr lang="en-US" dirty="0"/>
-          </a:p>
-          <a:p>
-            <a:r>
-              <a:rPr lang="en-US" dirty="0"/>
-              <a:t>Separate connection by hub</a:t>
-            </a:r>
-          </a:p>
-          <a:p>
-            <a:r>
-              <a:rPr lang="en-US" dirty="0"/>
-              <a:t>New client libraries (swift)</a:t>
-            </a:r>
-          </a:p>
-          <a:p>
-            <a:r>
-              <a:rPr lang="en-US" dirty="0"/>
-              <a:t>Binary data support</a:t>
-            </a:r>
-          </a:p>
-        </p:txBody>
-      </p:sp>
-      <p:sp>
-        <p:nvSpPr>
-          <p:cNvPr id="8" name="Rectangle 7">
-            <a:extLst>
-              <a:ext uri="{FF2B5EF4-FFF2-40B4-BE49-F238E27FC236}">
-                <a16:creationId xmlns:a16="http://schemas.microsoft.com/office/drawing/2014/main" id="{D948FF9B-25F6-4B05-B562-2ADF2346444C}"/>
-              </a:ext>
-            </a:extLst>
-          </p:cNvPr>
-          <p:cNvSpPr/>
-          <p:nvPr/>
-        </p:nvSpPr>
-        <p:spPr>
-          <a:xfrm>
-            <a:off x="1945621" y="6488668"/>
-            <a:ext cx="6011582" cy="369332"/>
-          </a:xfrm>
-          <a:prstGeom prst="rect">
-            <a:avLst/>
-          </a:prstGeom>
-        </p:spPr>
-        <p:txBody>
-          <a:bodyPr wrap="none">
-            <a:spAutoFit/>
-          </a:bodyPr>
-          <a:lstStyle/>
-          <a:p>
-            <a:r>
-              <a:rPr lang="en-US" dirty="0"/>
-              <a:t>http://channel9.msdn.com/Events/Build/2017/B8078</a:t>
-            </a:r>
-          </a:p>
-        </p:txBody>
-      </p:sp>
-    </p:spTree>
-    <p:extLst>
-      <p:ext uri="{BB962C8B-B14F-4D97-AF65-F5344CB8AC3E}">
-        <p14:creationId xmlns:p14="http://schemas.microsoft.com/office/powerpoint/2010/main" val="1405017852"/>
-      </p:ext>
-    </p:extLst>
-  </p:cSld>
-  <p:clrMapOvr>
-    <a:masterClrMapping/>
-  </p:clrMapOvr>
-</p:sld>
-</file>
-
-<file path=ppt/slides/slide15.xml><?xml version="1.0" encoding="utf-8"?>
-<p:sld xmlns:a="http://schemas.openxmlformats.org/drawingml/2006/main" xmlns:r="http://schemas.openxmlformats.org/officeDocument/2006/relationships" xmlns:p="http://schemas.openxmlformats.org/presentationml/2006/main">
-  <p:cSld>
-    <p:spTree>
-      <p:nvGrpSpPr>
-        <p:cNvPr id="1" name=""/>
-        <p:cNvGrpSpPr/>
-        <p:nvPr/>
-      </p:nvGrpSpPr>
-      <p:grpSpPr>
-        <a:xfrm>
-          <a:off x="0" y="0"/>
-          <a:ext cx="0" cy="0"/>
-          <a:chOff x="0" y="0"/>
-          <a:chExt cx="0" cy="0"/>
-        </a:xfrm>
-      </p:grpSpPr>
-      <p:sp>
-        <p:nvSpPr>
-          <p:cNvPr id="2" name="Title 1"/>
-          <p:cNvSpPr>
-            <a:spLocks noGrp="1"/>
-          </p:cNvSpPr>
-          <p:nvPr>
-            <p:ph type="title"/>
-          </p:nvPr>
-        </p:nvSpPr>
-        <p:spPr/>
-        <p:txBody>
-          <a:bodyPr/>
-          <a:lstStyle/>
-          <a:p>
-            <a:r>
-              <a:rPr lang="en-US" dirty="0"/>
-              <a:t>SignalR Core Demo</a:t>
-            </a:r>
-          </a:p>
-        </p:txBody>
-      </p:sp>
-      <p:sp>
-        <p:nvSpPr>
-          <p:cNvPr id="3" name="Text Placeholder 2"/>
-          <p:cNvSpPr>
-            <a:spLocks noGrp="1"/>
-          </p:cNvSpPr>
-          <p:nvPr>
-            <p:ph type="body" idx="1"/>
-          </p:nvPr>
-        </p:nvSpPr>
-        <p:spPr/>
-        <p:txBody>
-          <a:bodyPr/>
-          <a:lstStyle/>
-          <a:p>
-            <a:endParaRPr lang="en-US"/>
-          </a:p>
-        </p:txBody>
-      </p:sp>
-    </p:spTree>
-    <p:extLst>
-      <p:ext uri="{BB962C8B-B14F-4D97-AF65-F5344CB8AC3E}">
-        <p14:creationId xmlns:p14="http://schemas.microsoft.com/office/powerpoint/2010/main" val="2975242036"/>
-      </p:ext>
-    </p:extLst>
-  </p:cSld>
-  <p:clrMapOvr>
-    <a:masterClrMapping/>
-  </p:clrMapOvr>
-</p:sld>
-</file>
-
-<file path=ppt/slides/slide16.xml><?xml version="1.0" encoding="utf-8"?>
 <p:sld xmlns:a="http://schemas.openxmlformats.org/drawingml/2006/main" xmlns:r="http://schemas.openxmlformats.org/officeDocument/2006/relationships" xmlns:p="http://schemas.openxmlformats.org/presentationml/2006/main">
   <p:cSld>
     <p:spTree>
@@ -17718,7 +17451,7 @@
 </p:sld>
 </file>
 
-<file path=ppt/slides/slide17.xml><?xml version="1.0" encoding="utf-8"?>
+<file path=ppt/slides/slide15.xml><?xml version="1.0" encoding="utf-8"?>
 <p:sld xmlns:a="http://schemas.openxmlformats.org/drawingml/2006/main" xmlns:r="http://schemas.openxmlformats.org/officeDocument/2006/relationships" xmlns:p="http://schemas.openxmlformats.org/presentationml/2006/main">
   <p:cSld>
     <p:spTree>
@@ -18913,7 +18646,7 @@
 </p:sld>
 </file>
 
-<file path=ppt/slides/slide18.xml><?xml version="1.0" encoding="utf-8"?>
+<file path=ppt/slides/slide16.xml><?xml version="1.0" encoding="utf-8"?>
 <p:sld xmlns:a="http://schemas.openxmlformats.org/drawingml/2006/main" xmlns:r="http://schemas.openxmlformats.org/officeDocument/2006/relationships" xmlns:p="http://schemas.openxmlformats.org/presentationml/2006/main">
   <p:cSld>
     <p:spTree>
@@ -19074,7 +18807,7 @@
 </p:sld>
 </file>
 
-<file path=ppt/slides/slide19.xml><?xml version="1.0" encoding="utf-8"?>
+<file path=ppt/slides/slide17.xml><?xml version="1.0" encoding="utf-8"?>
 <p:sld xmlns:a="http://schemas.openxmlformats.org/drawingml/2006/main" xmlns:r="http://schemas.openxmlformats.org/officeDocument/2006/relationships" xmlns:p="http://schemas.openxmlformats.org/presentationml/2006/main">
   <p:cSld>
     <p:spTree>
@@ -19956,7 +19689,7 @@
 </p:sld>
 </file>
 
-<file path=ppt/slides/slide2.xml><?xml version="1.0" encoding="utf-8"?>
+<file path=ppt/slides/slide18.xml><?xml version="1.0" encoding="utf-8"?>
 <p:sld xmlns:a="http://schemas.openxmlformats.org/drawingml/2006/main" xmlns:r="http://schemas.openxmlformats.org/officeDocument/2006/relationships" xmlns:p="http://schemas.openxmlformats.org/presentationml/2006/main">
   <p:cSld>
     <p:spTree>
@@ -19990,491 +19723,6 @@
           <a:p>
             <a:r>
               <a:rPr lang="en-US" dirty="0"/>
-              <a:t>Problems with Pull - Web</a:t>
-            </a:r>
-          </a:p>
-        </p:txBody>
-      </p:sp>
-      <p:pic>
-        <p:nvPicPr>
-          <p:cNvPr id="5" name="Content Placeholder 4"/>
-          <p:cNvPicPr>
-            <a:picLocks noGrp="1" noChangeAspect="1"/>
-          </p:cNvPicPr>
-          <p:nvPr>
-            <p:ph idx="1"/>
-          </p:nvPr>
-        </p:nvPicPr>
-        <p:blipFill>
-          <a:blip r:embed="rId2">
-            <a:extLst>
-              <a:ext uri="{28A0092B-C50C-407E-A947-70E740481C1C}">
-                <a14:useLocalDpi xmlns:a14="http://schemas.microsoft.com/office/drawing/2010/main" val="0"/>
-              </a:ext>
-            </a:extLst>
-          </a:blip>
-          <a:stretch>
-            <a:fillRect/>
-          </a:stretch>
-        </p:blipFill>
-        <p:spPr>
-          <a:xfrm flipH="1">
-            <a:off x="627612" y="1654270"/>
-            <a:ext cx="1714500" cy="1714500"/>
-          </a:xfrm>
-        </p:spPr>
-      </p:pic>
-      <p:pic>
-        <p:nvPicPr>
-          <p:cNvPr id="6" name="Picture 5"/>
-          <p:cNvPicPr>
-            <a:picLocks noChangeAspect="1"/>
-          </p:cNvPicPr>
-          <p:nvPr/>
-        </p:nvPicPr>
-        <p:blipFill>
-          <a:blip r:embed="rId3">
-            <a:extLst>
-              <a:ext uri="{28A0092B-C50C-407E-A947-70E740481C1C}">
-                <a14:useLocalDpi xmlns:a14="http://schemas.microsoft.com/office/drawing/2010/main" val="0"/>
-              </a:ext>
-            </a:extLst>
-          </a:blip>
-          <a:stretch>
-            <a:fillRect/>
-          </a:stretch>
-        </p:blipFill>
-        <p:spPr>
-          <a:xfrm>
-            <a:off x="9395970" y="1708836"/>
-            <a:ext cx="1714500" cy="1714500"/>
-          </a:xfrm>
-          <a:prstGeom prst="rect">
-            <a:avLst/>
-          </a:prstGeom>
-        </p:spPr>
-      </p:pic>
-      <p:sp>
-        <p:nvSpPr>
-          <p:cNvPr id="7" name="Right Arrow 6"/>
-          <p:cNvSpPr/>
-          <p:nvPr/>
-        </p:nvSpPr>
-        <p:spPr>
-          <a:xfrm>
-            <a:off x="3374796" y="2036315"/>
-            <a:ext cx="5250730" cy="484632"/>
-          </a:xfrm>
-          <a:prstGeom prst="rightArrow">
-            <a:avLst/>
-          </a:prstGeom>
-        </p:spPr>
-        <p:style>
-          <a:lnRef idx="2">
-            <a:schemeClr val="accent1">
-              <a:shade val="50000"/>
-            </a:schemeClr>
-          </a:lnRef>
-          <a:fillRef idx="1">
-            <a:schemeClr val="accent1"/>
-          </a:fillRef>
-          <a:effectRef idx="0">
-            <a:schemeClr val="accent1"/>
-          </a:effectRef>
-          <a:fontRef idx="minor">
-            <a:schemeClr val="lt1"/>
-          </a:fontRef>
-        </p:style>
-        <p:txBody>
-          <a:bodyPr rtlCol="0" anchor="ctr"/>
-          <a:lstStyle/>
-          <a:p>
-            <a:pPr algn="ctr"/>
-            <a:endParaRPr lang="en-US"/>
-          </a:p>
-        </p:txBody>
-      </p:sp>
-      <p:sp>
-        <p:nvSpPr>
-          <p:cNvPr id="8" name="Right Arrow 7"/>
-          <p:cNvSpPr/>
-          <p:nvPr/>
-        </p:nvSpPr>
-        <p:spPr>
-          <a:xfrm flipH="1">
-            <a:off x="3374795" y="2520947"/>
-            <a:ext cx="5250730" cy="484632"/>
-          </a:xfrm>
-          <a:prstGeom prst="rightArrow">
-            <a:avLst/>
-          </a:prstGeom>
-        </p:spPr>
-        <p:style>
-          <a:lnRef idx="2">
-            <a:schemeClr val="accent1">
-              <a:shade val="50000"/>
-            </a:schemeClr>
-          </a:lnRef>
-          <a:fillRef idx="1">
-            <a:schemeClr val="accent1"/>
-          </a:fillRef>
-          <a:effectRef idx="0">
-            <a:schemeClr val="accent1"/>
-          </a:effectRef>
-          <a:fontRef idx="minor">
-            <a:schemeClr val="lt1"/>
-          </a:fontRef>
-        </p:style>
-        <p:txBody>
-          <a:bodyPr rtlCol="0" anchor="ctr"/>
-          <a:lstStyle/>
-          <a:p>
-            <a:pPr algn="ctr"/>
-            <a:endParaRPr lang="en-US"/>
-          </a:p>
-        </p:txBody>
-      </p:sp>
-      <p:sp>
-        <p:nvSpPr>
-          <p:cNvPr id="4" name="Cloud 3"/>
-          <p:cNvSpPr/>
-          <p:nvPr/>
-        </p:nvSpPr>
-        <p:spPr>
-          <a:xfrm>
-            <a:off x="4653960" y="1654270"/>
-            <a:ext cx="2783788" cy="1714500"/>
-          </a:xfrm>
-          <a:prstGeom prst="cloud">
-            <a:avLst/>
-          </a:prstGeom>
-          <a:solidFill>
-            <a:schemeClr val="tx1"/>
-          </a:solidFill>
-          <a:ln>
-            <a:noFill/>
-          </a:ln>
-          <a:effectLst>
-            <a:outerShdw blurRad="44450" dist="27940" dir="5400000" algn="ctr">
-              <a:srgbClr val="000000">
-                <a:alpha val="32000"/>
-              </a:srgbClr>
-            </a:outerShdw>
-          </a:effectLst>
-          <a:scene3d>
-            <a:camera prst="orthographicFront">
-              <a:rot lat="0" lon="0" rev="0"/>
-            </a:camera>
-            <a:lightRig rig="balanced" dir="t">
-              <a:rot lat="0" lon="0" rev="8700000"/>
-            </a:lightRig>
-          </a:scene3d>
-          <a:sp3d>
-            <a:bevelT w="190500" h="38100"/>
-          </a:sp3d>
-        </p:spPr>
-        <p:style>
-          <a:lnRef idx="2">
-            <a:schemeClr val="accent1">
-              <a:shade val="50000"/>
-            </a:schemeClr>
-          </a:lnRef>
-          <a:fillRef idx="1">
-            <a:schemeClr val="accent1"/>
-          </a:fillRef>
-          <a:effectRef idx="0">
-            <a:schemeClr val="accent1"/>
-          </a:effectRef>
-          <a:fontRef idx="minor">
-            <a:schemeClr val="lt1"/>
-          </a:fontRef>
-        </p:style>
-        <p:txBody>
-          <a:bodyPr rtlCol="0" anchor="ctr"/>
-          <a:lstStyle/>
-          <a:p>
-            <a:pPr algn="ctr"/>
-            <a:endParaRPr lang="en-US"/>
-          </a:p>
-        </p:txBody>
-      </p:sp>
-    </p:spTree>
-    <p:extLst>
-      <p:ext uri="{BB962C8B-B14F-4D97-AF65-F5344CB8AC3E}">
-        <p14:creationId xmlns:p14="http://schemas.microsoft.com/office/powerpoint/2010/main" val="1870183108"/>
-      </p:ext>
-    </p:extLst>
-  </p:cSld>
-  <p:clrMapOvr>
-    <a:masterClrMapping/>
-  </p:clrMapOvr>
-  <p:timing>
-    <p:tnLst>
-      <p:par>
-        <p:cTn id="1" dur="indefinite" restart="never" nodeType="tmRoot">
-          <p:childTnLst>
-            <p:seq concurrent="1" nextAc="seek">
-              <p:cTn id="2" dur="indefinite" nodeType="mainSeq">
-                <p:childTnLst>
-                  <p:par>
-                    <p:cTn id="3" fill="hold">
-                      <p:stCondLst>
-                        <p:cond delay="indefinite"/>
-                      </p:stCondLst>
-                      <p:childTnLst>
-                        <p:par>
-                          <p:cTn id="4" fill="hold">
-                            <p:stCondLst>
-                              <p:cond delay="0"/>
-                            </p:stCondLst>
-                            <p:childTnLst>
-                              <p:par>
-                                <p:cTn id="5" presetID="22" presetClass="entr" presetSubtype="8" fill="hold" grpId="0" nodeType="clickEffect">
-                                  <p:stCondLst>
-                                    <p:cond delay="0"/>
-                                  </p:stCondLst>
-                                  <p:childTnLst>
-                                    <p:set>
-                                      <p:cBhvr>
-                                        <p:cTn id="6" dur="1" fill="hold">
-                                          <p:stCondLst>
-                                            <p:cond delay="0"/>
-                                          </p:stCondLst>
-                                        </p:cTn>
-                                        <p:tgtEl>
-                                          <p:spTgt spid="7"/>
-                                        </p:tgtEl>
-                                        <p:attrNameLst>
-                                          <p:attrName>style.visibility</p:attrName>
-                                        </p:attrNameLst>
-                                      </p:cBhvr>
-                                      <p:to>
-                                        <p:strVal val="visible"/>
-                                      </p:to>
-                                    </p:set>
-                                    <p:animEffect transition="in" filter="wipe(left)">
-                                      <p:cBhvr>
-                                        <p:cTn id="7" dur="500"/>
-                                        <p:tgtEl>
-                                          <p:spTgt spid="7"/>
-                                        </p:tgtEl>
-                                      </p:cBhvr>
-                                    </p:animEffect>
-                                  </p:childTnLst>
-                                </p:cTn>
-                              </p:par>
-                            </p:childTnLst>
-                          </p:cTn>
-                        </p:par>
-                        <p:par>
-                          <p:cTn id="8" fill="hold">
-                            <p:stCondLst>
-                              <p:cond delay="500"/>
-                            </p:stCondLst>
-                            <p:childTnLst>
-                              <p:par>
-                                <p:cTn id="9" presetID="22" presetClass="exit" presetSubtype="8" fill="hold" grpId="1" nodeType="afterEffect">
-                                  <p:stCondLst>
-                                    <p:cond delay="0"/>
-                                  </p:stCondLst>
-                                  <p:childTnLst>
-                                    <p:animEffect transition="out" filter="wipe(left)">
-                                      <p:cBhvr>
-                                        <p:cTn id="10" dur="500"/>
-                                        <p:tgtEl>
-                                          <p:spTgt spid="7"/>
-                                        </p:tgtEl>
-                                      </p:cBhvr>
-                                    </p:animEffect>
-                                    <p:set>
-                                      <p:cBhvr>
-                                        <p:cTn id="11" dur="1" fill="hold">
-                                          <p:stCondLst>
-                                            <p:cond delay="499"/>
-                                          </p:stCondLst>
-                                        </p:cTn>
-                                        <p:tgtEl>
-                                          <p:spTgt spid="7"/>
-                                        </p:tgtEl>
-                                        <p:attrNameLst>
-                                          <p:attrName>style.visibility</p:attrName>
-                                        </p:attrNameLst>
-                                      </p:cBhvr>
-                                      <p:to>
-                                        <p:strVal val="hidden"/>
-                                      </p:to>
-                                    </p:set>
-                                  </p:childTnLst>
-                                </p:cTn>
-                              </p:par>
-                            </p:childTnLst>
-                          </p:cTn>
-                        </p:par>
-                      </p:childTnLst>
-                    </p:cTn>
-                  </p:par>
-                  <p:par>
-                    <p:cTn id="12" fill="hold">
-                      <p:stCondLst>
-                        <p:cond delay="indefinite"/>
-                      </p:stCondLst>
-                      <p:childTnLst>
-                        <p:par>
-                          <p:cTn id="13" fill="hold">
-                            <p:stCondLst>
-                              <p:cond delay="0"/>
-                            </p:stCondLst>
-                            <p:childTnLst>
-                              <p:par>
-                                <p:cTn id="14" presetID="22" presetClass="entr" presetSubtype="2" fill="hold" grpId="0" nodeType="clickEffect">
-                                  <p:stCondLst>
-                                    <p:cond delay="0"/>
-                                  </p:stCondLst>
-                                  <p:childTnLst>
-                                    <p:set>
-                                      <p:cBhvr>
-                                        <p:cTn id="15" dur="1" fill="hold">
-                                          <p:stCondLst>
-                                            <p:cond delay="0"/>
-                                          </p:stCondLst>
-                                        </p:cTn>
-                                        <p:tgtEl>
-                                          <p:spTgt spid="8"/>
-                                        </p:tgtEl>
-                                        <p:attrNameLst>
-                                          <p:attrName>style.visibility</p:attrName>
-                                        </p:attrNameLst>
-                                      </p:cBhvr>
-                                      <p:to>
-                                        <p:strVal val="visible"/>
-                                      </p:to>
-                                    </p:set>
-                                    <p:animEffect transition="in" filter="wipe(right)">
-                                      <p:cBhvr>
-                                        <p:cTn id="16" dur="500"/>
-                                        <p:tgtEl>
-                                          <p:spTgt spid="8"/>
-                                        </p:tgtEl>
-                                      </p:cBhvr>
-                                    </p:animEffect>
-                                  </p:childTnLst>
-                                </p:cTn>
-                              </p:par>
-                            </p:childTnLst>
-                          </p:cTn>
-                        </p:par>
-                        <p:par>
-                          <p:cTn id="17" fill="hold">
-                            <p:stCondLst>
-                              <p:cond delay="500"/>
-                            </p:stCondLst>
-                            <p:childTnLst>
-                              <p:par>
-                                <p:cTn id="18" presetID="22" presetClass="exit" presetSubtype="2" fill="hold" grpId="1" nodeType="afterEffect">
-                                  <p:stCondLst>
-                                    <p:cond delay="0"/>
-                                  </p:stCondLst>
-                                  <p:childTnLst>
-                                    <p:animEffect transition="out" filter="wipe(right)">
-                                      <p:cBhvr>
-                                        <p:cTn id="19" dur="500"/>
-                                        <p:tgtEl>
-                                          <p:spTgt spid="8"/>
-                                        </p:tgtEl>
-                                      </p:cBhvr>
-                                    </p:animEffect>
-                                    <p:set>
-                                      <p:cBhvr>
-                                        <p:cTn id="20" dur="1" fill="hold">
-                                          <p:stCondLst>
-                                            <p:cond delay="499"/>
-                                          </p:stCondLst>
-                                        </p:cTn>
-                                        <p:tgtEl>
-                                          <p:spTgt spid="8"/>
-                                        </p:tgtEl>
-                                        <p:attrNameLst>
-                                          <p:attrName>style.visibility</p:attrName>
-                                        </p:attrNameLst>
-                                      </p:cBhvr>
-                                      <p:to>
-                                        <p:strVal val="hidden"/>
-                                      </p:to>
-                                    </p:set>
-                                  </p:childTnLst>
-                                </p:cTn>
-                              </p:par>
-                            </p:childTnLst>
-                          </p:cTn>
-                        </p:par>
-                      </p:childTnLst>
-                    </p:cTn>
-                  </p:par>
-                </p:childTnLst>
-              </p:cTn>
-              <p:prevCondLst>
-                <p:cond evt="onPrev" delay="0">
-                  <p:tgtEl>
-                    <p:sldTgt/>
-                  </p:tgtEl>
-                </p:cond>
-              </p:prevCondLst>
-              <p:nextCondLst>
-                <p:cond evt="onNext" delay="0">
-                  <p:tgtEl>
-                    <p:sldTgt/>
-                  </p:tgtEl>
-                </p:cond>
-              </p:nextCondLst>
-            </p:seq>
-          </p:childTnLst>
-        </p:cTn>
-      </p:par>
-    </p:tnLst>
-    <p:bldLst>
-      <p:bldP spid="7" grpId="0" animBg="1"/>
-      <p:bldP spid="7" grpId="1" animBg="1"/>
-      <p:bldP spid="8" grpId="0" animBg="1"/>
-      <p:bldP spid="8" grpId="1" animBg="1"/>
-    </p:bldLst>
-  </p:timing>
-</p:sld>
-</file>
-
-<file path=ppt/slides/slide20.xml><?xml version="1.0" encoding="utf-8"?>
-<p:sld xmlns:a="http://schemas.openxmlformats.org/drawingml/2006/main" xmlns:r="http://schemas.openxmlformats.org/officeDocument/2006/relationships" xmlns:p="http://schemas.openxmlformats.org/presentationml/2006/main">
-  <p:cSld>
-    <p:spTree>
-      <p:nvGrpSpPr>
-        <p:cNvPr id="1" name=""/>
-        <p:cNvGrpSpPr/>
-        <p:nvPr/>
-      </p:nvGrpSpPr>
-      <p:grpSpPr>
-        <a:xfrm>
-          <a:off x="0" y="0"/>
-          <a:ext cx="0" cy="0"/>
-          <a:chOff x="0" y="0"/>
-          <a:chExt cx="0" cy="0"/>
-        </a:xfrm>
-      </p:grpSpPr>
-      <p:sp>
-        <p:nvSpPr>
-          <p:cNvPr id="2" name="Title 1"/>
-          <p:cNvSpPr>
-            <a:spLocks noGrp="1"/>
-          </p:cNvSpPr>
-          <p:nvPr>
-            <p:ph type="title"/>
-          </p:nvPr>
-        </p:nvSpPr>
-        <p:spPr/>
-        <p:txBody>
-          <a:bodyPr/>
-          <a:lstStyle/>
-          <a:p>
-            <a:r>
-              <a:rPr lang="en-US" dirty="0"/>
               <a:t>Rx Demo</a:t>
             </a:r>
           </a:p>
@@ -20512,7 +19760,7 @@
 </p:sld>
 </file>
 
-<file path=ppt/slides/slide21.xml><?xml version="1.0" encoding="utf-8"?>
+<file path=ppt/slides/slide19.xml><?xml version="1.0" encoding="utf-8"?>
 <p:sld xmlns:a="http://schemas.openxmlformats.org/drawingml/2006/main" xmlns:r="http://schemas.openxmlformats.org/officeDocument/2006/relationships" xmlns:p="http://schemas.openxmlformats.org/presentationml/2006/main">
   <p:cSld>
     <p:spTree>
@@ -23020,7 +22268,7 @@
 </p:sld>
 </file>
 
-<file path=ppt/slides/slide22.xml><?xml version="1.0" encoding="utf-8"?>
+<file path=ppt/slides/slide2.xml><?xml version="1.0" encoding="utf-8"?>
 <p:sld xmlns:a="http://schemas.openxmlformats.org/drawingml/2006/main" xmlns:r="http://schemas.openxmlformats.org/officeDocument/2006/relationships" xmlns:p="http://schemas.openxmlformats.org/presentationml/2006/main">
   <p:cSld>
     <p:spTree>
@@ -23054,6 +22302,491 @@
           <a:p>
             <a:r>
               <a:rPr lang="en-US" dirty="0"/>
+              <a:t>Problems with Pull - Web</a:t>
+            </a:r>
+          </a:p>
+        </p:txBody>
+      </p:sp>
+      <p:pic>
+        <p:nvPicPr>
+          <p:cNvPr id="5" name="Content Placeholder 4"/>
+          <p:cNvPicPr>
+            <a:picLocks noGrp="1" noChangeAspect="1"/>
+          </p:cNvPicPr>
+          <p:nvPr>
+            <p:ph idx="1"/>
+          </p:nvPr>
+        </p:nvPicPr>
+        <p:blipFill>
+          <a:blip r:embed="rId2">
+            <a:extLst>
+              <a:ext uri="{28A0092B-C50C-407E-A947-70E740481C1C}">
+                <a14:useLocalDpi xmlns:a14="http://schemas.microsoft.com/office/drawing/2010/main" val="0"/>
+              </a:ext>
+            </a:extLst>
+          </a:blip>
+          <a:stretch>
+            <a:fillRect/>
+          </a:stretch>
+        </p:blipFill>
+        <p:spPr>
+          <a:xfrm flipH="1">
+            <a:off x="627612" y="1654270"/>
+            <a:ext cx="1714500" cy="1714500"/>
+          </a:xfrm>
+        </p:spPr>
+      </p:pic>
+      <p:pic>
+        <p:nvPicPr>
+          <p:cNvPr id="6" name="Picture 5"/>
+          <p:cNvPicPr>
+            <a:picLocks noChangeAspect="1"/>
+          </p:cNvPicPr>
+          <p:nvPr/>
+        </p:nvPicPr>
+        <p:blipFill>
+          <a:blip r:embed="rId3">
+            <a:extLst>
+              <a:ext uri="{28A0092B-C50C-407E-A947-70E740481C1C}">
+                <a14:useLocalDpi xmlns:a14="http://schemas.microsoft.com/office/drawing/2010/main" val="0"/>
+              </a:ext>
+            </a:extLst>
+          </a:blip>
+          <a:stretch>
+            <a:fillRect/>
+          </a:stretch>
+        </p:blipFill>
+        <p:spPr>
+          <a:xfrm>
+            <a:off x="9395970" y="1708836"/>
+            <a:ext cx="1714500" cy="1714500"/>
+          </a:xfrm>
+          <a:prstGeom prst="rect">
+            <a:avLst/>
+          </a:prstGeom>
+        </p:spPr>
+      </p:pic>
+      <p:sp>
+        <p:nvSpPr>
+          <p:cNvPr id="7" name="Right Arrow 6"/>
+          <p:cNvSpPr/>
+          <p:nvPr/>
+        </p:nvSpPr>
+        <p:spPr>
+          <a:xfrm>
+            <a:off x="3374796" y="2036315"/>
+            <a:ext cx="5250730" cy="484632"/>
+          </a:xfrm>
+          <a:prstGeom prst="rightArrow">
+            <a:avLst/>
+          </a:prstGeom>
+        </p:spPr>
+        <p:style>
+          <a:lnRef idx="2">
+            <a:schemeClr val="accent1">
+              <a:shade val="50000"/>
+            </a:schemeClr>
+          </a:lnRef>
+          <a:fillRef idx="1">
+            <a:schemeClr val="accent1"/>
+          </a:fillRef>
+          <a:effectRef idx="0">
+            <a:schemeClr val="accent1"/>
+          </a:effectRef>
+          <a:fontRef idx="minor">
+            <a:schemeClr val="lt1"/>
+          </a:fontRef>
+        </p:style>
+        <p:txBody>
+          <a:bodyPr rtlCol="0" anchor="ctr"/>
+          <a:lstStyle/>
+          <a:p>
+            <a:pPr algn="ctr"/>
+            <a:endParaRPr lang="en-US"/>
+          </a:p>
+        </p:txBody>
+      </p:sp>
+      <p:sp>
+        <p:nvSpPr>
+          <p:cNvPr id="8" name="Right Arrow 7"/>
+          <p:cNvSpPr/>
+          <p:nvPr/>
+        </p:nvSpPr>
+        <p:spPr>
+          <a:xfrm flipH="1">
+            <a:off x="3374795" y="2520947"/>
+            <a:ext cx="5250730" cy="484632"/>
+          </a:xfrm>
+          <a:prstGeom prst="rightArrow">
+            <a:avLst/>
+          </a:prstGeom>
+        </p:spPr>
+        <p:style>
+          <a:lnRef idx="2">
+            <a:schemeClr val="accent1">
+              <a:shade val="50000"/>
+            </a:schemeClr>
+          </a:lnRef>
+          <a:fillRef idx="1">
+            <a:schemeClr val="accent1"/>
+          </a:fillRef>
+          <a:effectRef idx="0">
+            <a:schemeClr val="accent1"/>
+          </a:effectRef>
+          <a:fontRef idx="minor">
+            <a:schemeClr val="lt1"/>
+          </a:fontRef>
+        </p:style>
+        <p:txBody>
+          <a:bodyPr rtlCol="0" anchor="ctr"/>
+          <a:lstStyle/>
+          <a:p>
+            <a:pPr algn="ctr"/>
+            <a:endParaRPr lang="en-US"/>
+          </a:p>
+        </p:txBody>
+      </p:sp>
+      <p:sp>
+        <p:nvSpPr>
+          <p:cNvPr id="4" name="Cloud 3"/>
+          <p:cNvSpPr/>
+          <p:nvPr/>
+        </p:nvSpPr>
+        <p:spPr>
+          <a:xfrm>
+            <a:off x="4653960" y="1654270"/>
+            <a:ext cx="2783788" cy="1714500"/>
+          </a:xfrm>
+          <a:prstGeom prst="cloud">
+            <a:avLst/>
+          </a:prstGeom>
+          <a:solidFill>
+            <a:schemeClr val="tx1"/>
+          </a:solidFill>
+          <a:ln>
+            <a:noFill/>
+          </a:ln>
+          <a:effectLst>
+            <a:outerShdw blurRad="44450" dist="27940" dir="5400000" algn="ctr">
+              <a:srgbClr val="000000">
+                <a:alpha val="32000"/>
+              </a:srgbClr>
+            </a:outerShdw>
+          </a:effectLst>
+          <a:scene3d>
+            <a:camera prst="orthographicFront">
+              <a:rot lat="0" lon="0" rev="0"/>
+            </a:camera>
+            <a:lightRig rig="balanced" dir="t">
+              <a:rot lat="0" lon="0" rev="8700000"/>
+            </a:lightRig>
+          </a:scene3d>
+          <a:sp3d>
+            <a:bevelT w="190500" h="38100"/>
+          </a:sp3d>
+        </p:spPr>
+        <p:style>
+          <a:lnRef idx="2">
+            <a:schemeClr val="accent1">
+              <a:shade val="50000"/>
+            </a:schemeClr>
+          </a:lnRef>
+          <a:fillRef idx="1">
+            <a:schemeClr val="accent1"/>
+          </a:fillRef>
+          <a:effectRef idx="0">
+            <a:schemeClr val="accent1"/>
+          </a:effectRef>
+          <a:fontRef idx="minor">
+            <a:schemeClr val="lt1"/>
+          </a:fontRef>
+        </p:style>
+        <p:txBody>
+          <a:bodyPr rtlCol="0" anchor="ctr"/>
+          <a:lstStyle/>
+          <a:p>
+            <a:pPr algn="ctr"/>
+            <a:endParaRPr lang="en-US"/>
+          </a:p>
+        </p:txBody>
+      </p:sp>
+    </p:spTree>
+    <p:extLst>
+      <p:ext uri="{BB962C8B-B14F-4D97-AF65-F5344CB8AC3E}">
+        <p14:creationId xmlns:p14="http://schemas.microsoft.com/office/powerpoint/2010/main" val="1870183108"/>
+      </p:ext>
+    </p:extLst>
+  </p:cSld>
+  <p:clrMapOvr>
+    <a:masterClrMapping/>
+  </p:clrMapOvr>
+  <p:timing>
+    <p:tnLst>
+      <p:par>
+        <p:cTn id="1" dur="indefinite" restart="never" nodeType="tmRoot">
+          <p:childTnLst>
+            <p:seq concurrent="1" nextAc="seek">
+              <p:cTn id="2" dur="indefinite" nodeType="mainSeq">
+                <p:childTnLst>
+                  <p:par>
+                    <p:cTn id="3" fill="hold">
+                      <p:stCondLst>
+                        <p:cond delay="indefinite"/>
+                      </p:stCondLst>
+                      <p:childTnLst>
+                        <p:par>
+                          <p:cTn id="4" fill="hold">
+                            <p:stCondLst>
+                              <p:cond delay="0"/>
+                            </p:stCondLst>
+                            <p:childTnLst>
+                              <p:par>
+                                <p:cTn id="5" presetID="22" presetClass="entr" presetSubtype="8" fill="hold" grpId="0" nodeType="clickEffect">
+                                  <p:stCondLst>
+                                    <p:cond delay="0"/>
+                                  </p:stCondLst>
+                                  <p:childTnLst>
+                                    <p:set>
+                                      <p:cBhvr>
+                                        <p:cTn id="6" dur="1" fill="hold">
+                                          <p:stCondLst>
+                                            <p:cond delay="0"/>
+                                          </p:stCondLst>
+                                        </p:cTn>
+                                        <p:tgtEl>
+                                          <p:spTgt spid="7"/>
+                                        </p:tgtEl>
+                                        <p:attrNameLst>
+                                          <p:attrName>style.visibility</p:attrName>
+                                        </p:attrNameLst>
+                                      </p:cBhvr>
+                                      <p:to>
+                                        <p:strVal val="visible"/>
+                                      </p:to>
+                                    </p:set>
+                                    <p:animEffect transition="in" filter="wipe(left)">
+                                      <p:cBhvr>
+                                        <p:cTn id="7" dur="500"/>
+                                        <p:tgtEl>
+                                          <p:spTgt spid="7"/>
+                                        </p:tgtEl>
+                                      </p:cBhvr>
+                                    </p:animEffect>
+                                  </p:childTnLst>
+                                </p:cTn>
+                              </p:par>
+                            </p:childTnLst>
+                          </p:cTn>
+                        </p:par>
+                        <p:par>
+                          <p:cTn id="8" fill="hold">
+                            <p:stCondLst>
+                              <p:cond delay="500"/>
+                            </p:stCondLst>
+                            <p:childTnLst>
+                              <p:par>
+                                <p:cTn id="9" presetID="22" presetClass="exit" presetSubtype="8" fill="hold" grpId="1" nodeType="afterEffect">
+                                  <p:stCondLst>
+                                    <p:cond delay="0"/>
+                                  </p:stCondLst>
+                                  <p:childTnLst>
+                                    <p:animEffect transition="out" filter="wipe(left)">
+                                      <p:cBhvr>
+                                        <p:cTn id="10" dur="500"/>
+                                        <p:tgtEl>
+                                          <p:spTgt spid="7"/>
+                                        </p:tgtEl>
+                                      </p:cBhvr>
+                                    </p:animEffect>
+                                    <p:set>
+                                      <p:cBhvr>
+                                        <p:cTn id="11" dur="1" fill="hold">
+                                          <p:stCondLst>
+                                            <p:cond delay="499"/>
+                                          </p:stCondLst>
+                                        </p:cTn>
+                                        <p:tgtEl>
+                                          <p:spTgt spid="7"/>
+                                        </p:tgtEl>
+                                        <p:attrNameLst>
+                                          <p:attrName>style.visibility</p:attrName>
+                                        </p:attrNameLst>
+                                      </p:cBhvr>
+                                      <p:to>
+                                        <p:strVal val="hidden"/>
+                                      </p:to>
+                                    </p:set>
+                                  </p:childTnLst>
+                                </p:cTn>
+                              </p:par>
+                            </p:childTnLst>
+                          </p:cTn>
+                        </p:par>
+                      </p:childTnLst>
+                    </p:cTn>
+                  </p:par>
+                  <p:par>
+                    <p:cTn id="12" fill="hold">
+                      <p:stCondLst>
+                        <p:cond delay="indefinite"/>
+                      </p:stCondLst>
+                      <p:childTnLst>
+                        <p:par>
+                          <p:cTn id="13" fill="hold">
+                            <p:stCondLst>
+                              <p:cond delay="0"/>
+                            </p:stCondLst>
+                            <p:childTnLst>
+                              <p:par>
+                                <p:cTn id="14" presetID="22" presetClass="entr" presetSubtype="2" fill="hold" grpId="0" nodeType="clickEffect">
+                                  <p:stCondLst>
+                                    <p:cond delay="0"/>
+                                  </p:stCondLst>
+                                  <p:childTnLst>
+                                    <p:set>
+                                      <p:cBhvr>
+                                        <p:cTn id="15" dur="1" fill="hold">
+                                          <p:stCondLst>
+                                            <p:cond delay="0"/>
+                                          </p:stCondLst>
+                                        </p:cTn>
+                                        <p:tgtEl>
+                                          <p:spTgt spid="8"/>
+                                        </p:tgtEl>
+                                        <p:attrNameLst>
+                                          <p:attrName>style.visibility</p:attrName>
+                                        </p:attrNameLst>
+                                      </p:cBhvr>
+                                      <p:to>
+                                        <p:strVal val="visible"/>
+                                      </p:to>
+                                    </p:set>
+                                    <p:animEffect transition="in" filter="wipe(right)">
+                                      <p:cBhvr>
+                                        <p:cTn id="16" dur="500"/>
+                                        <p:tgtEl>
+                                          <p:spTgt spid="8"/>
+                                        </p:tgtEl>
+                                      </p:cBhvr>
+                                    </p:animEffect>
+                                  </p:childTnLst>
+                                </p:cTn>
+                              </p:par>
+                            </p:childTnLst>
+                          </p:cTn>
+                        </p:par>
+                        <p:par>
+                          <p:cTn id="17" fill="hold">
+                            <p:stCondLst>
+                              <p:cond delay="500"/>
+                            </p:stCondLst>
+                            <p:childTnLst>
+                              <p:par>
+                                <p:cTn id="18" presetID="22" presetClass="exit" presetSubtype="2" fill="hold" grpId="1" nodeType="afterEffect">
+                                  <p:stCondLst>
+                                    <p:cond delay="0"/>
+                                  </p:stCondLst>
+                                  <p:childTnLst>
+                                    <p:animEffect transition="out" filter="wipe(right)">
+                                      <p:cBhvr>
+                                        <p:cTn id="19" dur="500"/>
+                                        <p:tgtEl>
+                                          <p:spTgt spid="8"/>
+                                        </p:tgtEl>
+                                      </p:cBhvr>
+                                    </p:animEffect>
+                                    <p:set>
+                                      <p:cBhvr>
+                                        <p:cTn id="20" dur="1" fill="hold">
+                                          <p:stCondLst>
+                                            <p:cond delay="499"/>
+                                          </p:stCondLst>
+                                        </p:cTn>
+                                        <p:tgtEl>
+                                          <p:spTgt spid="8"/>
+                                        </p:tgtEl>
+                                        <p:attrNameLst>
+                                          <p:attrName>style.visibility</p:attrName>
+                                        </p:attrNameLst>
+                                      </p:cBhvr>
+                                      <p:to>
+                                        <p:strVal val="hidden"/>
+                                      </p:to>
+                                    </p:set>
+                                  </p:childTnLst>
+                                </p:cTn>
+                              </p:par>
+                            </p:childTnLst>
+                          </p:cTn>
+                        </p:par>
+                      </p:childTnLst>
+                    </p:cTn>
+                  </p:par>
+                </p:childTnLst>
+              </p:cTn>
+              <p:prevCondLst>
+                <p:cond evt="onPrev" delay="0">
+                  <p:tgtEl>
+                    <p:sldTgt/>
+                  </p:tgtEl>
+                </p:cond>
+              </p:prevCondLst>
+              <p:nextCondLst>
+                <p:cond evt="onNext" delay="0">
+                  <p:tgtEl>
+                    <p:sldTgt/>
+                  </p:tgtEl>
+                </p:cond>
+              </p:nextCondLst>
+            </p:seq>
+          </p:childTnLst>
+        </p:cTn>
+      </p:par>
+    </p:tnLst>
+    <p:bldLst>
+      <p:bldP spid="7" grpId="0" animBg="1"/>
+      <p:bldP spid="7" grpId="1" animBg="1"/>
+      <p:bldP spid="8" grpId="0" animBg="1"/>
+      <p:bldP spid="8" grpId="1" animBg="1"/>
+    </p:bldLst>
+  </p:timing>
+</p:sld>
+</file>
+
+<file path=ppt/slides/slide20.xml><?xml version="1.0" encoding="utf-8"?>
+<p:sld xmlns:a="http://schemas.openxmlformats.org/drawingml/2006/main" xmlns:r="http://schemas.openxmlformats.org/officeDocument/2006/relationships" xmlns:p="http://schemas.openxmlformats.org/presentationml/2006/main">
+  <p:cSld>
+    <p:spTree>
+      <p:nvGrpSpPr>
+        <p:cNvPr id="1" name=""/>
+        <p:cNvGrpSpPr/>
+        <p:nvPr/>
+      </p:nvGrpSpPr>
+      <p:grpSpPr>
+        <a:xfrm>
+          <a:off x="0" y="0"/>
+          <a:ext cx="0" cy="0"/>
+          <a:chOff x="0" y="0"/>
+          <a:chExt cx="0" cy="0"/>
+        </a:xfrm>
+      </p:grpSpPr>
+      <p:sp>
+        <p:nvSpPr>
+          <p:cNvPr id="2" name="Title 1"/>
+          <p:cNvSpPr>
+            <a:spLocks noGrp="1"/>
+          </p:cNvSpPr>
+          <p:nvPr>
+            <p:ph type="title"/>
+          </p:nvPr>
+        </p:nvSpPr>
+        <p:spPr/>
+        <p:txBody>
+          <a:bodyPr/>
+          <a:lstStyle/>
+          <a:p>
+            <a:r>
+              <a:rPr lang="en-US" dirty="0"/>
               <a:t>RX Push - Client</a:t>
             </a:r>
           </a:p>
@@ -24327,7 +24060,7 @@
 </p:sld>
 </file>
 
-<file path=ppt/slides/slide23.xml><?xml version="1.0" encoding="utf-8"?>
+<file path=ppt/slides/slide21.xml><?xml version="1.0" encoding="utf-8"?>
 <p:sld xmlns:a="http://schemas.openxmlformats.org/drawingml/2006/main" xmlns:r="http://schemas.openxmlformats.org/officeDocument/2006/relationships" xmlns:p="http://schemas.openxmlformats.org/presentationml/2006/main">
   <p:cSld>
     <p:spTree>
@@ -24413,7 +24146,7 @@
 </p:sld>
 </file>
 
-<file path=ppt/slides/slide24.xml><?xml version="1.0" encoding="utf-8"?>
+<file path=ppt/slides/slide22.xml><?xml version="1.0" encoding="utf-8"?>
 <p:sld xmlns:a="http://schemas.openxmlformats.org/drawingml/2006/main" xmlns:r="http://schemas.openxmlformats.org/officeDocument/2006/relationships" xmlns:p="http://schemas.openxmlformats.org/presentationml/2006/main">
   <p:cSld>
     <p:spTree>
@@ -26237,7 +25970,7 @@
 </p:sld>
 </file>
 
-<file path=ppt/slides/slide25.xml><?xml version="1.0" encoding="utf-8"?>
+<file path=ppt/slides/slide23.xml><?xml version="1.0" encoding="utf-8"?>
 <p:sld xmlns:a="http://schemas.openxmlformats.org/drawingml/2006/main" xmlns:r="http://schemas.openxmlformats.org/officeDocument/2006/relationships" xmlns:p="http://schemas.openxmlformats.org/presentationml/2006/main">
   <p:cSld>
     <p:spTree>
@@ -26613,7 +26346,7 @@
 </p:sld>
 </file>
 
-<file path=ppt/slides/slide26.xml><?xml version="1.0" encoding="utf-8"?>
+<file path=ppt/slides/slide24.xml><?xml version="1.0" encoding="utf-8"?>
 <p:sld xmlns:a="http://schemas.openxmlformats.org/drawingml/2006/main" xmlns:r="http://schemas.openxmlformats.org/officeDocument/2006/relationships" xmlns:p="http://schemas.openxmlformats.org/presentationml/2006/main">
   <p:cSld>
     <p:spTree>
@@ -26937,7 +26670,7 @@
 </p:sld>
 </file>
 
-<file path=ppt/slides/slide27.xml><?xml version="1.0" encoding="utf-8"?>
+<file path=ppt/slides/slide25.xml><?xml version="1.0" encoding="utf-8"?>
 <p:sld xmlns:a="http://schemas.openxmlformats.org/drawingml/2006/main" xmlns:r="http://schemas.openxmlformats.org/officeDocument/2006/relationships" xmlns:p="http://schemas.openxmlformats.org/presentationml/2006/main">
   <p:cSld>
     <p:spTree>
